--- a/SWEN Assignment Report & PPT/Assignment 3/SWEN Assignment 3 PPT.pptx
+++ b/SWEN Assignment Report & PPT/Assignment 3/SWEN Assignment 3 PPT.pptx
@@ -2,10 +2,16 @@
 <file path=ppt/presentation.xml><?xml version="1.0" encoding="utf-8"?>
 <p:presentation xmlns:a="http://schemas.openxmlformats.org/drawingml/2006/main" xmlns:r="http://schemas.openxmlformats.org/officeDocument/2006/relationships" xmlns:p="http://schemas.openxmlformats.org/presentationml/2006/main" saveSubsetFonts="1">
   <p:sldMasterIdLst>
-    <p:sldMasterId id="2147483648" r:id="rId1"/>
+    <p:sldMasterId id="2147483660" r:id="rId1"/>
   </p:sldMasterIdLst>
+  <p:notesMasterIdLst>
+    <p:notesMasterId r:id="rId6"/>
+  </p:notesMasterIdLst>
   <p:sldIdLst>
     <p:sldId id="256" r:id="rId2"/>
+    <p:sldId id="257" r:id="rId3"/>
+    <p:sldId id="258" r:id="rId4"/>
+    <p:sldId id="259" r:id="rId5"/>
   </p:sldIdLst>
   <p:sldSz cx="12192000" cy="6858000"/>
   <p:notesSz cx="6858000" cy="9144000"/>
@@ -104,7 +110,469 @@
       </a:defRPr>
     </a:lvl9pPr>
   </p:defaultTextStyle>
+  <p:extLst>
+    <p:ext uri="{EFAFB233-063F-42B5-8137-9DF3F51BA10A}">
+      <p15:sldGuideLst xmlns:p15="http://schemas.microsoft.com/office/powerpoint/2012/main"/>
+    </p:ext>
+  </p:extLst>
 </p:presentation>
+</file>
+
+<file path=ppt/notesMasters/notesMaster1.xml><?xml version="1.0" encoding="utf-8"?>
+<p:notesMaster xmlns:a="http://schemas.openxmlformats.org/drawingml/2006/main" xmlns:r="http://schemas.openxmlformats.org/officeDocument/2006/relationships" xmlns:p="http://schemas.openxmlformats.org/presentationml/2006/main">
+  <p:cSld>
+    <p:bg>
+      <p:bgRef idx="1001">
+        <a:schemeClr val="bg1"/>
+      </p:bgRef>
+    </p:bg>
+    <p:spTree>
+      <p:nvGrpSpPr>
+        <p:cNvPr id="1" name=""/>
+        <p:cNvGrpSpPr/>
+        <p:nvPr/>
+      </p:nvGrpSpPr>
+      <p:grpSpPr>
+        <a:xfrm>
+          <a:off x="0" y="0"/>
+          <a:ext cx="0" cy="0"/>
+          <a:chOff x="0" y="0"/>
+          <a:chExt cx="0" cy="0"/>
+        </a:xfrm>
+      </p:grpSpPr>
+      <p:sp>
+        <p:nvSpPr>
+          <p:cNvPr id="2" name="Header Placeholder 1"/>
+          <p:cNvSpPr>
+            <a:spLocks noGrp="1"/>
+          </p:cNvSpPr>
+          <p:nvPr>
+            <p:ph type="hdr" sz="quarter"/>
+          </p:nvPr>
+        </p:nvSpPr>
+        <p:spPr>
+          <a:xfrm>
+            <a:off x="0" y="0"/>
+            <a:ext cx="2971800" cy="458788"/>
+          </a:xfrm>
+          <a:prstGeom prst="rect">
+            <a:avLst/>
+          </a:prstGeom>
+        </p:spPr>
+        <p:txBody>
+          <a:bodyPr vert="horz" lIns="91440" tIns="45720" rIns="91440" bIns="45720" rtlCol="0"/>
+          <a:lstStyle>
+            <a:lvl1pPr algn="l">
+              <a:defRPr sz="1200"/>
+            </a:lvl1pPr>
+          </a:lstStyle>
+          <a:p>
+            <a:endParaRPr lang="en-US"/>
+          </a:p>
+        </p:txBody>
+      </p:sp>
+      <p:sp>
+        <p:nvSpPr>
+          <p:cNvPr id="3" name="Date Placeholder 2"/>
+          <p:cNvSpPr>
+            <a:spLocks noGrp="1"/>
+          </p:cNvSpPr>
+          <p:nvPr>
+            <p:ph type="dt" idx="1"/>
+          </p:nvPr>
+        </p:nvSpPr>
+        <p:spPr>
+          <a:xfrm>
+            <a:off x="3884613" y="0"/>
+            <a:ext cx="2971800" cy="458788"/>
+          </a:xfrm>
+          <a:prstGeom prst="rect">
+            <a:avLst/>
+          </a:prstGeom>
+        </p:spPr>
+        <p:txBody>
+          <a:bodyPr vert="horz" lIns="91440" tIns="45720" rIns="91440" bIns="45720" rtlCol="0"/>
+          <a:lstStyle>
+            <a:lvl1pPr algn="r">
+              <a:defRPr sz="1200"/>
+            </a:lvl1pPr>
+          </a:lstStyle>
+          <a:p>
+            <a:fld id="{6FD99921-98CE-445F-ABCF-15EDC9273881}" type="datetimeFigureOut">
+              <a:rPr lang="en-US" smtClean="0"/>
+              <a:t>6/3/2015</a:t>
+            </a:fld>
+            <a:endParaRPr lang="en-US"/>
+          </a:p>
+        </p:txBody>
+      </p:sp>
+      <p:sp>
+        <p:nvSpPr>
+          <p:cNvPr id="4" name="Slide Image Placeholder 3"/>
+          <p:cNvSpPr>
+            <a:spLocks noGrp="1" noRot="1" noChangeAspect="1"/>
+          </p:cNvSpPr>
+          <p:nvPr>
+            <p:ph type="sldImg" idx="2"/>
+          </p:nvPr>
+        </p:nvSpPr>
+        <p:spPr>
+          <a:xfrm>
+            <a:off x="685800" y="1143000"/>
+            <a:ext cx="5486400" cy="3086100"/>
+          </a:xfrm>
+          <a:prstGeom prst="rect">
+            <a:avLst/>
+          </a:prstGeom>
+          <a:noFill/>
+          <a:ln w="12700">
+            <a:solidFill>
+              <a:prstClr val="black"/>
+            </a:solidFill>
+          </a:ln>
+        </p:spPr>
+        <p:txBody>
+          <a:bodyPr vert="horz" lIns="91440" tIns="45720" rIns="91440" bIns="45720" rtlCol="0" anchor="ctr"/>
+          <a:lstStyle/>
+          <a:p>
+            <a:endParaRPr lang="en-US"/>
+          </a:p>
+        </p:txBody>
+      </p:sp>
+      <p:sp>
+        <p:nvSpPr>
+          <p:cNvPr id="5" name="Notes Placeholder 4"/>
+          <p:cNvSpPr>
+            <a:spLocks noGrp="1"/>
+          </p:cNvSpPr>
+          <p:nvPr>
+            <p:ph type="body" sz="quarter" idx="3"/>
+          </p:nvPr>
+        </p:nvSpPr>
+        <p:spPr>
+          <a:xfrm>
+            <a:off x="685800" y="4400550"/>
+            <a:ext cx="5486400" cy="3600450"/>
+          </a:xfrm>
+          <a:prstGeom prst="rect">
+            <a:avLst/>
+          </a:prstGeom>
+        </p:spPr>
+        <p:txBody>
+          <a:bodyPr vert="horz" lIns="91440" tIns="45720" rIns="91440" bIns="45720" rtlCol="0"/>
+          <a:lstStyle/>
+          <a:p>
+            <a:pPr lvl="0"/>
+            <a:r>
+              <a:rPr lang="en-US" smtClean="0"/>
+              <a:t>Click to edit Master text styles</a:t>
+            </a:r>
+          </a:p>
+          <a:p>
+            <a:pPr lvl="1"/>
+            <a:r>
+              <a:rPr lang="en-US" smtClean="0"/>
+              <a:t>Second level</a:t>
+            </a:r>
+          </a:p>
+          <a:p>
+            <a:pPr lvl="2"/>
+            <a:r>
+              <a:rPr lang="en-US" smtClean="0"/>
+              <a:t>Third level</a:t>
+            </a:r>
+          </a:p>
+          <a:p>
+            <a:pPr lvl="3"/>
+            <a:r>
+              <a:rPr lang="en-US" smtClean="0"/>
+              <a:t>Fourth level</a:t>
+            </a:r>
+          </a:p>
+          <a:p>
+            <a:pPr lvl="4"/>
+            <a:r>
+              <a:rPr lang="en-US" smtClean="0"/>
+              <a:t>Fifth level</a:t>
+            </a:r>
+            <a:endParaRPr lang="en-US"/>
+          </a:p>
+        </p:txBody>
+      </p:sp>
+      <p:sp>
+        <p:nvSpPr>
+          <p:cNvPr id="6" name="Footer Placeholder 5"/>
+          <p:cNvSpPr>
+            <a:spLocks noGrp="1"/>
+          </p:cNvSpPr>
+          <p:nvPr>
+            <p:ph type="ftr" sz="quarter" idx="4"/>
+          </p:nvPr>
+        </p:nvSpPr>
+        <p:spPr>
+          <a:xfrm>
+            <a:off x="0" y="8685213"/>
+            <a:ext cx="2971800" cy="458787"/>
+          </a:xfrm>
+          <a:prstGeom prst="rect">
+            <a:avLst/>
+          </a:prstGeom>
+        </p:spPr>
+        <p:txBody>
+          <a:bodyPr vert="horz" lIns="91440" tIns="45720" rIns="91440" bIns="45720" rtlCol="0" anchor="b"/>
+          <a:lstStyle>
+            <a:lvl1pPr algn="l">
+              <a:defRPr sz="1200"/>
+            </a:lvl1pPr>
+          </a:lstStyle>
+          <a:p>
+            <a:endParaRPr lang="en-US"/>
+          </a:p>
+        </p:txBody>
+      </p:sp>
+      <p:sp>
+        <p:nvSpPr>
+          <p:cNvPr id="7" name="Slide Number Placeholder 6"/>
+          <p:cNvSpPr>
+            <a:spLocks noGrp="1"/>
+          </p:cNvSpPr>
+          <p:nvPr>
+            <p:ph type="sldNum" sz="quarter" idx="5"/>
+          </p:nvPr>
+        </p:nvSpPr>
+        <p:spPr>
+          <a:xfrm>
+            <a:off x="3884613" y="8685213"/>
+            <a:ext cx="2971800" cy="458787"/>
+          </a:xfrm>
+          <a:prstGeom prst="rect">
+            <a:avLst/>
+          </a:prstGeom>
+        </p:spPr>
+        <p:txBody>
+          <a:bodyPr vert="horz" lIns="91440" tIns="45720" rIns="91440" bIns="45720" rtlCol="0" anchor="b"/>
+          <a:lstStyle>
+            <a:lvl1pPr algn="r">
+              <a:defRPr sz="1200"/>
+            </a:lvl1pPr>
+          </a:lstStyle>
+          <a:p>
+            <a:fld id="{FF491BE1-80E0-4DCE-9102-038343DDEE2B}" type="slidenum">
+              <a:rPr lang="en-US" smtClean="0"/>
+              <a:t>‹#›</a:t>
+            </a:fld>
+            <a:endParaRPr lang="en-US"/>
+          </a:p>
+        </p:txBody>
+      </p:sp>
+    </p:spTree>
+    <p:extLst>
+      <p:ext uri="{BB962C8B-B14F-4D97-AF65-F5344CB8AC3E}">
+        <p14:creationId xmlns:p14="http://schemas.microsoft.com/office/powerpoint/2010/main" val="3637683718"/>
+      </p:ext>
+    </p:extLst>
+  </p:cSld>
+  <p:clrMap bg1="lt1" tx1="dk1" bg2="lt2" tx2="dk2" accent1="accent1" accent2="accent2" accent3="accent3" accent4="accent4" accent5="accent5" accent6="accent6" hlink="hlink" folHlink="folHlink"/>
+  <p:notesStyle>
+    <a:lvl1pPr marL="0" algn="l" defTabSz="914400" rtl="0" eaLnBrk="1" latinLnBrk="0" hangingPunct="1">
+      <a:defRPr sz="1200" kern="1200">
+        <a:solidFill>
+          <a:schemeClr val="tx1"/>
+        </a:solidFill>
+        <a:latin typeface="+mn-lt"/>
+        <a:ea typeface="+mn-ea"/>
+        <a:cs typeface="+mn-cs"/>
+      </a:defRPr>
+    </a:lvl1pPr>
+    <a:lvl2pPr marL="457200" algn="l" defTabSz="914400" rtl="0" eaLnBrk="1" latinLnBrk="0" hangingPunct="1">
+      <a:defRPr sz="1200" kern="1200">
+        <a:solidFill>
+          <a:schemeClr val="tx1"/>
+        </a:solidFill>
+        <a:latin typeface="+mn-lt"/>
+        <a:ea typeface="+mn-ea"/>
+        <a:cs typeface="+mn-cs"/>
+      </a:defRPr>
+    </a:lvl2pPr>
+    <a:lvl3pPr marL="914400" algn="l" defTabSz="914400" rtl="0" eaLnBrk="1" latinLnBrk="0" hangingPunct="1">
+      <a:defRPr sz="1200" kern="1200">
+        <a:solidFill>
+          <a:schemeClr val="tx1"/>
+        </a:solidFill>
+        <a:latin typeface="+mn-lt"/>
+        <a:ea typeface="+mn-ea"/>
+        <a:cs typeface="+mn-cs"/>
+      </a:defRPr>
+    </a:lvl3pPr>
+    <a:lvl4pPr marL="1371600" algn="l" defTabSz="914400" rtl="0" eaLnBrk="1" latinLnBrk="0" hangingPunct="1">
+      <a:defRPr sz="1200" kern="1200">
+        <a:solidFill>
+          <a:schemeClr val="tx1"/>
+        </a:solidFill>
+        <a:latin typeface="+mn-lt"/>
+        <a:ea typeface="+mn-ea"/>
+        <a:cs typeface="+mn-cs"/>
+      </a:defRPr>
+    </a:lvl4pPr>
+    <a:lvl5pPr marL="1828800" algn="l" defTabSz="914400" rtl="0" eaLnBrk="1" latinLnBrk="0" hangingPunct="1">
+      <a:defRPr sz="1200" kern="1200">
+        <a:solidFill>
+          <a:schemeClr val="tx1"/>
+        </a:solidFill>
+        <a:latin typeface="+mn-lt"/>
+        <a:ea typeface="+mn-ea"/>
+        <a:cs typeface="+mn-cs"/>
+      </a:defRPr>
+    </a:lvl5pPr>
+    <a:lvl6pPr marL="2286000" algn="l" defTabSz="914400" rtl="0" eaLnBrk="1" latinLnBrk="0" hangingPunct="1">
+      <a:defRPr sz="1200" kern="1200">
+        <a:solidFill>
+          <a:schemeClr val="tx1"/>
+        </a:solidFill>
+        <a:latin typeface="+mn-lt"/>
+        <a:ea typeface="+mn-ea"/>
+        <a:cs typeface="+mn-cs"/>
+      </a:defRPr>
+    </a:lvl6pPr>
+    <a:lvl7pPr marL="2743200" algn="l" defTabSz="914400" rtl="0" eaLnBrk="1" latinLnBrk="0" hangingPunct="1">
+      <a:defRPr sz="1200" kern="1200">
+        <a:solidFill>
+          <a:schemeClr val="tx1"/>
+        </a:solidFill>
+        <a:latin typeface="+mn-lt"/>
+        <a:ea typeface="+mn-ea"/>
+        <a:cs typeface="+mn-cs"/>
+      </a:defRPr>
+    </a:lvl7pPr>
+    <a:lvl8pPr marL="3200400" algn="l" defTabSz="914400" rtl="0" eaLnBrk="1" latinLnBrk="0" hangingPunct="1">
+      <a:defRPr sz="1200" kern="1200">
+        <a:solidFill>
+          <a:schemeClr val="tx1"/>
+        </a:solidFill>
+        <a:latin typeface="+mn-lt"/>
+        <a:ea typeface="+mn-ea"/>
+        <a:cs typeface="+mn-cs"/>
+      </a:defRPr>
+    </a:lvl8pPr>
+    <a:lvl9pPr marL="3657600" algn="l" defTabSz="914400" rtl="0" eaLnBrk="1" latinLnBrk="0" hangingPunct="1">
+      <a:defRPr sz="1200" kern="1200">
+        <a:solidFill>
+          <a:schemeClr val="tx1"/>
+        </a:solidFill>
+        <a:latin typeface="+mn-lt"/>
+        <a:ea typeface="+mn-ea"/>
+        <a:cs typeface="+mn-cs"/>
+      </a:defRPr>
+    </a:lvl9pPr>
+  </p:notesStyle>
+</p:notesMaster>
+</file>
+
+<file path=ppt/notesSlides/notesSlide1.xml><?xml version="1.0" encoding="utf-8"?>
+<p:notes xmlns:a="http://schemas.openxmlformats.org/drawingml/2006/main" xmlns:r="http://schemas.openxmlformats.org/officeDocument/2006/relationships" xmlns:p="http://schemas.openxmlformats.org/presentationml/2006/main">
+  <p:cSld>
+    <p:spTree>
+      <p:nvGrpSpPr>
+        <p:cNvPr id="1" name=""/>
+        <p:cNvGrpSpPr/>
+        <p:nvPr/>
+      </p:nvGrpSpPr>
+      <p:grpSpPr>
+        <a:xfrm>
+          <a:off x="0" y="0"/>
+          <a:ext cx="0" cy="0"/>
+          <a:chOff x="0" y="0"/>
+          <a:chExt cx="0" cy="0"/>
+        </a:xfrm>
+      </p:grpSpPr>
+      <p:sp>
+        <p:nvSpPr>
+          <p:cNvPr id="2" name="Slide Image Placeholder 1"/>
+          <p:cNvSpPr>
+            <a:spLocks noGrp="1" noRot="1" noChangeAspect="1"/>
+          </p:cNvSpPr>
+          <p:nvPr>
+            <p:ph type="sldImg"/>
+          </p:nvPr>
+        </p:nvSpPr>
+        <p:spPr/>
+      </p:sp>
+      <p:sp>
+        <p:nvSpPr>
+          <p:cNvPr id="3" name="Notes Placeholder 2"/>
+          <p:cNvSpPr>
+            <a:spLocks noGrp="1"/>
+          </p:cNvSpPr>
+          <p:nvPr>
+            <p:ph type="body" idx="1"/>
+          </p:nvPr>
+        </p:nvSpPr>
+        <p:spPr/>
+        <p:txBody>
+          <a:bodyPr/>
+          <a:lstStyle/>
+          <a:p>
+            <a:r>
+              <a:rPr lang="en-US" sz="1200" kern="1200" dirty="0" smtClean="0">
+                <a:solidFill>
+                  <a:schemeClr val="tx1"/>
+                </a:solidFill>
+                <a:effectLst/>
+                <a:latin typeface="+mn-lt"/>
+                <a:ea typeface="+mn-ea"/>
+                <a:cs typeface="+mn-cs"/>
+              </a:rPr>
+              <a:t>User ranges from receptionist, management and administrator</a:t>
+            </a:r>
+            <a:br>
+              <a:rPr lang="en-US" sz="1200" kern="1200" dirty="0" smtClean="0">
+                <a:solidFill>
+                  <a:schemeClr val="tx1"/>
+                </a:solidFill>
+                <a:effectLst/>
+                <a:latin typeface="+mn-lt"/>
+                <a:ea typeface="+mn-ea"/>
+                <a:cs typeface="+mn-cs"/>
+              </a:rPr>
+            </a:br>
+            <a:endParaRPr lang="en-US" dirty="0"/>
+          </a:p>
+        </p:txBody>
+      </p:sp>
+      <p:sp>
+        <p:nvSpPr>
+          <p:cNvPr id="4" name="Slide Number Placeholder 3"/>
+          <p:cNvSpPr>
+            <a:spLocks noGrp="1"/>
+          </p:cNvSpPr>
+          <p:nvPr>
+            <p:ph type="sldNum" sz="quarter" idx="10"/>
+          </p:nvPr>
+        </p:nvSpPr>
+        <p:spPr/>
+        <p:txBody>
+          <a:bodyPr/>
+          <a:lstStyle/>
+          <a:p>
+            <a:fld id="{FF491BE1-80E0-4DCE-9102-038343DDEE2B}" type="slidenum">
+              <a:rPr lang="en-US" smtClean="0"/>
+              <a:t>2</a:t>
+            </a:fld>
+            <a:endParaRPr lang="en-US"/>
+          </a:p>
+        </p:txBody>
+      </p:sp>
+    </p:spTree>
+    <p:extLst>
+      <p:ext uri="{BB962C8B-B14F-4D97-AF65-F5344CB8AC3E}">
+        <p14:creationId xmlns:p14="http://schemas.microsoft.com/office/powerpoint/2010/main" val="2181690207"/>
+      </p:ext>
+    </p:extLst>
+  </p:cSld>
+  <p:clrMapOvr>
+    <a:masterClrMapping/>
+  </p:clrMapOvr>
+</p:notes>
 </file>
 
 <file path=ppt/slideLayouts/slideLayout1.xml><?xml version="1.0" encoding="utf-8"?>
@@ -136,15 +604,15 @@
         </p:nvSpPr>
         <p:spPr>
           <a:xfrm>
-            <a:off x="1524000" y="1122363"/>
-            <a:ext cx="9144000" cy="2387600"/>
+            <a:off x="1154955" y="1447800"/>
+            <a:ext cx="8825658" cy="3329581"/>
           </a:xfrm>
         </p:spPr>
         <p:txBody>
           <a:bodyPr anchor="b"/>
           <a:lstStyle>
-            <a:lvl1pPr algn="ctr">
-              <a:defRPr sz="6000"/>
+            <a:lvl1pPr>
+              <a:defRPr sz="7200"/>
             </a:lvl1pPr>
           </a:lstStyle>
           <a:p>
@@ -152,7 +620,7 @@
               <a:rPr lang="en-US" smtClean="0"/>
               <a:t>Click to edit Master title style</a:t>
             </a:r>
-            <a:endParaRPr lang="en-SG"/>
+            <a:endParaRPr lang="en-US" dirty="0"/>
           </a:p>
         </p:txBody>
       </p:sp>
@@ -168,48 +636,103 @@
         </p:nvSpPr>
         <p:spPr>
           <a:xfrm>
-            <a:off x="1524000" y="3602038"/>
-            <a:ext cx="9144000" cy="1655762"/>
+            <a:off x="1154955" y="4777380"/>
+            <a:ext cx="8825658" cy="861420"/>
           </a:xfrm>
         </p:spPr>
         <p:txBody>
-          <a:bodyPr/>
+          <a:bodyPr anchor="t"/>
           <a:lstStyle>
-            <a:lvl1pPr marL="0" indent="0" algn="ctr">
-              <a:buNone/>
-              <a:defRPr sz="2400"/>
+            <a:lvl1pPr marL="0" indent="0" algn="l">
+              <a:buNone/>
+              <a:defRPr cap="all">
+                <a:solidFill>
+                  <a:schemeClr val="bg2">
+                    <a:lumMod val="40000"/>
+                    <a:lumOff val="60000"/>
+                  </a:schemeClr>
+                </a:solidFill>
+              </a:defRPr>
             </a:lvl1pPr>
             <a:lvl2pPr marL="457200" indent="0" algn="ctr">
               <a:buNone/>
-              <a:defRPr sz="2000"/>
+              <a:defRPr>
+                <a:solidFill>
+                  <a:schemeClr val="tx1">
+                    <a:tint val="75000"/>
+                  </a:schemeClr>
+                </a:solidFill>
+              </a:defRPr>
             </a:lvl2pPr>
             <a:lvl3pPr marL="914400" indent="0" algn="ctr">
               <a:buNone/>
-              <a:defRPr sz="1800"/>
+              <a:defRPr>
+                <a:solidFill>
+                  <a:schemeClr val="tx1">
+                    <a:tint val="75000"/>
+                  </a:schemeClr>
+                </a:solidFill>
+              </a:defRPr>
             </a:lvl3pPr>
             <a:lvl4pPr marL="1371600" indent="0" algn="ctr">
               <a:buNone/>
-              <a:defRPr sz="1600"/>
+              <a:defRPr>
+                <a:solidFill>
+                  <a:schemeClr val="tx1">
+                    <a:tint val="75000"/>
+                  </a:schemeClr>
+                </a:solidFill>
+              </a:defRPr>
             </a:lvl4pPr>
             <a:lvl5pPr marL="1828800" indent="0" algn="ctr">
               <a:buNone/>
-              <a:defRPr sz="1600"/>
+              <a:defRPr>
+                <a:solidFill>
+                  <a:schemeClr val="tx1">
+                    <a:tint val="75000"/>
+                  </a:schemeClr>
+                </a:solidFill>
+              </a:defRPr>
             </a:lvl5pPr>
             <a:lvl6pPr marL="2286000" indent="0" algn="ctr">
               <a:buNone/>
-              <a:defRPr sz="1600"/>
+              <a:defRPr>
+                <a:solidFill>
+                  <a:schemeClr val="tx1">
+                    <a:tint val="75000"/>
+                  </a:schemeClr>
+                </a:solidFill>
+              </a:defRPr>
             </a:lvl6pPr>
             <a:lvl7pPr marL="2743200" indent="0" algn="ctr">
               <a:buNone/>
-              <a:defRPr sz="1600"/>
+              <a:defRPr>
+                <a:solidFill>
+                  <a:schemeClr val="tx1">
+                    <a:tint val="75000"/>
+                  </a:schemeClr>
+                </a:solidFill>
+              </a:defRPr>
             </a:lvl7pPr>
             <a:lvl8pPr marL="3200400" indent="0" algn="ctr">
               <a:buNone/>
-              <a:defRPr sz="1600"/>
+              <a:defRPr>
+                <a:solidFill>
+                  <a:schemeClr val="tx1">
+                    <a:tint val="75000"/>
+                  </a:schemeClr>
+                </a:solidFill>
+              </a:defRPr>
             </a:lvl8pPr>
             <a:lvl9pPr marL="3657600" indent="0" algn="ctr">
               <a:buNone/>
-              <a:defRPr sz="1600"/>
+              <a:defRPr>
+                <a:solidFill>
+                  <a:schemeClr val="tx1">
+                    <a:tint val="75000"/>
+                  </a:schemeClr>
+                </a:solidFill>
+              </a:defRPr>
             </a:lvl9pPr>
           </a:lstStyle>
           <a:p>
@@ -217,7 +740,7 @@
               <a:rPr lang="en-US" smtClean="0"/>
               <a:t>Click to edit Master subtitle style</a:t>
             </a:r>
-            <a:endParaRPr lang="en-SG"/>
+            <a:endParaRPr lang="en-US" dirty="0"/>
           </a:p>
         </p:txBody>
       </p:sp>
@@ -238,7 +761,7 @@
           <a:p>
             <a:fld id="{9A1B6128-0A2F-42B8-B22C-1CB21B575655}" type="datetimeFigureOut">
               <a:rPr lang="en-SG" smtClean="0"/>
-              <a:t>2/6/2015</a:t>
+              <a:t>3/6/2015</a:t>
             </a:fld>
             <a:endParaRPr lang="en-SG"/>
           </a:p>
@@ -289,7 +812,7 @@
     </p:spTree>
     <p:extLst>
       <p:ext uri="{BB962C8B-B14F-4D97-AF65-F5344CB8AC3E}">
-        <p14:creationId xmlns:p14="http://schemas.microsoft.com/office/powerpoint/2010/main" val="2902725956"/>
+        <p14:creationId xmlns:p14="http://schemas.microsoft.com/office/powerpoint/2010/main" val="4282377418"/>
       </p:ext>
     </p:extLst>
   </p:cSld>
@@ -300,6 +823,2572 @@
 </file>
 
 <file path=ppt/slideLayouts/slideLayout10.xml><?xml version="1.0" encoding="utf-8"?>
+<p:sldLayout xmlns:a="http://schemas.openxmlformats.org/drawingml/2006/main" xmlns:r="http://schemas.openxmlformats.org/officeDocument/2006/relationships" xmlns:p="http://schemas.openxmlformats.org/presentationml/2006/main" preserve="1">
+  <p:cSld name="Panoramic Picture with Caption">
+    <p:spTree>
+      <p:nvGrpSpPr>
+        <p:cNvPr id="1" name=""/>
+        <p:cNvGrpSpPr/>
+        <p:nvPr/>
+      </p:nvGrpSpPr>
+      <p:grpSpPr>
+        <a:xfrm>
+          <a:off x="0" y="0"/>
+          <a:ext cx="0" cy="0"/>
+          <a:chOff x="0" y="0"/>
+          <a:chExt cx="0" cy="0"/>
+        </a:xfrm>
+      </p:grpSpPr>
+      <p:sp>
+        <p:nvSpPr>
+          <p:cNvPr id="2" name="Title 1"/>
+          <p:cNvSpPr>
+            <a:spLocks noGrp="1"/>
+          </p:cNvSpPr>
+          <p:nvPr>
+            <p:ph type="title"/>
+          </p:nvPr>
+        </p:nvSpPr>
+        <p:spPr>
+          <a:xfrm>
+            <a:off x="1154956" y="4800587"/>
+            <a:ext cx="8825657" cy="566738"/>
+          </a:xfrm>
+        </p:spPr>
+        <p:txBody>
+          <a:bodyPr anchor="b">
+            <a:normAutofit/>
+          </a:bodyPr>
+          <a:lstStyle>
+            <a:lvl1pPr algn="l">
+              <a:defRPr sz="2400" b="0"/>
+            </a:lvl1pPr>
+          </a:lstStyle>
+          <a:p>
+            <a:r>
+              <a:rPr lang="en-US" smtClean="0"/>
+              <a:t>Click to edit Master title style</a:t>
+            </a:r>
+            <a:endParaRPr lang="en-US" dirty="0"/>
+          </a:p>
+        </p:txBody>
+      </p:sp>
+      <p:sp>
+        <p:nvSpPr>
+          <p:cNvPr id="3" name="Picture Placeholder 2"/>
+          <p:cNvSpPr>
+            <a:spLocks noGrp="1" noChangeAspect="1"/>
+          </p:cNvSpPr>
+          <p:nvPr>
+            <p:ph type="pic" idx="1"/>
+          </p:nvPr>
+        </p:nvSpPr>
+        <p:spPr>
+          <a:xfrm>
+            <a:off x="1154955" y="685800"/>
+            <a:ext cx="8825658" cy="3640666"/>
+          </a:xfrm>
+          <a:prstGeom prst="roundRect">
+            <a:avLst>
+              <a:gd name="adj" fmla="val 1858"/>
+            </a:avLst>
+          </a:prstGeom>
+          <a:effectLst>
+            <a:outerShdw blurRad="50800" dist="50800" dir="5400000" algn="tl" rotWithShape="0">
+              <a:srgbClr val="000000">
+                <a:alpha val="43000"/>
+              </a:srgbClr>
+            </a:outerShdw>
+          </a:effectLst>
+        </p:spPr>
+        <p:txBody>
+          <a:bodyPr anchor="t">
+            <a:normAutofit/>
+          </a:bodyPr>
+          <a:lstStyle>
+            <a:lvl1pPr marL="0" indent="0" algn="ctr">
+              <a:buNone/>
+              <a:defRPr sz="1600"/>
+            </a:lvl1pPr>
+            <a:lvl2pPr marL="457200" indent="0">
+              <a:buNone/>
+              <a:defRPr sz="1600"/>
+            </a:lvl2pPr>
+            <a:lvl3pPr marL="914400" indent="0">
+              <a:buNone/>
+              <a:defRPr sz="1600"/>
+            </a:lvl3pPr>
+            <a:lvl4pPr marL="1371600" indent="0">
+              <a:buNone/>
+              <a:defRPr sz="1600"/>
+            </a:lvl4pPr>
+            <a:lvl5pPr marL="1828800" indent="0">
+              <a:buNone/>
+              <a:defRPr sz="1600"/>
+            </a:lvl5pPr>
+            <a:lvl6pPr marL="2286000" indent="0">
+              <a:buNone/>
+              <a:defRPr sz="1600"/>
+            </a:lvl6pPr>
+            <a:lvl7pPr marL="2743200" indent="0">
+              <a:buNone/>
+              <a:defRPr sz="1600"/>
+            </a:lvl7pPr>
+            <a:lvl8pPr marL="3200400" indent="0">
+              <a:buNone/>
+              <a:defRPr sz="1600"/>
+            </a:lvl8pPr>
+            <a:lvl9pPr marL="3657600" indent="0">
+              <a:buNone/>
+              <a:defRPr sz="1600"/>
+            </a:lvl9pPr>
+          </a:lstStyle>
+          <a:p>
+            <a:r>
+              <a:rPr lang="en-US" smtClean="0"/>
+              <a:t>Click icon to add picture</a:t>
+            </a:r>
+            <a:endParaRPr lang="en-US" dirty="0"/>
+          </a:p>
+        </p:txBody>
+      </p:sp>
+      <p:sp>
+        <p:nvSpPr>
+          <p:cNvPr id="4" name="Text Placeholder 3"/>
+          <p:cNvSpPr>
+            <a:spLocks noGrp="1"/>
+          </p:cNvSpPr>
+          <p:nvPr>
+            <p:ph type="body" sz="half" idx="2"/>
+          </p:nvPr>
+        </p:nvSpPr>
+        <p:spPr>
+          <a:xfrm>
+            <a:off x="1154956" y="5367325"/>
+            <a:ext cx="8825656" cy="493712"/>
+          </a:xfrm>
+        </p:spPr>
+        <p:txBody>
+          <a:bodyPr>
+            <a:normAutofit/>
+          </a:bodyPr>
+          <a:lstStyle>
+            <a:lvl1pPr marL="0" indent="0">
+              <a:buNone/>
+              <a:defRPr sz="1200"/>
+            </a:lvl1pPr>
+            <a:lvl2pPr marL="457200" indent="0">
+              <a:buNone/>
+              <a:defRPr sz="1200"/>
+            </a:lvl2pPr>
+            <a:lvl3pPr marL="914400" indent="0">
+              <a:buNone/>
+              <a:defRPr sz="1000"/>
+            </a:lvl3pPr>
+            <a:lvl4pPr marL="1371600" indent="0">
+              <a:buNone/>
+              <a:defRPr sz="900"/>
+            </a:lvl4pPr>
+            <a:lvl5pPr marL="1828800" indent="0">
+              <a:buNone/>
+              <a:defRPr sz="900"/>
+            </a:lvl5pPr>
+            <a:lvl6pPr marL="2286000" indent="0">
+              <a:buNone/>
+              <a:defRPr sz="900"/>
+            </a:lvl6pPr>
+            <a:lvl7pPr marL="2743200" indent="0">
+              <a:buNone/>
+              <a:defRPr sz="900"/>
+            </a:lvl7pPr>
+            <a:lvl8pPr marL="3200400" indent="0">
+              <a:buNone/>
+              <a:defRPr sz="900"/>
+            </a:lvl8pPr>
+            <a:lvl9pPr marL="3657600" indent="0">
+              <a:buNone/>
+              <a:defRPr sz="900"/>
+            </a:lvl9pPr>
+          </a:lstStyle>
+          <a:p>
+            <a:pPr lvl="0"/>
+            <a:r>
+              <a:rPr lang="en-US" smtClean="0"/>
+              <a:t>Click to edit Master text styles</a:t>
+            </a:r>
+          </a:p>
+        </p:txBody>
+      </p:sp>
+      <p:sp>
+        <p:nvSpPr>
+          <p:cNvPr id="5" name="Date Placeholder 4"/>
+          <p:cNvSpPr>
+            <a:spLocks noGrp="1"/>
+          </p:cNvSpPr>
+          <p:nvPr>
+            <p:ph type="dt" sz="half" idx="10"/>
+          </p:nvPr>
+        </p:nvSpPr>
+        <p:spPr/>
+        <p:txBody>
+          <a:bodyPr/>
+          <a:lstStyle/>
+          <a:p>
+            <a:fld id="{9A1B6128-0A2F-42B8-B22C-1CB21B575655}" type="datetimeFigureOut">
+              <a:rPr lang="en-SG" smtClean="0"/>
+              <a:t>3/6/2015</a:t>
+            </a:fld>
+            <a:endParaRPr lang="en-SG"/>
+          </a:p>
+        </p:txBody>
+      </p:sp>
+      <p:sp>
+        <p:nvSpPr>
+          <p:cNvPr id="6" name="Footer Placeholder 5"/>
+          <p:cNvSpPr>
+            <a:spLocks noGrp="1"/>
+          </p:cNvSpPr>
+          <p:nvPr>
+            <p:ph type="ftr" sz="quarter" idx="11"/>
+          </p:nvPr>
+        </p:nvSpPr>
+        <p:spPr/>
+        <p:txBody>
+          <a:bodyPr/>
+          <a:lstStyle/>
+          <a:p>
+            <a:endParaRPr lang="en-SG"/>
+          </a:p>
+        </p:txBody>
+      </p:sp>
+      <p:sp>
+        <p:nvSpPr>
+          <p:cNvPr id="7" name="Slide Number Placeholder 6"/>
+          <p:cNvSpPr>
+            <a:spLocks noGrp="1"/>
+          </p:cNvSpPr>
+          <p:nvPr>
+            <p:ph type="sldNum" sz="quarter" idx="12"/>
+          </p:nvPr>
+        </p:nvSpPr>
+        <p:spPr/>
+        <p:txBody>
+          <a:bodyPr/>
+          <a:lstStyle/>
+          <a:p>
+            <a:fld id="{51B1EFFD-9CCC-406E-B60B-4B87803F48E6}" type="slidenum">
+              <a:rPr lang="en-SG" smtClean="0"/>
+              <a:t>‹#›</a:t>
+            </a:fld>
+            <a:endParaRPr lang="en-SG"/>
+          </a:p>
+        </p:txBody>
+      </p:sp>
+    </p:spTree>
+    <p:extLst>
+      <p:ext uri="{BB962C8B-B14F-4D97-AF65-F5344CB8AC3E}">
+        <p14:creationId xmlns:p14="http://schemas.microsoft.com/office/powerpoint/2010/main" val="4173718990"/>
+      </p:ext>
+    </p:extLst>
+  </p:cSld>
+  <p:clrMapOvr>
+    <a:masterClrMapping/>
+  </p:clrMapOvr>
+</p:sldLayout>
+</file>
+
+<file path=ppt/slideLayouts/slideLayout11.xml><?xml version="1.0" encoding="utf-8"?>
+<p:sldLayout xmlns:a="http://schemas.openxmlformats.org/drawingml/2006/main" xmlns:r="http://schemas.openxmlformats.org/officeDocument/2006/relationships" xmlns:p="http://schemas.openxmlformats.org/presentationml/2006/main" preserve="1">
+  <p:cSld name="Title and Caption">
+    <p:spTree>
+      <p:nvGrpSpPr>
+        <p:cNvPr id="1" name=""/>
+        <p:cNvGrpSpPr/>
+        <p:nvPr/>
+      </p:nvGrpSpPr>
+      <p:grpSpPr>
+        <a:xfrm>
+          <a:off x="0" y="0"/>
+          <a:ext cx="0" cy="0"/>
+          <a:chOff x="0" y="0"/>
+          <a:chExt cx="0" cy="0"/>
+        </a:xfrm>
+      </p:grpSpPr>
+      <p:sp>
+        <p:nvSpPr>
+          <p:cNvPr id="2" name="Title 1"/>
+          <p:cNvSpPr>
+            <a:spLocks noGrp="1"/>
+          </p:cNvSpPr>
+          <p:nvPr>
+            <p:ph type="title"/>
+          </p:nvPr>
+        </p:nvSpPr>
+        <p:spPr>
+          <a:xfrm>
+            <a:off x="1154954" y="1447800"/>
+            <a:ext cx="8825659" cy="1981200"/>
+          </a:xfrm>
+        </p:spPr>
+        <p:txBody>
+          <a:bodyPr/>
+          <a:lstStyle>
+            <a:lvl1pPr>
+              <a:defRPr sz="4800"/>
+            </a:lvl1pPr>
+          </a:lstStyle>
+          <a:p>
+            <a:r>
+              <a:rPr lang="en-US" smtClean="0"/>
+              <a:t>Click to edit Master title style</a:t>
+            </a:r>
+            <a:endParaRPr lang="en-US" dirty="0"/>
+          </a:p>
+        </p:txBody>
+      </p:sp>
+      <p:sp>
+        <p:nvSpPr>
+          <p:cNvPr id="8" name="Text Placeholder 3"/>
+          <p:cNvSpPr>
+            <a:spLocks noGrp="1"/>
+          </p:cNvSpPr>
+          <p:nvPr>
+            <p:ph type="body" sz="half" idx="2"/>
+          </p:nvPr>
+        </p:nvSpPr>
+        <p:spPr>
+          <a:xfrm>
+            <a:off x="1154954" y="3657600"/>
+            <a:ext cx="8825659" cy="2362200"/>
+          </a:xfrm>
+        </p:spPr>
+        <p:txBody>
+          <a:bodyPr anchor="ctr">
+            <a:normAutofit/>
+          </a:bodyPr>
+          <a:lstStyle>
+            <a:lvl1pPr marL="0" indent="0">
+              <a:buNone/>
+              <a:defRPr sz="1800"/>
+            </a:lvl1pPr>
+            <a:lvl2pPr marL="457200" indent="0">
+              <a:buNone/>
+              <a:defRPr sz="1200"/>
+            </a:lvl2pPr>
+            <a:lvl3pPr marL="914400" indent="0">
+              <a:buNone/>
+              <a:defRPr sz="1000"/>
+            </a:lvl3pPr>
+            <a:lvl4pPr marL="1371600" indent="0">
+              <a:buNone/>
+              <a:defRPr sz="900"/>
+            </a:lvl4pPr>
+            <a:lvl5pPr marL="1828800" indent="0">
+              <a:buNone/>
+              <a:defRPr sz="900"/>
+            </a:lvl5pPr>
+            <a:lvl6pPr marL="2286000" indent="0">
+              <a:buNone/>
+              <a:defRPr sz="900"/>
+            </a:lvl6pPr>
+            <a:lvl7pPr marL="2743200" indent="0">
+              <a:buNone/>
+              <a:defRPr sz="900"/>
+            </a:lvl7pPr>
+            <a:lvl8pPr marL="3200400" indent="0">
+              <a:buNone/>
+              <a:defRPr sz="900"/>
+            </a:lvl8pPr>
+            <a:lvl9pPr marL="3657600" indent="0">
+              <a:buNone/>
+              <a:defRPr sz="900"/>
+            </a:lvl9pPr>
+          </a:lstStyle>
+          <a:p>
+            <a:pPr lvl="0"/>
+            <a:r>
+              <a:rPr lang="en-US" smtClean="0"/>
+              <a:t>Click to edit Master text styles</a:t>
+            </a:r>
+          </a:p>
+        </p:txBody>
+      </p:sp>
+      <p:sp>
+        <p:nvSpPr>
+          <p:cNvPr id="4" name="Date Placeholder 3"/>
+          <p:cNvSpPr>
+            <a:spLocks noGrp="1"/>
+          </p:cNvSpPr>
+          <p:nvPr>
+            <p:ph type="dt" sz="half" idx="10"/>
+          </p:nvPr>
+        </p:nvSpPr>
+        <p:spPr/>
+        <p:txBody>
+          <a:bodyPr/>
+          <a:lstStyle/>
+          <a:p>
+            <a:fld id="{9A1B6128-0A2F-42B8-B22C-1CB21B575655}" type="datetimeFigureOut">
+              <a:rPr lang="en-SG" smtClean="0"/>
+              <a:t>3/6/2015</a:t>
+            </a:fld>
+            <a:endParaRPr lang="en-SG"/>
+          </a:p>
+        </p:txBody>
+      </p:sp>
+      <p:sp>
+        <p:nvSpPr>
+          <p:cNvPr id="5" name="Footer Placeholder 4"/>
+          <p:cNvSpPr>
+            <a:spLocks noGrp="1"/>
+          </p:cNvSpPr>
+          <p:nvPr>
+            <p:ph type="ftr" sz="quarter" idx="11"/>
+          </p:nvPr>
+        </p:nvSpPr>
+        <p:spPr/>
+        <p:txBody>
+          <a:bodyPr/>
+          <a:lstStyle/>
+          <a:p>
+            <a:endParaRPr lang="en-SG"/>
+          </a:p>
+        </p:txBody>
+      </p:sp>
+      <p:sp>
+        <p:nvSpPr>
+          <p:cNvPr id="6" name="Slide Number Placeholder 5"/>
+          <p:cNvSpPr>
+            <a:spLocks noGrp="1"/>
+          </p:cNvSpPr>
+          <p:nvPr>
+            <p:ph type="sldNum" sz="quarter" idx="12"/>
+          </p:nvPr>
+        </p:nvSpPr>
+        <p:spPr/>
+        <p:txBody>
+          <a:bodyPr/>
+          <a:lstStyle/>
+          <a:p>
+            <a:fld id="{51B1EFFD-9CCC-406E-B60B-4B87803F48E6}" type="slidenum">
+              <a:rPr lang="en-SG" smtClean="0"/>
+              <a:t>‹#›</a:t>
+            </a:fld>
+            <a:endParaRPr lang="en-SG"/>
+          </a:p>
+        </p:txBody>
+      </p:sp>
+    </p:spTree>
+    <p:extLst>
+      <p:ext uri="{BB962C8B-B14F-4D97-AF65-F5344CB8AC3E}">
+        <p14:creationId xmlns:p14="http://schemas.microsoft.com/office/powerpoint/2010/main" val="1004164487"/>
+      </p:ext>
+    </p:extLst>
+  </p:cSld>
+  <p:clrMapOvr>
+    <a:masterClrMapping/>
+  </p:clrMapOvr>
+</p:sldLayout>
+</file>
+
+<file path=ppt/slideLayouts/slideLayout12.xml><?xml version="1.0" encoding="utf-8"?>
+<p:sldLayout xmlns:a="http://schemas.openxmlformats.org/drawingml/2006/main" xmlns:r="http://schemas.openxmlformats.org/officeDocument/2006/relationships" xmlns:p="http://schemas.openxmlformats.org/presentationml/2006/main" preserve="1">
+  <p:cSld name="Quote with Caption">
+    <p:spTree>
+      <p:nvGrpSpPr>
+        <p:cNvPr id="1" name=""/>
+        <p:cNvGrpSpPr/>
+        <p:nvPr/>
+      </p:nvGrpSpPr>
+      <p:grpSpPr>
+        <a:xfrm>
+          <a:off x="0" y="0"/>
+          <a:ext cx="0" cy="0"/>
+          <a:chOff x="0" y="0"/>
+          <a:chExt cx="0" cy="0"/>
+        </a:xfrm>
+      </p:grpSpPr>
+      <p:sp>
+        <p:nvSpPr>
+          <p:cNvPr id="2" name="Title 1"/>
+          <p:cNvSpPr>
+            <a:spLocks noGrp="1"/>
+          </p:cNvSpPr>
+          <p:nvPr>
+            <p:ph type="title"/>
+          </p:nvPr>
+        </p:nvSpPr>
+        <p:spPr>
+          <a:xfrm>
+            <a:off x="1574801" y="1447800"/>
+            <a:ext cx="7999315" cy="2323374"/>
+          </a:xfrm>
+        </p:spPr>
+        <p:txBody>
+          <a:bodyPr/>
+          <a:lstStyle>
+            <a:lvl1pPr>
+              <a:defRPr sz="4800"/>
+            </a:lvl1pPr>
+          </a:lstStyle>
+          <a:p>
+            <a:r>
+              <a:rPr lang="en-US" smtClean="0"/>
+              <a:t>Click to edit Master title style</a:t>
+            </a:r>
+            <a:endParaRPr lang="en-US" dirty="0"/>
+          </a:p>
+        </p:txBody>
+      </p:sp>
+      <p:sp>
+        <p:nvSpPr>
+          <p:cNvPr id="11" name="Text Placeholder 3"/>
+          <p:cNvSpPr>
+            <a:spLocks noGrp="1"/>
+          </p:cNvSpPr>
+          <p:nvPr>
+            <p:ph type="body" sz="half" idx="14"/>
+          </p:nvPr>
+        </p:nvSpPr>
+        <p:spPr>
+          <a:xfrm>
+            <a:off x="1930400" y="3771174"/>
+            <a:ext cx="7279649" cy="342174"/>
+          </a:xfrm>
+        </p:spPr>
+        <p:txBody>
+          <a:bodyPr vert="horz" lIns="91440" tIns="45720" rIns="91440" bIns="45720" rtlCol="0" anchor="t">
+            <a:normAutofit/>
+          </a:bodyPr>
+          <a:lstStyle>
+            <a:lvl1pPr marL="0" indent="0">
+              <a:buNone/>
+              <a:defRPr lang="en-US" sz="1400" b="0" i="0" kern="1200" cap="small" dirty="0">
+                <a:solidFill>
+                  <a:schemeClr val="bg2">
+                    <a:lumMod val="40000"/>
+                    <a:lumOff val="60000"/>
+                  </a:schemeClr>
+                </a:solidFill>
+                <a:latin typeface="+mj-lt"/>
+                <a:ea typeface="+mj-ea"/>
+                <a:cs typeface="+mj-cs"/>
+              </a:defRPr>
+            </a:lvl1pPr>
+            <a:lvl2pPr marL="457200" indent="0">
+              <a:buNone/>
+              <a:defRPr sz="1200"/>
+            </a:lvl2pPr>
+            <a:lvl3pPr marL="914400" indent="0">
+              <a:buNone/>
+              <a:defRPr sz="1000"/>
+            </a:lvl3pPr>
+            <a:lvl4pPr marL="1371600" indent="0">
+              <a:buNone/>
+              <a:defRPr sz="900"/>
+            </a:lvl4pPr>
+            <a:lvl5pPr marL="1828800" indent="0">
+              <a:buNone/>
+              <a:defRPr sz="900"/>
+            </a:lvl5pPr>
+            <a:lvl6pPr marL="2286000" indent="0">
+              <a:buNone/>
+              <a:defRPr sz="900"/>
+            </a:lvl6pPr>
+            <a:lvl7pPr marL="2743200" indent="0">
+              <a:buNone/>
+              <a:defRPr sz="900"/>
+            </a:lvl7pPr>
+            <a:lvl8pPr marL="3200400" indent="0">
+              <a:buNone/>
+              <a:defRPr sz="900"/>
+            </a:lvl8pPr>
+            <a:lvl9pPr marL="3657600" indent="0">
+              <a:buNone/>
+              <a:defRPr sz="900"/>
+            </a:lvl9pPr>
+          </a:lstStyle>
+          <a:p>
+            <a:pPr marL="0" lvl="0" indent="0">
+              <a:buNone/>
+            </a:pPr>
+            <a:r>
+              <a:rPr lang="en-US" smtClean="0"/>
+              <a:t>Click to edit Master text styles</a:t>
+            </a:r>
+          </a:p>
+        </p:txBody>
+      </p:sp>
+      <p:sp>
+        <p:nvSpPr>
+          <p:cNvPr id="10" name="Text Placeholder 3"/>
+          <p:cNvSpPr>
+            <a:spLocks noGrp="1"/>
+          </p:cNvSpPr>
+          <p:nvPr>
+            <p:ph type="body" sz="half" idx="2"/>
+          </p:nvPr>
+        </p:nvSpPr>
+        <p:spPr>
+          <a:xfrm>
+            <a:off x="1154954" y="4350657"/>
+            <a:ext cx="8825659" cy="1676400"/>
+          </a:xfrm>
+        </p:spPr>
+        <p:txBody>
+          <a:bodyPr anchor="ctr">
+            <a:normAutofit/>
+          </a:bodyPr>
+          <a:lstStyle>
+            <a:lvl1pPr marL="0" indent="0">
+              <a:buNone/>
+              <a:defRPr sz="1800"/>
+            </a:lvl1pPr>
+            <a:lvl2pPr marL="457200" indent="0">
+              <a:buNone/>
+              <a:defRPr sz="1200"/>
+            </a:lvl2pPr>
+            <a:lvl3pPr marL="914400" indent="0">
+              <a:buNone/>
+              <a:defRPr sz="1000"/>
+            </a:lvl3pPr>
+            <a:lvl4pPr marL="1371600" indent="0">
+              <a:buNone/>
+              <a:defRPr sz="900"/>
+            </a:lvl4pPr>
+            <a:lvl5pPr marL="1828800" indent="0">
+              <a:buNone/>
+              <a:defRPr sz="900"/>
+            </a:lvl5pPr>
+            <a:lvl6pPr marL="2286000" indent="0">
+              <a:buNone/>
+              <a:defRPr sz="900"/>
+            </a:lvl6pPr>
+            <a:lvl7pPr marL="2743200" indent="0">
+              <a:buNone/>
+              <a:defRPr sz="900"/>
+            </a:lvl7pPr>
+            <a:lvl8pPr marL="3200400" indent="0">
+              <a:buNone/>
+              <a:defRPr sz="900"/>
+            </a:lvl8pPr>
+            <a:lvl9pPr marL="3657600" indent="0">
+              <a:buNone/>
+              <a:defRPr sz="900"/>
+            </a:lvl9pPr>
+          </a:lstStyle>
+          <a:p>
+            <a:pPr lvl="0"/>
+            <a:r>
+              <a:rPr lang="en-US" smtClean="0"/>
+              <a:t>Click to edit Master text styles</a:t>
+            </a:r>
+          </a:p>
+        </p:txBody>
+      </p:sp>
+      <p:sp>
+        <p:nvSpPr>
+          <p:cNvPr id="4" name="Date Placeholder 3"/>
+          <p:cNvSpPr>
+            <a:spLocks noGrp="1"/>
+          </p:cNvSpPr>
+          <p:nvPr>
+            <p:ph type="dt" sz="half" idx="10"/>
+          </p:nvPr>
+        </p:nvSpPr>
+        <p:spPr/>
+        <p:txBody>
+          <a:bodyPr/>
+          <a:lstStyle/>
+          <a:p>
+            <a:fld id="{9A1B6128-0A2F-42B8-B22C-1CB21B575655}" type="datetimeFigureOut">
+              <a:rPr lang="en-SG" smtClean="0"/>
+              <a:t>3/6/2015</a:t>
+            </a:fld>
+            <a:endParaRPr lang="en-SG"/>
+          </a:p>
+        </p:txBody>
+      </p:sp>
+      <p:sp>
+        <p:nvSpPr>
+          <p:cNvPr id="5" name="Footer Placeholder 4"/>
+          <p:cNvSpPr>
+            <a:spLocks noGrp="1"/>
+          </p:cNvSpPr>
+          <p:nvPr>
+            <p:ph type="ftr" sz="quarter" idx="11"/>
+          </p:nvPr>
+        </p:nvSpPr>
+        <p:spPr/>
+        <p:txBody>
+          <a:bodyPr/>
+          <a:lstStyle/>
+          <a:p>
+            <a:endParaRPr lang="en-SG"/>
+          </a:p>
+        </p:txBody>
+      </p:sp>
+      <p:sp>
+        <p:nvSpPr>
+          <p:cNvPr id="6" name="Slide Number Placeholder 5"/>
+          <p:cNvSpPr>
+            <a:spLocks noGrp="1"/>
+          </p:cNvSpPr>
+          <p:nvPr>
+            <p:ph type="sldNum" sz="quarter" idx="12"/>
+          </p:nvPr>
+        </p:nvSpPr>
+        <p:spPr/>
+        <p:txBody>
+          <a:bodyPr/>
+          <a:lstStyle/>
+          <a:p>
+            <a:fld id="{51B1EFFD-9CCC-406E-B60B-4B87803F48E6}" type="slidenum">
+              <a:rPr lang="en-SG" smtClean="0"/>
+              <a:t>‹#›</a:t>
+            </a:fld>
+            <a:endParaRPr lang="en-SG"/>
+          </a:p>
+        </p:txBody>
+      </p:sp>
+      <p:sp>
+        <p:nvSpPr>
+          <p:cNvPr id="12" name="TextBox 11"/>
+          <p:cNvSpPr txBox="1"/>
+          <p:nvPr/>
+        </p:nvSpPr>
+        <p:spPr>
+          <a:xfrm>
+            <a:off x="898295" y="971253"/>
+            <a:ext cx="801912" cy="1969770"/>
+          </a:xfrm>
+          <a:prstGeom prst="rect">
+            <a:avLst/>
+          </a:prstGeom>
+          <a:noFill/>
+        </p:spPr>
+        <p:txBody>
+          <a:bodyPr wrap="square" rtlCol="0">
+            <a:spAutoFit/>
+          </a:bodyPr>
+          <a:lstStyle>
+            <a:defPPr>
+              <a:defRPr lang="en-US"/>
+            </a:defPPr>
+            <a:lvl1pPr algn="r">
+              <a:defRPr sz="12200" b="0" i="0">
+                <a:solidFill>
+                  <a:schemeClr val="bg2">
+                    <a:lumMod val="40000"/>
+                    <a:lumOff val="60000"/>
+                  </a:schemeClr>
+                </a:solidFill>
+                <a:latin typeface="Arial"/>
+                <a:ea typeface="+mj-ea"/>
+                <a:cs typeface="+mj-cs"/>
+              </a:defRPr>
+            </a:lvl1pPr>
+          </a:lstStyle>
+          <a:p>
+            <a:pPr lvl="0"/>
+            <a:r>
+              <a:rPr lang="en-US" dirty="0"/>
+              <a:t>“</a:t>
+            </a:r>
+          </a:p>
+        </p:txBody>
+      </p:sp>
+      <p:sp>
+        <p:nvSpPr>
+          <p:cNvPr id="15" name="TextBox 14"/>
+          <p:cNvSpPr txBox="1"/>
+          <p:nvPr/>
+        </p:nvSpPr>
+        <p:spPr>
+          <a:xfrm>
+            <a:off x="9330490" y="2613787"/>
+            <a:ext cx="801912" cy="1969770"/>
+          </a:xfrm>
+          <a:prstGeom prst="rect">
+            <a:avLst/>
+          </a:prstGeom>
+          <a:noFill/>
+        </p:spPr>
+        <p:txBody>
+          <a:bodyPr wrap="square" rtlCol="0">
+            <a:spAutoFit/>
+          </a:bodyPr>
+          <a:lstStyle>
+            <a:defPPr>
+              <a:defRPr lang="en-US"/>
+            </a:defPPr>
+            <a:lvl1pPr algn="r">
+              <a:defRPr sz="12200" b="0" i="0">
+                <a:solidFill>
+                  <a:schemeClr val="bg2">
+                    <a:lumMod val="40000"/>
+                    <a:lumOff val="60000"/>
+                  </a:schemeClr>
+                </a:solidFill>
+                <a:latin typeface="Arial"/>
+                <a:ea typeface="+mj-ea"/>
+                <a:cs typeface="+mj-cs"/>
+              </a:defRPr>
+            </a:lvl1pPr>
+          </a:lstStyle>
+          <a:p>
+            <a:pPr lvl="0"/>
+            <a:r>
+              <a:rPr lang="en-US" dirty="0"/>
+              <a:t>”</a:t>
+            </a:r>
+          </a:p>
+        </p:txBody>
+      </p:sp>
+    </p:spTree>
+    <p:extLst>
+      <p:ext uri="{BB962C8B-B14F-4D97-AF65-F5344CB8AC3E}">
+        <p14:creationId xmlns:p14="http://schemas.microsoft.com/office/powerpoint/2010/main" val="2763960496"/>
+      </p:ext>
+    </p:extLst>
+  </p:cSld>
+  <p:clrMapOvr>
+    <a:masterClrMapping/>
+  </p:clrMapOvr>
+</p:sldLayout>
+</file>
+
+<file path=ppt/slideLayouts/slideLayout13.xml><?xml version="1.0" encoding="utf-8"?>
+<p:sldLayout xmlns:a="http://schemas.openxmlformats.org/drawingml/2006/main" xmlns:r="http://schemas.openxmlformats.org/officeDocument/2006/relationships" xmlns:p="http://schemas.openxmlformats.org/presentationml/2006/main" preserve="1">
+  <p:cSld name="Name Card">
+    <p:spTree>
+      <p:nvGrpSpPr>
+        <p:cNvPr id="1" name=""/>
+        <p:cNvGrpSpPr/>
+        <p:nvPr/>
+      </p:nvGrpSpPr>
+      <p:grpSpPr>
+        <a:xfrm>
+          <a:off x="0" y="0"/>
+          <a:ext cx="0" cy="0"/>
+          <a:chOff x="0" y="0"/>
+          <a:chExt cx="0" cy="0"/>
+        </a:xfrm>
+      </p:grpSpPr>
+      <p:sp>
+        <p:nvSpPr>
+          <p:cNvPr id="2" name="Title 1"/>
+          <p:cNvSpPr>
+            <a:spLocks noGrp="1"/>
+          </p:cNvSpPr>
+          <p:nvPr>
+            <p:ph type="title"/>
+          </p:nvPr>
+        </p:nvSpPr>
+        <p:spPr>
+          <a:xfrm>
+            <a:off x="1154954" y="3124201"/>
+            <a:ext cx="8825660" cy="1653180"/>
+          </a:xfrm>
+        </p:spPr>
+        <p:txBody>
+          <a:bodyPr anchor="b"/>
+          <a:lstStyle>
+            <a:lvl1pPr algn="l">
+              <a:defRPr sz="4000" b="0" cap="none"/>
+            </a:lvl1pPr>
+          </a:lstStyle>
+          <a:p>
+            <a:r>
+              <a:rPr lang="en-US" smtClean="0"/>
+              <a:t>Click to edit Master title style</a:t>
+            </a:r>
+            <a:endParaRPr lang="en-US" dirty="0"/>
+          </a:p>
+        </p:txBody>
+      </p:sp>
+      <p:sp>
+        <p:nvSpPr>
+          <p:cNvPr id="3" name="Text Placeholder 2"/>
+          <p:cNvSpPr>
+            <a:spLocks noGrp="1"/>
+          </p:cNvSpPr>
+          <p:nvPr>
+            <p:ph type="body" idx="1"/>
+          </p:nvPr>
+        </p:nvSpPr>
+        <p:spPr>
+          <a:xfrm>
+            <a:off x="1154954" y="4777381"/>
+            <a:ext cx="8825659" cy="860400"/>
+          </a:xfrm>
+        </p:spPr>
+        <p:txBody>
+          <a:bodyPr anchor="t"/>
+          <a:lstStyle>
+            <a:lvl1pPr marL="0" indent="0" algn="l">
+              <a:buNone/>
+              <a:defRPr sz="2000" cap="none">
+                <a:solidFill>
+                  <a:schemeClr val="bg2">
+                    <a:lumMod val="40000"/>
+                    <a:lumOff val="60000"/>
+                  </a:schemeClr>
+                </a:solidFill>
+              </a:defRPr>
+            </a:lvl1pPr>
+            <a:lvl2pPr marL="457200" indent="0">
+              <a:buNone/>
+              <a:defRPr sz="1800">
+                <a:solidFill>
+                  <a:schemeClr val="tx1">
+                    <a:tint val="75000"/>
+                  </a:schemeClr>
+                </a:solidFill>
+              </a:defRPr>
+            </a:lvl2pPr>
+            <a:lvl3pPr marL="914400" indent="0">
+              <a:buNone/>
+              <a:defRPr sz="1600">
+                <a:solidFill>
+                  <a:schemeClr val="tx1">
+                    <a:tint val="75000"/>
+                  </a:schemeClr>
+                </a:solidFill>
+              </a:defRPr>
+            </a:lvl3pPr>
+            <a:lvl4pPr marL="1371600" indent="0">
+              <a:buNone/>
+              <a:defRPr sz="1400">
+                <a:solidFill>
+                  <a:schemeClr val="tx1">
+                    <a:tint val="75000"/>
+                  </a:schemeClr>
+                </a:solidFill>
+              </a:defRPr>
+            </a:lvl4pPr>
+            <a:lvl5pPr marL="1828800" indent="0">
+              <a:buNone/>
+              <a:defRPr sz="1400">
+                <a:solidFill>
+                  <a:schemeClr val="tx1">
+                    <a:tint val="75000"/>
+                  </a:schemeClr>
+                </a:solidFill>
+              </a:defRPr>
+            </a:lvl5pPr>
+            <a:lvl6pPr marL="2286000" indent="0">
+              <a:buNone/>
+              <a:defRPr sz="1400">
+                <a:solidFill>
+                  <a:schemeClr val="tx1">
+                    <a:tint val="75000"/>
+                  </a:schemeClr>
+                </a:solidFill>
+              </a:defRPr>
+            </a:lvl6pPr>
+            <a:lvl7pPr marL="2743200" indent="0">
+              <a:buNone/>
+              <a:defRPr sz="1400">
+                <a:solidFill>
+                  <a:schemeClr val="tx1">
+                    <a:tint val="75000"/>
+                  </a:schemeClr>
+                </a:solidFill>
+              </a:defRPr>
+            </a:lvl7pPr>
+            <a:lvl8pPr marL="3200400" indent="0">
+              <a:buNone/>
+              <a:defRPr sz="1400">
+                <a:solidFill>
+                  <a:schemeClr val="tx1">
+                    <a:tint val="75000"/>
+                  </a:schemeClr>
+                </a:solidFill>
+              </a:defRPr>
+            </a:lvl8pPr>
+            <a:lvl9pPr marL="3657600" indent="0">
+              <a:buNone/>
+              <a:defRPr sz="1400">
+                <a:solidFill>
+                  <a:schemeClr val="tx1">
+                    <a:tint val="75000"/>
+                  </a:schemeClr>
+                </a:solidFill>
+              </a:defRPr>
+            </a:lvl9pPr>
+          </a:lstStyle>
+          <a:p>
+            <a:pPr lvl="0"/>
+            <a:r>
+              <a:rPr lang="en-US" smtClean="0"/>
+              <a:t>Click to edit Master text styles</a:t>
+            </a:r>
+          </a:p>
+        </p:txBody>
+      </p:sp>
+      <p:sp>
+        <p:nvSpPr>
+          <p:cNvPr id="4" name="Date Placeholder 3"/>
+          <p:cNvSpPr>
+            <a:spLocks noGrp="1"/>
+          </p:cNvSpPr>
+          <p:nvPr>
+            <p:ph type="dt" sz="half" idx="10"/>
+          </p:nvPr>
+        </p:nvSpPr>
+        <p:spPr/>
+        <p:txBody>
+          <a:bodyPr/>
+          <a:lstStyle/>
+          <a:p>
+            <a:fld id="{9A1B6128-0A2F-42B8-B22C-1CB21B575655}" type="datetimeFigureOut">
+              <a:rPr lang="en-SG" smtClean="0"/>
+              <a:t>3/6/2015</a:t>
+            </a:fld>
+            <a:endParaRPr lang="en-SG"/>
+          </a:p>
+        </p:txBody>
+      </p:sp>
+      <p:sp>
+        <p:nvSpPr>
+          <p:cNvPr id="5" name="Footer Placeholder 4"/>
+          <p:cNvSpPr>
+            <a:spLocks noGrp="1"/>
+          </p:cNvSpPr>
+          <p:nvPr>
+            <p:ph type="ftr" sz="quarter" idx="11"/>
+          </p:nvPr>
+        </p:nvSpPr>
+        <p:spPr/>
+        <p:txBody>
+          <a:bodyPr/>
+          <a:lstStyle/>
+          <a:p>
+            <a:endParaRPr lang="en-SG"/>
+          </a:p>
+        </p:txBody>
+      </p:sp>
+      <p:sp>
+        <p:nvSpPr>
+          <p:cNvPr id="6" name="Slide Number Placeholder 5"/>
+          <p:cNvSpPr>
+            <a:spLocks noGrp="1"/>
+          </p:cNvSpPr>
+          <p:nvPr>
+            <p:ph type="sldNum" sz="quarter" idx="12"/>
+          </p:nvPr>
+        </p:nvSpPr>
+        <p:spPr/>
+        <p:txBody>
+          <a:bodyPr/>
+          <a:lstStyle/>
+          <a:p>
+            <a:fld id="{51B1EFFD-9CCC-406E-B60B-4B87803F48E6}" type="slidenum">
+              <a:rPr lang="en-SG" smtClean="0"/>
+              <a:t>‹#›</a:t>
+            </a:fld>
+            <a:endParaRPr lang="en-SG"/>
+          </a:p>
+        </p:txBody>
+      </p:sp>
+    </p:spTree>
+    <p:extLst>
+      <p:ext uri="{BB962C8B-B14F-4D97-AF65-F5344CB8AC3E}">
+        <p14:creationId xmlns:p14="http://schemas.microsoft.com/office/powerpoint/2010/main" val="3149294303"/>
+      </p:ext>
+    </p:extLst>
+  </p:cSld>
+  <p:clrMapOvr>
+    <a:masterClrMapping/>
+  </p:clrMapOvr>
+</p:sldLayout>
+</file>
+
+<file path=ppt/slideLayouts/slideLayout14.xml><?xml version="1.0" encoding="utf-8"?>
+<p:sldLayout xmlns:a="http://schemas.openxmlformats.org/drawingml/2006/main" xmlns:r="http://schemas.openxmlformats.org/officeDocument/2006/relationships" xmlns:p="http://schemas.openxmlformats.org/presentationml/2006/main" preserve="1">
+  <p:cSld name="3 Column">
+    <p:spTree>
+      <p:nvGrpSpPr>
+        <p:cNvPr id="1" name=""/>
+        <p:cNvGrpSpPr/>
+        <p:nvPr/>
+      </p:nvGrpSpPr>
+      <p:grpSpPr>
+        <a:xfrm>
+          <a:off x="0" y="0"/>
+          <a:ext cx="0" cy="0"/>
+          <a:chOff x="0" y="0"/>
+          <a:chExt cx="0" cy="0"/>
+        </a:xfrm>
+      </p:grpSpPr>
+      <p:sp>
+        <p:nvSpPr>
+          <p:cNvPr id="2" name="Title 1"/>
+          <p:cNvSpPr>
+            <a:spLocks noGrp="1"/>
+          </p:cNvSpPr>
+          <p:nvPr>
+            <p:ph type="title"/>
+          </p:nvPr>
+        </p:nvSpPr>
+        <p:spPr/>
+        <p:txBody>
+          <a:bodyPr/>
+          <a:lstStyle>
+            <a:lvl1pPr>
+              <a:defRPr sz="4200"/>
+            </a:lvl1pPr>
+          </a:lstStyle>
+          <a:p>
+            <a:r>
+              <a:rPr lang="en-US" smtClean="0"/>
+              <a:t>Click to edit Master title style</a:t>
+            </a:r>
+            <a:endParaRPr lang="en-US" dirty="0"/>
+          </a:p>
+        </p:txBody>
+      </p:sp>
+      <p:sp>
+        <p:nvSpPr>
+          <p:cNvPr id="3" name="Text Placeholder 2"/>
+          <p:cNvSpPr>
+            <a:spLocks noGrp="1"/>
+          </p:cNvSpPr>
+          <p:nvPr>
+            <p:ph type="body" idx="1"/>
+          </p:nvPr>
+        </p:nvSpPr>
+        <p:spPr>
+          <a:xfrm>
+            <a:off x="632947" y="1981200"/>
+            <a:ext cx="2946866" cy="576262"/>
+          </a:xfrm>
+        </p:spPr>
+        <p:txBody>
+          <a:bodyPr anchor="b">
+            <a:noAutofit/>
+          </a:bodyPr>
+          <a:lstStyle>
+            <a:lvl1pPr marL="0" indent="0">
+              <a:buNone/>
+              <a:defRPr sz="2400" b="0">
+                <a:solidFill>
+                  <a:schemeClr val="bg2">
+                    <a:lumMod val="40000"/>
+                    <a:lumOff val="60000"/>
+                  </a:schemeClr>
+                </a:solidFill>
+              </a:defRPr>
+            </a:lvl1pPr>
+            <a:lvl2pPr marL="457200" indent="0">
+              <a:buNone/>
+              <a:defRPr sz="2000" b="1"/>
+            </a:lvl2pPr>
+            <a:lvl3pPr marL="914400" indent="0">
+              <a:buNone/>
+              <a:defRPr sz="1800" b="1"/>
+            </a:lvl3pPr>
+            <a:lvl4pPr marL="1371600" indent="0">
+              <a:buNone/>
+              <a:defRPr sz="1600" b="1"/>
+            </a:lvl4pPr>
+            <a:lvl5pPr marL="1828800" indent="0">
+              <a:buNone/>
+              <a:defRPr sz="1600" b="1"/>
+            </a:lvl5pPr>
+            <a:lvl6pPr marL="2286000" indent="0">
+              <a:buNone/>
+              <a:defRPr sz="1600" b="1"/>
+            </a:lvl6pPr>
+            <a:lvl7pPr marL="2743200" indent="0">
+              <a:buNone/>
+              <a:defRPr sz="1600" b="1"/>
+            </a:lvl7pPr>
+            <a:lvl8pPr marL="3200400" indent="0">
+              <a:buNone/>
+              <a:defRPr sz="1600" b="1"/>
+            </a:lvl8pPr>
+            <a:lvl9pPr marL="3657600" indent="0">
+              <a:buNone/>
+              <a:defRPr sz="1600" b="1"/>
+            </a:lvl9pPr>
+          </a:lstStyle>
+          <a:p>
+            <a:pPr lvl="0"/>
+            <a:r>
+              <a:rPr lang="en-US" smtClean="0"/>
+              <a:t>Click to edit Master text styles</a:t>
+            </a:r>
+          </a:p>
+        </p:txBody>
+      </p:sp>
+      <p:sp>
+        <p:nvSpPr>
+          <p:cNvPr id="16" name="Text Placeholder 3"/>
+          <p:cNvSpPr>
+            <a:spLocks noGrp="1"/>
+          </p:cNvSpPr>
+          <p:nvPr>
+            <p:ph type="body" sz="half" idx="15"/>
+          </p:nvPr>
+        </p:nvSpPr>
+        <p:spPr>
+          <a:xfrm>
+            <a:off x="652463" y="2667000"/>
+            <a:ext cx="2927350" cy="3589338"/>
+          </a:xfrm>
+        </p:spPr>
+        <p:txBody>
+          <a:bodyPr anchor="t">
+            <a:normAutofit/>
+          </a:bodyPr>
+          <a:lstStyle>
+            <a:lvl1pPr marL="0" indent="0">
+              <a:buNone/>
+              <a:defRPr sz="1400"/>
+            </a:lvl1pPr>
+            <a:lvl2pPr marL="457200" indent="0">
+              <a:buNone/>
+              <a:defRPr sz="1200"/>
+            </a:lvl2pPr>
+            <a:lvl3pPr marL="914400" indent="0">
+              <a:buNone/>
+              <a:defRPr sz="1000"/>
+            </a:lvl3pPr>
+            <a:lvl4pPr marL="1371600" indent="0">
+              <a:buNone/>
+              <a:defRPr sz="900"/>
+            </a:lvl4pPr>
+            <a:lvl5pPr marL="1828800" indent="0">
+              <a:buNone/>
+              <a:defRPr sz="900"/>
+            </a:lvl5pPr>
+            <a:lvl6pPr marL="2286000" indent="0">
+              <a:buNone/>
+              <a:defRPr sz="900"/>
+            </a:lvl6pPr>
+            <a:lvl7pPr marL="2743200" indent="0">
+              <a:buNone/>
+              <a:defRPr sz="900"/>
+            </a:lvl7pPr>
+            <a:lvl8pPr marL="3200400" indent="0">
+              <a:buNone/>
+              <a:defRPr sz="900"/>
+            </a:lvl8pPr>
+            <a:lvl9pPr marL="3657600" indent="0">
+              <a:buNone/>
+              <a:defRPr sz="900"/>
+            </a:lvl9pPr>
+          </a:lstStyle>
+          <a:p>
+            <a:pPr lvl="0"/>
+            <a:r>
+              <a:rPr lang="en-US" smtClean="0"/>
+              <a:t>Click to edit Master text styles</a:t>
+            </a:r>
+          </a:p>
+        </p:txBody>
+      </p:sp>
+      <p:sp>
+        <p:nvSpPr>
+          <p:cNvPr id="5" name="Text Placeholder 4"/>
+          <p:cNvSpPr>
+            <a:spLocks noGrp="1"/>
+          </p:cNvSpPr>
+          <p:nvPr>
+            <p:ph type="body" sz="quarter" idx="3"/>
+          </p:nvPr>
+        </p:nvSpPr>
+        <p:spPr>
+          <a:xfrm>
+            <a:off x="3883659" y="1981200"/>
+            <a:ext cx="2936241" cy="576262"/>
+          </a:xfrm>
+        </p:spPr>
+        <p:txBody>
+          <a:bodyPr anchor="b">
+            <a:noAutofit/>
+          </a:bodyPr>
+          <a:lstStyle>
+            <a:lvl1pPr marL="0" indent="0">
+              <a:buNone/>
+              <a:defRPr sz="2400" b="0">
+                <a:solidFill>
+                  <a:schemeClr val="bg2">
+                    <a:lumMod val="40000"/>
+                    <a:lumOff val="60000"/>
+                  </a:schemeClr>
+                </a:solidFill>
+              </a:defRPr>
+            </a:lvl1pPr>
+            <a:lvl2pPr marL="457200" indent="0">
+              <a:buNone/>
+              <a:defRPr sz="2000" b="1"/>
+            </a:lvl2pPr>
+            <a:lvl3pPr marL="914400" indent="0">
+              <a:buNone/>
+              <a:defRPr sz="1800" b="1"/>
+            </a:lvl3pPr>
+            <a:lvl4pPr marL="1371600" indent="0">
+              <a:buNone/>
+              <a:defRPr sz="1600" b="1"/>
+            </a:lvl4pPr>
+            <a:lvl5pPr marL="1828800" indent="0">
+              <a:buNone/>
+              <a:defRPr sz="1600" b="1"/>
+            </a:lvl5pPr>
+            <a:lvl6pPr marL="2286000" indent="0">
+              <a:buNone/>
+              <a:defRPr sz="1600" b="1"/>
+            </a:lvl6pPr>
+            <a:lvl7pPr marL="2743200" indent="0">
+              <a:buNone/>
+              <a:defRPr sz="1600" b="1"/>
+            </a:lvl7pPr>
+            <a:lvl8pPr marL="3200400" indent="0">
+              <a:buNone/>
+              <a:defRPr sz="1600" b="1"/>
+            </a:lvl8pPr>
+            <a:lvl9pPr marL="3657600" indent="0">
+              <a:buNone/>
+              <a:defRPr sz="1600" b="1"/>
+            </a:lvl9pPr>
+          </a:lstStyle>
+          <a:p>
+            <a:pPr lvl="0"/>
+            <a:r>
+              <a:rPr lang="en-US" smtClean="0"/>
+              <a:t>Click to edit Master text styles</a:t>
+            </a:r>
+          </a:p>
+        </p:txBody>
+      </p:sp>
+      <p:sp>
+        <p:nvSpPr>
+          <p:cNvPr id="19" name="Text Placeholder 3"/>
+          <p:cNvSpPr>
+            <a:spLocks noGrp="1"/>
+          </p:cNvSpPr>
+          <p:nvPr>
+            <p:ph type="body" sz="half" idx="16"/>
+          </p:nvPr>
+        </p:nvSpPr>
+        <p:spPr>
+          <a:xfrm>
+            <a:off x="3873106" y="2667000"/>
+            <a:ext cx="2946794" cy="3589338"/>
+          </a:xfrm>
+        </p:spPr>
+        <p:txBody>
+          <a:bodyPr anchor="t">
+            <a:normAutofit/>
+          </a:bodyPr>
+          <a:lstStyle>
+            <a:lvl1pPr marL="0" indent="0">
+              <a:buNone/>
+              <a:defRPr sz="1400"/>
+            </a:lvl1pPr>
+            <a:lvl2pPr marL="457200" indent="0">
+              <a:buNone/>
+              <a:defRPr sz="1200"/>
+            </a:lvl2pPr>
+            <a:lvl3pPr marL="914400" indent="0">
+              <a:buNone/>
+              <a:defRPr sz="1000"/>
+            </a:lvl3pPr>
+            <a:lvl4pPr marL="1371600" indent="0">
+              <a:buNone/>
+              <a:defRPr sz="900"/>
+            </a:lvl4pPr>
+            <a:lvl5pPr marL="1828800" indent="0">
+              <a:buNone/>
+              <a:defRPr sz="900"/>
+            </a:lvl5pPr>
+            <a:lvl6pPr marL="2286000" indent="0">
+              <a:buNone/>
+              <a:defRPr sz="900"/>
+            </a:lvl6pPr>
+            <a:lvl7pPr marL="2743200" indent="0">
+              <a:buNone/>
+              <a:defRPr sz="900"/>
+            </a:lvl7pPr>
+            <a:lvl8pPr marL="3200400" indent="0">
+              <a:buNone/>
+              <a:defRPr sz="900"/>
+            </a:lvl8pPr>
+            <a:lvl9pPr marL="3657600" indent="0">
+              <a:buNone/>
+              <a:defRPr sz="900"/>
+            </a:lvl9pPr>
+          </a:lstStyle>
+          <a:p>
+            <a:pPr lvl="0"/>
+            <a:r>
+              <a:rPr lang="en-US" smtClean="0"/>
+              <a:t>Click to edit Master text styles</a:t>
+            </a:r>
+          </a:p>
+        </p:txBody>
+      </p:sp>
+      <p:sp>
+        <p:nvSpPr>
+          <p:cNvPr id="14" name="Text Placeholder 4"/>
+          <p:cNvSpPr>
+            <a:spLocks noGrp="1"/>
+          </p:cNvSpPr>
+          <p:nvPr>
+            <p:ph type="body" sz="quarter" idx="13"/>
+          </p:nvPr>
+        </p:nvSpPr>
+        <p:spPr>
+          <a:xfrm>
+            <a:off x="7124700" y="1981200"/>
+            <a:ext cx="2932113" cy="576262"/>
+          </a:xfrm>
+        </p:spPr>
+        <p:txBody>
+          <a:bodyPr anchor="b">
+            <a:noAutofit/>
+          </a:bodyPr>
+          <a:lstStyle>
+            <a:lvl1pPr marL="0" indent="0">
+              <a:buNone/>
+              <a:defRPr sz="2400" b="0">
+                <a:solidFill>
+                  <a:schemeClr val="bg2">
+                    <a:lumMod val="40000"/>
+                    <a:lumOff val="60000"/>
+                  </a:schemeClr>
+                </a:solidFill>
+              </a:defRPr>
+            </a:lvl1pPr>
+            <a:lvl2pPr marL="457200" indent="0">
+              <a:buNone/>
+              <a:defRPr sz="2000" b="1"/>
+            </a:lvl2pPr>
+            <a:lvl3pPr marL="914400" indent="0">
+              <a:buNone/>
+              <a:defRPr sz="1800" b="1"/>
+            </a:lvl3pPr>
+            <a:lvl4pPr marL="1371600" indent="0">
+              <a:buNone/>
+              <a:defRPr sz="1600" b="1"/>
+            </a:lvl4pPr>
+            <a:lvl5pPr marL="1828800" indent="0">
+              <a:buNone/>
+              <a:defRPr sz="1600" b="1"/>
+            </a:lvl5pPr>
+            <a:lvl6pPr marL="2286000" indent="0">
+              <a:buNone/>
+              <a:defRPr sz="1600" b="1"/>
+            </a:lvl6pPr>
+            <a:lvl7pPr marL="2743200" indent="0">
+              <a:buNone/>
+              <a:defRPr sz="1600" b="1"/>
+            </a:lvl7pPr>
+            <a:lvl8pPr marL="3200400" indent="0">
+              <a:buNone/>
+              <a:defRPr sz="1600" b="1"/>
+            </a:lvl8pPr>
+            <a:lvl9pPr marL="3657600" indent="0">
+              <a:buNone/>
+              <a:defRPr sz="1600" b="1"/>
+            </a:lvl9pPr>
+          </a:lstStyle>
+          <a:p>
+            <a:pPr lvl="0"/>
+            <a:r>
+              <a:rPr lang="en-US" smtClean="0"/>
+              <a:t>Click to edit Master text styles</a:t>
+            </a:r>
+          </a:p>
+        </p:txBody>
+      </p:sp>
+      <p:sp>
+        <p:nvSpPr>
+          <p:cNvPr id="20" name="Text Placeholder 3"/>
+          <p:cNvSpPr>
+            <a:spLocks noGrp="1"/>
+          </p:cNvSpPr>
+          <p:nvPr>
+            <p:ph type="body" sz="half" idx="17"/>
+          </p:nvPr>
+        </p:nvSpPr>
+        <p:spPr>
+          <a:xfrm>
+            <a:off x="7124700" y="2667000"/>
+            <a:ext cx="2932113" cy="3589338"/>
+          </a:xfrm>
+        </p:spPr>
+        <p:txBody>
+          <a:bodyPr anchor="t">
+            <a:normAutofit/>
+          </a:bodyPr>
+          <a:lstStyle>
+            <a:lvl1pPr marL="0" indent="0">
+              <a:buNone/>
+              <a:defRPr sz="1400"/>
+            </a:lvl1pPr>
+            <a:lvl2pPr marL="457200" indent="0">
+              <a:buNone/>
+              <a:defRPr sz="1200"/>
+            </a:lvl2pPr>
+            <a:lvl3pPr marL="914400" indent="0">
+              <a:buNone/>
+              <a:defRPr sz="1000"/>
+            </a:lvl3pPr>
+            <a:lvl4pPr marL="1371600" indent="0">
+              <a:buNone/>
+              <a:defRPr sz="900"/>
+            </a:lvl4pPr>
+            <a:lvl5pPr marL="1828800" indent="0">
+              <a:buNone/>
+              <a:defRPr sz="900"/>
+            </a:lvl5pPr>
+            <a:lvl6pPr marL="2286000" indent="0">
+              <a:buNone/>
+              <a:defRPr sz="900"/>
+            </a:lvl6pPr>
+            <a:lvl7pPr marL="2743200" indent="0">
+              <a:buNone/>
+              <a:defRPr sz="900"/>
+            </a:lvl7pPr>
+            <a:lvl8pPr marL="3200400" indent="0">
+              <a:buNone/>
+              <a:defRPr sz="900"/>
+            </a:lvl8pPr>
+            <a:lvl9pPr marL="3657600" indent="0">
+              <a:buNone/>
+              <a:defRPr sz="900"/>
+            </a:lvl9pPr>
+          </a:lstStyle>
+          <a:p>
+            <a:pPr lvl="0"/>
+            <a:r>
+              <a:rPr lang="en-US" smtClean="0"/>
+              <a:t>Click to edit Master text styles</a:t>
+            </a:r>
+          </a:p>
+        </p:txBody>
+      </p:sp>
+      <p:cxnSp>
+        <p:nvCxnSpPr>
+          <p:cNvPr id="17" name="Straight Connector 16"/>
+          <p:cNvCxnSpPr/>
+          <p:nvPr/>
+        </p:nvCxnSpPr>
+        <p:spPr>
+          <a:xfrm>
+            <a:off x="3726142" y="2133600"/>
+            <a:ext cx="0" cy="3962400"/>
+          </a:xfrm>
+          <a:prstGeom prst="line">
+            <a:avLst/>
+          </a:prstGeom>
+          <a:ln w="12700" cmpd="sng">
+            <a:solidFill>
+              <a:schemeClr val="bg2">
+                <a:lumMod val="40000"/>
+                <a:lumOff val="60000"/>
+                <a:alpha val="40000"/>
+              </a:schemeClr>
+            </a:solidFill>
+          </a:ln>
+        </p:spPr>
+        <p:style>
+          <a:lnRef idx="2">
+            <a:schemeClr val="accent1"/>
+          </a:lnRef>
+          <a:fillRef idx="0">
+            <a:schemeClr val="accent1"/>
+          </a:fillRef>
+          <a:effectRef idx="1">
+            <a:schemeClr val="accent1"/>
+          </a:effectRef>
+          <a:fontRef idx="minor">
+            <a:schemeClr val="tx1"/>
+          </a:fontRef>
+        </p:style>
+      </p:cxnSp>
+      <p:cxnSp>
+        <p:nvCxnSpPr>
+          <p:cNvPr id="18" name="Straight Connector 17"/>
+          <p:cNvCxnSpPr/>
+          <p:nvPr/>
+        </p:nvCxnSpPr>
+        <p:spPr>
+          <a:xfrm>
+            <a:off x="6962227" y="2133600"/>
+            <a:ext cx="0" cy="3966882"/>
+          </a:xfrm>
+          <a:prstGeom prst="line">
+            <a:avLst/>
+          </a:prstGeom>
+          <a:ln w="12700" cmpd="sng">
+            <a:solidFill>
+              <a:schemeClr val="bg2">
+                <a:lumMod val="40000"/>
+                <a:lumOff val="60000"/>
+                <a:alpha val="40000"/>
+              </a:schemeClr>
+            </a:solidFill>
+          </a:ln>
+        </p:spPr>
+        <p:style>
+          <a:lnRef idx="2">
+            <a:schemeClr val="accent1"/>
+          </a:lnRef>
+          <a:fillRef idx="0">
+            <a:schemeClr val="accent1"/>
+          </a:fillRef>
+          <a:effectRef idx="1">
+            <a:schemeClr val="accent1"/>
+          </a:effectRef>
+          <a:fontRef idx="minor">
+            <a:schemeClr val="tx1"/>
+          </a:fontRef>
+        </p:style>
+      </p:cxnSp>
+      <p:sp>
+        <p:nvSpPr>
+          <p:cNvPr id="7" name="Date Placeholder 3"/>
+          <p:cNvSpPr>
+            <a:spLocks noGrp="1"/>
+          </p:cNvSpPr>
+          <p:nvPr>
+            <p:ph type="dt" sz="half" idx="10"/>
+          </p:nvPr>
+        </p:nvSpPr>
+        <p:spPr/>
+        <p:txBody>
+          <a:bodyPr/>
+          <a:lstStyle/>
+          <a:p>
+            <a:fld id="{9A1B6128-0A2F-42B8-B22C-1CB21B575655}" type="datetimeFigureOut">
+              <a:rPr lang="en-SG" smtClean="0"/>
+              <a:t>3/6/2015</a:t>
+            </a:fld>
+            <a:endParaRPr lang="en-SG"/>
+          </a:p>
+        </p:txBody>
+      </p:sp>
+      <p:sp>
+        <p:nvSpPr>
+          <p:cNvPr id="4" name="Footer Placeholder 4"/>
+          <p:cNvSpPr>
+            <a:spLocks noGrp="1"/>
+          </p:cNvSpPr>
+          <p:nvPr>
+            <p:ph type="ftr" sz="quarter" idx="11"/>
+          </p:nvPr>
+        </p:nvSpPr>
+        <p:spPr/>
+        <p:txBody>
+          <a:bodyPr/>
+          <a:lstStyle/>
+          <a:p>
+            <a:endParaRPr lang="en-SG"/>
+          </a:p>
+        </p:txBody>
+      </p:sp>
+      <p:sp>
+        <p:nvSpPr>
+          <p:cNvPr id="6" name="Slide Number Placeholder 5"/>
+          <p:cNvSpPr>
+            <a:spLocks noGrp="1"/>
+          </p:cNvSpPr>
+          <p:nvPr>
+            <p:ph type="sldNum" sz="quarter" idx="12"/>
+          </p:nvPr>
+        </p:nvSpPr>
+        <p:spPr/>
+        <p:txBody>
+          <a:bodyPr/>
+          <a:lstStyle/>
+          <a:p>
+            <a:fld id="{51B1EFFD-9CCC-406E-B60B-4B87803F48E6}" type="slidenum">
+              <a:rPr lang="en-SG" smtClean="0"/>
+              <a:t>‹#›</a:t>
+            </a:fld>
+            <a:endParaRPr lang="en-SG"/>
+          </a:p>
+        </p:txBody>
+      </p:sp>
+    </p:spTree>
+    <p:extLst>
+      <p:ext uri="{BB962C8B-B14F-4D97-AF65-F5344CB8AC3E}">
+        <p14:creationId xmlns:p14="http://schemas.microsoft.com/office/powerpoint/2010/main" val="741290326"/>
+      </p:ext>
+    </p:extLst>
+  </p:cSld>
+  <p:clrMapOvr>
+    <a:masterClrMapping/>
+  </p:clrMapOvr>
+</p:sldLayout>
+</file>
+
+<file path=ppt/slideLayouts/slideLayout15.xml><?xml version="1.0" encoding="utf-8"?>
+<p:sldLayout xmlns:a="http://schemas.openxmlformats.org/drawingml/2006/main" xmlns:r="http://schemas.openxmlformats.org/officeDocument/2006/relationships" xmlns:p="http://schemas.openxmlformats.org/presentationml/2006/main" preserve="1">
+  <p:cSld name="3 Picture Column">
+    <p:spTree>
+      <p:nvGrpSpPr>
+        <p:cNvPr id="1" name=""/>
+        <p:cNvGrpSpPr/>
+        <p:nvPr/>
+      </p:nvGrpSpPr>
+      <p:grpSpPr>
+        <a:xfrm>
+          <a:off x="0" y="0"/>
+          <a:ext cx="0" cy="0"/>
+          <a:chOff x="0" y="0"/>
+          <a:chExt cx="0" cy="0"/>
+        </a:xfrm>
+      </p:grpSpPr>
+      <p:sp>
+        <p:nvSpPr>
+          <p:cNvPr id="2" name="Title 1"/>
+          <p:cNvSpPr>
+            <a:spLocks noGrp="1"/>
+          </p:cNvSpPr>
+          <p:nvPr>
+            <p:ph type="title"/>
+          </p:nvPr>
+        </p:nvSpPr>
+        <p:spPr/>
+        <p:txBody>
+          <a:bodyPr/>
+          <a:lstStyle>
+            <a:lvl1pPr>
+              <a:defRPr sz="4200"/>
+            </a:lvl1pPr>
+          </a:lstStyle>
+          <a:p>
+            <a:r>
+              <a:rPr lang="en-US" smtClean="0"/>
+              <a:t>Click to edit Master title style</a:t>
+            </a:r>
+            <a:endParaRPr lang="en-US" dirty="0"/>
+          </a:p>
+        </p:txBody>
+      </p:sp>
+      <p:sp>
+        <p:nvSpPr>
+          <p:cNvPr id="3" name="Text Placeholder 2"/>
+          <p:cNvSpPr>
+            <a:spLocks noGrp="1"/>
+          </p:cNvSpPr>
+          <p:nvPr>
+            <p:ph type="body" idx="1"/>
+          </p:nvPr>
+        </p:nvSpPr>
+        <p:spPr>
+          <a:xfrm>
+            <a:off x="652463" y="4250949"/>
+            <a:ext cx="2940050" cy="576262"/>
+          </a:xfrm>
+        </p:spPr>
+        <p:txBody>
+          <a:bodyPr anchor="b">
+            <a:noAutofit/>
+          </a:bodyPr>
+          <a:lstStyle>
+            <a:lvl1pPr marL="0" indent="0">
+              <a:buNone/>
+              <a:defRPr sz="2400" b="0">
+                <a:solidFill>
+                  <a:schemeClr val="bg2">
+                    <a:lumMod val="40000"/>
+                    <a:lumOff val="60000"/>
+                  </a:schemeClr>
+                </a:solidFill>
+              </a:defRPr>
+            </a:lvl1pPr>
+            <a:lvl2pPr marL="457200" indent="0">
+              <a:buNone/>
+              <a:defRPr sz="2000" b="1"/>
+            </a:lvl2pPr>
+            <a:lvl3pPr marL="914400" indent="0">
+              <a:buNone/>
+              <a:defRPr sz="1800" b="1"/>
+            </a:lvl3pPr>
+            <a:lvl4pPr marL="1371600" indent="0">
+              <a:buNone/>
+              <a:defRPr sz="1600" b="1"/>
+            </a:lvl4pPr>
+            <a:lvl5pPr marL="1828800" indent="0">
+              <a:buNone/>
+              <a:defRPr sz="1600" b="1"/>
+            </a:lvl5pPr>
+            <a:lvl6pPr marL="2286000" indent="0">
+              <a:buNone/>
+              <a:defRPr sz="1600" b="1"/>
+            </a:lvl6pPr>
+            <a:lvl7pPr marL="2743200" indent="0">
+              <a:buNone/>
+              <a:defRPr sz="1600" b="1"/>
+            </a:lvl7pPr>
+            <a:lvl8pPr marL="3200400" indent="0">
+              <a:buNone/>
+              <a:defRPr sz="1600" b="1"/>
+            </a:lvl8pPr>
+            <a:lvl9pPr marL="3657600" indent="0">
+              <a:buNone/>
+              <a:defRPr sz="1600" b="1"/>
+            </a:lvl9pPr>
+          </a:lstStyle>
+          <a:p>
+            <a:pPr lvl="0"/>
+            <a:r>
+              <a:rPr lang="en-US" smtClean="0"/>
+              <a:t>Click to edit Master text styles</a:t>
+            </a:r>
+          </a:p>
+        </p:txBody>
+      </p:sp>
+      <p:sp>
+        <p:nvSpPr>
+          <p:cNvPr id="29" name="Picture Placeholder 2"/>
+          <p:cNvSpPr>
+            <a:spLocks noGrp="1" noChangeAspect="1"/>
+          </p:cNvSpPr>
+          <p:nvPr>
+            <p:ph type="pic" idx="15"/>
+          </p:nvPr>
+        </p:nvSpPr>
+        <p:spPr>
+          <a:xfrm>
+            <a:off x="652463" y="2209800"/>
+            <a:ext cx="2940050" cy="1524000"/>
+          </a:xfrm>
+          <a:prstGeom prst="roundRect">
+            <a:avLst>
+              <a:gd name="adj" fmla="val 1858"/>
+            </a:avLst>
+          </a:prstGeom>
+          <a:effectLst>
+            <a:outerShdw blurRad="50800" dist="50800" dir="5400000" algn="tl" rotWithShape="0">
+              <a:srgbClr val="000000">
+                <a:alpha val="43000"/>
+              </a:srgbClr>
+            </a:outerShdw>
+          </a:effectLst>
+        </p:spPr>
+        <p:txBody>
+          <a:bodyPr anchor="t">
+            <a:normAutofit/>
+          </a:bodyPr>
+          <a:lstStyle>
+            <a:lvl1pPr marL="0" indent="0" algn="ctr">
+              <a:buNone/>
+              <a:defRPr sz="1600"/>
+            </a:lvl1pPr>
+            <a:lvl2pPr marL="457200" indent="0">
+              <a:buNone/>
+              <a:defRPr sz="1600"/>
+            </a:lvl2pPr>
+            <a:lvl3pPr marL="914400" indent="0">
+              <a:buNone/>
+              <a:defRPr sz="1600"/>
+            </a:lvl3pPr>
+            <a:lvl4pPr marL="1371600" indent="0">
+              <a:buNone/>
+              <a:defRPr sz="1600"/>
+            </a:lvl4pPr>
+            <a:lvl5pPr marL="1828800" indent="0">
+              <a:buNone/>
+              <a:defRPr sz="1600"/>
+            </a:lvl5pPr>
+            <a:lvl6pPr marL="2286000" indent="0">
+              <a:buNone/>
+              <a:defRPr sz="1600"/>
+            </a:lvl6pPr>
+            <a:lvl7pPr marL="2743200" indent="0">
+              <a:buNone/>
+              <a:defRPr sz="1600"/>
+            </a:lvl7pPr>
+            <a:lvl8pPr marL="3200400" indent="0">
+              <a:buNone/>
+              <a:defRPr sz="1600"/>
+            </a:lvl8pPr>
+            <a:lvl9pPr marL="3657600" indent="0">
+              <a:buNone/>
+              <a:defRPr sz="1600"/>
+            </a:lvl9pPr>
+          </a:lstStyle>
+          <a:p>
+            <a:r>
+              <a:rPr lang="en-US" smtClean="0"/>
+              <a:t>Click icon to add picture</a:t>
+            </a:r>
+            <a:endParaRPr lang="en-US" dirty="0"/>
+          </a:p>
+        </p:txBody>
+      </p:sp>
+      <p:sp>
+        <p:nvSpPr>
+          <p:cNvPr id="22" name="Text Placeholder 3"/>
+          <p:cNvSpPr>
+            <a:spLocks noGrp="1"/>
+          </p:cNvSpPr>
+          <p:nvPr>
+            <p:ph type="body" sz="half" idx="18"/>
+          </p:nvPr>
+        </p:nvSpPr>
+        <p:spPr>
+          <a:xfrm>
+            <a:off x="652463" y="4827211"/>
+            <a:ext cx="2940050" cy="659189"/>
+          </a:xfrm>
+        </p:spPr>
+        <p:txBody>
+          <a:bodyPr anchor="t">
+            <a:normAutofit/>
+          </a:bodyPr>
+          <a:lstStyle>
+            <a:lvl1pPr marL="0" indent="0">
+              <a:buNone/>
+              <a:defRPr sz="1400"/>
+            </a:lvl1pPr>
+            <a:lvl2pPr marL="457200" indent="0">
+              <a:buNone/>
+              <a:defRPr sz="1200"/>
+            </a:lvl2pPr>
+            <a:lvl3pPr marL="914400" indent="0">
+              <a:buNone/>
+              <a:defRPr sz="1000"/>
+            </a:lvl3pPr>
+            <a:lvl4pPr marL="1371600" indent="0">
+              <a:buNone/>
+              <a:defRPr sz="900"/>
+            </a:lvl4pPr>
+            <a:lvl5pPr marL="1828800" indent="0">
+              <a:buNone/>
+              <a:defRPr sz="900"/>
+            </a:lvl5pPr>
+            <a:lvl6pPr marL="2286000" indent="0">
+              <a:buNone/>
+              <a:defRPr sz="900"/>
+            </a:lvl6pPr>
+            <a:lvl7pPr marL="2743200" indent="0">
+              <a:buNone/>
+              <a:defRPr sz="900"/>
+            </a:lvl7pPr>
+            <a:lvl8pPr marL="3200400" indent="0">
+              <a:buNone/>
+              <a:defRPr sz="900"/>
+            </a:lvl8pPr>
+            <a:lvl9pPr marL="3657600" indent="0">
+              <a:buNone/>
+              <a:defRPr sz="900"/>
+            </a:lvl9pPr>
+          </a:lstStyle>
+          <a:p>
+            <a:pPr lvl="0"/>
+            <a:r>
+              <a:rPr lang="en-US" smtClean="0"/>
+              <a:t>Click to edit Master text styles</a:t>
+            </a:r>
+          </a:p>
+        </p:txBody>
+      </p:sp>
+      <p:sp>
+        <p:nvSpPr>
+          <p:cNvPr id="5" name="Text Placeholder 4"/>
+          <p:cNvSpPr>
+            <a:spLocks noGrp="1"/>
+          </p:cNvSpPr>
+          <p:nvPr>
+            <p:ph type="body" sz="quarter" idx="3"/>
+          </p:nvPr>
+        </p:nvSpPr>
+        <p:spPr>
+          <a:xfrm>
+            <a:off x="3889375" y="4250949"/>
+            <a:ext cx="2930525" cy="576262"/>
+          </a:xfrm>
+        </p:spPr>
+        <p:txBody>
+          <a:bodyPr anchor="b">
+            <a:noAutofit/>
+          </a:bodyPr>
+          <a:lstStyle>
+            <a:lvl1pPr marL="0" indent="0">
+              <a:buNone/>
+              <a:defRPr sz="2400" b="0">
+                <a:solidFill>
+                  <a:schemeClr val="bg2">
+                    <a:lumMod val="40000"/>
+                    <a:lumOff val="60000"/>
+                  </a:schemeClr>
+                </a:solidFill>
+              </a:defRPr>
+            </a:lvl1pPr>
+            <a:lvl2pPr marL="457200" indent="0">
+              <a:buNone/>
+              <a:defRPr sz="2000" b="1"/>
+            </a:lvl2pPr>
+            <a:lvl3pPr marL="914400" indent="0">
+              <a:buNone/>
+              <a:defRPr sz="1800" b="1"/>
+            </a:lvl3pPr>
+            <a:lvl4pPr marL="1371600" indent="0">
+              <a:buNone/>
+              <a:defRPr sz="1600" b="1"/>
+            </a:lvl4pPr>
+            <a:lvl5pPr marL="1828800" indent="0">
+              <a:buNone/>
+              <a:defRPr sz="1600" b="1"/>
+            </a:lvl5pPr>
+            <a:lvl6pPr marL="2286000" indent="0">
+              <a:buNone/>
+              <a:defRPr sz="1600" b="1"/>
+            </a:lvl6pPr>
+            <a:lvl7pPr marL="2743200" indent="0">
+              <a:buNone/>
+              <a:defRPr sz="1600" b="1"/>
+            </a:lvl7pPr>
+            <a:lvl8pPr marL="3200400" indent="0">
+              <a:buNone/>
+              <a:defRPr sz="1600" b="1"/>
+            </a:lvl8pPr>
+            <a:lvl9pPr marL="3657600" indent="0">
+              <a:buNone/>
+              <a:defRPr sz="1600" b="1"/>
+            </a:lvl9pPr>
+          </a:lstStyle>
+          <a:p>
+            <a:pPr lvl="0"/>
+            <a:r>
+              <a:rPr lang="en-US" smtClean="0"/>
+              <a:t>Click to edit Master text styles</a:t>
+            </a:r>
+          </a:p>
+        </p:txBody>
+      </p:sp>
+      <p:sp>
+        <p:nvSpPr>
+          <p:cNvPr id="30" name="Picture Placeholder 2"/>
+          <p:cNvSpPr>
+            <a:spLocks noGrp="1" noChangeAspect="1"/>
+          </p:cNvSpPr>
+          <p:nvPr>
+            <p:ph type="pic" idx="21"/>
+          </p:nvPr>
+        </p:nvSpPr>
+        <p:spPr>
+          <a:xfrm>
+            <a:off x="3889374" y="2209800"/>
+            <a:ext cx="2930525" cy="1524000"/>
+          </a:xfrm>
+          <a:prstGeom prst="roundRect">
+            <a:avLst>
+              <a:gd name="adj" fmla="val 1858"/>
+            </a:avLst>
+          </a:prstGeom>
+          <a:effectLst>
+            <a:outerShdw blurRad="50800" dist="50800" dir="5400000" algn="tl" rotWithShape="0">
+              <a:srgbClr val="000000">
+                <a:alpha val="43000"/>
+              </a:srgbClr>
+            </a:outerShdw>
+          </a:effectLst>
+        </p:spPr>
+        <p:txBody>
+          <a:bodyPr anchor="t">
+            <a:normAutofit/>
+          </a:bodyPr>
+          <a:lstStyle>
+            <a:lvl1pPr marL="0" indent="0" algn="ctr">
+              <a:buNone/>
+              <a:defRPr sz="1600"/>
+            </a:lvl1pPr>
+            <a:lvl2pPr marL="457200" indent="0">
+              <a:buNone/>
+              <a:defRPr sz="1600"/>
+            </a:lvl2pPr>
+            <a:lvl3pPr marL="914400" indent="0">
+              <a:buNone/>
+              <a:defRPr sz="1600"/>
+            </a:lvl3pPr>
+            <a:lvl4pPr marL="1371600" indent="0">
+              <a:buNone/>
+              <a:defRPr sz="1600"/>
+            </a:lvl4pPr>
+            <a:lvl5pPr marL="1828800" indent="0">
+              <a:buNone/>
+              <a:defRPr sz="1600"/>
+            </a:lvl5pPr>
+            <a:lvl6pPr marL="2286000" indent="0">
+              <a:buNone/>
+              <a:defRPr sz="1600"/>
+            </a:lvl6pPr>
+            <a:lvl7pPr marL="2743200" indent="0">
+              <a:buNone/>
+              <a:defRPr sz="1600"/>
+            </a:lvl7pPr>
+            <a:lvl8pPr marL="3200400" indent="0">
+              <a:buNone/>
+              <a:defRPr sz="1600"/>
+            </a:lvl8pPr>
+            <a:lvl9pPr marL="3657600" indent="0">
+              <a:buNone/>
+              <a:defRPr sz="1600"/>
+            </a:lvl9pPr>
+          </a:lstStyle>
+          <a:p>
+            <a:r>
+              <a:rPr lang="en-US" smtClean="0"/>
+              <a:t>Click icon to add picture</a:t>
+            </a:r>
+            <a:endParaRPr lang="en-US" dirty="0"/>
+          </a:p>
+        </p:txBody>
+      </p:sp>
+      <p:sp>
+        <p:nvSpPr>
+          <p:cNvPr id="23" name="Text Placeholder 3"/>
+          <p:cNvSpPr>
+            <a:spLocks noGrp="1"/>
+          </p:cNvSpPr>
+          <p:nvPr>
+            <p:ph type="body" sz="half" idx="19"/>
+          </p:nvPr>
+        </p:nvSpPr>
+        <p:spPr>
+          <a:xfrm>
+            <a:off x="3888022" y="4827210"/>
+            <a:ext cx="2934406" cy="659189"/>
+          </a:xfrm>
+        </p:spPr>
+        <p:txBody>
+          <a:bodyPr anchor="t">
+            <a:normAutofit/>
+          </a:bodyPr>
+          <a:lstStyle>
+            <a:lvl1pPr marL="0" indent="0">
+              <a:buNone/>
+              <a:defRPr sz="1400"/>
+            </a:lvl1pPr>
+            <a:lvl2pPr marL="457200" indent="0">
+              <a:buNone/>
+              <a:defRPr sz="1200"/>
+            </a:lvl2pPr>
+            <a:lvl3pPr marL="914400" indent="0">
+              <a:buNone/>
+              <a:defRPr sz="1000"/>
+            </a:lvl3pPr>
+            <a:lvl4pPr marL="1371600" indent="0">
+              <a:buNone/>
+              <a:defRPr sz="900"/>
+            </a:lvl4pPr>
+            <a:lvl5pPr marL="1828800" indent="0">
+              <a:buNone/>
+              <a:defRPr sz="900"/>
+            </a:lvl5pPr>
+            <a:lvl6pPr marL="2286000" indent="0">
+              <a:buNone/>
+              <a:defRPr sz="900"/>
+            </a:lvl6pPr>
+            <a:lvl7pPr marL="2743200" indent="0">
+              <a:buNone/>
+              <a:defRPr sz="900"/>
+            </a:lvl7pPr>
+            <a:lvl8pPr marL="3200400" indent="0">
+              <a:buNone/>
+              <a:defRPr sz="900"/>
+            </a:lvl8pPr>
+            <a:lvl9pPr marL="3657600" indent="0">
+              <a:buNone/>
+              <a:defRPr sz="900"/>
+            </a:lvl9pPr>
+          </a:lstStyle>
+          <a:p>
+            <a:pPr lvl="0"/>
+            <a:r>
+              <a:rPr lang="en-US" smtClean="0"/>
+              <a:t>Click to edit Master text styles</a:t>
+            </a:r>
+          </a:p>
+        </p:txBody>
+      </p:sp>
+      <p:sp>
+        <p:nvSpPr>
+          <p:cNvPr id="14" name="Text Placeholder 4"/>
+          <p:cNvSpPr>
+            <a:spLocks noGrp="1"/>
+          </p:cNvSpPr>
+          <p:nvPr>
+            <p:ph type="body" sz="quarter" idx="13"/>
+          </p:nvPr>
+        </p:nvSpPr>
+        <p:spPr>
+          <a:xfrm>
+            <a:off x="7124700" y="4250949"/>
+            <a:ext cx="2932113" cy="576262"/>
+          </a:xfrm>
+        </p:spPr>
+        <p:txBody>
+          <a:bodyPr anchor="b">
+            <a:noAutofit/>
+          </a:bodyPr>
+          <a:lstStyle>
+            <a:lvl1pPr marL="0" indent="0">
+              <a:buNone/>
+              <a:defRPr sz="2400" b="0">
+                <a:solidFill>
+                  <a:schemeClr val="bg2">
+                    <a:lumMod val="40000"/>
+                    <a:lumOff val="60000"/>
+                  </a:schemeClr>
+                </a:solidFill>
+              </a:defRPr>
+            </a:lvl1pPr>
+            <a:lvl2pPr marL="457200" indent="0">
+              <a:buNone/>
+              <a:defRPr sz="2000" b="1"/>
+            </a:lvl2pPr>
+            <a:lvl3pPr marL="914400" indent="0">
+              <a:buNone/>
+              <a:defRPr sz="1800" b="1"/>
+            </a:lvl3pPr>
+            <a:lvl4pPr marL="1371600" indent="0">
+              <a:buNone/>
+              <a:defRPr sz="1600" b="1"/>
+            </a:lvl4pPr>
+            <a:lvl5pPr marL="1828800" indent="0">
+              <a:buNone/>
+              <a:defRPr sz="1600" b="1"/>
+            </a:lvl5pPr>
+            <a:lvl6pPr marL="2286000" indent="0">
+              <a:buNone/>
+              <a:defRPr sz="1600" b="1"/>
+            </a:lvl6pPr>
+            <a:lvl7pPr marL="2743200" indent="0">
+              <a:buNone/>
+              <a:defRPr sz="1600" b="1"/>
+            </a:lvl7pPr>
+            <a:lvl8pPr marL="3200400" indent="0">
+              <a:buNone/>
+              <a:defRPr sz="1600" b="1"/>
+            </a:lvl8pPr>
+            <a:lvl9pPr marL="3657600" indent="0">
+              <a:buNone/>
+              <a:defRPr sz="1600" b="1"/>
+            </a:lvl9pPr>
+          </a:lstStyle>
+          <a:p>
+            <a:pPr lvl="0"/>
+            <a:r>
+              <a:rPr lang="en-US" smtClean="0"/>
+              <a:t>Click to edit Master text styles</a:t>
+            </a:r>
+          </a:p>
+        </p:txBody>
+      </p:sp>
+      <p:sp>
+        <p:nvSpPr>
+          <p:cNvPr id="31" name="Picture Placeholder 2"/>
+          <p:cNvSpPr>
+            <a:spLocks noGrp="1" noChangeAspect="1"/>
+          </p:cNvSpPr>
+          <p:nvPr>
+            <p:ph type="pic" idx="22"/>
+          </p:nvPr>
+        </p:nvSpPr>
+        <p:spPr>
+          <a:xfrm>
+            <a:off x="7124699" y="2209800"/>
+            <a:ext cx="2932113" cy="1524000"/>
+          </a:xfrm>
+          <a:prstGeom prst="roundRect">
+            <a:avLst>
+              <a:gd name="adj" fmla="val 1858"/>
+            </a:avLst>
+          </a:prstGeom>
+          <a:effectLst>
+            <a:outerShdw blurRad="50800" dist="50800" dir="5400000" algn="tl" rotWithShape="0">
+              <a:srgbClr val="000000">
+                <a:alpha val="43000"/>
+              </a:srgbClr>
+            </a:outerShdw>
+          </a:effectLst>
+        </p:spPr>
+        <p:txBody>
+          <a:bodyPr anchor="t">
+            <a:normAutofit/>
+          </a:bodyPr>
+          <a:lstStyle>
+            <a:lvl1pPr marL="0" indent="0" algn="ctr">
+              <a:buNone/>
+              <a:defRPr sz="1600"/>
+            </a:lvl1pPr>
+            <a:lvl2pPr marL="457200" indent="0">
+              <a:buNone/>
+              <a:defRPr sz="1600"/>
+            </a:lvl2pPr>
+            <a:lvl3pPr marL="914400" indent="0">
+              <a:buNone/>
+              <a:defRPr sz="1600"/>
+            </a:lvl3pPr>
+            <a:lvl4pPr marL="1371600" indent="0">
+              <a:buNone/>
+              <a:defRPr sz="1600"/>
+            </a:lvl4pPr>
+            <a:lvl5pPr marL="1828800" indent="0">
+              <a:buNone/>
+              <a:defRPr sz="1600"/>
+            </a:lvl5pPr>
+            <a:lvl6pPr marL="2286000" indent="0">
+              <a:buNone/>
+              <a:defRPr sz="1600"/>
+            </a:lvl6pPr>
+            <a:lvl7pPr marL="2743200" indent="0">
+              <a:buNone/>
+              <a:defRPr sz="1600"/>
+            </a:lvl7pPr>
+            <a:lvl8pPr marL="3200400" indent="0">
+              <a:buNone/>
+              <a:defRPr sz="1600"/>
+            </a:lvl8pPr>
+            <a:lvl9pPr marL="3657600" indent="0">
+              <a:buNone/>
+              <a:defRPr sz="1600"/>
+            </a:lvl9pPr>
+          </a:lstStyle>
+          <a:p>
+            <a:r>
+              <a:rPr lang="en-US" smtClean="0"/>
+              <a:t>Click icon to add picture</a:t>
+            </a:r>
+            <a:endParaRPr lang="en-US" dirty="0"/>
+          </a:p>
+        </p:txBody>
+      </p:sp>
+      <p:sp>
+        <p:nvSpPr>
+          <p:cNvPr id="24" name="Text Placeholder 3"/>
+          <p:cNvSpPr>
+            <a:spLocks noGrp="1"/>
+          </p:cNvSpPr>
+          <p:nvPr>
+            <p:ph type="body" sz="half" idx="20"/>
+          </p:nvPr>
+        </p:nvSpPr>
+        <p:spPr>
+          <a:xfrm>
+            <a:off x="7124575" y="4827208"/>
+            <a:ext cx="2935997" cy="659189"/>
+          </a:xfrm>
+        </p:spPr>
+        <p:txBody>
+          <a:bodyPr anchor="t">
+            <a:normAutofit/>
+          </a:bodyPr>
+          <a:lstStyle>
+            <a:lvl1pPr marL="0" indent="0">
+              <a:buNone/>
+              <a:defRPr sz="1400"/>
+            </a:lvl1pPr>
+            <a:lvl2pPr marL="457200" indent="0">
+              <a:buNone/>
+              <a:defRPr sz="1200"/>
+            </a:lvl2pPr>
+            <a:lvl3pPr marL="914400" indent="0">
+              <a:buNone/>
+              <a:defRPr sz="1000"/>
+            </a:lvl3pPr>
+            <a:lvl4pPr marL="1371600" indent="0">
+              <a:buNone/>
+              <a:defRPr sz="900"/>
+            </a:lvl4pPr>
+            <a:lvl5pPr marL="1828800" indent="0">
+              <a:buNone/>
+              <a:defRPr sz="900"/>
+            </a:lvl5pPr>
+            <a:lvl6pPr marL="2286000" indent="0">
+              <a:buNone/>
+              <a:defRPr sz="900"/>
+            </a:lvl6pPr>
+            <a:lvl7pPr marL="2743200" indent="0">
+              <a:buNone/>
+              <a:defRPr sz="900"/>
+            </a:lvl7pPr>
+            <a:lvl8pPr marL="3200400" indent="0">
+              <a:buNone/>
+              <a:defRPr sz="900"/>
+            </a:lvl8pPr>
+            <a:lvl9pPr marL="3657600" indent="0">
+              <a:buNone/>
+              <a:defRPr sz="900"/>
+            </a:lvl9pPr>
+          </a:lstStyle>
+          <a:p>
+            <a:pPr lvl="0"/>
+            <a:r>
+              <a:rPr lang="en-US" smtClean="0"/>
+              <a:t>Click to edit Master text styles</a:t>
+            </a:r>
+          </a:p>
+        </p:txBody>
+      </p:sp>
+      <p:cxnSp>
+        <p:nvCxnSpPr>
+          <p:cNvPr id="19" name="Straight Connector 18"/>
+          <p:cNvCxnSpPr/>
+          <p:nvPr/>
+        </p:nvCxnSpPr>
+        <p:spPr>
+          <a:xfrm>
+            <a:off x="3726142" y="2133600"/>
+            <a:ext cx="0" cy="3962400"/>
+          </a:xfrm>
+          <a:prstGeom prst="line">
+            <a:avLst/>
+          </a:prstGeom>
+          <a:ln w="12700" cmpd="sng">
+            <a:solidFill>
+              <a:schemeClr val="bg2">
+                <a:lumMod val="40000"/>
+                <a:lumOff val="60000"/>
+                <a:alpha val="40000"/>
+              </a:schemeClr>
+            </a:solidFill>
+          </a:ln>
+        </p:spPr>
+        <p:style>
+          <a:lnRef idx="2">
+            <a:schemeClr val="accent1"/>
+          </a:lnRef>
+          <a:fillRef idx="0">
+            <a:schemeClr val="accent1"/>
+          </a:fillRef>
+          <a:effectRef idx="1">
+            <a:schemeClr val="accent1"/>
+          </a:effectRef>
+          <a:fontRef idx="minor">
+            <a:schemeClr val="tx1"/>
+          </a:fontRef>
+        </p:style>
+      </p:cxnSp>
+      <p:cxnSp>
+        <p:nvCxnSpPr>
+          <p:cNvPr id="20" name="Straight Connector 19"/>
+          <p:cNvCxnSpPr/>
+          <p:nvPr/>
+        </p:nvCxnSpPr>
+        <p:spPr>
+          <a:xfrm>
+            <a:off x="6962227" y="2133600"/>
+            <a:ext cx="0" cy="3966882"/>
+          </a:xfrm>
+          <a:prstGeom prst="line">
+            <a:avLst/>
+          </a:prstGeom>
+          <a:ln w="12700" cmpd="sng">
+            <a:solidFill>
+              <a:schemeClr val="bg2">
+                <a:lumMod val="40000"/>
+                <a:lumOff val="60000"/>
+                <a:alpha val="40000"/>
+              </a:schemeClr>
+            </a:solidFill>
+          </a:ln>
+        </p:spPr>
+        <p:style>
+          <a:lnRef idx="2">
+            <a:schemeClr val="accent1"/>
+          </a:lnRef>
+          <a:fillRef idx="0">
+            <a:schemeClr val="accent1"/>
+          </a:fillRef>
+          <a:effectRef idx="1">
+            <a:schemeClr val="accent1"/>
+          </a:effectRef>
+          <a:fontRef idx="minor">
+            <a:schemeClr val="tx1"/>
+          </a:fontRef>
+        </p:style>
+      </p:cxnSp>
+      <p:sp>
+        <p:nvSpPr>
+          <p:cNvPr id="7" name="Date Placeholder 3"/>
+          <p:cNvSpPr>
+            <a:spLocks noGrp="1"/>
+          </p:cNvSpPr>
+          <p:nvPr>
+            <p:ph type="dt" sz="half" idx="10"/>
+          </p:nvPr>
+        </p:nvSpPr>
+        <p:spPr/>
+        <p:txBody>
+          <a:bodyPr/>
+          <a:lstStyle/>
+          <a:p>
+            <a:fld id="{9A1B6128-0A2F-42B8-B22C-1CB21B575655}" type="datetimeFigureOut">
+              <a:rPr lang="en-SG" smtClean="0"/>
+              <a:t>3/6/2015</a:t>
+            </a:fld>
+            <a:endParaRPr lang="en-SG"/>
+          </a:p>
+        </p:txBody>
+      </p:sp>
+      <p:sp>
+        <p:nvSpPr>
+          <p:cNvPr id="4" name="Footer Placeholder 4"/>
+          <p:cNvSpPr>
+            <a:spLocks noGrp="1"/>
+          </p:cNvSpPr>
+          <p:nvPr>
+            <p:ph type="ftr" sz="quarter" idx="11"/>
+          </p:nvPr>
+        </p:nvSpPr>
+        <p:spPr/>
+        <p:txBody>
+          <a:bodyPr/>
+          <a:lstStyle/>
+          <a:p>
+            <a:endParaRPr lang="en-SG"/>
+          </a:p>
+        </p:txBody>
+      </p:sp>
+      <p:sp>
+        <p:nvSpPr>
+          <p:cNvPr id="6" name="Slide Number Placeholder 5"/>
+          <p:cNvSpPr>
+            <a:spLocks noGrp="1"/>
+          </p:cNvSpPr>
+          <p:nvPr>
+            <p:ph type="sldNum" sz="quarter" idx="12"/>
+          </p:nvPr>
+        </p:nvSpPr>
+        <p:spPr/>
+        <p:txBody>
+          <a:bodyPr/>
+          <a:lstStyle/>
+          <a:p>
+            <a:fld id="{51B1EFFD-9CCC-406E-B60B-4B87803F48E6}" type="slidenum">
+              <a:rPr lang="en-SG" smtClean="0"/>
+              <a:t>‹#›</a:t>
+            </a:fld>
+            <a:endParaRPr lang="en-SG"/>
+          </a:p>
+        </p:txBody>
+      </p:sp>
+    </p:spTree>
+    <p:extLst>
+      <p:ext uri="{BB962C8B-B14F-4D97-AF65-F5344CB8AC3E}">
+        <p14:creationId xmlns:p14="http://schemas.microsoft.com/office/powerpoint/2010/main" val="3974135063"/>
+      </p:ext>
+    </p:extLst>
+  </p:cSld>
+  <p:clrMapOvr>
+    <a:masterClrMapping/>
+  </p:clrMapOvr>
+</p:sldLayout>
+</file>
+
+<file path=ppt/slideLayouts/slideLayout16.xml><?xml version="1.0" encoding="utf-8"?>
 <p:sldLayout xmlns:a="http://schemas.openxmlformats.org/drawingml/2006/main" xmlns:r="http://schemas.openxmlformats.org/officeDocument/2006/relationships" xmlns:p="http://schemas.openxmlformats.org/presentationml/2006/main" type="vertTx" preserve="1">
   <p:cSld name="Title and Vertical Text">
     <p:spTree>
@@ -335,7 +3424,7 @@
               <a:rPr lang="en-US" smtClean="0"/>
               <a:t>Click to edit Master title style</a:t>
             </a:r>
-            <a:endParaRPr lang="en-SG"/>
+            <a:endParaRPr lang="en-US" dirty="0"/>
           </a:p>
         </p:txBody>
       </p:sp>
@@ -351,7 +3440,7 @@
         </p:nvSpPr>
         <p:spPr/>
         <p:txBody>
-          <a:bodyPr vert="eaVert"/>
+          <a:bodyPr vert="eaVert" anchor="t" anchorCtr="0"/>
           <a:lstStyle/>
           <a:p>
             <a:pPr lvl="0"/>
@@ -387,7 +3476,7 @@
               <a:rPr lang="en-US" smtClean="0"/>
               <a:t>Fifth level</a:t>
             </a:r>
-            <a:endParaRPr lang="en-SG"/>
+            <a:endParaRPr lang="en-US" dirty="0"/>
           </a:p>
         </p:txBody>
       </p:sp>
@@ -408,7 +3497,7 @@
           <a:p>
             <a:fld id="{9A1B6128-0A2F-42B8-B22C-1CB21B575655}" type="datetimeFigureOut">
               <a:rPr lang="en-SG" smtClean="0"/>
-              <a:t>2/6/2015</a:t>
+              <a:t>3/6/2015</a:t>
             </a:fld>
             <a:endParaRPr lang="en-SG"/>
           </a:p>
@@ -459,7 +3548,7 @@
     </p:spTree>
     <p:extLst>
       <p:ext uri="{BB962C8B-B14F-4D97-AF65-F5344CB8AC3E}">
-        <p14:creationId xmlns:p14="http://schemas.microsoft.com/office/powerpoint/2010/main" val="4025109496"/>
+        <p14:creationId xmlns:p14="http://schemas.microsoft.com/office/powerpoint/2010/main" val="1409853877"/>
       </p:ext>
     </p:extLst>
   </p:cSld>
@@ -469,7 +3558,7 @@
 </p:sldLayout>
 </file>
 
-<file path=ppt/slideLayouts/slideLayout11.xml><?xml version="1.0" encoding="utf-8"?>
+<file path=ppt/slideLayouts/slideLayout17.xml><?xml version="1.0" encoding="utf-8"?>
 <p:sldLayout xmlns:a="http://schemas.openxmlformats.org/drawingml/2006/main" xmlns:r="http://schemas.openxmlformats.org/officeDocument/2006/relationships" xmlns:p="http://schemas.openxmlformats.org/presentationml/2006/main" type="vertTitleAndTx" preserve="1">
   <p:cSld name="Vertical Title and Text">
     <p:spTree>
@@ -498,42 +3587,42 @@
         </p:nvSpPr>
         <p:spPr>
           <a:xfrm>
-            <a:off x="8724900" y="365125"/>
-            <a:ext cx="2628900" cy="5811838"/>
+            <a:off x="8304212" y="430213"/>
+            <a:ext cx="1752601" cy="5826125"/>
           </a:xfrm>
         </p:spPr>
         <p:txBody>
+          <a:bodyPr vert="eaVert" anchor="b" anchorCtr="0"/>
+          <a:lstStyle/>
+          <a:p>
+            <a:r>
+              <a:rPr lang="en-US" smtClean="0"/>
+              <a:t>Click to edit Master title style</a:t>
+            </a:r>
+            <a:endParaRPr lang="en-US" dirty="0"/>
+          </a:p>
+        </p:txBody>
+      </p:sp>
+      <p:sp>
+        <p:nvSpPr>
+          <p:cNvPr id="3" name="Vertical Text Placeholder 2"/>
+          <p:cNvSpPr>
+            <a:spLocks noGrp="1"/>
+          </p:cNvSpPr>
+          <p:nvPr>
+            <p:ph type="body" orient="vert" idx="1"/>
+          </p:nvPr>
+        </p:nvSpPr>
+        <p:spPr>
+          <a:xfrm>
+            <a:off x="652463" y="887414"/>
+            <a:ext cx="7423149" cy="5368924"/>
+          </a:xfrm>
+        </p:spPr>
+        <p:txBody>
           <a:bodyPr vert="eaVert"/>
           <a:lstStyle/>
           <a:p>
-            <a:r>
-              <a:rPr lang="en-US" smtClean="0"/>
-              <a:t>Click to edit Master title style</a:t>
-            </a:r>
-            <a:endParaRPr lang="en-SG"/>
-          </a:p>
-        </p:txBody>
-      </p:sp>
-      <p:sp>
-        <p:nvSpPr>
-          <p:cNvPr id="3" name="Vertical Text Placeholder 2"/>
-          <p:cNvSpPr>
-            <a:spLocks noGrp="1"/>
-          </p:cNvSpPr>
-          <p:nvPr>
-            <p:ph type="body" orient="vert" idx="1"/>
-          </p:nvPr>
-        </p:nvSpPr>
-        <p:spPr>
-          <a:xfrm>
-            <a:off x="838200" y="365125"/>
-            <a:ext cx="7734300" cy="5811838"/>
-          </a:xfrm>
-        </p:spPr>
-        <p:txBody>
-          <a:bodyPr vert="eaVert"/>
-          <a:lstStyle/>
-          <a:p>
             <a:pPr lvl="0"/>
             <a:r>
               <a:rPr lang="en-US" smtClean="0"/>
@@ -567,7 +3656,7 @@
               <a:rPr lang="en-US" smtClean="0"/>
               <a:t>Fifth level</a:t>
             </a:r>
-            <a:endParaRPr lang="en-SG"/>
+            <a:endParaRPr lang="en-US" dirty="0"/>
           </a:p>
         </p:txBody>
       </p:sp>
@@ -588,7 +3677,7 @@
           <a:p>
             <a:fld id="{9A1B6128-0A2F-42B8-B22C-1CB21B575655}" type="datetimeFigureOut">
               <a:rPr lang="en-SG" smtClean="0"/>
-              <a:t>2/6/2015</a:t>
+              <a:t>3/6/2015</a:t>
             </a:fld>
             <a:endParaRPr lang="en-SG"/>
           </a:p>
@@ -639,7 +3728,7 @@
     </p:spTree>
     <p:extLst>
       <p:ext uri="{BB962C8B-B14F-4D97-AF65-F5344CB8AC3E}">
-        <p14:creationId xmlns:p14="http://schemas.microsoft.com/office/powerpoint/2010/main" val="1516791365"/>
+        <p14:creationId xmlns:p14="http://schemas.microsoft.com/office/powerpoint/2010/main" val="1332906278"/>
       </p:ext>
     </p:extLst>
   </p:cSld>
@@ -685,7 +3774,7 @@
               <a:rPr lang="en-US" smtClean="0"/>
               <a:t>Click to edit Master title style</a:t>
             </a:r>
-            <a:endParaRPr lang="en-SG"/>
+            <a:endParaRPr lang="en-US" dirty="0"/>
           </a:p>
         </p:txBody>
       </p:sp>
@@ -737,13 +3826,13 @@
               <a:rPr lang="en-US" smtClean="0"/>
               <a:t>Fifth level</a:t>
             </a:r>
-            <a:endParaRPr lang="en-SG"/>
-          </a:p>
-        </p:txBody>
-      </p:sp>
-      <p:sp>
-        <p:nvSpPr>
-          <p:cNvPr id="4" name="Date Placeholder 3"/>
+            <a:endParaRPr lang="en-US" dirty="0"/>
+          </a:p>
+        </p:txBody>
+      </p:sp>
+      <p:sp>
+        <p:nvSpPr>
+          <p:cNvPr id="7" name="Date Placeholder 3"/>
           <p:cNvSpPr>
             <a:spLocks noGrp="1"/>
           </p:cNvSpPr>
@@ -758,7 +3847,7 @@
           <a:p>
             <a:fld id="{9A1B6128-0A2F-42B8-B22C-1CB21B575655}" type="datetimeFigureOut">
               <a:rPr lang="en-SG" smtClean="0"/>
-              <a:t>2/6/2015</a:t>
+              <a:t>3/6/2015</a:t>
             </a:fld>
             <a:endParaRPr lang="en-SG"/>
           </a:p>
@@ -809,7 +3898,7 @@
     </p:spTree>
     <p:extLst>
       <p:ext uri="{BB962C8B-B14F-4D97-AF65-F5344CB8AC3E}">
-        <p14:creationId xmlns:p14="http://schemas.microsoft.com/office/powerpoint/2010/main" val="3692259005"/>
+        <p14:creationId xmlns:p14="http://schemas.microsoft.com/office/powerpoint/2010/main" val="2386856557"/>
       </p:ext>
     </p:extLst>
   </p:cSld>
@@ -848,15 +3937,15 @@
         </p:nvSpPr>
         <p:spPr>
           <a:xfrm>
-            <a:off x="831850" y="1709738"/>
-            <a:ext cx="10515600" cy="2852737"/>
+            <a:off x="1154956" y="2861733"/>
+            <a:ext cx="8825657" cy="1915647"/>
           </a:xfrm>
         </p:spPr>
         <p:txBody>
           <a:bodyPr anchor="b"/>
           <a:lstStyle>
-            <a:lvl1pPr>
-              <a:defRPr sz="6000"/>
+            <a:lvl1pPr algn="l">
+              <a:defRPr sz="4000" b="0" cap="none"/>
             </a:lvl1pPr>
           </a:lstStyle>
           <a:p>
@@ -864,7 +3953,7 @@
               <a:rPr lang="en-US" smtClean="0"/>
               <a:t>Click to edit Master title style</a:t>
             </a:r>
-            <a:endParaRPr lang="en-SG"/>
+            <a:endParaRPr lang="en-US" dirty="0"/>
           </a:p>
         </p:txBody>
       </p:sp>
@@ -880,26 +3969,27 @@
         </p:nvSpPr>
         <p:spPr>
           <a:xfrm>
-            <a:off x="831850" y="4589463"/>
-            <a:ext cx="10515600" cy="1500187"/>
+            <a:off x="1154955" y="4777381"/>
+            <a:ext cx="8825658" cy="860400"/>
           </a:xfrm>
         </p:spPr>
         <p:txBody>
-          <a:bodyPr/>
+          <a:bodyPr anchor="t"/>
           <a:lstStyle>
-            <a:lvl1pPr marL="0" indent="0">
-              <a:buNone/>
-              <a:defRPr sz="2400">
+            <a:lvl1pPr marL="0" indent="0" algn="l">
+              <a:buNone/>
+              <a:defRPr sz="2000" cap="all">
                 <a:solidFill>
-                  <a:schemeClr val="tx1">
-                    <a:tint val="75000"/>
+                  <a:schemeClr val="bg2">
+                    <a:lumMod val="40000"/>
+                    <a:lumOff val="60000"/>
                   </a:schemeClr>
                 </a:solidFill>
               </a:defRPr>
             </a:lvl1pPr>
             <a:lvl2pPr marL="457200" indent="0">
               <a:buNone/>
-              <a:defRPr sz="2000">
+              <a:defRPr sz="1800">
                 <a:solidFill>
                   <a:schemeClr val="tx1">
                     <a:tint val="75000"/>
@@ -909,7 +3999,7 @@
             </a:lvl2pPr>
             <a:lvl3pPr marL="914400" indent="0">
               <a:buNone/>
-              <a:defRPr sz="1800">
+              <a:defRPr sz="1600">
                 <a:solidFill>
                   <a:schemeClr val="tx1">
                     <a:tint val="75000"/>
@@ -919,7 +4009,7 @@
             </a:lvl3pPr>
             <a:lvl4pPr marL="1371600" indent="0">
               <a:buNone/>
-              <a:defRPr sz="1600">
+              <a:defRPr sz="1400">
                 <a:solidFill>
                   <a:schemeClr val="tx1">
                     <a:tint val="75000"/>
@@ -929,7 +4019,7 @@
             </a:lvl4pPr>
             <a:lvl5pPr marL="1828800" indent="0">
               <a:buNone/>
-              <a:defRPr sz="1600">
+              <a:defRPr sz="1400">
                 <a:solidFill>
                   <a:schemeClr val="tx1">
                     <a:tint val="75000"/>
@@ -939,7 +4029,7 @@
             </a:lvl5pPr>
             <a:lvl6pPr marL="2286000" indent="0">
               <a:buNone/>
-              <a:defRPr sz="1600">
+              <a:defRPr sz="1400">
                 <a:solidFill>
                   <a:schemeClr val="tx1">
                     <a:tint val="75000"/>
@@ -949,7 +4039,7 @@
             </a:lvl6pPr>
             <a:lvl7pPr marL="2743200" indent="0">
               <a:buNone/>
-              <a:defRPr sz="1600">
+              <a:defRPr sz="1400">
                 <a:solidFill>
                   <a:schemeClr val="tx1">
                     <a:tint val="75000"/>
@@ -959,7 +4049,7 @@
             </a:lvl7pPr>
             <a:lvl8pPr marL="3200400" indent="0">
               <a:buNone/>
-              <a:defRPr sz="1600">
+              <a:defRPr sz="1400">
                 <a:solidFill>
                   <a:schemeClr val="tx1">
                     <a:tint val="75000"/>
@@ -969,7 +4059,7 @@
             </a:lvl8pPr>
             <a:lvl9pPr marL="3657600" indent="0">
               <a:buNone/>
-              <a:defRPr sz="1600">
+              <a:defRPr sz="1400">
                 <a:solidFill>
                   <a:schemeClr val="tx1">
                     <a:tint val="75000"/>
@@ -1004,7 +4094,7 @@
           <a:p>
             <a:fld id="{9A1B6128-0A2F-42B8-B22C-1CB21B575655}" type="datetimeFigureOut">
               <a:rPr lang="en-SG" smtClean="0"/>
-              <a:t>2/6/2015</a:t>
+              <a:t>3/6/2015</a:t>
             </a:fld>
             <a:endParaRPr lang="en-SG"/>
           </a:p>
@@ -1055,7 +4145,7 @@
     </p:spTree>
     <p:extLst>
       <p:ext uri="{BB962C8B-B14F-4D97-AF65-F5344CB8AC3E}">
-        <p14:creationId xmlns:p14="http://schemas.microsoft.com/office/powerpoint/2010/main" val="3674783734"/>
+        <p14:creationId xmlns:p14="http://schemas.microsoft.com/office/powerpoint/2010/main" val="2555123473"/>
       </p:ext>
     </p:extLst>
   </p:cSld>
@@ -1101,7 +4191,7 @@
               <a:rPr lang="en-US" smtClean="0"/>
               <a:t>Click to edit Master title style</a:t>
             </a:r>
-            <a:endParaRPr lang="en-SG"/>
+            <a:endParaRPr lang="en-US" dirty="0"/>
           </a:p>
         </p:txBody>
       </p:sp>
@@ -1117,126 +4207,186 @@
         </p:nvSpPr>
         <p:spPr>
           <a:xfrm>
-            <a:off x="838200" y="1825625"/>
-            <a:ext cx="5181600" cy="4351338"/>
+            <a:off x="1103312" y="2060575"/>
+            <a:ext cx="4396339" cy="4195763"/>
           </a:xfrm>
         </p:spPr>
         <p:txBody>
+          <a:bodyPr>
+            <a:normAutofit/>
+          </a:bodyPr>
+          <a:lstStyle>
+            <a:lvl1pPr>
+              <a:defRPr sz="1800"/>
+            </a:lvl1pPr>
+            <a:lvl2pPr>
+              <a:defRPr sz="1600"/>
+            </a:lvl2pPr>
+            <a:lvl3pPr>
+              <a:defRPr sz="1400"/>
+            </a:lvl3pPr>
+            <a:lvl4pPr>
+              <a:defRPr sz="1200"/>
+            </a:lvl4pPr>
+            <a:lvl5pPr>
+              <a:defRPr sz="1200"/>
+            </a:lvl5pPr>
+            <a:lvl6pPr>
+              <a:defRPr sz="1200"/>
+            </a:lvl6pPr>
+            <a:lvl7pPr>
+              <a:defRPr sz="1200"/>
+            </a:lvl7pPr>
+            <a:lvl8pPr>
+              <a:defRPr sz="1200"/>
+            </a:lvl8pPr>
+            <a:lvl9pPr>
+              <a:defRPr sz="1200"/>
+            </a:lvl9pPr>
+          </a:lstStyle>
+          <a:p>
+            <a:pPr lvl="0"/>
+            <a:r>
+              <a:rPr lang="en-US" smtClean="0"/>
+              <a:t>Click to edit Master text styles</a:t>
+            </a:r>
+          </a:p>
+          <a:p>
+            <a:pPr lvl="1"/>
+            <a:r>
+              <a:rPr lang="en-US" smtClean="0"/>
+              <a:t>Second level</a:t>
+            </a:r>
+          </a:p>
+          <a:p>
+            <a:pPr lvl="2"/>
+            <a:r>
+              <a:rPr lang="en-US" smtClean="0"/>
+              <a:t>Third level</a:t>
+            </a:r>
+          </a:p>
+          <a:p>
+            <a:pPr lvl="3"/>
+            <a:r>
+              <a:rPr lang="en-US" smtClean="0"/>
+              <a:t>Fourth level</a:t>
+            </a:r>
+          </a:p>
+          <a:p>
+            <a:pPr lvl="4"/>
+            <a:r>
+              <a:rPr lang="en-US" smtClean="0"/>
+              <a:t>Fifth level</a:t>
+            </a:r>
+            <a:endParaRPr lang="en-US" dirty="0"/>
+          </a:p>
+        </p:txBody>
+      </p:sp>
+      <p:sp>
+        <p:nvSpPr>
+          <p:cNvPr id="4" name="Content Placeholder 3"/>
+          <p:cNvSpPr>
+            <a:spLocks noGrp="1"/>
+          </p:cNvSpPr>
+          <p:nvPr>
+            <p:ph sz="half" idx="2"/>
+          </p:nvPr>
+        </p:nvSpPr>
+        <p:spPr>
+          <a:xfrm>
+            <a:off x="5654493" y="2056092"/>
+            <a:ext cx="4396341" cy="4200245"/>
+          </a:xfrm>
+        </p:spPr>
+        <p:txBody>
+          <a:bodyPr>
+            <a:normAutofit/>
+          </a:bodyPr>
+          <a:lstStyle>
+            <a:lvl1pPr>
+              <a:defRPr sz="1800"/>
+            </a:lvl1pPr>
+            <a:lvl2pPr>
+              <a:defRPr sz="1600"/>
+            </a:lvl2pPr>
+            <a:lvl3pPr>
+              <a:defRPr sz="1400"/>
+            </a:lvl3pPr>
+            <a:lvl4pPr>
+              <a:defRPr sz="1200"/>
+            </a:lvl4pPr>
+            <a:lvl5pPr>
+              <a:defRPr sz="1200"/>
+            </a:lvl5pPr>
+            <a:lvl6pPr>
+              <a:defRPr sz="1200"/>
+            </a:lvl6pPr>
+            <a:lvl7pPr>
+              <a:defRPr sz="1200"/>
+            </a:lvl7pPr>
+            <a:lvl8pPr>
+              <a:defRPr sz="1200"/>
+            </a:lvl8pPr>
+            <a:lvl9pPr>
+              <a:defRPr sz="1200"/>
+            </a:lvl9pPr>
+          </a:lstStyle>
+          <a:p>
+            <a:pPr lvl="0"/>
+            <a:r>
+              <a:rPr lang="en-US" smtClean="0"/>
+              <a:t>Click to edit Master text styles</a:t>
+            </a:r>
+          </a:p>
+          <a:p>
+            <a:pPr lvl="1"/>
+            <a:r>
+              <a:rPr lang="en-US" smtClean="0"/>
+              <a:t>Second level</a:t>
+            </a:r>
+          </a:p>
+          <a:p>
+            <a:pPr lvl="2"/>
+            <a:r>
+              <a:rPr lang="en-US" smtClean="0"/>
+              <a:t>Third level</a:t>
+            </a:r>
+          </a:p>
+          <a:p>
+            <a:pPr lvl="3"/>
+            <a:r>
+              <a:rPr lang="en-US" smtClean="0"/>
+              <a:t>Fourth level</a:t>
+            </a:r>
+          </a:p>
+          <a:p>
+            <a:pPr lvl="4"/>
+            <a:r>
+              <a:rPr lang="en-US" smtClean="0"/>
+              <a:t>Fifth level</a:t>
+            </a:r>
+            <a:endParaRPr lang="en-US" dirty="0"/>
+          </a:p>
+        </p:txBody>
+      </p:sp>
+      <p:sp>
+        <p:nvSpPr>
+          <p:cNvPr id="5" name="Date Placeholder 4"/>
+          <p:cNvSpPr>
+            <a:spLocks noGrp="1"/>
+          </p:cNvSpPr>
+          <p:nvPr>
+            <p:ph type="dt" sz="half" idx="10"/>
+          </p:nvPr>
+        </p:nvSpPr>
+        <p:spPr/>
+        <p:txBody>
           <a:bodyPr/>
           <a:lstStyle/>
           <a:p>
-            <a:pPr lvl="0"/>
-            <a:r>
-              <a:rPr lang="en-US" smtClean="0"/>
-              <a:t>Click to edit Master text styles</a:t>
-            </a:r>
-          </a:p>
-          <a:p>
-            <a:pPr lvl="1"/>
-            <a:r>
-              <a:rPr lang="en-US" smtClean="0"/>
-              <a:t>Second level</a:t>
-            </a:r>
-          </a:p>
-          <a:p>
-            <a:pPr lvl="2"/>
-            <a:r>
-              <a:rPr lang="en-US" smtClean="0"/>
-              <a:t>Third level</a:t>
-            </a:r>
-          </a:p>
-          <a:p>
-            <a:pPr lvl="3"/>
-            <a:r>
-              <a:rPr lang="en-US" smtClean="0"/>
-              <a:t>Fourth level</a:t>
-            </a:r>
-          </a:p>
-          <a:p>
-            <a:pPr lvl="4"/>
-            <a:r>
-              <a:rPr lang="en-US" smtClean="0"/>
-              <a:t>Fifth level</a:t>
-            </a:r>
-            <a:endParaRPr lang="en-SG"/>
-          </a:p>
-        </p:txBody>
-      </p:sp>
-      <p:sp>
-        <p:nvSpPr>
-          <p:cNvPr id="4" name="Content Placeholder 3"/>
-          <p:cNvSpPr>
-            <a:spLocks noGrp="1"/>
-          </p:cNvSpPr>
-          <p:nvPr>
-            <p:ph sz="half" idx="2"/>
-          </p:nvPr>
-        </p:nvSpPr>
-        <p:spPr>
-          <a:xfrm>
-            <a:off x="6172200" y="1825625"/>
-            <a:ext cx="5181600" cy="4351338"/>
-          </a:xfrm>
-        </p:spPr>
-        <p:txBody>
-          <a:bodyPr/>
-          <a:lstStyle/>
-          <a:p>
-            <a:pPr lvl="0"/>
-            <a:r>
-              <a:rPr lang="en-US" smtClean="0"/>
-              <a:t>Click to edit Master text styles</a:t>
-            </a:r>
-          </a:p>
-          <a:p>
-            <a:pPr lvl="1"/>
-            <a:r>
-              <a:rPr lang="en-US" smtClean="0"/>
-              <a:t>Second level</a:t>
-            </a:r>
-          </a:p>
-          <a:p>
-            <a:pPr lvl="2"/>
-            <a:r>
-              <a:rPr lang="en-US" smtClean="0"/>
-              <a:t>Third level</a:t>
-            </a:r>
-          </a:p>
-          <a:p>
-            <a:pPr lvl="3"/>
-            <a:r>
-              <a:rPr lang="en-US" smtClean="0"/>
-              <a:t>Fourth level</a:t>
-            </a:r>
-          </a:p>
-          <a:p>
-            <a:pPr lvl="4"/>
-            <a:r>
-              <a:rPr lang="en-US" smtClean="0"/>
-              <a:t>Fifth level</a:t>
-            </a:r>
-            <a:endParaRPr lang="en-SG"/>
-          </a:p>
-        </p:txBody>
-      </p:sp>
-      <p:sp>
-        <p:nvSpPr>
-          <p:cNvPr id="5" name="Date Placeholder 4"/>
-          <p:cNvSpPr>
-            <a:spLocks noGrp="1"/>
-          </p:cNvSpPr>
-          <p:nvPr>
-            <p:ph type="dt" sz="half" idx="10"/>
-          </p:nvPr>
-        </p:nvSpPr>
-        <p:spPr/>
-        <p:txBody>
-          <a:bodyPr/>
-          <a:lstStyle/>
-          <a:p>
             <a:fld id="{9A1B6128-0A2F-42B8-B22C-1CB21B575655}" type="datetimeFigureOut">
               <a:rPr lang="en-SG" smtClean="0"/>
-              <a:t>2/6/2015</a:t>
+              <a:t>3/6/2015</a:t>
             </a:fld>
             <a:endParaRPr lang="en-SG"/>
           </a:p>
@@ -1287,7 +4437,7 @@
     </p:spTree>
     <p:extLst>
       <p:ext uri="{BB962C8B-B14F-4D97-AF65-F5344CB8AC3E}">
-        <p14:creationId xmlns:p14="http://schemas.microsoft.com/office/powerpoint/2010/main" val="2660729185"/>
+        <p14:creationId xmlns:p14="http://schemas.microsoft.com/office/powerpoint/2010/main" val="3948025443"/>
       </p:ext>
     </p:extLst>
   </p:cSld>
@@ -1324,46 +4474,54 @@
             <p:ph type="title"/>
           </p:nvPr>
         </p:nvSpPr>
+        <p:spPr/>
+        <p:txBody>
+          <a:bodyPr/>
+          <a:lstStyle>
+            <a:lvl1pPr>
+              <a:defRPr/>
+            </a:lvl1pPr>
+          </a:lstStyle>
+          <a:p>
+            <a:r>
+              <a:rPr lang="en-US" smtClean="0"/>
+              <a:t>Click to edit Master title style</a:t>
+            </a:r>
+            <a:endParaRPr lang="en-US" dirty="0"/>
+          </a:p>
+        </p:txBody>
+      </p:sp>
+      <p:sp>
+        <p:nvSpPr>
+          <p:cNvPr id="3" name="Text Placeholder 2"/>
+          <p:cNvSpPr>
+            <a:spLocks noGrp="1"/>
+          </p:cNvSpPr>
+          <p:nvPr>
+            <p:ph type="body" idx="1"/>
+          </p:nvPr>
+        </p:nvSpPr>
         <p:spPr>
           <a:xfrm>
-            <a:off x="839788" y="365125"/>
-            <a:ext cx="10515600" cy="1325563"/>
+            <a:off x="1103313" y="1905000"/>
+            <a:ext cx="4396338" cy="576262"/>
           </a:xfrm>
         </p:spPr>
         <p:txBody>
-          <a:bodyPr/>
-          <a:lstStyle/>
-          <a:p>
-            <a:r>
-              <a:rPr lang="en-US" smtClean="0"/>
-              <a:t>Click to edit Master title style</a:t>
-            </a:r>
-            <a:endParaRPr lang="en-SG"/>
-          </a:p>
-        </p:txBody>
-      </p:sp>
-      <p:sp>
-        <p:nvSpPr>
-          <p:cNvPr id="3" name="Text Placeholder 2"/>
-          <p:cNvSpPr>
-            <a:spLocks noGrp="1"/>
-          </p:cNvSpPr>
-          <p:nvPr>
-            <p:ph type="body" idx="1"/>
-          </p:nvPr>
-        </p:nvSpPr>
-        <p:spPr>
-          <a:xfrm>
-            <a:off x="839788" y="1681163"/>
-            <a:ext cx="5157787" cy="823912"/>
-          </a:xfrm>
-        </p:spPr>
-        <p:txBody>
-          <a:bodyPr anchor="b"/>
+          <a:bodyPr anchor="b">
+            <a:noAutofit/>
+          </a:bodyPr>
           <a:lstStyle>
             <a:lvl1pPr marL="0" indent="0">
               <a:buNone/>
-              <a:defRPr sz="2400" b="1"/>
+              <a:defRPr sz="2400" b="0">
+                <a:solidFill>
+                  <a:schemeClr val="bg2">
+                    <a:lumMod val="40000"/>
+                    <a:lumOff val="60000"/>
+                  </a:schemeClr>
+                </a:solidFill>
+              </a:defRPr>
             </a:lvl1pPr>
             <a:lvl2pPr marL="457200" indent="0">
               <a:buNone/>
@@ -1419,13 +4577,43 @@
         </p:nvSpPr>
         <p:spPr>
           <a:xfrm>
-            <a:off x="839788" y="2505075"/>
-            <a:ext cx="5157787" cy="3684588"/>
+            <a:off x="1103312" y="2514600"/>
+            <a:ext cx="4396339" cy="3741738"/>
           </a:xfrm>
         </p:spPr>
         <p:txBody>
-          <a:bodyPr/>
-          <a:lstStyle/>
+          <a:bodyPr>
+            <a:normAutofit/>
+          </a:bodyPr>
+          <a:lstStyle>
+            <a:lvl1pPr>
+              <a:defRPr sz="1800"/>
+            </a:lvl1pPr>
+            <a:lvl2pPr>
+              <a:defRPr sz="1600"/>
+            </a:lvl2pPr>
+            <a:lvl3pPr>
+              <a:defRPr sz="1400"/>
+            </a:lvl3pPr>
+            <a:lvl4pPr>
+              <a:defRPr sz="1200"/>
+            </a:lvl4pPr>
+            <a:lvl5pPr>
+              <a:defRPr sz="1200"/>
+            </a:lvl5pPr>
+            <a:lvl6pPr>
+              <a:defRPr sz="1200"/>
+            </a:lvl6pPr>
+            <a:lvl7pPr>
+              <a:defRPr sz="1200"/>
+            </a:lvl7pPr>
+            <a:lvl8pPr>
+              <a:defRPr sz="1200"/>
+            </a:lvl8pPr>
+            <a:lvl9pPr>
+              <a:defRPr sz="1200"/>
+            </a:lvl9pPr>
+          </a:lstStyle>
           <a:p>
             <a:pPr lvl="0"/>
             <a:r>
@@ -1460,7 +4648,7 @@
               <a:rPr lang="en-US" smtClean="0"/>
               <a:t>Fifth level</a:t>
             </a:r>
-            <a:endParaRPr lang="en-SG"/>
+            <a:endParaRPr lang="en-US" dirty="0"/>
           </a:p>
         </p:txBody>
       </p:sp>
@@ -1476,16 +4664,25 @@
         </p:nvSpPr>
         <p:spPr>
           <a:xfrm>
-            <a:off x="6172200" y="1681163"/>
-            <a:ext cx="5183188" cy="823912"/>
+            <a:off x="5654495" y="1905000"/>
+            <a:ext cx="4396339" cy="576262"/>
           </a:xfrm>
         </p:spPr>
         <p:txBody>
-          <a:bodyPr anchor="b"/>
+          <a:bodyPr anchor="b">
+            <a:noAutofit/>
+          </a:bodyPr>
           <a:lstStyle>
             <a:lvl1pPr marL="0" indent="0">
               <a:buNone/>
-              <a:defRPr sz="2400" b="1"/>
+              <a:defRPr sz="2400" b="0">
+                <a:solidFill>
+                  <a:schemeClr val="bg2">
+                    <a:lumMod val="40000"/>
+                    <a:lumOff val="60000"/>
+                  </a:schemeClr>
+                </a:solidFill>
+              </a:defRPr>
             </a:lvl1pPr>
             <a:lvl2pPr marL="457200" indent="0">
               <a:buNone/>
@@ -1541,69 +4738,99 @@
         </p:nvSpPr>
         <p:spPr>
           <a:xfrm>
-            <a:off x="6172200" y="2505075"/>
-            <a:ext cx="5183188" cy="3684588"/>
+            <a:off x="5654495" y="2514600"/>
+            <a:ext cx="4396339" cy="3741738"/>
           </a:xfrm>
         </p:spPr>
         <p:txBody>
+          <a:bodyPr>
+            <a:normAutofit/>
+          </a:bodyPr>
+          <a:lstStyle>
+            <a:lvl1pPr>
+              <a:defRPr sz="1800"/>
+            </a:lvl1pPr>
+            <a:lvl2pPr>
+              <a:defRPr sz="1600"/>
+            </a:lvl2pPr>
+            <a:lvl3pPr>
+              <a:defRPr sz="1400"/>
+            </a:lvl3pPr>
+            <a:lvl4pPr>
+              <a:defRPr sz="1200"/>
+            </a:lvl4pPr>
+            <a:lvl5pPr>
+              <a:defRPr sz="1200"/>
+            </a:lvl5pPr>
+            <a:lvl6pPr>
+              <a:defRPr sz="1200"/>
+            </a:lvl6pPr>
+            <a:lvl7pPr>
+              <a:defRPr sz="1200"/>
+            </a:lvl7pPr>
+            <a:lvl8pPr>
+              <a:defRPr sz="1200"/>
+            </a:lvl8pPr>
+            <a:lvl9pPr>
+              <a:defRPr sz="1200"/>
+            </a:lvl9pPr>
+          </a:lstStyle>
+          <a:p>
+            <a:pPr lvl="0"/>
+            <a:r>
+              <a:rPr lang="en-US" smtClean="0"/>
+              <a:t>Click to edit Master text styles</a:t>
+            </a:r>
+          </a:p>
+          <a:p>
+            <a:pPr lvl="1"/>
+            <a:r>
+              <a:rPr lang="en-US" smtClean="0"/>
+              <a:t>Second level</a:t>
+            </a:r>
+          </a:p>
+          <a:p>
+            <a:pPr lvl="2"/>
+            <a:r>
+              <a:rPr lang="en-US" smtClean="0"/>
+              <a:t>Third level</a:t>
+            </a:r>
+          </a:p>
+          <a:p>
+            <a:pPr lvl="3"/>
+            <a:r>
+              <a:rPr lang="en-US" smtClean="0"/>
+              <a:t>Fourth level</a:t>
+            </a:r>
+          </a:p>
+          <a:p>
+            <a:pPr lvl="4"/>
+            <a:r>
+              <a:rPr lang="en-US" smtClean="0"/>
+              <a:t>Fifth level</a:t>
+            </a:r>
+            <a:endParaRPr lang="en-US" dirty="0"/>
+          </a:p>
+        </p:txBody>
+      </p:sp>
+      <p:sp>
+        <p:nvSpPr>
+          <p:cNvPr id="7" name="Date Placeholder 6"/>
+          <p:cNvSpPr>
+            <a:spLocks noGrp="1"/>
+          </p:cNvSpPr>
+          <p:nvPr>
+            <p:ph type="dt" sz="half" idx="10"/>
+          </p:nvPr>
+        </p:nvSpPr>
+        <p:spPr/>
+        <p:txBody>
           <a:bodyPr/>
           <a:lstStyle/>
           <a:p>
-            <a:pPr lvl="0"/>
-            <a:r>
-              <a:rPr lang="en-US" smtClean="0"/>
-              <a:t>Click to edit Master text styles</a:t>
-            </a:r>
-          </a:p>
-          <a:p>
-            <a:pPr lvl="1"/>
-            <a:r>
-              <a:rPr lang="en-US" smtClean="0"/>
-              <a:t>Second level</a:t>
-            </a:r>
-          </a:p>
-          <a:p>
-            <a:pPr lvl="2"/>
-            <a:r>
-              <a:rPr lang="en-US" smtClean="0"/>
-              <a:t>Third level</a:t>
-            </a:r>
-          </a:p>
-          <a:p>
-            <a:pPr lvl="3"/>
-            <a:r>
-              <a:rPr lang="en-US" smtClean="0"/>
-              <a:t>Fourth level</a:t>
-            </a:r>
-          </a:p>
-          <a:p>
-            <a:pPr lvl="4"/>
-            <a:r>
-              <a:rPr lang="en-US" smtClean="0"/>
-              <a:t>Fifth level</a:t>
-            </a:r>
-            <a:endParaRPr lang="en-SG"/>
-          </a:p>
-        </p:txBody>
-      </p:sp>
-      <p:sp>
-        <p:nvSpPr>
-          <p:cNvPr id="7" name="Date Placeholder 6"/>
-          <p:cNvSpPr>
-            <a:spLocks noGrp="1"/>
-          </p:cNvSpPr>
-          <p:nvPr>
-            <p:ph type="dt" sz="half" idx="10"/>
-          </p:nvPr>
-        </p:nvSpPr>
-        <p:spPr/>
-        <p:txBody>
-          <a:bodyPr/>
-          <a:lstStyle/>
-          <a:p>
             <a:fld id="{9A1B6128-0A2F-42B8-B22C-1CB21B575655}" type="datetimeFigureOut">
               <a:rPr lang="en-SG" smtClean="0"/>
-              <a:t>2/6/2015</a:t>
+              <a:t>3/6/2015</a:t>
             </a:fld>
             <a:endParaRPr lang="en-SG"/>
           </a:p>
@@ -1654,7 +4881,7 @@
     </p:spTree>
     <p:extLst>
       <p:ext uri="{BB962C8B-B14F-4D97-AF65-F5344CB8AC3E}">
-        <p14:creationId xmlns:p14="http://schemas.microsoft.com/office/powerpoint/2010/main" val="2396064858"/>
+        <p14:creationId xmlns:p14="http://schemas.microsoft.com/office/powerpoint/2010/main" val="1885165192"/>
       </p:ext>
     </p:extLst>
   </p:cSld>
@@ -1700,13 +4927,13 @@
               <a:rPr lang="en-US" smtClean="0"/>
               <a:t>Click to edit Master title style</a:t>
             </a:r>
-            <a:endParaRPr lang="en-SG"/>
-          </a:p>
-        </p:txBody>
-      </p:sp>
-      <p:sp>
-        <p:nvSpPr>
-          <p:cNvPr id="3" name="Date Placeholder 2"/>
+            <a:endParaRPr lang="en-US" dirty="0"/>
+          </a:p>
+        </p:txBody>
+      </p:sp>
+      <p:sp>
+        <p:nvSpPr>
+          <p:cNvPr id="7" name="Date Placeholder 2"/>
           <p:cNvSpPr>
             <a:spLocks noGrp="1"/>
           </p:cNvSpPr>
@@ -1721,7 +4948,7 @@
           <a:p>
             <a:fld id="{9A1B6128-0A2F-42B8-B22C-1CB21B575655}" type="datetimeFigureOut">
               <a:rPr lang="en-SG" smtClean="0"/>
-              <a:t>2/6/2015</a:t>
+              <a:t>3/6/2015</a:t>
             </a:fld>
             <a:endParaRPr lang="en-SG"/>
           </a:p>
@@ -1729,7 +4956,7 @@
       </p:sp>
       <p:sp>
         <p:nvSpPr>
-          <p:cNvPr id="4" name="Footer Placeholder 3"/>
+          <p:cNvPr id="5" name="Footer Placeholder 3"/>
           <p:cNvSpPr>
             <a:spLocks noGrp="1"/>
           </p:cNvSpPr>
@@ -1748,7 +4975,7 @@
       </p:sp>
       <p:sp>
         <p:nvSpPr>
-          <p:cNvPr id="5" name="Slide Number Placeholder 4"/>
+          <p:cNvPr id="6" name="Slide Number Placeholder 4"/>
           <p:cNvSpPr>
             <a:spLocks noGrp="1"/>
           </p:cNvSpPr>
@@ -1772,7 +4999,7 @@
     </p:spTree>
     <p:extLst>
       <p:ext uri="{BB962C8B-B14F-4D97-AF65-F5344CB8AC3E}">
-        <p14:creationId xmlns:p14="http://schemas.microsoft.com/office/powerpoint/2010/main" val="727882504"/>
+        <p14:creationId xmlns:p14="http://schemas.microsoft.com/office/powerpoint/2010/main" val="2113799183"/>
       </p:ext>
     </p:extLst>
   </p:cSld>
@@ -1801,7 +5028,7 @@
       </p:grpSpPr>
       <p:sp>
         <p:nvSpPr>
-          <p:cNvPr id="2" name="Date Placeholder 1"/>
+          <p:cNvPr id="7" name="Date Placeholder 1"/>
           <p:cNvSpPr>
             <a:spLocks noGrp="1"/>
           </p:cNvSpPr>
@@ -1816,7 +5043,7 @@
           <a:p>
             <a:fld id="{9A1B6128-0A2F-42B8-B22C-1CB21B575655}" type="datetimeFigureOut">
               <a:rPr lang="en-SG" smtClean="0"/>
-              <a:t>2/6/2015</a:t>
+              <a:t>3/6/2015</a:t>
             </a:fld>
             <a:endParaRPr lang="en-SG"/>
           </a:p>
@@ -1824,7 +5051,7 @@
       </p:sp>
       <p:sp>
         <p:nvSpPr>
-          <p:cNvPr id="3" name="Footer Placeholder 2"/>
+          <p:cNvPr id="5" name="Footer Placeholder 2"/>
           <p:cNvSpPr>
             <a:spLocks noGrp="1"/>
           </p:cNvSpPr>
@@ -1843,7 +5070,7 @@
       </p:sp>
       <p:sp>
         <p:nvSpPr>
-          <p:cNvPr id="4" name="Slide Number Placeholder 3"/>
+          <p:cNvPr id="6" name="Slide Number Placeholder 3"/>
           <p:cNvSpPr>
             <a:spLocks noGrp="1"/>
           </p:cNvSpPr>
@@ -1867,7 +5094,7 @@
     </p:spTree>
     <p:extLst>
       <p:ext uri="{BB962C8B-B14F-4D97-AF65-F5344CB8AC3E}">
-        <p14:creationId xmlns:p14="http://schemas.microsoft.com/office/powerpoint/2010/main" val="3146334389"/>
+        <p14:creationId xmlns:p14="http://schemas.microsoft.com/office/powerpoint/2010/main" val="2174096609"/>
       </p:ext>
     </p:extLst>
   </p:cSld>
@@ -1906,15 +5133,15 @@
         </p:nvSpPr>
         <p:spPr>
           <a:xfrm>
-            <a:off x="839788" y="457200"/>
-            <a:ext cx="3932237" cy="1600200"/>
+            <a:off x="1154953" y="1447800"/>
+            <a:ext cx="3401064" cy="1447800"/>
           </a:xfrm>
         </p:spPr>
         <p:txBody>
           <a:bodyPr anchor="b"/>
           <a:lstStyle>
-            <a:lvl1pPr>
-              <a:defRPr sz="3200"/>
+            <a:lvl1pPr algn="l">
+              <a:defRPr sz="2400" b="0"/>
             </a:lvl1pPr>
           </a:lstStyle>
           <a:p>
@@ -1922,7 +5149,7 @@
               <a:rPr lang="en-US" smtClean="0"/>
               <a:t>Click to edit Master title style</a:t>
             </a:r>
-            <a:endParaRPr lang="en-SG"/>
+            <a:endParaRPr lang="en-US" dirty="0"/>
           </a:p>
         </p:txBody>
       </p:sp>
@@ -1938,39 +5165,41 @@
         </p:nvSpPr>
         <p:spPr>
           <a:xfrm>
-            <a:off x="5183188" y="987425"/>
-            <a:ext cx="6172200" cy="4873625"/>
+            <a:off x="4784616" y="1447800"/>
+            <a:ext cx="5195997" cy="4572000"/>
           </a:xfrm>
         </p:spPr>
         <p:txBody>
-          <a:bodyPr/>
+          <a:bodyPr anchor="ctr">
+            <a:normAutofit/>
+          </a:bodyPr>
           <a:lstStyle>
             <a:lvl1pPr>
-              <a:defRPr sz="3200"/>
+              <a:defRPr sz="2000"/>
             </a:lvl1pPr>
             <a:lvl2pPr>
-              <a:defRPr sz="2800"/>
+              <a:defRPr sz="1800"/>
             </a:lvl2pPr>
             <a:lvl3pPr>
-              <a:defRPr sz="2400"/>
+              <a:defRPr sz="1600"/>
             </a:lvl3pPr>
             <a:lvl4pPr>
-              <a:defRPr sz="2000"/>
+              <a:defRPr sz="1400"/>
             </a:lvl4pPr>
             <a:lvl5pPr>
-              <a:defRPr sz="2000"/>
+              <a:defRPr sz="1400"/>
             </a:lvl5pPr>
             <a:lvl6pPr>
-              <a:defRPr sz="2000"/>
+              <a:defRPr sz="1400"/>
             </a:lvl6pPr>
             <a:lvl7pPr>
-              <a:defRPr sz="2000"/>
+              <a:defRPr sz="1400"/>
             </a:lvl7pPr>
             <a:lvl8pPr>
-              <a:defRPr sz="2000"/>
+              <a:defRPr sz="1400"/>
             </a:lvl8pPr>
             <a:lvl9pPr>
-              <a:defRPr sz="2000"/>
+              <a:defRPr sz="1400"/>
             </a:lvl9pPr>
           </a:lstStyle>
           <a:p>
@@ -2007,7 +5236,7 @@
               <a:rPr lang="en-US" smtClean="0"/>
               <a:t>Fifth level</a:t>
             </a:r>
-            <a:endParaRPr lang="en-SG"/>
+            <a:endParaRPr lang="en-US" dirty="0"/>
           </a:p>
         </p:txBody>
       </p:sp>
@@ -2023,8 +5252,8 @@
         </p:nvSpPr>
         <p:spPr>
           <a:xfrm>
-            <a:off x="839788" y="2057400"/>
-            <a:ext cx="3932237" cy="3811588"/>
+            <a:off x="1154953" y="3129280"/>
+            <a:ext cx="3401063" cy="2895599"/>
           </a:xfrm>
         </p:spPr>
         <p:txBody>
@@ -2032,39 +5261,39 @@
           <a:lstStyle>
             <a:lvl1pPr marL="0" indent="0">
               <a:buNone/>
-              <a:defRPr sz="1600"/>
+              <a:defRPr sz="1400"/>
             </a:lvl1pPr>
             <a:lvl2pPr marL="457200" indent="0">
               <a:buNone/>
-              <a:defRPr sz="1400"/>
+              <a:defRPr sz="1200"/>
             </a:lvl2pPr>
             <a:lvl3pPr marL="914400" indent="0">
               <a:buNone/>
-              <a:defRPr sz="1200"/>
+              <a:defRPr sz="1000"/>
             </a:lvl3pPr>
             <a:lvl4pPr marL="1371600" indent="0">
               <a:buNone/>
-              <a:defRPr sz="1000"/>
+              <a:defRPr sz="900"/>
             </a:lvl4pPr>
             <a:lvl5pPr marL="1828800" indent="0">
               <a:buNone/>
-              <a:defRPr sz="1000"/>
+              <a:defRPr sz="900"/>
             </a:lvl5pPr>
             <a:lvl6pPr marL="2286000" indent="0">
               <a:buNone/>
-              <a:defRPr sz="1000"/>
+              <a:defRPr sz="900"/>
             </a:lvl6pPr>
             <a:lvl7pPr marL="2743200" indent="0">
               <a:buNone/>
-              <a:defRPr sz="1000"/>
+              <a:defRPr sz="900"/>
             </a:lvl7pPr>
             <a:lvl8pPr marL="3200400" indent="0">
               <a:buNone/>
-              <a:defRPr sz="1000"/>
+              <a:defRPr sz="900"/>
             </a:lvl8pPr>
             <a:lvl9pPr marL="3657600" indent="0">
               <a:buNone/>
-              <a:defRPr sz="1000"/>
+              <a:defRPr sz="900"/>
             </a:lvl9pPr>
           </a:lstStyle>
           <a:p>
@@ -2078,7 +5307,7 @@
       </p:sp>
       <p:sp>
         <p:nvSpPr>
-          <p:cNvPr id="5" name="Date Placeholder 4"/>
+          <p:cNvPr id="7" name="Date Placeholder 4"/>
           <p:cNvSpPr>
             <a:spLocks noGrp="1"/>
           </p:cNvSpPr>
@@ -2093,7 +5322,7 @@
           <a:p>
             <a:fld id="{9A1B6128-0A2F-42B8-B22C-1CB21B575655}" type="datetimeFigureOut">
               <a:rPr lang="en-SG" smtClean="0"/>
-              <a:t>2/6/2015</a:t>
+              <a:t>3/6/2015</a:t>
             </a:fld>
             <a:endParaRPr lang="en-SG"/>
           </a:p>
@@ -2101,7 +5330,7 @@
       </p:sp>
       <p:sp>
         <p:nvSpPr>
-          <p:cNvPr id="6" name="Footer Placeholder 5"/>
+          <p:cNvPr id="5" name="Footer Placeholder 5"/>
           <p:cNvSpPr>
             <a:spLocks noGrp="1"/>
           </p:cNvSpPr>
@@ -2120,7 +5349,7 @@
       </p:sp>
       <p:sp>
         <p:nvSpPr>
-          <p:cNvPr id="7" name="Slide Number Placeholder 6"/>
+          <p:cNvPr id="6" name="Slide Number Placeholder 6"/>
           <p:cNvSpPr>
             <a:spLocks noGrp="1"/>
           </p:cNvSpPr>
@@ -2144,7 +5373,7 @@
     </p:spTree>
     <p:extLst>
       <p:ext uri="{BB962C8B-B14F-4D97-AF65-F5344CB8AC3E}">
-        <p14:creationId xmlns:p14="http://schemas.microsoft.com/office/powerpoint/2010/main" val="3535168244"/>
+        <p14:creationId xmlns:p14="http://schemas.microsoft.com/office/powerpoint/2010/main" val="1053481903"/>
       </p:ext>
     </p:extLst>
   </p:cSld>
@@ -2183,15 +5412,17 @@
         </p:nvSpPr>
         <p:spPr>
           <a:xfrm>
-            <a:off x="839788" y="457200"/>
-            <a:ext cx="3932237" cy="1600200"/>
+            <a:off x="1153907" y="1854192"/>
+            <a:ext cx="5092906" cy="1574808"/>
           </a:xfrm>
         </p:spPr>
         <p:txBody>
-          <a:bodyPr anchor="b"/>
+          <a:bodyPr anchor="b">
+            <a:normAutofit/>
+          </a:bodyPr>
           <a:lstStyle>
-            <a:lvl1pPr>
-              <a:defRPr sz="3200"/>
+            <a:lvl1pPr algn="l">
+              <a:defRPr sz="3600" b="0"/>
             </a:lvl1pPr>
           </a:lstStyle>
           <a:p>
@@ -2199,7 +5430,7 @@
               <a:rPr lang="en-US" smtClean="0"/>
               <a:t>Click to edit Master title style</a:t>
             </a:r>
-            <a:endParaRPr lang="en-SG"/>
+            <a:endParaRPr lang="en-US" dirty="0"/>
           </a:p>
         </p:txBody>
       </p:sp>
@@ -2207,7 +5438,7 @@
         <p:nvSpPr>
           <p:cNvPr id="3" name="Picture Placeholder 2"/>
           <p:cNvSpPr>
-            <a:spLocks noGrp="1"/>
+            <a:spLocks noGrp="1" noChangeAspect="1"/>
           </p:cNvSpPr>
           <p:nvPr>
             <p:ph type="pic" idx="1"/>
@@ -2215,112 +5446,132 @@
         </p:nvSpPr>
         <p:spPr>
           <a:xfrm>
-            <a:off x="5183188" y="987425"/>
-            <a:ext cx="6172200" cy="4873625"/>
+            <a:off x="6949546" y="1143000"/>
+            <a:ext cx="3200400" cy="4572000"/>
           </a:xfrm>
+          <a:prstGeom prst="roundRect">
+            <a:avLst>
+              <a:gd name="adj" fmla="val 1858"/>
+            </a:avLst>
+          </a:prstGeom>
+          <a:effectLst>
+            <a:outerShdw blurRad="50800" dist="50800" dir="5400000" algn="tl" rotWithShape="0">
+              <a:srgbClr val="000000">
+                <a:alpha val="43000"/>
+              </a:srgbClr>
+            </a:outerShdw>
+          </a:effectLst>
         </p:spPr>
         <p:txBody>
-          <a:bodyPr/>
+          <a:bodyPr anchor="t">
+            <a:normAutofit/>
+          </a:bodyPr>
           <a:lstStyle>
-            <a:lvl1pPr marL="0" indent="0">
-              <a:buNone/>
-              <a:defRPr sz="3200"/>
-            </a:lvl1pPr>
-            <a:lvl2pPr marL="457200" indent="0">
-              <a:buNone/>
-              <a:defRPr sz="2800"/>
-            </a:lvl2pPr>
-            <a:lvl3pPr marL="914400" indent="0">
-              <a:buNone/>
-              <a:defRPr sz="2400"/>
-            </a:lvl3pPr>
-            <a:lvl4pPr marL="1371600" indent="0">
-              <a:buNone/>
-              <a:defRPr sz="2000"/>
-            </a:lvl4pPr>
-            <a:lvl5pPr marL="1828800" indent="0">
-              <a:buNone/>
-              <a:defRPr sz="2000"/>
-            </a:lvl5pPr>
-            <a:lvl6pPr marL="2286000" indent="0">
-              <a:buNone/>
-              <a:defRPr sz="2000"/>
-            </a:lvl6pPr>
-            <a:lvl7pPr marL="2743200" indent="0">
-              <a:buNone/>
-              <a:defRPr sz="2000"/>
-            </a:lvl7pPr>
-            <a:lvl8pPr marL="3200400" indent="0">
-              <a:buNone/>
-              <a:defRPr sz="2000"/>
-            </a:lvl8pPr>
-            <a:lvl9pPr marL="3657600" indent="0">
-              <a:buNone/>
-              <a:defRPr sz="2000"/>
-            </a:lvl9pPr>
-          </a:lstStyle>
-          <a:p>
-            <a:endParaRPr lang="en-SG"/>
-          </a:p>
-        </p:txBody>
-      </p:sp>
-      <p:sp>
-        <p:nvSpPr>
-          <p:cNvPr id="4" name="Text Placeholder 3"/>
-          <p:cNvSpPr>
-            <a:spLocks noGrp="1"/>
-          </p:cNvSpPr>
-          <p:nvPr>
-            <p:ph type="body" sz="half" idx="2"/>
-          </p:nvPr>
-        </p:nvSpPr>
-        <p:spPr>
-          <a:xfrm>
-            <a:off x="839788" y="2057400"/>
-            <a:ext cx="3932237" cy="3811588"/>
-          </a:xfrm>
-        </p:spPr>
-        <p:txBody>
-          <a:bodyPr/>
-          <a:lstStyle>
-            <a:lvl1pPr marL="0" indent="0">
+            <a:lvl1pPr marL="0" indent="0" algn="ctr">
               <a:buNone/>
               <a:defRPr sz="1600"/>
             </a:lvl1pPr>
             <a:lvl2pPr marL="457200" indent="0">
               <a:buNone/>
-              <a:defRPr sz="1400"/>
+              <a:defRPr sz="1600"/>
             </a:lvl2pPr>
             <a:lvl3pPr marL="914400" indent="0">
               <a:buNone/>
-              <a:defRPr sz="1200"/>
+              <a:defRPr sz="1600"/>
             </a:lvl3pPr>
             <a:lvl4pPr marL="1371600" indent="0">
               <a:buNone/>
-              <a:defRPr sz="1000"/>
+              <a:defRPr sz="1600"/>
             </a:lvl4pPr>
             <a:lvl5pPr marL="1828800" indent="0">
               <a:buNone/>
-              <a:defRPr sz="1000"/>
+              <a:defRPr sz="1600"/>
             </a:lvl5pPr>
             <a:lvl6pPr marL="2286000" indent="0">
               <a:buNone/>
-              <a:defRPr sz="1000"/>
+              <a:defRPr sz="1600"/>
             </a:lvl6pPr>
             <a:lvl7pPr marL="2743200" indent="0">
               <a:buNone/>
-              <a:defRPr sz="1000"/>
+              <a:defRPr sz="1600"/>
             </a:lvl7pPr>
             <a:lvl8pPr marL="3200400" indent="0">
               <a:buNone/>
-              <a:defRPr sz="1000"/>
+              <a:defRPr sz="1600"/>
             </a:lvl8pPr>
             <a:lvl9pPr marL="3657600" indent="0">
               <a:buNone/>
-              <a:defRPr sz="1000"/>
+              <a:defRPr sz="1600"/>
             </a:lvl9pPr>
           </a:lstStyle>
           <a:p>
+            <a:r>
+              <a:rPr lang="en-US" smtClean="0"/>
+              <a:t>Click icon to add picture</a:t>
+            </a:r>
+            <a:endParaRPr lang="en-US" dirty="0"/>
+          </a:p>
+        </p:txBody>
+      </p:sp>
+      <p:sp>
+        <p:nvSpPr>
+          <p:cNvPr id="4" name="Text Placeholder 3"/>
+          <p:cNvSpPr>
+            <a:spLocks noGrp="1"/>
+          </p:cNvSpPr>
+          <p:nvPr>
+            <p:ph type="body" sz="half" idx="2"/>
+          </p:nvPr>
+        </p:nvSpPr>
+        <p:spPr>
+          <a:xfrm>
+            <a:off x="1154954" y="3657600"/>
+            <a:ext cx="5084979" cy="1371600"/>
+          </a:xfrm>
+        </p:spPr>
+        <p:txBody>
+          <a:bodyPr>
+            <a:normAutofit/>
+          </a:bodyPr>
+          <a:lstStyle>
+            <a:lvl1pPr marL="0" indent="0">
+              <a:buNone/>
+              <a:defRPr sz="1400"/>
+            </a:lvl1pPr>
+            <a:lvl2pPr marL="457200" indent="0">
+              <a:buNone/>
+              <a:defRPr sz="1200"/>
+            </a:lvl2pPr>
+            <a:lvl3pPr marL="914400" indent="0">
+              <a:buNone/>
+              <a:defRPr sz="1000"/>
+            </a:lvl3pPr>
+            <a:lvl4pPr marL="1371600" indent="0">
+              <a:buNone/>
+              <a:defRPr sz="900"/>
+            </a:lvl4pPr>
+            <a:lvl5pPr marL="1828800" indent="0">
+              <a:buNone/>
+              <a:defRPr sz="900"/>
+            </a:lvl5pPr>
+            <a:lvl6pPr marL="2286000" indent="0">
+              <a:buNone/>
+              <a:defRPr sz="900"/>
+            </a:lvl6pPr>
+            <a:lvl7pPr marL="2743200" indent="0">
+              <a:buNone/>
+              <a:defRPr sz="900"/>
+            </a:lvl7pPr>
+            <a:lvl8pPr marL="3200400" indent="0">
+              <a:buNone/>
+              <a:defRPr sz="900"/>
+            </a:lvl8pPr>
+            <a:lvl9pPr marL="3657600" indent="0">
+              <a:buNone/>
+              <a:defRPr sz="900"/>
+            </a:lvl9pPr>
+          </a:lstStyle>
+          <a:p>
             <a:pPr lvl="0"/>
             <a:r>
               <a:rPr lang="en-US" smtClean="0"/>
@@ -2346,7 +5597,7 @@
           <a:p>
             <a:fld id="{9A1B6128-0A2F-42B8-B22C-1CB21B575655}" type="datetimeFigureOut">
               <a:rPr lang="en-SG" smtClean="0"/>
-              <a:t>2/6/2015</a:t>
+              <a:t>3/6/2015</a:t>
             </a:fld>
             <a:endParaRPr lang="en-SG"/>
           </a:p>
@@ -2397,7 +5648,7 @@
     </p:spTree>
     <p:extLst>
       <p:ext uri="{BB962C8B-B14F-4D97-AF65-F5344CB8AC3E}">
-        <p14:creationId xmlns:p14="http://schemas.microsoft.com/office/powerpoint/2010/main" val="3879651168"/>
+        <p14:creationId xmlns:p14="http://schemas.microsoft.com/office/powerpoint/2010/main" val="1950003987"/>
       </p:ext>
     </p:extLst>
   </p:cSld>
@@ -2411,8 +5662,8 @@
 <p:sldMaster xmlns:a="http://schemas.openxmlformats.org/drawingml/2006/main" xmlns:r="http://schemas.openxmlformats.org/officeDocument/2006/relationships" xmlns:p="http://schemas.openxmlformats.org/presentationml/2006/main">
   <p:cSld>
     <p:bg>
-      <p:bgRef idx="1001">
-        <a:schemeClr val="bg1"/>
+      <p:bgRef idx="1003">
+        <a:schemeClr val="bg2"/>
       </p:bgRef>
     </p:bg>
     <p:spTree>
@@ -2429,125 +5680,420 @@
           <a:chExt cx="0" cy="0"/>
         </a:xfrm>
       </p:grpSpPr>
-      <p:sp>
-        <p:nvSpPr>
-          <p:cNvPr id="2" name="Title Placeholder 1"/>
-          <p:cNvSpPr>
-            <a:spLocks noGrp="1"/>
-          </p:cNvSpPr>
-          <p:nvPr>
-            <p:ph type="title"/>
-          </p:nvPr>
-        </p:nvSpPr>
+      <p:pic>
+        <p:nvPicPr>
+          <p:cNvPr id="8" name="Picture 7"/>
+          <p:cNvPicPr>
+            <a:picLocks noChangeAspect="1"/>
+          </p:cNvPicPr>
+          <p:nvPr/>
+        </p:nvPicPr>
+        <p:blipFill rotWithShape="1">
+          <a:blip r:embed="rId19">
+            <a:extLst>
+              <a:ext uri="{28A0092B-C50C-407E-A947-70E740481C1C}">
+                <a14:useLocalDpi xmlns:a14="http://schemas.microsoft.com/office/drawing/2010/main" val="0"/>
+              </a:ext>
+            </a:extLst>
+          </a:blip>
+          <a:srcRect l="3613"/>
+          <a:stretch/>
+        </p:blipFill>
         <p:spPr>
           <a:xfrm>
-            <a:off x="838200" y="365125"/>
-            <a:ext cx="10515600" cy="1325563"/>
+            <a:off x="0" y="2669685"/>
+            <a:ext cx="4037012" cy="4188315"/>
           </a:xfrm>
           <a:prstGeom prst="rect">
             <a:avLst/>
           </a:prstGeom>
         </p:spPr>
-        <p:txBody>
-          <a:bodyPr vert="horz" lIns="91440" tIns="45720" rIns="91440" bIns="45720" rtlCol="0" anchor="ctr">
-            <a:normAutofit/>
-          </a:bodyPr>
-          <a:lstStyle/>
-          <a:p>
-            <a:r>
-              <a:rPr lang="en-US" smtClean="0"/>
-              <a:t>Click to edit Master title style</a:t>
-            </a:r>
-            <a:endParaRPr lang="en-SG"/>
-          </a:p>
-        </p:txBody>
-      </p:sp>
-      <p:sp>
-        <p:nvSpPr>
-          <p:cNvPr id="3" name="Text Placeholder 2"/>
-          <p:cNvSpPr>
-            <a:spLocks noGrp="1"/>
-          </p:cNvSpPr>
-          <p:nvPr>
-            <p:ph type="body" idx="1"/>
-          </p:nvPr>
-        </p:nvSpPr>
+      </p:pic>
+      <p:pic>
+        <p:nvPicPr>
+          <p:cNvPr id="7" name="Picture 6"/>
+          <p:cNvPicPr>
+            <a:picLocks noChangeAspect="1"/>
+          </p:cNvPicPr>
+          <p:nvPr/>
+        </p:nvPicPr>
+        <p:blipFill rotWithShape="1">
+          <a:blip r:embed="rId20">
+            <a:extLst>
+              <a:ext uri="{28A0092B-C50C-407E-A947-70E740481C1C}">
+                <a14:useLocalDpi xmlns:a14="http://schemas.microsoft.com/office/drawing/2010/main" val="0"/>
+              </a:ext>
+            </a:extLst>
+          </a:blip>
+          <a:srcRect l="35640"/>
+          <a:stretch/>
+        </p:blipFill>
         <p:spPr>
           <a:xfrm>
-            <a:off x="838200" y="1825625"/>
-            <a:ext cx="10515600" cy="4351338"/>
+            <a:off x="0" y="2892347"/>
+            <a:ext cx="1522412" cy="2365453"/>
           </a:xfrm>
           <a:prstGeom prst="rect">
             <a:avLst/>
           </a:prstGeom>
         </p:spPr>
-        <p:txBody>
-          <a:bodyPr vert="horz" lIns="91440" tIns="45720" rIns="91440" bIns="45720" rtlCol="0">
-            <a:normAutofit/>
-          </a:bodyPr>
-          <a:lstStyle/>
-          <a:p>
-            <a:pPr lvl="0"/>
-            <a:r>
-              <a:rPr lang="en-US" smtClean="0"/>
-              <a:t>Click to edit Master text styles</a:t>
-            </a:r>
-          </a:p>
-          <a:p>
-            <a:pPr lvl="1"/>
-            <a:r>
-              <a:rPr lang="en-US" smtClean="0"/>
-              <a:t>Second level</a:t>
-            </a:r>
-          </a:p>
-          <a:p>
-            <a:pPr lvl="2"/>
-            <a:r>
-              <a:rPr lang="en-US" smtClean="0"/>
-              <a:t>Third level</a:t>
-            </a:r>
-          </a:p>
-          <a:p>
-            <a:pPr lvl="3"/>
-            <a:r>
-              <a:rPr lang="en-US" smtClean="0"/>
-              <a:t>Fourth level</a:t>
-            </a:r>
-          </a:p>
-          <a:p>
-            <a:pPr lvl="4"/>
-            <a:r>
-              <a:rPr lang="en-US" smtClean="0"/>
-              <a:t>Fifth level</a:t>
-            </a:r>
-            <a:endParaRPr lang="en-SG"/>
-          </a:p>
-        </p:txBody>
-      </p:sp>
-      <p:sp>
-        <p:nvSpPr>
-          <p:cNvPr id="4" name="Date Placeholder 3"/>
-          <p:cNvSpPr>
-            <a:spLocks noGrp="1"/>
-          </p:cNvSpPr>
-          <p:nvPr>
-            <p:ph type="dt" sz="half" idx="2"/>
-          </p:nvPr>
+      </p:pic>
+      <p:sp>
+        <p:nvSpPr>
+          <p:cNvPr id="16" name="Oval 15"/>
+          <p:cNvSpPr/>
+          <p:nvPr/>
         </p:nvSpPr>
         <p:spPr>
           <a:xfrm>
-            <a:off x="838200" y="6356350"/>
-            <a:ext cx="2743200" cy="365125"/>
+            <a:off x="8609012" y="1676400"/>
+            <a:ext cx="2819400" cy="2819400"/>
+          </a:xfrm>
+          <a:prstGeom prst="ellipse">
+            <a:avLst/>
+          </a:prstGeom>
+          <a:gradFill flip="none" rotWithShape="1">
+            <a:gsLst>
+              <a:gs pos="0">
+                <a:schemeClr val="bg2">
+                  <a:lumMod val="60000"/>
+                  <a:lumOff val="40000"/>
+                  <a:alpha val="7000"/>
+                </a:schemeClr>
+              </a:gs>
+              <a:gs pos="69000">
+                <a:schemeClr val="bg2">
+                  <a:lumMod val="60000"/>
+                  <a:lumOff val="40000"/>
+                  <a:alpha val="0"/>
+                </a:schemeClr>
+              </a:gs>
+              <a:gs pos="36000">
+                <a:schemeClr val="bg2">
+                  <a:lumMod val="60000"/>
+                  <a:lumOff val="40000"/>
+                  <a:alpha val="6000"/>
+                </a:schemeClr>
+              </a:gs>
+            </a:gsLst>
+            <a:path path="circle">
+              <a:fillToRect l="50000" t="50000" r="50000" b="50000"/>
+            </a:path>
+            <a:tileRect/>
+          </a:gradFill>
+          <a:ln>
+            <a:noFill/>
+          </a:ln>
+          <a:effectLst/>
+        </p:spPr>
+        <p:style>
+          <a:lnRef idx="1">
+            <a:schemeClr val="accent1"/>
+          </a:lnRef>
+          <a:fillRef idx="3">
+            <a:schemeClr val="accent1"/>
+          </a:fillRef>
+          <a:effectRef idx="2">
+            <a:schemeClr val="accent1"/>
+          </a:effectRef>
+          <a:fontRef idx="minor">
+            <a:schemeClr val="lt1"/>
+          </a:fontRef>
+        </p:style>
+      </p:sp>
+      <p:pic>
+        <p:nvPicPr>
+          <p:cNvPr id="9" name="Picture 8"/>
+          <p:cNvPicPr>
+            <a:picLocks noChangeAspect="1"/>
+          </p:cNvPicPr>
+          <p:nvPr/>
+        </p:nvPicPr>
+        <p:blipFill rotWithShape="1">
+          <a:blip r:embed="rId21">
+            <a:extLst>
+              <a:ext uri="{28A0092B-C50C-407E-A947-70E740481C1C}">
+                <a14:useLocalDpi xmlns:a14="http://schemas.microsoft.com/office/drawing/2010/main" val="0"/>
+              </a:ext>
+            </a:extLst>
+          </a:blip>
+          <a:srcRect t="28813"/>
+          <a:stretch/>
+        </p:blipFill>
+        <p:spPr>
+          <a:xfrm>
+            <a:off x="7999412" y="0"/>
+            <a:ext cx="1603387" cy="1141407"/>
           </a:xfrm>
           <a:prstGeom prst="rect">
             <a:avLst/>
           </a:prstGeom>
         </p:spPr>
-        <p:txBody>
-          <a:bodyPr vert="horz" lIns="91440" tIns="45720" rIns="91440" bIns="45720" rtlCol="0" anchor="ctr"/>
+      </p:pic>
+      <p:pic>
+        <p:nvPicPr>
+          <p:cNvPr id="10" name="Picture 9"/>
+          <p:cNvPicPr>
+            <a:picLocks noChangeAspect="1"/>
+          </p:cNvPicPr>
+          <p:nvPr/>
+        </p:nvPicPr>
+        <p:blipFill rotWithShape="1">
+          <a:blip r:embed="rId22">
+            <a:extLst>
+              <a:ext uri="{28A0092B-C50C-407E-A947-70E740481C1C}">
+                <a14:useLocalDpi xmlns:a14="http://schemas.microsoft.com/office/drawing/2010/main" val="0"/>
+              </a:ext>
+            </a:extLst>
+          </a:blip>
+          <a:srcRect b="23320"/>
+          <a:stretch/>
+        </p:blipFill>
+        <p:spPr>
+          <a:xfrm>
+            <a:off x="8605878" y="6096000"/>
+            <a:ext cx="993734" cy="762000"/>
+          </a:xfrm>
+          <a:prstGeom prst="rect">
+            <a:avLst/>
+          </a:prstGeom>
+        </p:spPr>
+      </p:pic>
+      <p:sp>
+        <p:nvSpPr>
+          <p:cNvPr id="14" name="Rectangle 13"/>
+          <p:cNvSpPr/>
+          <p:nvPr/>
+        </p:nvSpPr>
+        <p:spPr>
+          <a:xfrm>
+            <a:off x="10437812" y="0"/>
+            <a:ext cx="685800" cy="1143000"/>
+          </a:xfrm>
+          <a:prstGeom prst="rect">
+            <a:avLst/>
+          </a:prstGeom>
+          <a:solidFill>
+            <a:schemeClr val="accent1"/>
+          </a:solidFill>
+          <a:ln>
+            <a:noFill/>
+          </a:ln>
+        </p:spPr>
+        <p:style>
+          <a:lnRef idx="1">
+            <a:schemeClr val="accent1"/>
+          </a:lnRef>
+          <a:fillRef idx="3">
+            <a:schemeClr val="accent1"/>
+          </a:fillRef>
+          <a:effectRef idx="2">
+            <a:schemeClr val="accent1"/>
+          </a:effectRef>
+          <a:fontRef idx="minor">
+            <a:schemeClr val="lt1"/>
+          </a:fontRef>
+        </p:style>
+      </p:sp>
+      <p:sp>
+        <p:nvSpPr>
+          <p:cNvPr id="2" name="Title Placeholder 1"/>
+          <p:cNvSpPr>
+            <a:spLocks noGrp="1"/>
+          </p:cNvSpPr>
+          <p:nvPr>
+            <p:ph type="title"/>
+          </p:nvPr>
+        </p:nvSpPr>
+        <p:spPr>
+          <a:xfrm>
+            <a:off x="646111" y="452718"/>
+            <a:ext cx="9404723" cy="1400530"/>
+          </a:xfrm>
+          <a:prstGeom prst="rect">
+            <a:avLst/>
+          </a:prstGeom>
+        </p:spPr>
+        <p:txBody>
+          <a:bodyPr vert="horz" lIns="91440" tIns="45720" rIns="91440" bIns="45720" rtlCol="0" anchor="t">
+            <a:noAutofit/>
+          </a:bodyPr>
+          <a:lstStyle/>
+          <a:p>
+            <a:r>
+              <a:rPr lang="en-US" smtClean="0"/>
+              <a:t>Click to edit Master title style</a:t>
+            </a:r>
+            <a:endParaRPr lang="en-US" dirty="0"/>
+          </a:p>
+        </p:txBody>
+      </p:sp>
+      <p:sp>
+        <p:nvSpPr>
+          <p:cNvPr id="3" name="Text Placeholder 2"/>
+          <p:cNvSpPr>
+            <a:spLocks noGrp="1"/>
+          </p:cNvSpPr>
+          <p:nvPr>
+            <p:ph type="body" idx="1"/>
+          </p:nvPr>
+        </p:nvSpPr>
+        <p:spPr>
+          <a:xfrm>
+            <a:off x="1103312" y="2052918"/>
+            <a:ext cx="8946541" cy="4195481"/>
+          </a:xfrm>
+          <a:prstGeom prst="rect">
+            <a:avLst/>
+          </a:prstGeom>
+        </p:spPr>
+        <p:txBody>
+          <a:bodyPr vert="horz" lIns="91440" tIns="45720" rIns="91440" bIns="45720" rtlCol="0">
+            <a:normAutofit/>
+          </a:bodyPr>
+          <a:lstStyle/>
+          <a:p>
+            <a:pPr lvl="0"/>
+            <a:r>
+              <a:rPr lang="en-US" smtClean="0"/>
+              <a:t>Click to edit Master text styles</a:t>
+            </a:r>
+          </a:p>
+          <a:p>
+            <a:pPr lvl="1"/>
+            <a:r>
+              <a:rPr lang="en-US" smtClean="0"/>
+              <a:t>Second level</a:t>
+            </a:r>
+          </a:p>
+          <a:p>
+            <a:pPr lvl="2"/>
+            <a:r>
+              <a:rPr lang="en-US" smtClean="0"/>
+              <a:t>Third level</a:t>
+            </a:r>
+          </a:p>
+          <a:p>
+            <a:pPr lvl="3"/>
+            <a:r>
+              <a:rPr lang="en-US" smtClean="0"/>
+              <a:t>Fourth level</a:t>
+            </a:r>
+          </a:p>
+          <a:p>
+            <a:pPr lvl="4"/>
+            <a:r>
+              <a:rPr lang="en-US" smtClean="0"/>
+              <a:t>Fifth level</a:t>
+            </a:r>
+            <a:endParaRPr lang="en-US" dirty="0"/>
+          </a:p>
+        </p:txBody>
+      </p:sp>
+      <p:sp>
+        <p:nvSpPr>
+          <p:cNvPr id="4" name="Date Placeholder 3"/>
+          <p:cNvSpPr>
+            <a:spLocks noGrp="1"/>
+          </p:cNvSpPr>
+          <p:nvPr>
+            <p:ph type="dt" sz="half" idx="2"/>
+          </p:nvPr>
+        </p:nvSpPr>
+        <p:spPr>
+          <a:xfrm rot="5400000">
+            <a:off x="10155639" y="1790701"/>
+            <a:ext cx="990599" cy="304799"/>
+          </a:xfrm>
+          <a:prstGeom prst="rect">
+            <a:avLst/>
+          </a:prstGeom>
+        </p:spPr>
+        <p:txBody>
+          <a:bodyPr vert="horz" lIns="91440" tIns="45720" rIns="91440" bIns="45720" rtlCol="0" anchor="t"/>
           <a:lstStyle>
             <a:lvl1pPr algn="l">
-              <a:defRPr sz="1200">
+              <a:defRPr sz="1100" b="0" i="0">
+                <a:solidFill>
+                  <a:schemeClr val="tx1">
+                    <a:tint val="75000"/>
+                    <a:alpha val="60000"/>
+                  </a:schemeClr>
+                </a:solidFill>
+              </a:defRPr>
+            </a:lvl1pPr>
+          </a:lstStyle>
+          <a:p>
+            <a:fld id="{9A1B6128-0A2F-42B8-B22C-1CB21B575655}" type="datetimeFigureOut">
+              <a:rPr lang="en-SG" smtClean="0"/>
+              <a:t>3/6/2015</a:t>
+            </a:fld>
+            <a:endParaRPr lang="en-SG"/>
+          </a:p>
+        </p:txBody>
+      </p:sp>
+      <p:sp>
+        <p:nvSpPr>
+          <p:cNvPr id="5" name="Footer Placeholder 4"/>
+          <p:cNvSpPr>
+            <a:spLocks noGrp="1"/>
+          </p:cNvSpPr>
+          <p:nvPr>
+            <p:ph type="ftr" sz="quarter" idx="3"/>
+          </p:nvPr>
+        </p:nvSpPr>
+        <p:spPr>
+          <a:xfrm rot="5400000">
+            <a:off x="8951573" y="3225297"/>
+            <a:ext cx="3859795" cy="304801"/>
+          </a:xfrm>
+          <a:prstGeom prst="rect">
+            <a:avLst/>
+          </a:prstGeom>
+        </p:spPr>
+        <p:txBody>
+          <a:bodyPr vert="horz" lIns="91440" tIns="45720" rIns="91440" bIns="45720" rtlCol="0" anchor="b"/>
+          <a:lstStyle>
+            <a:lvl1pPr algn="l">
+              <a:defRPr sz="1100" b="0" i="0">
+                <a:solidFill>
+                  <a:schemeClr val="tx1">
+                    <a:tint val="75000"/>
+                    <a:alpha val="60000"/>
+                  </a:schemeClr>
+                </a:solidFill>
+              </a:defRPr>
+            </a:lvl1pPr>
+          </a:lstStyle>
+          <a:p>
+            <a:endParaRPr lang="en-SG"/>
+          </a:p>
+        </p:txBody>
+      </p:sp>
+      <p:sp>
+        <p:nvSpPr>
+          <p:cNvPr id="6" name="Slide Number Placeholder 5"/>
+          <p:cNvSpPr>
+            <a:spLocks noGrp="1"/>
+          </p:cNvSpPr>
+          <p:nvPr>
+            <p:ph type="sldNum" sz="quarter" idx="4"/>
+          </p:nvPr>
+        </p:nvSpPr>
+        <p:spPr bwMode="gray">
+          <a:xfrm>
+            <a:off x="10352540" y="295729"/>
+            <a:ext cx="838199" cy="767687"/>
+          </a:xfrm>
+          <a:prstGeom prst="rect">
+            <a:avLst/>
+          </a:prstGeom>
+        </p:spPr>
+        <p:txBody>
+          <a:bodyPr vert="horz" lIns="91440" tIns="45720" rIns="91440" bIns="45720" rtlCol="0" anchor="b"/>
+          <a:lstStyle>
+            <a:lvl1pPr algn="ctr">
+              <a:defRPr sz="2800" b="0" i="0">
                 <a:solidFill>
                   <a:schemeClr val="tx1">
                     <a:tint val="75000"/>
@@ -2557,84 +6103,6 @@
             </a:lvl1pPr>
           </a:lstStyle>
           <a:p>
-            <a:fld id="{9A1B6128-0A2F-42B8-B22C-1CB21B575655}" type="datetimeFigureOut">
-              <a:rPr lang="en-SG" smtClean="0"/>
-              <a:t>2/6/2015</a:t>
-            </a:fld>
-            <a:endParaRPr lang="en-SG"/>
-          </a:p>
-        </p:txBody>
-      </p:sp>
-      <p:sp>
-        <p:nvSpPr>
-          <p:cNvPr id="5" name="Footer Placeholder 4"/>
-          <p:cNvSpPr>
-            <a:spLocks noGrp="1"/>
-          </p:cNvSpPr>
-          <p:nvPr>
-            <p:ph type="ftr" sz="quarter" idx="3"/>
-          </p:nvPr>
-        </p:nvSpPr>
-        <p:spPr>
-          <a:xfrm>
-            <a:off x="4038600" y="6356350"/>
-            <a:ext cx="4114800" cy="365125"/>
-          </a:xfrm>
-          <a:prstGeom prst="rect">
-            <a:avLst/>
-          </a:prstGeom>
-        </p:spPr>
-        <p:txBody>
-          <a:bodyPr vert="horz" lIns="91440" tIns="45720" rIns="91440" bIns="45720" rtlCol="0" anchor="ctr"/>
-          <a:lstStyle>
-            <a:lvl1pPr algn="ctr">
-              <a:defRPr sz="1200">
-                <a:solidFill>
-                  <a:schemeClr val="tx1">
-                    <a:tint val="75000"/>
-                  </a:schemeClr>
-                </a:solidFill>
-              </a:defRPr>
-            </a:lvl1pPr>
-          </a:lstStyle>
-          <a:p>
-            <a:endParaRPr lang="en-SG"/>
-          </a:p>
-        </p:txBody>
-      </p:sp>
-      <p:sp>
-        <p:nvSpPr>
-          <p:cNvPr id="6" name="Slide Number Placeholder 5"/>
-          <p:cNvSpPr>
-            <a:spLocks noGrp="1"/>
-          </p:cNvSpPr>
-          <p:nvPr>
-            <p:ph type="sldNum" sz="quarter" idx="4"/>
-          </p:nvPr>
-        </p:nvSpPr>
-        <p:spPr>
-          <a:xfrm>
-            <a:off x="8610600" y="6356350"/>
-            <a:ext cx="2743200" cy="365125"/>
-          </a:xfrm>
-          <a:prstGeom prst="rect">
-            <a:avLst/>
-          </a:prstGeom>
-        </p:spPr>
-        <p:txBody>
-          <a:bodyPr vert="horz" lIns="91440" tIns="45720" rIns="91440" bIns="45720" rtlCol="0" anchor="ctr"/>
-          <a:lstStyle>
-            <a:lvl1pPr algn="r">
-              <a:defRPr sz="1200">
-                <a:solidFill>
-                  <a:schemeClr val="tx1">
-                    <a:tint val="75000"/>
-                  </a:schemeClr>
-                </a:solidFill>
-              </a:defRPr>
-            </a:lvl1pPr>
-          </a:lstStyle>
-          <a:p>
             <a:fld id="{51B1EFFD-9CCC-406E-B60B-4B87803F48E6}" type="slidenum">
               <a:rPr lang="en-SG" smtClean="0"/>
               <a:t>‹#›</a:t>
@@ -2646,35 +6114,121 @@
     </p:spTree>
     <p:extLst>
       <p:ext uri="{BB962C8B-B14F-4D97-AF65-F5344CB8AC3E}">
-        <p14:creationId xmlns:p14="http://schemas.microsoft.com/office/powerpoint/2010/main" val="1950084726"/>
+        <p14:creationId xmlns:p14="http://schemas.microsoft.com/office/powerpoint/2010/main" val="4205452223"/>
       </p:ext>
     </p:extLst>
   </p:cSld>
-  <p:clrMap bg1="lt1" tx1="dk1" bg2="lt2" tx2="dk2" accent1="accent1" accent2="accent2" accent3="accent3" accent4="accent4" accent5="accent5" accent6="accent6" hlink="hlink" folHlink="folHlink"/>
+  <p:clrMap bg1="dk1" tx1="lt1" bg2="dk2" tx2="lt2" accent1="accent1" accent2="accent2" accent3="accent3" accent4="accent4" accent5="accent5" accent6="accent6" hlink="hlink" folHlink="folHlink"/>
   <p:sldLayoutIdLst>
-    <p:sldLayoutId id="2147483649" r:id="rId1"/>
-    <p:sldLayoutId id="2147483650" r:id="rId2"/>
-    <p:sldLayoutId id="2147483651" r:id="rId3"/>
-    <p:sldLayoutId id="2147483652" r:id="rId4"/>
-    <p:sldLayoutId id="2147483653" r:id="rId5"/>
-    <p:sldLayoutId id="2147483654" r:id="rId6"/>
-    <p:sldLayoutId id="2147483655" r:id="rId7"/>
-    <p:sldLayoutId id="2147483656" r:id="rId8"/>
-    <p:sldLayoutId id="2147483657" r:id="rId9"/>
-    <p:sldLayoutId id="2147483658" r:id="rId10"/>
-    <p:sldLayoutId id="2147483659" r:id="rId11"/>
+    <p:sldLayoutId id="2147483661" r:id="rId1"/>
+    <p:sldLayoutId id="2147483662" r:id="rId2"/>
+    <p:sldLayoutId id="2147483663" r:id="rId3"/>
+    <p:sldLayoutId id="2147483664" r:id="rId4"/>
+    <p:sldLayoutId id="2147483665" r:id="rId5"/>
+    <p:sldLayoutId id="2147483666" r:id="rId6"/>
+    <p:sldLayoutId id="2147483667" r:id="rId7"/>
+    <p:sldLayoutId id="2147483668" r:id="rId8"/>
+    <p:sldLayoutId id="2147483669" r:id="rId9"/>
+    <p:sldLayoutId id="2147483670" r:id="rId10"/>
+    <p:sldLayoutId id="2147483671" r:id="rId11"/>
+    <p:sldLayoutId id="2147483672" r:id="rId12"/>
+    <p:sldLayoutId id="2147483673" r:id="rId13"/>
+    <p:sldLayoutId id="2147483674" r:id="rId14"/>
+    <p:sldLayoutId id="2147483675" r:id="rId15"/>
+    <p:sldLayoutId id="2147483676" r:id="rId16"/>
+    <p:sldLayoutId id="2147483677" r:id="rId17"/>
   </p:sldLayoutIdLst>
   <p:txStyles>
     <p:titleStyle>
-      <a:lvl1pPr algn="l" defTabSz="914400" rtl="0" eaLnBrk="1" latinLnBrk="0" hangingPunct="1">
-        <a:lnSpc>
-          <a:spcPct val="90000"/>
-        </a:lnSpc>
+      <a:lvl1pPr algn="l" defTabSz="457200" rtl="0" eaLnBrk="1" latinLnBrk="0" hangingPunct="1">
         <a:spcBef>
           <a:spcPct val="0"/>
         </a:spcBef>
         <a:buNone/>
-        <a:defRPr sz="4400" kern="1200">
+        <a:defRPr sz="4200" b="0" i="0" kern="1200">
+          <a:solidFill>
+            <a:schemeClr val="tx2"/>
+          </a:solidFill>
+          <a:latin typeface="+mj-lt"/>
+          <a:ea typeface="+mj-ea"/>
+          <a:cs typeface="+mj-cs"/>
+        </a:defRPr>
+      </a:lvl1pPr>
+      <a:lvl2pPr eaLnBrk="1" hangingPunct="1">
+        <a:defRPr>
+          <a:solidFill>
+            <a:schemeClr val="tx2"/>
+          </a:solidFill>
+        </a:defRPr>
+      </a:lvl2pPr>
+      <a:lvl3pPr eaLnBrk="1" hangingPunct="1">
+        <a:defRPr>
+          <a:solidFill>
+            <a:schemeClr val="tx2"/>
+          </a:solidFill>
+        </a:defRPr>
+      </a:lvl3pPr>
+      <a:lvl4pPr eaLnBrk="1" hangingPunct="1">
+        <a:defRPr>
+          <a:solidFill>
+            <a:schemeClr val="tx2"/>
+          </a:solidFill>
+        </a:defRPr>
+      </a:lvl4pPr>
+      <a:lvl5pPr eaLnBrk="1" hangingPunct="1">
+        <a:defRPr>
+          <a:solidFill>
+            <a:schemeClr val="tx2"/>
+          </a:solidFill>
+        </a:defRPr>
+      </a:lvl5pPr>
+      <a:lvl6pPr eaLnBrk="1" hangingPunct="1">
+        <a:defRPr>
+          <a:solidFill>
+            <a:schemeClr val="tx2"/>
+          </a:solidFill>
+        </a:defRPr>
+      </a:lvl6pPr>
+      <a:lvl7pPr eaLnBrk="1" hangingPunct="1">
+        <a:defRPr>
+          <a:solidFill>
+            <a:schemeClr val="tx2"/>
+          </a:solidFill>
+        </a:defRPr>
+      </a:lvl7pPr>
+      <a:lvl8pPr eaLnBrk="1" hangingPunct="1">
+        <a:defRPr>
+          <a:solidFill>
+            <a:schemeClr val="tx2"/>
+          </a:solidFill>
+        </a:defRPr>
+      </a:lvl8pPr>
+      <a:lvl9pPr eaLnBrk="1" hangingPunct="1">
+        <a:defRPr>
+          <a:solidFill>
+            <a:schemeClr val="tx2"/>
+          </a:solidFill>
+        </a:defRPr>
+      </a:lvl9pPr>
+    </p:titleStyle>
+    <p:bodyStyle>
+      <a:lvl1pPr marL="342900" indent="-342900" algn="l" defTabSz="457200" rtl="0" eaLnBrk="1" latinLnBrk="0" hangingPunct="1">
+        <a:spcBef>
+          <a:spcPts val="1000"/>
+        </a:spcBef>
+        <a:spcAft>
+          <a:spcPts val="0"/>
+        </a:spcAft>
+        <a:buClr>
+          <a:schemeClr val="bg2">
+            <a:lumMod val="40000"/>
+            <a:lumOff val="60000"/>
+          </a:schemeClr>
+        </a:buClr>
+        <a:buSzPct val="80000"/>
+        <a:buFont typeface="Wingdings 3" charset="2"/>
+        <a:buChar char=""/>
+        <a:defRPr sz="2000" b="0" i="0" kern="1200">
           <a:solidFill>
             <a:schemeClr val="tx1"/>
           </a:solidFill>
@@ -2683,18 +6237,213 @@
           <a:cs typeface="+mj-cs"/>
         </a:defRPr>
       </a:lvl1pPr>
-    </p:titleStyle>
-    <p:bodyStyle>
-      <a:lvl1pPr marL="228600" indent="-228600" algn="l" defTabSz="914400" rtl="0" eaLnBrk="1" latinLnBrk="0" hangingPunct="1">
-        <a:lnSpc>
-          <a:spcPct val="90000"/>
-        </a:lnSpc>
+      <a:lvl2pPr marL="742950" indent="-285750" algn="l" defTabSz="457200" rtl="0" eaLnBrk="1" latinLnBrk="0" hangingPunct="1">
         <a:spcBef>
           <a:spcPts val="1000"/>
         </a:spcBef>
-        <a:buFont typeface="Arial" panose="020B0604020202020204" pitchFamily="34" charset="0"/>
-        <a:buChar char="•"/>
-        <a:defRPr sz="2800" kern="1200">
+        <a:spcAft>
+          <a:spcPts val="0"/>
+        </a:spcAft>
+        <a:buClr>
+          <a:schemeClr val="bg2">
+            <a:lumMod val="40000"/>
+            <a:lumOff val="60000"/>
+          </a:schemeClr>
+        </a:buClr>
+        <a:buSzPct val="80000"/>
+        <a:buFont typeface="Wingdings 3" charset="2"/>
+        <a:buChar char=""/>
+        <a:defRPr sz="1800" b="0" i="0" kern="1200">
+          <a:solidFill>
+            <a:schemeClr val="tx1"/>
+          </a:solidFill>
+          <a:latin typeface="+mj-lt"/>
+          <a:ea typeface="+mj-ea"/>
+          <a:cs typeface="+mj-cs"/>
+        </a:defRPr>
+      </a:lvl2pPr>
+      <a:lvl3pPr marL="1143000" indent="-228600" algn="l" defTabSz="457200" rtl="0" eaLnBrk="1" latinLnBrk="0" hangingPunct="1">
+        <a:spcBef>
+          <a:spcPts val="1000"/>
+        </a:spcBef>
+        <a:spcAft>
+          <a:spcPts val="0"/>
+        </a:spcAft>
+        <a:buClr>
+          <a:schemeClr val="bg2">
+            <a:lumMod val="40000"/>
+            <a:lumOff val="60000"/>
+          </a:schemeClr>
+        </a:buClr>
+        <a:buSzPct val="80000"/>
+        <a:buFont typeface="Wingdings 3" charset="2"/>
+        <a:buChar char=""/>
+        <a:defRPr sz="1600" b="0" i="0" kern="1200">
+          <a:solidFill>
+            <a:schemeClr val="tx1"/>
+          </a:solidFill>
+          <a:latin typeface="+mj-lt"/>
+          <a:ea typeface="+mj-ea"/>
+          <a:cs typeface="+mj-cs"/>
+        </a:defRPr>
+      </a:lvl3pPr>
+      <a:lvl4pPr marL="1600200" indent="-228600" algn="l" defTabSz="457200" rtl="0" eaLnBrk="1" latinLnBrk="0" hangingPunct="1">
+        <a:spcBef>
+          <a:spcPts val="1000"/>
+        </a:spcBef>
+        <a:spcAft>
+          <a:spcPts val="0"/>
+        </a:spcAft>
+        <a:buClr>
+          <a:schemeClr val="bg2">
+            <a:lumMod val="40000"/>
+            <a:lumOff val="60000"/>
+          </a:schemeClr>
+        </a:buClr>
+        <a:buSzPct val="80000"/>
+        <a:buFont typeface="Wingdings 3" charset="2"/>
+        <a:buChar char=""/>
+        <a:defRPr sz="1400" b="0" i="0" kern="1200">
+          <a:solidFill>
+            <a:schemeClr val="tx1"/>
+          </a:solidFill>
+          <a:latin typeface="+mj-lt"/>
+          <a:ea typeface="+mj-ea"/>
+          <a:cs typeface="+mj-cs"/>
+        </a:defRPr>
+      </a:lvl4pPr>
+      <a:lvl5pPr marL="2057400" indent="-228600" algn="l" defTabSz="457200" rtl="0" eaLnBrk="1" latinLnBrk="0" hangingPunct="1">
+        <a:spcBef>
+          <a:spcPts val="1000"/>
+        </a:spcBef>
+        <a:spcAft>
+          <a:spcPts val="0"/>
+        </a:spcAft>
+        <a:buClr>
+          <a:schemeClr val="bg2">
+            <a:lumMod val="40000"/>
+            <a:lumOff val="60000"/>
+          </a:schemeClr>
+        </a:buClr>
+        <a:buSzPct val="80000"/>
+        <a:buFont typeface="Wingdings 3" charset="2"/>
+        <a:buChar char=""/>
+        <a:defRPr sz="1400" b="0" i="0" kern="1200">
+          <a:solidFill>
+            <a:schemeClr val="tx1"/>
+          </a:solidFill>
+          <a:latin typeface="+mj-lt"/>
+          <a:ea typeface="+mj-ea"/>
+          <a:cs typeface="+mj-cs"/>
+        </a:defRPr>
+      </a:lvl5pPr>
+      <a:lvl6pPr marL="2506000" indent="-228600" algn="l" defTabSz="457200" rtl="0" eaLnBrk="1" latinLnBrk="0" hangingPunct="1">
+        <a:spcBef>
+          <a:spcPts val="1000"/>
+        </a:spcBef>
+        <a:spcAft>
+          <a:spcPts val="0"/>
+        </a:spcAft>
+        <a:buClr>
+          <a:schemeClr val="bg2">
+            <a:lumMod val="40000"/>
+            <a:lumOff val="60000"/>
+          </a:schemeClr>
+        </a:buClr>
+        <a:buSzPct val="80000"/>
+        <a:buFont typeface="Wingdings 3" charset="2"/>
+        <a:buChar char=""/>
+        <a:defRPr sz="1400" b="0" i="0" kern="1200">
+          <a:solidFill>
+            <a:schemeClr val="tx1"/>
+          </a:solidFill>
+          <a:latin typeface="+mj-lt"/>
+          <a:ea typeface="+mj-ea"/>
+          <a:cs typeface="+mj-cs"/>
+        </a:defRPr>
+      </a:lvl6pPr>
+      <a:lvl7pPr marL="2971800" indent="-228600" algn="l" defTabSz="457200" rtl="0" eaLnBrk="1" latinLnBrk="0" hangingPunct="1">
+        <a:spcBef>
+          <a:spcPts val="1000"/>
+        </a:spcBef>
+        <a:spcAft>
+          <a:spcPts val="0"/>
+        </a:spcAft>
+        <a:buClr>
+          <a:schemeClr val="bg2">
+            <a:lumMod val="40000"/>
+            <a:lumOff val="60000"/>
+          </a:schemeClr>
+        </a:buClr>
+        <a:buSzPct val="80000"/>
+        <a:buFont typeface="Wingdings 3" charset="2"/>
+        <a:buChar char=""/>
+        <a:defRPr sz="1400" b="0" i="0" kern="1200">
+          <a:solidFill>
+            <a:schemeClr val="tx1"/>
+          </a:solidFill>
+          <a:latin typeface="+mj-lt"/>
+          <a:ea typeface="+mj-ea"/>
+          <a:cs typeface="+mj-cs"/>
+        </a:defRPr>
+      </a:lvl7pPr>
+      <a:lvl8pPr marL="3429000" indent="-228600" algn="l" defTabSz="457200" rtl="0" eaLnBrk="1" latinLnBrk="0" hangingPunct="1">
+        <a:spcBef>
+          <a:spcPts val="1000"/>
+        </a:spcBef>
+        <a:spcAft>
+          <a:spcPts val="0"/>
+        </a:spcAft>
+        <a:buClr>
+          <a:schemeClr val="bg2">
+            <a:lumMod val="40000"/>
+            <a:lumOff val="60000"/>
+          </a:schemeClr>
+        </a:buClr>
+        <a:buSzPct val="80000"/>
+        <a:buFont typeface="Wingdings 3" charset="2"/>
+        <a:buChar char=""/>
+        <a:defRPr sz="1400" b="0" i="0" kern="1200">
+          <a:solidFill>
+            <a:schemeClr val="tx1"/>
+          </a:solidFill>
+          <a:latin typeface="+mj-lt"/>
+          <a:ea typeface="+mj-ea"/>
+          <a:cs typeface="+mj-cs"/>
+        </a:defRPr>
+      </a:lvl8pPr>
+      <a:lvl9pPr marL="3886200" indent="-228600" algn="l" defTabSz="457200" rtl="0" eaLnBrk="1" latinLnBrk="0" hangingPunct="1">
+        <a:spcBef>
+          <a:spcPts val="1000"/>
+        </a:spcBef>
+        <a:spcAft>
+          <a:spcPts val="0"/>
+        </a:spcAft>
+        <a:buClr>
+          <a:schemeClr val="bg2">
+            <a:lumMod val="40000"/>
+            <a:lumOff val="60000"/>
+          </a:schemeClr>
+        </a:buClr>
+        <a:buSzPct val="80000"/>
+        <a:buFont typeface="Wingdings 3" charset="2"/>
+        <a:buChar char=""/>
+        <a:defRPr sz="1400" b="0" i="0" kern="1200">
+          <a:solidFill>
+            <a:schemeClr val="tx1"/>
+          </a:solidFill>
+          <a:latin typeface="+mj-lt"/>
+          <a:ea typeface="+mj-ea"/>
+          <a:cs typeface="+mj-cs"/>
+        </a:defRPr>
+      </a:lvl9pPr>
+    </p:bodyStyle>
+    <p:otherStyle>
+      <a:defPPr>
+        <a:defRPr lang="en-US"/>
+      </a:defPPr>
+      <a:lvl1pPr marL="0" algn="l" defTabSz="457200" rtl="0" eaLnBrk="1" latinLnBrk="0" hangingPunct="1">
+        <a:defRPr sz="1800" kern="1200">
           <a:solidFill>
             <a:schemeClr val="tx1"/>
           </a:solidFill>
@@ -2703,16 +6452,8 @@
           <a:cs typeface="+mn-cs"/>
         </a:defRPr>
       </a:lvl1pPr>
-      <a:lvl2pPr marL="685800" indent="-228600" algn="l" defTabSz="914400" rtl="0" eaLnBrk="1" latinLnBrk="0" hangingPunct="1">
-        <a:lnSpc>
-          <a:spcPct val="90000"/>
-        </a:lnSpc>
-        <a:spcBef>
-          <a:spcPts val="500"/>
-        </a:spcBef>
-        <a:buFont typeface="Arial" panose="020B0604020202020204" pitchFamily="34" charset="0"/>
-        <a:buChar char="•"/>
-        <a:defRPr sz="2400" kern="1200">
+      <a:lvl2pPr marL="457200" algn="l" defTabSz="457200" rtl="0" eaLnBrk="1" latinLnBrk="0" hangingPunct="1">
+        <a:defRPr sz="1800" kern="1200">
           <a:solidFill>
             <a:schemeClr val="tx1"/>
           </a:solidFill>
@@ -2721,16 +6462,8 @@
           <a:cs typeface="+mn-cs"/>
         </a:defRPr>
       </a:lvl2pPr>
-      <a:lvl3pPr marL="1143000" indent="-228600" algn="l" defTabSz="914400" rtl="0" eaLnBrk="1" latinLnBrk="0" hangingPunct="1">
-        <a:lnSpc>
-          <a:spcPct val="90000"/>
-        </a:lnSpc>
-        <a:spcBef>
-          <a:spcPts val="500"/>
-        </a:spcBef>
-        <a:buFont typeface="Arial" panose="020B0604020202020204" pitchFamily="34" charset="0"/>
-        <a:buChar char="•"/>
-        <a:defRPr sz="2000" kern="1200">
+      <a:lvl3pPr marL="914400" algn="l" defTabSz="457200" rtl="0" eaLnBrk="1" latinLnBrk="0" hangingPunct="1">
+        <a:defRPr sz="1800" kern="1200">
           <a:solidFill>
             <a:schemeClr val="tx1"/>
           </a:solidFill>
@@ -2739,15 +6472,7 @@
           <a:cs typeface="+mn-cs"/>
         </a:defRPr>
       </a:lvl3pPr>
-      <a:lvl4pPr marL="1600200" indent="-228600" algn="l" defTabSz="914400" rtl="0" eaLnBrk="1" latinLnBrk="0" hangingPunct="1">
-        <a:lnSpc>
-          <a:spcPct val="90000"/>
-        </a:lnSpc>
-        <a:spcBef>
-          <a:spcPts val="500"/>
-        </a:spcBef>
-        <a:buFont typeface="Arial" panose="020B0604020202020204" pitchFamily="34" charset="0"/>
-        <a:buChar char="•"/>
+      <a:lvl4pPr marL="1371600" algn="l" defTabSz="457200" rtl="0" eaLnBrk="1" latinLnBrk="0" hangingPunct="1">
         <a:defRPr sz="1800" kern="1200">
           <a:solidFill>
             <a:schemeClr val="tx1"/>
@@ -2757,15 +6482,7 @@
           <a:cs typeface="+mn-cs"/>
         </a:defRPr>
       </a:lvl4pPr>
-      <a:lvl5pPr marL="2057400" indent="-228600" algn="l" defTabSz="914400" rtl="0" eaLnBrk="1" latinLnBrk="0" hangingPunct="1">
-        <a:lnSpc>
-          <a:spcPct val="90000"/>
-        </a:lnSpc>
-        <a:spcBef>
-          <a:spcPts val="500"/>
-        </a:spcBef>
-        <a:buFont typeface="Arial" panose="020B0604020202020204" pitchFamily="34" charset="0"/>
-        <a:buChar char="•"/>
+      <a:lvl5pPr marL="1828800" algn="l" defTabSz="457200" rtl="0" eaLnBrk="1" latinLnBrk="0" hangingPunct="1">
         <a:defRPr sz="1800" kern="1200">
           <a:solidFill>
             <a:schemeClr val="tx1"/>
@@ -2775,15 +6492,7 @@
           <a:cs typeface="+mn-cs"/>
         </a:defRPr>
       </a:lvl5pPr>
-      <a:lvl6pPr marL="2514600" indent="-228600" algn="l" defTabSz="914400" rtl="0" eaLnBrk="1" latinLnBrk="0" hangingPunct="1">
-        <a:lnSpc>
-          <a:spcPct val="90000"/>
-        </a:lnSpc>
-        <a:spcBef>
-          <a:spcPts val="500"/>
-        </a:spcBef>
-        <a:buFont typeface="Arial" panose="020B0604020202020204" pitchFamily="34" charset="0"/>
-        <a:buChar char="•"/>
+      <a:lvl6pPr marL="2286000" algn="l" defTabSz="457200" rtl="0" eaLnBrk="1" latinLnBrk="0" hangingPunct="1">
         <a:defRPr sz="1800" kern="1200">
           <a:solidFill>
             <a:schemeClr val="tx1"/>
@@ -2793,15 +6502,7 @@
           <a:cs typeface="+mn-cs"/>
         </a:defRPr>
       </a:lvl6pPr>
-      <a:lvl7pPr marL="2971800" indent="-228600" algn="l" defTabSz="914400" rtl="0" eaLnBrk="1" latinLnBrk="0" hangingPunct="1">
-        <a:lnSpc>
-          <a:spcPct val="90000"/>
-        </a:lnSpc>
-        <a:spcBef>
-          <a:spcPts val="500"/>
-        </a:spcBef>
-        <a:buFont typeface="Arial" panose="020B0604020202020204" pitchFamily="34" charset="0"/>
-        <a:buChar char="•"/>
+      <a:lvl7pPr marL="2743200" algn="l" defTabSz="457200" rtl="0" eaLnBrk="1" latinLnBrk="0" hangingPunct="1">
         <a:defRPr sz="1800" kern="1200">
           <a:solidFill>
             <a:schemeClr val="tx1"/>
@@ -2811,15 +6512,7 @@
           <a:cs typeface="+mn-cs"/>
         </a:defRPr>
       </a:lvl7pPr>
-      <a:lvl8pPr marL="3429000" indent="-228600" algn="l" defTabSz="914400" rtl="0" eaLnBrk="1" latinLnBrk="0" hangingPunct="1">
-        <a:lnSpc>
-          <a:spcPct val="90000"/>
-        </a:lnSpc>
-        <a:spcBef>
-          <a:spcPts val="500"/>
-        </a:spcBef>
-        <a:buFont typeface="Arial" panose="020B0604020202020204" pitchFamily="34" charset="0"/>
-        <a:buChar char="•"/>
+      <a:lvl8pPr marL="3200400" algn="l" defTabSz="457200" rtl="0" eaLnBrk="1" latinLnBrk="0" hangingPunct="1">
         <a:defRPr sz="1800" kern="1200">
           <a:solidFill>
             <a:schemeClr val="tx1"/>
@@ -2829,110 +6522,7 @@
           <a:cs typeface="+mn-cs"/>
         </a:defRPr>
       </a:lvl8pPr>
-      <a:lvl9pPr marL="3886200" indent="-228600" algn="l" defTabSz="914400" rtl="0" eaLnBrk="1" latinLnBrk="0" hangingPunct="1">
-        <a:lnSpc>
-          <a:spcPct val="90000"/>
-        </a:lnSpc>
-        <a:spcBef>
-          <a:spcPts val="500"/>
-        </a:spcBef>
-        <a:buFont typeface="Arial" panose="020B0604020202020204" pitchFamily="34" charset="0"/>
-        <a:buChar char="•"/>
-        <a:defRPr sz="1800" kern="1200">
-          <a:solidFill>
-            <a:schemeClr val="tx1"/>
-          </a:solidFill>
-          <a:latin typeface="+mn-lt"/>
-          <a:ea typeface="+mn-ea"/>
-          <a:cs typeface="+mn-cs"/>
-        </a:defRPr>
-      </a:lvl9pPr>
-    </p:bodyStyle>
-    <p:otherStyle>
-      <a:defPPr>
-        <a:defRPr lang="en-US"/>
-      </a:defPPr>
-      <a:lvl1pPr marL="0" algn="l" defTabSz="914400" rtl="0" eaLnBrk="1" latinLnBrk="0" hangingPunct="1">
-        <a:defRPr sz="1800" kern="1200">
-          <a:solidFill>
-            <a:schemeClr val="tx1"/>
-          </a:solidFill>
-          <a:latin typeface="+mn-lt"/>
-          <a:ea typeface="+mn-ea"/>
-          <a:cs typeface="+mn-cs"/>
-        </a:defRPr>
-      </a:lvl1pPr>
-      <a:lvl2pPr marL="457200" algn="l" defTabSz="914400" rtl="0" eaLnBrk="1" latinLnBrk="0" hangingPunct="1">
-        <a:defRPr sz="1800" kern="1200">
-          <a:solidFill>
-            <a:schemeClr val="tx1"/>
-          </a:solidFill>
-          <a:latin typeface="+mn-lt"/>
-          <a:ea typeface="+mn-ea"/>
-          <a:cs typeface="+mn-cs"/>
-        </a:defRPr>
-      </a:lvl2pPr>
-      <a:lvl3pPr marL="914400" algn="l" defTabSz="914400" rtl="0" eaLnBrk="1" latinLnBrk="0" hangingPunct="1">
-        <a:defRPr sz="1800" kern="1200">
-          <a:solidFill>
-            <a:schemeClr val="tx1"/>
-          </a:solidFill>
-          <a:latin typeface="+mn-lt"/>
-          <a:ea typeface="+mn-ea"/>
-          <a:cs typeface="+mn-cs"/>
-        </a:defRPr>
-      </a:lvl3pPr>
-      <a:lvl4pPr marL="1371600" algn="l" defTabSz="914400" rtl="0" eaLnBrk="1" latinLnBrk="0" hangingPunct="1">
-        <a:defRPr sz="1800" kern="1200">
-          <a:solidFill>
-            <a:schemeClr val="tx1"/>
-          </a:solidFill>
-          <a:latin typeface="+mn-lt"/>
-          <a:ea typeface="+mn-ea"/>
-          <a:cs typeface="+mn-cs"/>
-        </a:defRPr>
-      </a:lvl4pPr>
-      <a:lvl5pPr marL="1828800" algn="l" defTabSz="914400" rtl="0" eaLnBrk="1" latinLnBrk="0" hangingPunct="1">
-        <a:defRPr sz="1800" kern="1200">
-          <a:solidFill>
-            <a:schemeClr val="tx1"/>
-          </a:solidFill>
-          <a:latin typeface="+mn-lt"/>
-          <a:ea typeface="+mn-ea"/>
-          <a:cs typeface="+mn-cs"/>
-        </a:defRPr>
-      </a:lvl5pPr>
-      <a:lvl6pPr marL="2286000" algn="l" defTabSz="914400" rtl="0" eaLnBrk="1" latinLnBrk="0" hangingPunct="1">
-        <a:defRPr sz="1800" kern="1200">
-          <a:solidFill>
-            <a:schemeClr val="tx1"/>
-          </a:solidFill>
-          <a:latin typeface="+mn-lt"/>
-          <a:ea typeface="+mn-ea"/>
-          <a:cs typeface="+mn-cs"/>
-        </a:defRPr>
-      </a:lvl6pPr>
-      <a:lvl7pPr marL="2743200" algn="l" defTabSz="914400" rtl="0" eaLnBrk="1" latinLnBrk="0" hangingPunct="1">
-        <a:defRPr sz="1800" kern="1200">
-          <a:solidFill>
-            <a:schemeClr val="tx1"/>
-          </a:solidFill>
-          <a:latin typeface="+mn-lt"/>
-          <a:ea typeface="+mn-ea"/>
-          <a:cs typeface="+mn-cs"/>
-        </a:defRPr>
-      </a:lvl7pPr>
-      <a:lvl8pPr marL="3200400" algn="l" defTabSz="914400" rtl="0" eaLnBrk="1" latinLnBrk="0" hangingPunct="1">
-        <a:defRPr sz="1800" kern="1200">
-          <a:solidFill>
-            <a:schemeClr val="tx1"/>
-          </a:solidFill>
-          <a:latin typeface="+mn-lt"/>
-          <a:ea typeface="+mn-ea"/>
-          <a:cs typeface="+mn-cs"/>
-        </a:defRPr>
-      </a:lvl8pPr>
-      <a:lvl9pPr marL="3657600" algn="l" defTabSz="914400" rtl="0" eaLnBrk="1" latinLnBrk="0" hangingPunct="1">
+      <a:lvl9pPr marL="3657600" algn="l" defTabSz="457200" rtl="0" eaLnBrk="1" latinLnBrk="0" hangingPunct="1">
         <a:defRPr sz="1800" kern="1200">
           <a:solidFill>
             <a:schemeClr val="tx1"/>
@@ -3055,7 +6645,3237 @@
 </p:sld>
 </file>
 
+<file path=ppt/slides/slide2.xml><?xml version="1.0" encoding="utf-8"?>
+<p:sld xmlns:a="http://schemas.openxmlformats.org/drawingml/2006/main" xmlns:r="http://schemas.openxmlformats.org/officeDocument/2006/relationships" xmlns:p="http://schemas.openxmlformats.org/presentationml/2006/main">
+  <p:cSld>
+    <p:spTree>
+      <p:nvGrpSpPr>
+        <p:cNvPr id="1" name=""/>
+        <p:cNvGrpSpPr/>
+        <p:nvPr/>
+      </p:nvGrpSpPr>
+      <p:grpSpPr>
+        <a:xfrm>
+          <a:off x="0" y="0"/>
+          <a:ext cx="0" cy="0"/>
+          <a:chOff x="0" y="0"/>
+          <a:chExt cx="0" cy="0"/>
+        </a:xfrm>
+      </p:grpSpPr>
+      <p:sp>
+        <p:nvSpPr>
+          <p:cNvPr id="2" name="Title 1"/>
+          <p:cNvSpPr>
+            <a:spLocks noGrp="1"/>
+          </p:cNvSpPr>
+          <p:nvPr>
+            <p:ph type="title"/>
+          </p:nvPr>
+        </p:nvSpPr>
+        <p:spPr/>
+        <p:txBody>
+          <a:bodyPr/>
+          <a:lstStyle/>
+          <a:p>
+            <a:r>
+              <a:rPr lang="en-US" dirty="0" smtClean="0"/>
+              <a:t>Test Log (</a:t>
+            </a:r>
+            <a:r>
+              <a:rPr lang="en-US" dirty="0"/>
+              <a:t>Room Availability and Booking</a:t>
+            </a:r>
+            <a:r>
+              <a:rPr lang="en-US" dirty="0" smtClean="0"/>
+              <a:t>)</a:t>
+            </a:r>
+            <a:endParaRPr lang="en-US" dirty="0"/>
+          </a:p>
+        </p:txBody>
+      </p:sp>
+      <p:graphicFrame>
+        <p:nvGraphicFramePr>
+          <p:cNvPr id="6" name="Content Placeholder 5"/>
+          <p:cNvGraphicFramePr>
+            <a:graphicFrameLocks noGrp="1"/>
+          </p:cNvGraphicFramePr>
+          <p:nvPr>
+            <p:ph idx="1"/>
+            <p:extLst>
+              <p:ext uri="{D42A27DB-BD31-4B8C-83A1-F6EECF244321}">
+                <p14:modId xmlns:p14="http://schemas.microsoft.com/office/powerpoint/2010/main" val="1858744618"/>
+              </p:ext>
+            </p:extLst>
+          </p:nvPr>
+        </p:nvGraphicFramePr>
+        <p:xfrm>
+          <a:off x="809437" y="1853248"/>
+          <a:ext cx="10712004" cy="4769194"/>
+        </p:xfrm>
+        <a:graphic>
+          <a:graphicData uri="http://schemas.openxmlformats.org/drawingml/2006/table">
+            <a:tbl>
+              <a:tblPr firstRow="1" firstCol="1" bandRow="1">
+                <a:tableStyleId>{93296810-A885-4BE3-A3E7-6D5BEEA58F35}</a:tableStyleId>
+              </a:tblPr>
+              <a:tblGrid>
+                <a:gridCol w="1022371"/>
+                <a:gridCol w="1527198"/>
+                <a:gridCol w="2374086"/>
+                <a:gridCol w="2107051"/>
+                <a:gridCol w="1944284"/>
+                <a:gridCol w="1737014"/>
+              </a:tblGrid>
+              <a:tr h="276110">
+                <a:tc>
+                  <a:txBody>
+                    <a:bodyPr/>
+                    <a:lstStyle/>
+                    <a:p>
+                      <a:pPr marL="0" marR="0">
+                        <a:spcBef>
+                          <a:spcPts val="0"/>
+                        </a:spcBef>
+                        <a:spcAft>
+                          <a:spcPts val="0"/>
+                        </a:spcAft>
+                      </a:pPr>
+                      <a:r>
+                        <a:rPr lang="en-US" sz="1400">
+                          <a:effectLst/>
+                        </a:rPr>
+                        <a:t>S/No</a:t>
+                      </a:r>
+                      <a:endParaRPr lang="en-US" sz="1400">
+                        <a:effectLst/>
+                        <a:latin typeface="Times New Roman" panose="02020603050405020304" pitchFamily="18" charset="0"/>
+                        <a:ea typeface="Times New Roman" panose="02020603050405020304" pitchFamily="18" charset="0"/>
+                      </a:endParaRPr>
+                    </a:p>
+                  </a:txBody>
+                  <a:tcPr marL="46277" marR="46277" marT="0" marB="0"/>
+                </a:tc>
+                <a:tc>
+                  <a:txBody>
+                    <a:bodyPr/>
+                    <a:lstStyle/>
+                    <a:p>
+                      <a:pPr marL="0" marR="0">
+                        <a:spcBef>
+                          <a:spcPts val="0"/>
+                        </a:spcBef>
+                        <a:spcAft>
+                          <a:spcPts val="0"/>
+                        </a:spcAft>
+                      </a:pPr>
+                      <a:r>
+                        <a:rPr lang="en-US" sz="1400">
+                          <a:effectLst/>
+                        </a:rPr>
+                        <a:t>Steps</a:t>
+                      </a:r>
+                      <a:endParaRPr lang="en-US" sz="1400">
+                        <a:effectLst/>
+                        <a:latin typeface="Times New Roman" panose="02020603050405020304" pitchFamily="18" charset="0"/>
+                        <a:ea typeface="Times New Roman" panose="02020603050405020304" pitchFamily="18" charset="0"/>
+                      </a:endParaRPr>
+                    </a:p>
+                  </a:txBody>
+                  <a:tcPr marL="46277" marR="46277" marT="0" marB="0"/>
+                </a:tc>
+                <a:tc>
+                  <a:txBody>
+                    <a:bodyPr/>
+                    <a:lstStyle/>
+                    <a:p>
+                      <a:pPr marL="0" marR="0">
+                        <a:spcBef>
+                          <a:spcPts val="0"/>
+                        </a:spcBef>
+                        <a:spcAft>
+                          <a:spcPts val="0"/>
+                        </a:spcAft>
+                      </a:pPr>
+                      <a:r>
+                        <a:rPr lang="en-US" sz="1400">
+                          <a:effectLst/>
+                        </a:rPr>
+                        <a:t>Test Data</a:t>
+                      </a:r>
+                      <a:endParaRPr lang="en-US" sz="1400">
+                        <a:effectLst/>
+                        <a:latin typeface="Times New Roman" panose="02020603050405020304" pitchFamily="18" charset="0"/>
+                        <a:ea typeface="Times New Roman" panose="02020603050405020304" pitchFamily="18" charset="0"/>
+                      </a:endParaRPr>
+                    </a:p>
+                  </a:txBody>
+                  <a:tcPr marL="46277" marR="46277" marT="0" marB="0"/>
+                </a:tc>
+                <a:tc>
+                  <a:txBody>
+                    <a:bodyPr/>
+                    <a:lstStyle/>
+                    <a:p>
+                      <a:pPr marL="0" marR="0">
+                        <a:spcBef>
+                          <a:spcPts val="0"/>
+                        </a:spcBef>
+                        <a:spcAft>
+                          <a:spcPts val="0"/>
+                        </a:spcAft>
+                      </a:pPr>
+                      <a:r>
+                        <a:rPr lang="en-US" sz="1400">
+                          <a:effectLst/>
+                        </a:rPr>
+                        <a:t>Expected Results</a:t>
+                      </a:r>
+                      <a:endParaRPr lang="en-US" sz="1400">
+                        <a:effectLst/>
+                        <a:latin typeface="Times New Roman" panose="02020603050405020304" pitchFamily="18" charset="0"/>
+                        <a:ea typeface="Times New Roman" panose="02020603050405020304" pitchFamily="18" charset="0"/>
+                      </a:endParaRPr>
+                    </a:p>
+                  </a:txBody>
+                  <a:tcPr marL="46277" marR="46277" marT="0" marB="0"/>
+                </a:tc>
+                <a:tc>
+                  <a:txBody>
+                    <a:bodyPr/>
+                    <a:lstStyle/>
+                    <a:p>
+                      <a:pPr marL="0" marR="0">
+                        <a:spcBef>
+                          <a:spcPts val="0"/>
+                        </a:spcBef>
+                        <a:spcAft>
+                          <a:spcPts val="0"/>
+                        </a:spcAft>
+                      </a:pPr>
+                      <a:r>
+                        <a:rPr lang="en-US" sz="1400">
+                          <a:effectLst/>
+                        </a:rPr>
+                        <a:t>Actual Results</a:t>
+                      </a:r>
+                      <a:endParaRPr lang="en-US" sz="1400">
+                        <a:effectLst/>
+                        <a:latin typeface="Times New Roman" panose="02020603050405020304" pitchFamily="18" charset="0"/>
+                        <a:ea typeface="Times New Roman" panose="02020603050405020304" pitchFamily="18" charset="0"/>
+                      </a:endParaRPr>
+                    </a:p>
+                  </a:txBody>
+                  <a:tcPr marL="46277" marR="46277" marT="0" marB="0"/>
+                </a:tc>
+                <a:tc>
+                  <a:txBody>
+                    <a:bodyPr/>
+                    <a:lstStyle/>
+                    <a:p>
+                      <a:pPr marL="0" marR="0">
+                        <a:spcBef>
+                          <a:spcPts val="0"/>
+                        </a:spcBef>
+                        <a:spcAft>
+                          <a:spcPts val="0"/>
+                        </a:spcAft>
+                      </a:pPr>
+                      <a:r>
+                        <a:rPr lang="en-US" sz="1400">
+                          <a:effectLst/>
+                        </a:rPr>
+                        <a:t>Remarks</a:t>
+                      </a:r>
+                      <a:endParaRPr lang="en-US" sz="1400">
+                        <a:effectLst/>
+                        <a:latin typeface="Times New Roman" panose="02020603050405020304" pitchFamily="18" charset="0"/>
+                        <a:ea typeface="Times New Roman" panose="02020603050405020304" pitchFamily="18" charset="0"/>
+                      </a:endParaRPr>
+                    </a:p>
+                  </a:txBody>
+                  <a:tcPr marL="46277" marR="46277" marT="0" marB="0"/>
+                </a:tc>
+              </a:tr>
+              <a:tr h="1242491">
+                <a:tc>
+                  <a:txBody>
+                    <a:bodyPr/>
+                    <a:lstStyle/>
+                    <a:p>
+                      <a:pPr marL="0" marR="0">
+                        <a:spcBef>
+                          <a:spcPts val="0"/>
+                        </a:spcBef>
+                        <a:spcAft>
+                          <a:spcPts val="0"/>
+                        </a:spcAft>
+                      </a:pPr>
+                      <a:r>
+                        <a:rPr lang="en-US" sz="1400">
+                          <a:effectLst/>
+                        </a:rPr>
+                        <a:t>1</a:t>
+                      </a:r>
+                      <a:endParaRPr lang="en-US" sz="1400">
+                        <a:effectLst/>
+                        <a:latin typeface="Times New Roman" panose="02020603050405020304" pitchFamily="18" charset="0"/>
+                        <a:ea typeface="Times New Roman" panose="02020603050405020304" pitchFamily="18" charset="0"/>
+                      </a:endParaRPr>
+                    </a:p>
+                  </a:txBody>
+                  <a:tcPr marL="46277" marR="46277" marT="0" marB="0"/>
+                </a:tc>
+                <a:tc>
+                  <a:txBody>
+                    <a:bodyPr/>
+                    <a:lstStyle/>
+                    <a:p>
+                      <a:pPr marL="0" marR="0">
+                        <a:spcBef>
+                          <a:spcPts val="0"/>
+                        </a:spcBef>
+                        <a:spcAft>
+                          <a:spcPts val="0"/>
+                        </a:spcAft>
+                      </a:pPr>
+                      <a:r>
+                        <a:rPr lang="en-US" sz="1400">
+                          <a:effectLst/>
+                        </a:rPr>
+                        <a:t>Select booking details</a:t>
+                      </a:r>
+                      <a:endParaRPr lang="en-US" sz="1400">
+                        <a:effectLst/>
+                        <a:latin typeface="Times New Roman" panose="02020603050405020304" pitchFamily="18" charset="0"/>
+                        <a:ea typeface="Times New Roman" panose="02020603050405020304" pitchFamily="18" charset="0"/>
+                      </a:endParaRPr>
+                    </a:p>
+                  </a:txBody>
+                  <a:tcPr marL="46277" marR="46277" marT="0" marB="0"/>
+                </a:tc>
+                <a:tc>
+                  <a:txBody>
+                    <a:bodyPr/>
+                    <a:lstStyle/>
+                    <a:p>
+                      <a:pPr marL="0" marR="0">
+                        <a:spcBef>
+                          <a:spcPts val="0"/>
+                        </a:spcBef>
+                        <a:spcAft>
+                          <a:spcPts val="0"/>
+                        </a:spcAft>
+                      </a:pPr>
+                      <a:r>
+                        <a:rPr lang="en-US" sz="1400">
+                          <a:effectLst/>
+                        </a:rPr>
+                        <a:t>User inputs check in, check out dates and room Type and clicks Retrieve.</a:t>
+                      </a:r>
+                    </a:p>
+                    <a:p>
+                      <a:pPr marL="0" marR="0">
+                        <a:spcBef>
+                          <a:spcPts val="0"/>
+                        </a:spcBef>
+                        <a:spcAft>
+                          <a:spcPts val="0"/>
+                        </a:spcAft>
+                      </a:pPr>
+                      <a:r>
+                        <a:rPr lang="en-US" sz="1400">
+                          <a:effectLst/>
+                        </a:rPr>
+                        <a:t>Normal data</a:t>
+                      </a:r>
+                      <a:endParaRPr lang="en-US" sz="1400">
+                        <a:effectLst/>
+                        <a:latin typeface="Times New Roman" panose="02020603050405020304" pitchFamily="18" charset="0"/>
+                        <a:ea typeface="Times New Roman" panose="02020603050405020304" pitchFamily="18" charset="0"/>
+                      </a:endParaRPr>
+                    </a:p>
+                  </a:txBody>
+                  <a:tcPr marL="46277" marR="46277" marT="0" marB="0"/>
+                </a:tc>
+                <a:tc>
+                  <a:txBody>
+                    <a:bodyPr/>
+                    <a:lstStyle/>
+                    <a:p>
+                      <a:pPr marL="0" marR="0">
+                        <a:spcBef>
+                          <a:spcPts val="0"/>
+                        </a:spcBef>
+                        <a:spcAft>
+                          <a:spcPts val="0"/>
+                        </a:spcAft>
+                      </a:pPr>
+                      <a:r>
+                        <a:rPr lang="en-US" sz="1400">
+                          <a:effectLst/>
+                        </a:rPr>
+                        <a:t>Information will be displayed according to date range availability and room type</a:t>
+                      </a:r>
+                      <a:endParaRPr lang="en-US" sz="1400">
+                        <a:effectLst/>
+                        <a:latin typeface="Times New Roman" panose="02020603050405020304" pitchFamily="18" charset="0"/>
+                        <a:ea typeface="Times New Roman" panose="02020603050405020304" pitchFamily="18" charset="0"/>
+                      </a:endParaRPr>
+                    </a:p>
+                  </a:txBody>
+                  <a:tcPr marL="46277" marR="46277" marT="0" marB="0"/>
+                </a:tc>
+                <a:tc>
+                  <a:txBody>
+                    <a:bodyPr/>
+                    <a:lstStyle/>
+                    <a:p>
+                      <a:pPr marL="0" marR="0">
+                        <a:spcBef>
+                          <a:spcPts val="0"/>
+                        </a:spcBef>
+                        <a:spcAft>
+                          <a:spcPts val="0"/>
+                        </a:spcAft>
+                      </a:pPr>
+                      <a:r>
+                        <a:rPr lang="en-US" sz="1400">
+                          <a:effectLst/>
+                        </a:rPr>
+                        <a:t>Information is displayed according to date range availability and room type</a:t>
+                      </a:r>
+                      <a:endParaRPr lang="en-US" sz="1400">
+                        <a:effectLst/>
+                        <a:latin typeface="Times New Roman" panose="02020603050405020304" pitchFamily="18" charset="0"/>
+                        <a:ea typeface="Times New Roman" panose="02020603050405020304" pitchFamily="18" charset="0"/>
+                      </a:endParaRPr>
+                    </a:p>
+                  </a:txBody>
+                  <a:tcPr marL="46277" marR="46277" marT="0" marB="0"/>
+                </a:tc>
+                <a:tc>
+                  <a:txBody>
+                    <a:bodyPr/>
+                    <a:lstStyle/>
+                    <a:p>
+                      <a:pPr marL="0" marR="0">
+                        <a:spcBef>
+                          <a:spcPts val="0"/>
+                        </a:spcBef>
+                        <a:spcAft>
+                          <a:spcPts val="0"/>
+                        </a:spcAft>
+                      </a:pPr>
+                      <a:r>
+                        <a:rPr lang="en-US" sz="1400">
+                          <a:effectLst/>
+                        </a:rPr>
+                        <a:t>Guest may or may not have a specified room type, so every room is available accordingly</a:t>
+                      </a:r>
+                      <a:endParaRPr lang="en-US" sz="1400">
+                        <a:effectLst/>
+                        <a:latin typeface="Times New Roman" panose="02020603050405020304" pitchFamily="18" charset="0"/>
+                        <a:ea typeface="Times New Roman" panose="02020603050405020304" pitchFamily="18" charset="0"/>
+                      </a:endParaRPr>
+                    </a:p>
+                  </a:txBody>
+                  <a:tcPr marL="46277" marR="46277" marT="0" marB="0"/>
+                </a:tc>
+              </a:tr>
+              <a:tr h="1242491">
+                <a:tc>
+                  <a:txBody>
+                    <a:bodyPr/>
+                    <a:lstStyle/>
+                    <a:p>
+                      <a:pPr marL="0" marR="0">
+                        <a:spcBef>
+                          <a:spcPts val="0"/>
+                        </a:spcBef>
+                        <a:spcAft>
+                          <a:spcPts val="0"/>
+                        </a:spcAft>
+                      </a:pPr>
+                      <a:r>
+                        <a:rPr lang="en-US" sz="1400">
+                          <a:effectLst/>
+                        </a:rPr>
+                        <a:t>2</a:t>
+                      </a:r>
+                      <a:endParaRPr lang="en-US" sz="1400">
+                        <a:effectLst/>
+                        <a:latin typeface="Times New Roman" panose="02020603050405020304" pitchFamily="18" charset="0"/>
+                        <a:ea typeface="Times New Roman" panose="02020603050405020304" pitchFamily="18" charset="0"/>
+                      </a:endParaRPr>
+                    </a:p>
+                  </a:txBody>
+                  <a:tcPr marL="46277" marR="46277" marT="0" marB="0"/>
+                </a:tc>
+                <a:tc>
+                  <a:txBody>
+                    <a:bodyPr/>
+                    <a:lstStyle/>
+                    <a:p>
+                      <a:pPr marL="0" marR="0">
+                        <a:spcBef>
+                          <a:spcPts val="0"/>
+                        </a:spcBef>
+                        <a:spcAft>
+                          <a:spcPts val="0"/>
+                        </a:spcAft>
+                      </a:pPr>
+                      <a:r>
+                        <a:rPr lang="en-US" sz="1400">
+                          <a:effectLst/>
+                        </a:rPr>
+                        <a:t>Book according to booking details</a:t>
+                      </a:r>
+                      <a:endParaRPr lang="en-US" sz="1400">
+                        <a:effectLst/>
+                        <a:latin typeface="Times New Roman" panose="02020603050405020304" pitchFamily="18" charset="0"/>
+                        <a:ea typeface="Times New Roman" panose="02020603050405020304" pitchFamily="18" charset="0"/>
+                      </a:endParaRPr>
+                    </a:p>
+                  </a:txBody>
+                  <a:tcPr marL="46277" marR="46277" marT="0" marB="0"/>
+                </a:tc>
+                <a:tc>
+                  <a:txBody>
+                    <a:bodyPr/>
+                    <a:lstStyle/>
+                    <a:p>
+                      <a:pPr marL="0" marR="0">
+                        <a:spcBef>
+                          <a:spcPts val="0"/>
+                        </a:spcBef>
+                        <a:spcAft>
+                          <a:spcPts val="0"/>
+                        </a:spcAft>
+                      </a:pPr>
+                      <a:r>
+                        <a:rPr lang="en-US" sz="1400">
+                          <a:effectLst/>
+                        </a:rPr>
+                        <a:t>User selects a checkbox corresponding to a certain room.</a:t>
+                      </a:r>
+                    </a:p>
+                    <a:p>
+                      <a:pPr marL="0" marR="0">
+                        <a:spcBef>
+                          <a:spcPts val="0"/>
+                        </a:spcBef>
+                        <a:spcAft>
+                          <a:spcPts val="0"/>
+                        </a:spcAft>
+                      </a:pPr>
+                      <a:r>
+                        <a:rPr lang="en-US" sz="1400">
+                          <a:effectLst/>
+                        </a:rPr>
+                        <a:t>Normal Data</a:t>
+                      </a:r>
+                      <a:endParaRPr lang="en-US" sz="1400">
+                        <a:effectLst/>
+                        <a:latin typeface="Times New Roman" panose="02020603050405020304" pitchFamily="18" charset="0"/>
+                        <a:ea typeface="Times New Roman" panose="02020603050405020304" pitchFamily="18" charset="0"/>
+                      </a:endParaRPr>
+                    </a:p>
+                  </a:txBody>
+                  <a:tcPr marL="46277" marR="46277" marT="0" marB="0"/>
+                </a:tc>
+                <a:tc>
+                  <a:txBody>
+                    <a:bodyPr/>
+                    <a:lstStyle/>
+                    <a:p>
+                      <a:pPr marL="0" marR="0">
+                        <a:spcBef>
+                          <a:spcPts val="0"/>
+                        </a:spcBef>
+                        <a:spcAft>
+                          <a:spcPts val="0"/>
+                        </a:spcAft>
+                      </a:pPr>
+                      <a:r>
+                        <a:rPr lang="en-US" sz="1400">
+                          <a:effectLst/>
+                        </a:rPr>
+                        <a:t>Information will be transferred and user will be redirected to Reservation page with room number label filled.</a:t>
+                      </a:r>
+                      <a:endParaRPr lang="en-US" sz="1400">
+                        <a:effectLst/>
+                        <a:latin typeface="Times New Roman" panose="02020603050405020304" pitchFamily="18" charset="0"/>
+                        <a:ea typeface="Times New Roman" panose="02020603050405020304" pitchFamily="18" charset="0"/>
+                      </a:endParaRPr>
+                    </a:p>
+                  </a:txBody>
+                  <a:tcPr marL="46277" marR="46277" marT="0" marB="0"/>
+                </a:tc>
+                <a:tc>
+                  <a:txBody>
+                    <a:bodyPr/>
+                    <a:lstStyle/>
+                    <a:p>
+                      <a:pPr marL="0" marR="0">
+                        <a:spcBef>
+                          <a:spcPts val="0"/>
+                        </a:spcBef>
+                        <a:spcAft>
+                          <a:spcPts val="0"/>
+                        </a:spcAft>
+                      </a:pPr>
+                      <a:r>
+                        <a:rPr lang="en-US" sz="1400">
+                          <a:effectLst/>
+                        </a:rPr>
+                        <a:t>Information is transferred and user is redirected to Reservation page with room number label filled.</a:t>
+                      </a:r>
+                      <a:endParaRPr lang="en-US" sz="1400">
+                        <a:effectLst/>
+                        <a:latin typeface="Times New Roman" panose="02020603050405020304" pitchFamily="18" charset="0"/>
+                        <a:ea typeface="Times New Roman" panose="02020603050405020304" pitchFamily="18" charset="0"/>
+                      </a:endParaRPr>
+                    </a:p>
+                  </a:txBody>
+                  <a:tcPr marL="46277" marR="46277" marT="0" marB="0"/>
+                </a:tc>
+                <a:tc>
+                  <a:txBody>
+                    <a:bodyPr/>
+                    <a:lstStyle/>
+                    <a:p>
+                      <a:pPr marL="0" marR="0">
+                        <a:spcBef>
+                          <a:spcPts val="0"/>
+                        </a:spcBef>
+                        <a:spcAft>
+                          <a:spcPts val="0"/>
+                        </a:spcAft>
+                      </a:pPr>
+                      <a:r>
+                        <a:rPr lang="en-US" sz="1400">
+                          <a:effectLst/>
+                        </a:rPr>
+                        <a:t> </a:t>
+                      </a:r>
+                      <a:endParaRPr lang="en-US" sz="1400">
+                        <a:effectLst/>
+                        <a:latin typeface="Times New Roman" panose="02020603050405020304" pitchFamily="18" charset="0"/>
+                        <a:ea typeface="Times New Roman" panose="02020603050405020304" pitchFamily="18" charset="0"/>
+                      </a:endParaRPr>
+                    </a:p>
+                  </a:txBody>
+                  <a:tcPr marL="46277" marR="46277" marT="0" marB="0"/>
+                </a:tc>
+              </a:tr>
+              <a:tr h="1932764">
+                <a:tc>
+                  <a:txBody>
+                    <a:bodyPr/>
+                    <a:lstStyle/>
+                    <a:p>
+                      <a:pPr marL="0" marR="0">
+                        <a:spcBef>
+                          <a:spcPts val="0"/>
+                        </a:spcBef>
+                        <a:spcAft>
+                          <a:spcPts val="0"/>
+                        </a:spcAft>
+                      </a:pPr>
+                      <a:r>
+                        <a:rPr lang="en-US" sz="1400">
+                          <a:effectLst/>
+                        </a:rPr>
+                        <a:t>3</a:t>
+                      </a:r>
+                      <a:endParaRPr lang="en-US" sz="1400">
+                        <a:effectLst/>
+                        <a:latin typeface="Times New Roman" panose="02020603050405020304" pitchFamily="18" charset="0"/>
+                        <a:ea typeface="Times New Roman" panose="02020603050405020304" pitchFamily="18" charset="0"/>
+                      </a:endParaRPr>
+                    </a:p>
+                  </a:txBody>
+                  <a:tcPr marL="46277" marR="46277" marT="0" marB="0"/>
+                </a:tc>
+                <a:tc>
+                  <a:txBody>
+                    <a:bodyPr/>
+                    <a:lstStyle/>
+                    <a:p>
+                      <a:pPr marL="0" marR="0">
+                        <a:spcBef>
+                          <a:spcPts val="0"/>
+                        </a:spcBef>
+                        <a:spcAft>
+                          <a:spcPts val="0"/>
+                        </a:spcAft>
+                      </a:pPr>
+                      <a:r>
+                        <a:rPr lang="en-US" sz="1400">
+                          <a:effectLst/>
+                        </a:rPr>
+                        <a:t>Guest Details</a:t>
+                      </a:r>
+                      <a:endParaRPr lang="en-US" sz="1400">
+                        <a:effectLst/>
+                        <a:latin typeface="Times New Roman" panose="02020603050405020304" pitchFamily="18" charset="0"/>
+                        <a:ea typeface="Times New Roman" panose="02020603050405020304" pitchFamily="18" charset="0"/>
+                      </a:endParaRPr>
+                    </a:p>
+                  </a:txBody>
+                  <a:tcPr marL="46277" marR="46277" marT="0" marB="0"/>
+                </a:tc>
+                <a:tc>
+                  <a:txBody>
+                    <a:bodyPr/>
+                    <a:lstStyle/>
+                    <a:p>
+                      <a:pPr marL="0" marR="0">
+                        <a:spcBef>
+                          <a:spcPts val="0"/>
+                        </a:spcBef>
+                        <a:spcAft>
+                          <a:spcPts val="0"/>
+                        </a:spcAft>
+                      </a:pPr>
+                      <a:r>
+                        <a:rPr lang="en-US" sz="1400">
+                          <a:effectLst/>
+                        </a:rPr>
+                        <a:t>User inputs guest details for creation.</a:t>
+                      </a:r>
+                    </a:p>
+                    <a:p>
+                      <a:pPr marL="0" marR="0">
+                        <a:spcBef>
+                          <a:spcPts val="0"/>
+                        </a:spcBef>
+                        <a:spcAft>
+                          <a:spcPts val="0"/>
+                        </a:spcAft>
+                      </a:pPr>
+                      <a:r>
+                        <a:rPr lang="en-US" sz="1400">
+                          <a:effectLst/>
+                        </a:rPr>
+                        <a:t>Normal Data</a:t>
+                      </a:r>
+                    </a:p>
+                    <a:p>
+                      <a:pPr marL="0" marR="0">
+                        <a:spcBef>
+                          <a:spcPts val="0"/>
+                        </a:spcBef>
+                        <a:spcAft>
+                          <a:spcPts val="0"/>
+                        </a:spcAft>
+                      </a:pPr>
+                      <a:r>
+                        <a:rPr lang="en-US" sz="1400">
+                          <a:effectLst/>
+                        </a:rPr>
+                        <a:t> </a:t>
+                      </a:r>
+                      <a:endParaRPr lang="en-US" sz="1400">
+                        <a:effectLst/>
+                        <a:latin typeface="Times New Roman" panose="02020603050405020304" pitchFamily="18" charset="0"/>
+                        <a:ea typeface="Times New Roman" panose="02020603050405020304" pitchFamily="18" charset="0"/>
+                      </a:endParaRPr>
+                    </a:p>
+                  </a:txBody>
+                  <a:tcPr marL="46277" marR="46277" marT="0" marB="0"/>
+                </a:tc>
+                <a:tc>
+                  <a:txBody>
+                    <a:bodyPr/>
+                    <a:lstStyle/>
+                    <a:p>
+                      <a:pPr marL="0" marR="0">
+                        <a:spcBef>
+                          <a:spcPts val="0"/>
+                        </a:spcBef>
+                        <a:spcAft>
+                          <a:spcPts val="0"/>
+                        </a:spcAft>
+                      </a:pPr>
+                      <a:r>
+                        <a:rPr lang="en-US" sz="1400">
+                          <a:effectLst/>
+                        </a:rPr>
+                        <a:t>When submit button is clicked, guest information will be created and an entry will be created under booking with the dates and additional requirements.</a:t>
+                      </a:r>
+                      <a:endParaRPr lang="en-US" sz="1400">
+                        <a:effectLst/>
+                        <a:latin typeface="Times New Roman" panose="02020603050405020304" pitchFamily="18" charset="0"/>
+                        <a:ea typeface="Times New Roman" panose="02020603050405020304" pitchFamily="18" charset="0"/>
+                      </a:endParaRPr>
+                    </a:p>
+                  </a:txBody>
+                  <a:tcPr marL="46277" marR="46277" marT="0" marB="0"/>
+                </a:tc>
+                <a:tc>
+                  <a:txBody>
+                    <a:bodyPr/>
+                    <a:lstStyle/>
+                    <a:p>
+                      <a:pPr marL="0" marR="0">
+                        <a:spcBef>
+                          <a:spcPts val="0"/>
+                        </a:spcBef>
+                        <a:spcAft>
+                          <a:spcPts val="0"/>
+                        </a:spcAft>
+                      </a:pPr>
+                      <a:r>
+                        <a:rPr lang="en-US" sz="1400">
+                          <a:effectLst/>
+                        </a:rPr>
+                        <a:t>When submit button is clicked, guest information is created and an entry is created under booking with the dates and additional requirements.</a:t>
+                      </a:r>
+                      <a:endParaRPr lang="en-US" sz="1400">
+                        <a:effectLst/>
+                        <a:latin typeface="Times New Roman" panose="02020603050405020304" pitchFamily="18" charset="0"/>
+                        <a:ea typeface="Times New Roman" panose="02020603050405020304" pitchFamily="18" charset="0"/>
+                      </a:endParaRPr>
+                    </a:p>
+                  </a:txBody>
+                  <a:tcPr marL="46277" marR="46277" marT="0" marB="0"/>
+                </a:tc>
+                <a:tc>
+                  <a:txBody>
+                    <a:bodyPr/>
+                    <a:lstStyle/>
+                    <a:p>
+                      <a:pPr marL="0" marR="0">
+                        <a:spcBef>
+                          <a:spcPts val="0"/>
+                        </a:spcBef>
+                        <a:spcAft>
+                          <a:spcPts val="0"/>
+                        </a:spcAft>
+                      </a:pPr>
+                      <a:r>
+                        <a:rPr lang="en-US" sz="1400" dirty="0">
+                          <a:effectLst/>
+                        </a:rPr>
+                        <a:t> </a:t>
+                      </a:r>
+                      <a:endParaRPr lang="en-US" sz="1400" dirty="0">
+                        <a:effectLst/>
+                        <a:latin typeface="Times New Roman" panose="02020603050405020304" pitchFamily="18" charset="0"/>
+                        <a:ea typeface="Times New Roman" panose="02020603050405020304" pitchFamily="18" charset="0"/>
+                      </a:endParaRPr>
+                    </a:p>
+                  </a:txBody>
+                  <a:tcPr marL="46277" marR="46277" marT="0" marB="0"/>
+                </a:tc>
+              </a:tr>
+            </a:tbl>
+          </a:graphicData>
+        </a:graphic>
+      </p:graphicFrame>
+    </p:spTree>
+    <p:extLst>
+      <p:ext uri="{BB962C8B-B14F-4D97-AF65-F5344CB8AC3E}">
+        <p14:creationId xmlns:p14="http://schemas.microsoft.com/office/powerpoint/2010/main" val="3409104655"/>
+      </p:ext>
+    </p:extLst>
+  </p:cSld>
+  <p:clrMapOvr>
+    <a:masterClrMapping/>
+  </p:clrMapOvr>
+</p:sld>
+</file>
+
+<file path=ppt/slides/slide3.xml><?xml version="1.0" encoding="utf-8"?>
+<p:sld xmlns:a="http://schemas.openxmlformats.org/drawingml/2006/main" xmlns:r="http://schemas.openxmlformats.org/officeDocument/2006/relationships" xmlns:p="http://schemas.openxmlformats.org/presentationml/2006/main">
+  <p:cSld>
+    <p:spTree>
+      <p:nvGrpSpPr>
+        <p:cNvPr id="1" name=""/>
+        <p:cNvGrpSpPr/>
+        <p:nvPr/>
+      </p:nvGrpSpPr>
+      <p:grpSpPr>
+        <a:xfrm>
+          <a:off x="0" y="0"/>
+          <a:ext cx="0" cy="0"/>
+          <a:chOff x="0" y="0"/>
+          <a:chExt cx="0" cy="0"/>
+        </a:xfrm>
+      </p:grpSpPr>
+      <p:sp>
+        <p:nvSpPr>
+          <p:cNvPr id="2" name="Title 1"/>
+          <p:cNvSpPr>
+            <a:spLocks noGrp="1"/>
+          </p:cNvSpPr>
+          <p:nvPr>
+            <p:ph type="title"/>
+          </p:nvPr>
+        </p:nvSpPr>
+        <p:spPr/>
+        <p:txBody>
+          <a:bodyPr/>
+          <a:lstStyle/>
+          <a:p>
+            <a:endParaRPr lang="en-US" dirty="0"/>
+          </a:p>
+        </p:txBody>
+      </p:sp>
+      <p:graphicFrame>
+        <p:nvGraphicFramePr>
+          <p:cNvPr id="4" name="Content Placeholder 3"/>
+          <p:cNvGraphicFramePr>
+            <a:graphicFrameLocks noGrp="1"/>
+          </p:cNvGraphicFramePr>
+          <p:nvPr>
+            <p:ph idx="1"/>
+            <p:extLst>
+              <p:ext uri="{D42A27DB-BD31-4B8C-83A1-F6EECF244321}">
+                <p14:modId xmlns:p14="http://schemas.microsoft.com/office/powerpoint/2010/main" val="1243866632"/>
+              </p:ext>
+            </p:extLst>
+          </p:nvPr>
+        </p:nvGraphicFramePr>
+        <p:xfrm>
+          <a:off x="908876" y="1242726"/>
+          <a:ext cx="10246803" cy="476345"/>
+        </p:xfrm>
+        <a:graphic>
+          <a:graphicData uri="http://schemas.openxmlformats.org/drawingml/2006/table">
+            <a:tbl>
+              <a:tblPr firstRow="1" firstCol="1" bandRow="1">
+                <a:tableStyleId>{93296810-A885-4BE3-A3E7-6D5BEEA58F35}</a:tableStyleId>
+              </a:tblPr>
+              <a:tblGrid>
+                <a:gridCol w="977971"/>
+                <a:gridCol w="1460875"/>
+                <a:gridCol w="2270986"/>
+                <a:gridCol w="2015545"/>
+                <a:gridCol w="1859848"/>
+                <a:gridCol w="1661578"/>
+              </a:tblGrid>
+              <a:tr h="476345">
+                <a:tc>
+                  <a:txBody>
+                    <a:bodyPr/>
+                    <a:lstStyle/>
+                    <a:p>
+                      <a:pPr marL="0" marR="0">
+                        <a:spcBef>
+                          <a:spcPts val="0"/>
+                        </a:spcBef>
+                        <a:spcAft>
+                          <a:spcPts val="0"/>
+                        </a:spcAft>
+                      </a:pPr>
+                      <a:r>
+                        <a:rPr lang="en-US" sz="1600" dirty="0">
+                          <a:effectLst/>
+                        </a:rPr>
+                        <a:t>S/No</a:t>
+                      </a:r>
+                      <a:endParaRPr lang="en-US" sz="1600" dirty="0">
+                        <a:effectLst/>
+                        <a:latin typeface="Times New Roman" panose="02020603050405020304" pitchFamily="18" charset="0"/>
+                        <a:ea typeface="Times New Roman" panose="02020603050405020304" pitchFamily="18" charset="0"/>
+                      </a:endParaRPr>
+                    </a:p>
+                  </a:txBody>
+                  <a:tcPr marL="68580" marR="68580" marT="0" marB="0"/>
+                </a:tc>
+                <a:tc>
+                  <a:txBody>
+                    <a:bodyPr/>
+                    <a:lstStyle/>
+                    <a:p>
+                      <a:pPr marL="0" marR="0">
+                        <a:spcBef>
+                          <a:spcPts val="0"/>
+                        </a:spcBef>
+                        <a:spcAft>
+                          <a:spcPts val="0"/>
+                        </a:spcAft>
+                      </a:pPr>
+                      <a:r>
+                        <a:rPr lang="en-US" sz="1600" dirty="0">
+                          <a:effectLst/>
+                        </a:rPr>
+                        <a:t>Steps</a:t>
+                      </a:r>
+                      <a:endParaRPr lang="en-US" sz="1600" dirty="0">
+                        <a:effectLst/>
+                        <a:latin typeface="Times New Roman" panose="02020603050405020304" pitchFamily="18" charset="0"/>
+                        <a:ea typeface="Times New Roman" panose="02020603050405020304" pitchFamily="18" charset="0"/>
+                      </a:endParaRPr>
+                    </a:p>
+                  </a:txBody>
+                  <a:tcPr marL="68580" marR="68580" marT="0" marB="0"/>
+                </a:tc>
+                <a:tc>
+                  <a:txBody>
+                    <a:bodyPr/>
+                    <a:lstStyle/>
+                    <a:p>
+                      <a:pPr marL="0" marR="0">
+                        <a:spcBef>
+                          <a:spcPts val="0"/>
+                        </a:spcBef>
+                        <a:spcAft>
+                          <a:spcPts val="0"/>
+                        </a:spcAft>
+                      </a:pPr>
+                      <a:r>
+                        <a:rPr lang="en-US" sz="1600" dirty="0">
+                          <a:effectLst/>
+                        </a:rPr>
+                        <a:t>Test Data</a:t>
+                      </a:r>
+                      <a:endParaRPr lang="en-US" sz="1600" dirty="0">
+                        <a:effectLst/>
+                        <a:latin typeface="Times New Roman" panose="02020603050405020304" pitchFamily="18" charset="0"/>
+                        <a:ea typeface="Times New Roman" panose="02020603050405020304" pitchFamily="18" charset="0"/>
+                      </a:endParaRPr>
+                    </a:p>
+                  </a:txBody>
+                  <a:tcPr marL="68580" marR="68580" marT="0" marB="0"/>
+                </a:tc>
+                <a:tc>
+                  <a:txBody>
+                    <a:bodyPr/>
+                    <a:lstStyle/>
+                    <a:p>
+                      <a:pPr marL="0" marR="0">
+                        <a:spcBef>
+                          <a:spcPts val="0"/>
+                        </a:spcBef>
+                        <a:spcAft>
+                          <a:spcPts val="0"/>
+                        </a:spcAft>
+                      </a:pPr>
+                      <a:r>
+                        <a:rPr lang="en-US" sz="1600">
+                          <a:effectLst/>
+                        </a:rPr>
+                        <a:t>Expected Results</a:t>
+                      </a:r>
+                      <a:endParaRPr lang="en-US" sz="1600">
+                        <a:effectLst/>
+                        <a:latin typeface="Times New Roman" panose="02020603050405020304" pitchFamily="18" charset="0"/>
+                        <a:ea typeface="Times New Roman" panose="02020603050405020304" pitchFamily="18" charset="0"/>
+                      </a:endParaRPr>
+                    </a:p>
+                  </a:txBody>
+                  <a:tcPr marL="68580" marR="68580" marT="0" marB="0"/>
+                </a:tc>
+                <a:tc>
+                  <a:txBody>
+                    <a:bodyPr/>
+                    <a:lstStyle/>
+                    <a:p>
+                      <a:pPr marL="0" marR="0">
+                        <a:spcBef>
+                          <a:spcPts val="0"/>
+                        </a:spcBef>
+                        <a:spcAft>
+                          <a:spcPts val="0"/>
+                        </a:spcAft>
+                      </a:pPr>
+                      <a:r>
+                        <a:rPr lang="en-US" sz="1600">
+                          <a:effectLst/>
+                        </a:rPr>
+                        <a:t>Actual Results</a:t>
+                      </a:r>
+                      <a:endParaRPr lang="en-US" sz="1600">
+                        <a:effectLst/>
+                        <a:latin typeface="Times New Roman" panose="02020603050405020304" pitchFamily="18" charset="0"/>
+                        <a:ea typeface="Times New Roman" panose="02020603050405020304" pitchFamily="18" charset="0"/>
+                      </a:endParaRPr>
+                    </a:p>
+                  </a:txBody>
+                  <a:tcPr marL="68580" marR="68580" marT="0" marB="0"/>
+                </a:tc>
+                <a:tc>
+                  <a:txBody>
+                    <a:bodyPr/>
+                    <a:lstStyle/>
+                    <a:p>
+                      <a:pPr marL="0" marR="0">
+                        <a:spcBef>
+                          <a:spcPts val="0"/>
+                        </a:spcBef>
+                        <a:spcAft>
+                          <a:spcPts val="0"/>
+                        </a:spcAft>
+                      </a:pPr>
+                      <a:r>
+                        <a:rPr lang="en-US" sz="1600" dirty="0">
+                          <a:effectLst/>
+                        </a:rPr>
+                        <a:t>Remarks</a:t>
+                      </a:r>
+                      <a:endParaRPr lang="en-US" sz="1600" dirty="0">
+                        <a:effectLst/>
+                        <a:latin typeface="Times New Roman" panose="02020603050405020304" pitchFamily="18" charset="0"/>
+                        <a:ea typeface="Times New Roman" panose="02020603050405020304" pitchFamily="18" charset="0"/>
+                      </a:endParaRPr>
+                    </a:p>
+                  </a:txBody>
+                  <a:tcPr marL="68580" marR="68580" marT="0" marB="0"/>
+                </a:tc>
+              </a:tr>
+            </a:tbl>
+          </a:graphicData>
+        </a:graphic>
+      </p:graphicFrame>
+      <p:graphicFrame>
+        <p:nvGraphicFramePr>
+          <p:cNvPr id="5" name="Table 4"/>
+          <p:cNvGraphicFramePr>
+            <a:graphicFrameLocks noGrp="1"/>
+          </p:cNvGraphicFramePr>
+          <p:nvPr>
+            <p:extLst>
+              <p:ext uri="{D42A27DB-BD31-4B8C-83A1-F6EECF244321}">
+                <p14:modId xmlns:p14="http://schemas.microsoft.com/office/powerpoint/2010/main" val="3452649339"/>
+              </p:ext>
+            </p:extLst>
+          </p:nvPr>
+        </p:nvGraphicFramePr>
+        <p:xfrm>
+          <a:off x="908876" y="1736502"/>
+          <a:ext cx="10265093" cy="3732620"/>
+        </p:xfrm>
+        <a:graphic>
+          <a:graphicData uri="http://schemas.openxmlformats.org/drawingml/2006/table">
+            <a:tbl>
+              <a:tblPr firstRow="1" firstCol="1" bandRow="1">
+                <a:tableStyleId>{93296810-A885-4BE3-A3E7-6D5BEEA58F35}</a:tableStyleId>
+              </a:tblPr>
+              <a:tblGrid>
+                <a:gridCol w="979717"/>
+                <a:gridCol w="1463482"/>
+                <a:gridCol w="2275039"/>
+                <a:gridCol w="2019143"/>
+                <a:gridCol w="1863168"/>
+                <a:gridCol w="1664544"/>
+              </a:tblGrid>
+              <a:tr h="1035646">
+                <a:tc>
+                  <a:txBody>
+                    <a:bodyPr/>
+                    <a:lstStyle/>
+                    <a:p>
+                      <a:pPr marL="0" marR="0">
+                        <a:spcBef>
+                          <a:spcPts val="0"/>
+                        </a:spcBef>
+                        <a:spcAft>
+                          <a:spcPts val="0"/>
+                        </a:spcAft>
+                      </a:pPr>
+                      <a:r>
+                        <a:rPr lang="en-US" sz="1400" dirty="0">
+                          <a:effectLst/>
+                        </a:rPr>
+                        <a:t>4</a:t>
+                      </a:r>
+                      <a:endParaRPr lang="en-US" sz="1400" dirty="0">
+                        <a:effectLst/>
+                        <a:latin typeface="Times New Roman" panose="02020603050405020304" pitchFamily="18" charset="0"/>
+                        <a:ea typeface="Times New Roman" panose="02020603050405020304" pitchFamily="18" charset="0"/>
+                      </a:endParaRPr>
+                    </a:p>
+                  </a:txBody>
+                  <a:tcPr marL="68580" marR="68580" marT="0" marB="0"/>
+                </a:tc>
+                <a:tc>
+                  <a:txBody>
+                    <a:bodyPr/>
+                    <a:lstStyle/>
+                    <a:p>
+                      <a:pPr marL="0" marR="0">
+                        <a:spcBef>
+                          <a:spcPts val="0"/>
+                        </a:spcBef>
+                        <a:spcAft>
+                          <a:spcPts val="0"/>
+                        </a:spcAft>
+                      </a:pPr>
+                      <a:r>
+                        <a:rPr lang="en-US" sz="1400" dirty="0">
+                          <a:ln>
+                            <a:noFill/>
+                          </a:ln>
+                          <a:solidFill>
+                            <a:schemeClr val="bg1"/>
+                          </a:solidFill>
+                          <a:effectLst/>
+                        </a:rPr>
+                        <a:t>Search for Guest</a:t>
+                      </a:r>
+                      <a:endParaRPr lang="en-US" sz="1400" dirty="0">
+                        <a:ln>
+                          <a:noFill/>
+                        </a:ln>
+                        <a:solidFill>
+                          <a:schemeClr val="bg1"/>
+                        </a:solidFill>
+                        <a:effectLst/>
+                        <a:latin typeface="Times New Roman" panose="02020603050405020304" pitchFamily="18" charset="0"/>
+                        <a:ea typeface="Times New Roman" panose="02020603050405020304" pitchFamily="18" charset="0"/>
+                      </a:endParaRPr>
+                    </a:p>
+                  </a:txBody>
+                  <a:tcPr marL="68580" marR="68580" marT="0" marB="0">
+                    <a:solidFill>
+                      <a:schemeClr val="accent2">
+                        <a:lumMod val="20000"/>
+                        <a:lumOff val="80000"/>
+                      </a:schemeClr>
+                    </a:solidFill>
+                  </a:tcPr>
+                </a:tc>
+                <a:tc>
+                  <a:txBody>
+                    <a:bodyPr/>
+                    <a:lstStyle/>
+                    <a:p>
+                      <a:pPr marL="0" marR="0">
+                        <a:spcBef>
+                          <a:spcPts val="0"/>
+                        </a:spcBef>
+                        <a:spcAft>
+                          <a:spcPts val="0"/>
+                        </a:spcAft>
+                      </a:pPr>
+                      <a:r>
+                        <a:rPr lang="en-US" sz="1400" dirty="0">
+                          <a:ln>
+                            <a:noFill/>
+                          </a:ln>
+                          <a:solidFill>
+                            <a:schemeClr val="bg1"/>
+                          </a:solidFill>
+                          <a:effectLst/>
+                        </a:rPr>
+                        <a:t>User inputs any of the four details and clicks Search.</a:t>
+                      </a:r>
+                    </a:p>
+                    <a:p>
+                      <a:pPr marL="0" marR="0">
+                        <a:spcBef>
+                          <a:spcPts val="0"/>
+                        </a:spcBef>
+                        <a:spcAft>
+                          <a:spcPts val="0"/>
+                        </a:spcAft>
+                      </a:pPr>
+                      <a:r>
+                        <a:rPr lang="en-US" sz="1400" dirty="0">
+                          <a:ln>
+                            <a:noFill/>
+                          </a:ln>
+                          <a:solidFill>
+                            <a:schemeClr val="bg1"/>
+                          </a:solidFill>
+                          <a:effectLst/>
+                        </a:rPr>
+                        <a:t>Normal Data</a:t>
+                      </a:r>
+                    </a:p>
+                    <a:p>
+                      <a:pPr marL="0" marR="0">
+                        <a:spcBef>
+                          <a:spcPts val="0"/>
+                        </a:spcBef>
+                        <a:spcAft>
+                          <a:spcPts val="0"/>
+                        </a:spcAft>
+                      </a:pPr>
+                      <a:r>
+                        <a:rPr lang="en-US" sz="1400" dirty="0">
+                          <a:ln>
+                            <a:noFill/>
+                          </a:ln>
+                          <a:solidFill>
+                            <a:schemeClr val="bg1"/>
+                          </a:solidFill>
+                          <a:effectLst/>
+                        </a:rPr>
+                        <a:t> </a:t>
+                      </a:r>
+                      <a:endParaRPr lang="en-US" sz="1400" dirty="0">
+                        <a:ln>
+                          <a:noFill/>
+                        </a:ln>
+                        <a:solidFill>
+                          <a:schemeClr val="bg1"/>
+                        </a:solidFill>
+                        <a:effectLst/>
+                        <a:latin typeface="Times New Roman" panose="02020603050405020304" pitchFamily="18" charset="0"/>
+                        <a:ea typeface="Times New Roman" panose="02020603050405020304" pitchFamily="18" charset="0"/>
+                      </a:endParaRPr>
+                    </a:p>
+                  </a:txBody>
+                  <a:tcPr marL="68580" marR="68580" marT="0" marB="0">
+                    <a:solidFill>
+                      <a:schemeClr val="accent2">
+                        <a:lumMod val="20000"/>
+                        <a:lumOff val="80000"/>
+                      </a:schemeClr>
+                    </a:solidFill>
+                  </a:tcPr>
+                </a:tc>
+                <a:tc>
+                  <a:txBody>
+                    <a:bodyPr/>
+                    <a:lstStyle/>
+                    <a:p>
+                      <a:pPr marL="0" marR="0">
+                        <a:spcBef>
+                          <a:spcPts val="0"/>
+                        </a:spcBef>
+                        <a:spcAft>
+                          <a:spcPts val="0"/>
+                        </a:spcAft>
+                      </a:pPr>
+                      <a:r>
+                        <a:rPr lang="en-US" sz="1400" dirty="0">
+                          <a:ln>
+                            <a:noFill/>
+                          </a:ln>
+                          <a:solidFill>
+                            <a:schemeClr val="bg1"/>
+                          </a:solidFill>
+                          <a:effectLst/>
+                        </a:rPr>
+                        <a:t>If there is more than one data it will display in the datagrid, else it will display in a groupbox.</a:t>
+                      </a:r>
+                      <a:endParaRPr lang="en-US" sz="1400" dirty="0">
+                        <a:ln>
+                          <a:noFill/>
+                        </a:ln>
+                        <a:solidFill>
+                          <a:schemeClr val="bg1"/>
+                        </a:solidFill>
+                        <a:effectLst/>
+                        <a:latin typeface="Times New Roman" panose="02020603050405020304" pitchFamily="18" charset="0"/>
+                        <a:ea typeface="Times New Roman" panose="02020603050405020304" pitchFamily="18" charset="0"/>
+                      </a:endParaRPr>
+                    </a:p>
+                  </a:txBody>
+                  <a:tcPr marL="68580" marR="68580" marT="0" marB="0">
+                    <a:solidFill>
+                      <a:schemeClr val="accent2">
+                        <a:lumMod val="20000"/>
+                        <a:lumOff val="80000"/>
+                      </a:schemeClr>
+                    </a:solidFill>
+                  </a:tcPr>
+                </a:tc>
+                <a:tc>
+                  <a:txBody>
+                    <a:bodyPr/>
+                    <a:lstStyle/>
+                    <a:p>
+                      <a:pPr marL="0" marR="0">
+                        <a:spcBef>
+                          <a:spcPts val="0"/>
+                        </a:spcBef>
+                        <a:spcAft>
+                          <a:spcPts val="0"/>
+                        </a:spcAft>
+                      </a:pPr>
+                      <a:r>
+                        <a:rPr lang="en-US" sz="1400" dirty="0">
+                          <a:ln>
+                            <a:noFill/>
+                          </a:ln>
+                          <a:solidFill>
+                            <a:schemeClr val="bg1"/>
+                          </a:solidFill>
+                          <a:effectLst/>
+                        </a:rPr>
+                        <a:t>If there is more than one data it displays in the datagrid, else it displays in a groupbox.</a:t>
+                      </a:r>
+                      <a:endParaRPr lang="en-US" sz="1400" dirty="0">
+                        <a:ln>
+                          <a:noFill/>
+                        </a:ln>
+                        <a:solidFill>
+                          <a:schemeClr val="bg1"/>
+                        </a:solidFill>
+                        <a:effectLst/>
+                        <a:latin typeface="Times New Roman" panose="02020603050405020304" pitchFamily="18" charset="0"/>
+                        <a:ea typeface="Times New Roman" panose="02020603050405020304" pitchFamily="18" charset="0"/>
+                      </a:endParaRPr>
+                    </a:p>
+                  </a:txBody>
+                  <a:tcPr marL="68580" marR="68580" marT="0" marB="0">
+                    <a:solidFill>
+                      <a:schemeClr val="accent2">
+                        <a:lumMod val="20000"/>
+                        <a:lumOff val="80000"/>
+                      </a:schemeClr>
+                    </a:solidFill>
+                  </a:tcPr>
+                </a:tc>
+                <a:tc>
+                  <a:txBody>
+                    <a:bodyPr/>
+                    <a:lstStyle/>
+                    <a:p>
+                      <a:pPr marL="0" marR="0">
+                        <a:spcBef>
+                          <a:spcPts val="0"/>
+                        </a:spcBef>
+                        <a:spcAft>
+                          <a:spcPts val="0"/>
+                        </a:spcAft>
+                      </a:pPr>
+                      <a:r>
+                        <a:rPr lang="en-US" sz="1400" dirty="0">
+                          <a:ln>
+                            <a:noFill/>
+                          </a:ln>
+                          <a:solidFill>
+                            <a:schemeClr val="bg1"/>
+                          </a:solidFill>
+                          <a:effectLst/>
+                        </a:rPr>
+                        <a:t> </a:t>
+                      </a:r>
+                      <a:endParaRPr lang="en-US" sz="1400" dirty="0">
+                        <a:ln>
+                          <a:noFill/>
+                        </a:ln>
+                        <a:solidFill>
+                          <a:schemeClr val="bg1"/>
+                        </a:solidFill>
+                        <a:effectLst/>
+                        <a:latin typeface="Times New Roman" panose="02020603050405020304" pitchFamily="18" charset="0"/>
+                        <a:ea typeface="Times New Roman" panose="02020603050405020304" pitchFamily="18" charset="0"/>
+                      </a:endParaRPr>
+                    </a:p>
+                  </a:txBody>
+                  <a:tcPr marL="68580" marR="68580" marT="0" marB="0">
+                    <a:solidFill>
+                      <a:schemeClr val="accent2">
+                        <a:lumMod val="20000"/>
+                        <a:lumOff val="80000"/>
+                      </a:schemeClr>
+                    </a:solidFill>
+                  </a:tcPr>
+                </a:tc>
+              </a:tr>
+              <a:tr h="517823">
+                <a:tc>
+                  <a:txBody>
+                    <a:bodyPr/>
+                    <a:lstStyle/>
+                    <a:p>
+                      <a:pPr marL="0" marR="0">
+                        <a:spcBef>
+                          <a:spcPts val="0"/>
+                        </a:spcBef>
+                        <a:spcAft>
+                          <a:spcPts val="0"/>
+                        </a:spcAft>
+                      </a:pPr>
+                      <a:r>
+                        <a:rPr lang="en-US" sz="1400">
+                          <a:effectLst/>
+                        </a:rPr>
+                        <a:t>5</a:t>
+                      </a:r>
+                      <a:endParaRPr lang="en-US" sz="1400">
+                        <a:effectLst/>
+                        <a:latin typeface="Times New Roman" panose="02020603050405020304" pitchFamily="18" charset="0"/>
+                        <a:ea typeface="Times New Roman" panose="02020603050405020304" pitchFamily="18" charset="0"/>
+                      </a:endParaRPr>
+                    </a:p>
+                  </a:txBody>
+                  <a:tcPr marL="68580" marR="68580" marT="0" marB="0"/>
+                </a:tc>
+                <a:tc>
+                  <a:txBody>
+                    <a:bodyPr/>
+                    <a:lstStyle/>
+                    <a:p>
+                      <a:pPr marL="0" marR="0">
+                        <a:spcBef>
+                          <a:spcPts val="0"/>
+                        </a:spcBef>
+                        <a:spcAft>
+                          <a:spcPts val="0"/>
+                        </a:spcAft>
+                      </a:pPr>
+                      <a:r>
+                        <a:rPr lang="en-US" sz="1400">
+                          <a:effectLst/>
+                        </a:rPr>
+                        <a:t>Search All Guests</a:t>
+                      </a:r>
+                      <a:endParaRPr lang="en-US" sz="1400">
+                        <a:effectLst/>
+                        <a:latin typeface="Times New Roman" panose="02020603050405020304" pitchFamily="18" charset="0"/>
+                        <a:ea typeface="Times New Roman" panose="02020603050405020304" pitchFamily="18" charset="0"/>
+                      </a:endParaRPr>
+                    </a:p>
+                  </a:txBody>
+                  <a:tcPr marL="68580" marR="68580" marT="0" marB="0"/>
+                </a:tc>
+                <a:tc>
+                  <a:txBody>
+                    <a:bodyPr/>
+                    <a:lstStyle/>
+                    <a:p>
+                      <a:pPr marL="0" marR="0">
+                        <a:spcBef>
+                          <a:spcPts val="0"/>
+                        </a:spcBef>
+                        <a:spcAft>
+                          <a:spcPts val="0"/>
+                        </a:spcAft>
+                      </a:pPr>
+                      <a:r>
+                        <a:rPr lang="en-US" sz="1400" dirty="0">
+                          <a:effectLst/>
+                        </a:rPr>
+                        <a:t>User clicks on find all button </a:t>
+                      </a:r>
+                    </a:p>
+                    <a:p>
+                      <a:pPr marL="0" marR="0">
+                        <a:spcBef>
+                          <a:spcPts val="0"/>
+                        </a:spcBef>
+                        <a:spcAft>
+                          <a:spcPts val="0"/>
+                        </a:spcAft>
+                      </a:pPr>
+                      <a:r>
+                        <a:rPr lang="en-US" sz="1400" dirty="0">
+                          <a:effectLst/>
+                        </a:rPr>
+                        <a:t> </a:t>
+                      </a:r>
+                      <a:endParaRPr lang="en-US" sz="1400" dirty="0">
+                        <a:effectLst/>
+                        <a:latin typeface="Times New Roman" panose="02020603050405020304" pitchFamily="18" charset="0"/>
+                        <a:ea typeface="Times New Roman" panose="02020603050405020304" pitchFamily="18" charset="0"/>
+                      </a:endParaRPr>
+                    </a:p>
+                  </a:txBody>
+                  <a:tcPr marL="68580" marR="68580" marT="0" marB="0"/>
+                </a:tc>
+                <a:tc>
+                  <a:txBody>
+                    <a:bodyPr/>
+                    <a:lstStyle/>
+                    <a:p>
+                      <a:pPr marL="0" marR="0">
+                        <a:spcBef>
+                          <a:spcPts val="0"/>
+                        </a:spcBef>
+                        <a:spcAft>
+                          <a:spcPts val="0"/>
+                        </a:spcAft>
+                      </a:pPr>
+                      <a:r>
+                        <a:rPr lang="en-US" sz="1400" dirty="0">
+                          <a:effectLst/>
+                        </a:rPr>
+                        <a:t>It will display in a datagrid</a:t>
+                      </a:r>
+                      <a:endParaRPr lang="en-US" sz="1400" dirty="0">
+                        <a:effectLst/>
+                        <a:latin typeface="Times New Roman" panose="02020603050405020304" pitchFamily="18" charset="0"/>
+                        <a:ea typeface="Times New Roman" panose="02020603050405020304" pitchFamily="18" charset="0"/>
+                      </a:endParaRPr>
+                    </a:p>
+                  </a:txBody>
+                  <a:tcPr marL="68580" marR="68580" marT="0" marB="0"/>
+                </a:tc>
+                <a:tc>
+                  <a:txBody>
+                    <a:bodyPr/>
+                    <a:lstStyle/>
+                    <a:p>
+                      <a:pPr marL="0" marR="0">
+                        <a:spcBef>
+                          <a:spcPts val="0"/>
+                        </a:spcBef>
+                        <a:spcAft>
+                          <a:spcPts val="0"/>
+                        </a:spcAft>
+                      </a:pPr>
+                      <a:r>
+                        <a:rPr lang="en-US" sz="1400">
+                          <a:effectLst/>
+                        </a:rPr>
+                        <a:t>It displays in a datagrid</a:t>
+                      </a:r>
+                      <a:endParaRPr lang="en-US" sz="1400">
+                        <a:effectLst/>
+                        <a:latin typeface="Times New Roman" panose="02020603050405020304" pitchFamily="18" charset="0"/>
+                        <a:ea typeface="Times New Roman" panose="02020603050405020304" pitchFamily="18" charset="0"/>
+                      </a:endParaRPr>
+                    </a:p>
+                  </a:txBody>
+                  <a:tcPr marL="68580" marR="68580" marT="0" marB="0"/>
+                </a:tc>
+                <a:tc>
+                  <a:txBody>
+                    <a:bodyPr/>
+                    <a:lstStyle/>
+                    <a:p>
+                      <a:pPr marL="0" marR="0">
+                        <a:spcBef>
+                          <a:spcPts val="0"/>
+                        </a:spcBef>
+                        <a:spcAft>
+                          <a:spcPts val="0"/>
+                        </a:spcAft>
+                      </a:pPr>
+                      <a:r>
+                        <a:rPr lang="en-US" sz="1400">
+                          <a:effectLst/>
+                        </a:rPr>
+                        <a:t> </a:t>
+                      </a:r>
+                      <a:endParaRPr lang="en-US" sz="1400">
+                        <a:effectLst/>
+                        <a:latin typeface="Times New Roman" panose="02020603050405020304" pitchFamily="18" charset="0"/>
+                        <a:ea typeface="Times New Roman" panose="02020603050405020304" pitchFamily="18" charset="0"/>
+                      </a:endParaRPr>
+                    </a:p>
+                  </a:txBody>
+                  <a:tcPr marL="68580" marR="68580" marT="0" marB="0"/>
+                </a:tc>
+              </a:tr>
+              <a:tr h="1812380">
+                <a:tc>
+                  <a:txBody>
+                    <a:bodyPr/>
+                    <a:lstStyle/>
+                    <a:p>
+                      <a:pPr marL="0" marR="0">
+                        <a:spcBef>
+                          <a:spcPts val="0"/>
+                        </a:spcBef>
+                        <a:spcAft>
+                          <a:spcPts val="0"/>
+                        </a:spcAft>
+                      </a:pPr>
+                      <a:r>
+                        <a:rPr lang="en-US" sz="1400">
+                          <a:effectLst/>
+                        </a:rPr>
+                        <a:t>6</a:t>
+                      </a:r>
+                      <a:endParaRPr lang="en-US" sz="1400">
+                        <a:effectLst/>
+                        <a:latin typeface="Times New Roman" panose="02020603050405020304" pitchFamily="18" charset="0"/>
+                        <a:ea typeface="Times New Roman" panose="02020603050405020304" pitchFamily="18" charset="0"/>
+                      </a:endParaRPr>
+                    </a:p>
+                  </a:txBody>
+                  <a:tcPr marL="68580" marR="68580" marT="0" marB="0"/>
+                </a:tc>
+                <a:tc>
+                  <a:txBody>
+                    <a:bodyPr/>
+                    <a:lstStyle/>
+                    <a:p>
+                      <a:pPr marL="0" marR="0">
+                        <a:spcBef>
+                          <a:spcPts val="0"/>
+                        </a:spcBef>
+                        <a:spcAft>
+                          <a:spcPts val="0"/>
+                        </a:spcAft>
+                      </a:pPr>
+                      <a:r>
+                        <a:rPr lang="en-US" sz="1400" dirty="0">
+                          <a:effectLst/>
+                        </a:rPr>
+                        <a:t>Check In Guest</a:t>
+                      </a:r>
+                      <a:endParaRPr lang="en-US" sz="1400" dirty="0">
+                        <a:effectLst/>
+                        <a:latin typeface="Times New Roman" panose="02020603050405020304" pitchFamily="18" charset="0"/>
+                        <a:ea typeface="Times New Roman" panose="02020603050405020304" pitchFamily="18" charset="0"/>
+                      </a:endParaRPr>
+                    </a:p>
+                  </a:txBody>
+                  <a:tcPr marL="68580" marR="68580" marT="0" marB="0"/>
+                </a:tc>
+                <a:tc>
+                  <a:txBody>
+                    <a:bodyPr/>
+                    <a:lstStyle/>
+                    <a:p>
+                      <a:pPr marL="0" marR="0">
+                        <a:spcBef>
+                          <a:spcPts val="0"/>
+                        </a:spcBef>
+                        <a:spcAft>
+                          <a:spcPts val="0"/>
+                        </a:spcAft>
+                      </a:pPr>
+                      <a:r>
+                        <a:rPr lang="en-US" sz="1400">
+                          <a:effectLst/>
+                        </a:rPr>
+                        <a:t>User can enter add requirements or change their check out date.</a:t>
+                      </a:r>
+                    </a:p>
+                    <a:p>
+                      <a:pPr marL="0" marR="0">
+                        <a:spcBef>
+                          <a:spcPts val="0"/>
+                        </a:spcBef>
+                        <a:spcAft>
+                          <a:spcPts val="0"/>
+                        </a:spcAft>
+                      </a:pPr>
+                      <a:r>
+                        <a:rPr lang="en-US" sz="1400">
+                          <a:effectLst/>
+                        </a:rPr>
+                        <a:t>Normal Data</a:t>
+                      </a:r>
+                    </a:p>
+                    <a:p>
+                      <a:pPr marL="0" marR="0">
+                        <a:spcBef>
+                          <a:spcPts val="0"/>
+                        </a:spcBef>
+                        <a:spcAft>
+                          <a:spcPts val="0"/>
+                        </a:spcAft>
+                      </a:pPr>
+                      <a:r>
+                        <a:rPr lang="en-US" sz="1400">
+                          <a:effectLst/>
+                        </a:rPr>
+                        <a:t> </a:t>
+                      </a:r>
+                      <a:endParaRPr lang="en-US" sz="1400">
+                        <a:effectLst/>
+                        <a:latin typeface="Times New Roman" panose="02020603050405020304" pitchFamily="18" charset="0"/>
+                        <a:ea typeface="Times New Roman" panose="02020603050405020304" pitchFamily="18" charset="0"/>
+                      </a:endParaRPr>
+                    </a:p>
+                  </a:txBody>
+                  <a:tcPr marL="68580" marR="68580" marT="0" marB="0"/>
+                </a:tc>
+                <a:tc>
+                  <a:txBody>
+                    <a:bodyPr/>
+                    <a:lstStyle/>
+                    <a:p>
+                      <a:pPr marL="0" marR="0">
+                        <a:spcBef>
+                          <a:spcPts val="0"/>
+                        </a:spcBef>
+                        <a:spcAft>
+                          <a:spcPts val="0"/>
+                        </a:spcAft>
+                      </a:pPr>
+                      <a:r>
+                        <a:rPr lang="en-US" sz="1400" dirty="0">
+                          <a:effectLst/>
+                        </a:rPr>
+                        <a:t>User clicks on Check In and the room status changes to ‘Occupied’ and update database if changes are made</a:t>
+                      </a:r>
+                      <a:endParaRPr lang="en-US" sz="1400" dirty="0">
+                        <a:effectLst/>
+                        <a:latin typeface="Times New Roman" panose="02020603050405020304" pitchFamily="18" charset="0"/>
+                        <a:ea typeface="Times New Roman" panose="02020603050405020304" pitchFamily="18" charset="0"/>
+                      </a:endParaRPr>
+                    </a:p>
+                  </a:txBody>
+                  <a:tcPr marL="68580" marR="68580" marT="0" marB="0"/>
+                </a:tc>
+                <a:tc>
+                  <a:txBody>
+                    <a:bodyPr/>
+                    <a:lstStyle/>
+                    <a:p>
+                      <a:pPr marL="0" marR="0">
+                        <a:spcBef>
+                          <a:spcPts val="0"/>
+                        </a:spcBef>
+                        <a:spcAft>
+                          <a:spcPts val="0"/>
+                        </a:spcAft>
+                      </a:pPr>
+                      <a:r>
+                        <a:rPr lang="en-US" sz="1400" dirty="0">
+                          <a:effectLst/>
+                        </a:rPr>
+                        <a:t>User clicks on Check In and the room status changed to ‘Occupied’ and update database because changes were made</a:t>
+                      </a:r>
+                      <a:endParaRPr lang="en-US" sz="1400" dirty="0">
+                        <a:effectLst/>
+                        <a:latin typeface="Times New Roman" panose="02020603050405020304" pitchFamily="18" charset="0"/>
+                        <a:ea typeface="Times New Roman" panose="02020603050405020304" pitchFamily="18" charset="0"/>
+                      </a:endParaRPr>
+                    </a:p>
+                  </a:txBody>
+                  <a:tcPr marL="68580" marR="68580" marT="0" marB="0"/>
+                </a:tc>
+                <a:tc>
+                  <a:txBody>
+                    <a:bodyPr/>
+                    <a:lstStyle/>
+                    <a:p>
+                      <a:pPr marL="0" marR="0">
+                        <a:spcBef>
+                          <a:spcPts val="0"/>
+                        </a:spcBef>
+                        <a:spcAft>
+                          <a:spcPts val="0"/>
+                        </a:spcAft>
+                      </a:pPr>
+                      <a:r>
+                        <a:rPr lang="en-US" sz="1400" dirty="0">
+                          <a:effectLst/>
+                        </a:rPr>
+                        <a:t> </a:t>
+                      </a:r>
+                      <a:endParaRPr lang="en-US" sz="1400" dirty="0">
+                        <a:effectLst/>
+                        <a:latin typeface="Times New Roman" panose="02020603050405020304" pitchFamily="18" charset="0"/>
+                        <a:ea typeface="Times New Roman" panose="02020603050405020304" pitchFamily="18" charset="0"/>
+                      </a:endParaRPr>
+                    </a:p>
+                  </a:txBody>
+                  <a:tcPr marL="68580" marR="68580" marT="0" marB="0"/>
+                </a:tc>
+              </a:tr>
+            </a:tbl>
+          </a:graphicData>
+        </a:graphic>
+      </p:graphicFrame>
+    </p:spTree>
+    <p:extLst>
+      <p:ext uri="{BB962C8B-B14F-4D97-AF65-F5344CB8AC3E}">
+        <p14:creationId xmlns:p14="http://schemas.microsoft.com/office/powerpoint/2010/main" val="1541242929"/>
+      </p:ext>
+    </p:extLst>
+  </p:cSld>
+  <p:clrMapOvr>
+    <a:masterClrMapping/>
+  </p:clrMapOvr>
+</p:sld>
+</file>
+
+<file path=ppt/slides/slide4.xml><?xml version="1.0" encoding="utf-8"?>
+<p:sld xmlns:a="http://schemas.openxmlformats.org/drawingml/2006/main" xmlns:r="http://schemas.openxmlformats.org/officeDocument/2006/relationships" xmlns:p="http://schemas.openxmlformats.org/presentationml/2006/main">
+  <p:cSld>
+    <p:spTree>
+      <p:nvGrpSpPr>
+        <p:cNvPr id="1" name=""/>
+        <p:cNvGrpSpPr/>
+        <p:nvPr/>
+      </p:nvGrpSpPr>
+      <p:grpSpPr>
+        <a:xfrm>
+          <a:off x="0" y="0"/>
+          <a:ext cx="0" cy="0"/>
+          <a:chOff x="0" y="0"/>
+          <a:chExt cx="0" cy="0"/>
+        </a:xfrm>
+      </p:grpSpPr>
+      <p:graphicFrame>
+        <p:nvGraphicFramePr>
+          <p:cNvPr id="4" name="Content Placeholder 3"/>
+          <p:cNvGraphicFramePr>
+            <a:graphicFrameLocks noGrp="1"/>
+          </p:cNvGraphicFramePr>
+          <p:nvPr>
+            <p:ph idx="1"/>
+            <p:extLst>
+              <p:ext uri="{D42A27DB-BD31-4B8C-83A1-F6EECF244321}">
+                <p14:modId xmlns:p14="http://schemas.microsoft.com/office/powerpoint/2010/main" val="1803542335"/>
+              </p:ext>
+            </p:extLst>
+          </p:nvPr>
+        </p:nvGraphicFramePr>
+        <p:xfrm>
+          <a:off x="872300" y="1158304"/>
+          <a:ext cx="10246803" cy="476345"/>
+        </p:xfrm>
+        <a:graphic>
+          <a:graphicData uri="http://schemas.openxmlformats.org/drawingml/2006/table">
+            <a:tbl>
+              <a:tblPr firstRow="1" firstCol="1" bandRow="1">
+                <a:tableStyleId>{93296810-A885-4BE3-A3E7-6D5BEEA58F35}</a:tableStyleId>
+              </a:tblPr>
+              <a:tblGrid>
+                <a:gridCol w="977971"/>
+                <a:gridCol w="1460875"/>
+                <a:gridCol w="2270986"/>
+                <a:gridCol w="2015545"/>
+                <a:gridCol w="1859848"/>
+                <a:gridCol w="1661578"/>
+              </a:tblGrid>
+              <a:tr h="476345">
+                <a:tc>
+                  <a:txBody>
+                    <a:bodyPr/>
+                    <a:lstStyle/>
+                    <a:p>
+                      <a:pPr marL="0" marR="0">
+                        <a:spcBef>
+                          <a:spcPts val="0"/>
+                        </a:spcBef>
+                        <a:spcAft>
+                          <a:spcPts val="0"/>
+                        </a:spcAft>
+                      </a:pPr>
+                      <a:r>
+                        <a:rPr lang="en-US" sz="1600" dirty="0">
+                          <a:effectLst/>
+                        </a:rPr>
+                        <a:t>S/No</a:t>
+                      </a:r>
+                      <a:endParaRPr lang="en-US" sz="1600" dirty="0">
+                        <a:effectLst/>
+                        <a:latin typeface="Times New Roman" panose="02020603050405020304" pitchFamily="18" charset="0"/>
+                        <a:ea typeface="Times New Roman" panose="02020603050405020304" pitchFamily="18" charset="0"/>
+                      </a:endParaRPr>
+                    </a:p>
+                  </a:txBody>
+                  <a:tcPr marL="68580" marR="68580" marT="0" marB="0"/>
+                </a:tc>
+                <a:tc>
+                  <a:txBody>
+                    <a:bodyPr/>
+                    <a:lstStyle/>
+                    <a:p>
+                      <a:pPr marL="0" marR="0">
+                        <a:spcBef>
+                          <a:spcPts val="0"/>
+                        </a:spcBef>
+                        <a:spcAft>
+                          <a:spcPts val="0"/>
+                        </a:spcAft>
+                      </a:pPr>
+                      <a:r>
+                        <a:rPr lang="en-US" sz="1600" dirty="0">
+                          <a:effectLst/>
+                        </a:rPr>
+                        <a:t>Steps</a:t>
+                      </a:r>
+                      <a:endParaRPr lang="en-US" sz="1600" dirty="0">
+                        <a:effectLst/>
+                        <a:latin typeface="Times New Roman" panose="02020603050405020304" pitchFamily="18" charset="0"/>
+                        <a:ea typeface="Times New Roman" panose="02020603050405020304" pitchFamily="18" charset="0"/>
+                      </a:endParaRPr>
+                    </a:p>
+                  </a:txBody>
+                  <a:tcPr marL="68580" marR="68580" marT="0" marB="0"/>
+                </a:tc>
+                <a:tc>
+                  <a:txBody>
+                    <a:bodyPr/>
+                    <a:lstStyle/>
+                    <a:p>
+                      <a:pPr marL="0" marR="0">
+                        <a:spcBef>
+                          <a:spcPts val="0"/>
+                        </a:spcBef>
+                        <a:spcAft>
+                          <a:spcPts val="0"/>
+                        </a:spcAft>
+                      </a:pPr>
+                      <a:r>
+                        <a:rPr lang="en-US" sz="1600">
+                          <a:effectLst/>
+                        </a:rPr>
+                        <a:t>Test Data</a:t>
+                      </a:r>
+                      <a:endParaRPr lang="en-US" sz="1600">
+                        <a:effectLst/>
+                        <a:latin typeface="Times New Roman" panose="02020603050405020304" pitchFamily="18" charset="0"/>
+                        <a:ea typeface="Times New Roman" panose="02020603050405020304" pitchFamily="18" charset="0"/>
+                      </a:endParaRPr>
+                    </a:p>
+                  </a:txBody>
+                  <a:tcPr marL="68580" marR="68580" marT="0" marB="0"/>
+                </a:tc>
+                <a:tc>
+                  <a:txBody>
+                    <a:bodyPr/>
+                    <a:lstStyle/>
+                    <a:p>
+                      <a:pPr marL="0" marR="0">
+                        <a:spcBef>
+                          <a:spcPts val="0"/>
+                        </a:spcBef>
+                        <a:spcAft>
+                          <a:spcPts val="0"/>
+                        </a:spcAft>
+                      </a:pPr>
+                      <a:r>
+                        <a:rPr lang="en-US" sz="1600" dirty="0">
+                          <a:effectLst/>
+                        </a:rPr>
+                        <a:t>Expected Results</a:t>
+                      </a:r>
+                      <a:endParaRPr lang="en-US" sz="1600" dirty="0">
+                        <a:effectLst/>
+                        <a:latin typeface="Times New Roman" panose="02020603050405020304" pitchFamily="18" charset="0"/>
+                        <a:ea typeface="Times New Roman" panose="02020603050405020304" pitchFamily="18" charset="0"/>
+                      </a:endParaRPr>
+                    </a:p>
+                  </a:txBody>
+                  <a:tcPr marL="68580" marR="68580" marT="0" marB="0"/>
+                </a:tc>
+                <a:tc>
+                  <a:txBody>
+                    <a:bodyPr/>
+                    <a:lstStyle/>
+                    <a:p>
+                      <a:pPr marL="0" marR="0">
+                        <a:spcBef>
+                          <a:spcPts val="0"/>
+                        </a:spcBef>
+                        <a:spcAft>
+                          <a:spcPts val="0"/>
+                        </a:spcAft>
+                      </a:pPr>
+                      <a:r>
+                        <a:rPr lang="en-US" sz="1600">
+                          <a:effectLst/>
+                        </a:rPr>
+                        <a:t>Actual Results</a:t>
+                      </a:r>
+                      <a:endParaRPr lang="en-US" sz="1600">
+                        <a:effectLst/>
+                        <a:latin typeface="Times New Roman" panose="02020603050405020304" pitchFamily="18" charset="0"/>
+                        <a:ea typeface="Times New Roman" panose="02020603050405020304" pitchFamily="18" charset="0"/>
+                      </a:endParaRPr>
+                    </a:p>
+                  </a:txBody>
+                  <a:tcPr marL="68580" marR="68580" marT="0" marB="0"/>
+                </a:tc>
+                <a:tc>
+                  <a:txBody>
+                    <a:bodyPr/>
+                    <a:lstStyle/>
+                    <a:p>
+                      <a:pPr marL="0" marR="0">
+                        <a:spcBef>
+                          <a:spcPts val="0"/>
+                        </a:spcBef>
+                        <a:spcAft>
+                          <a:spcPts val="0"/>
+                        </a:spcAft>
+                      </a:pPr>
+                      <a:r>
+                        <a:rPr lang="en-US" sz="1600" dirty="0">
+                          <a:effectLst/>
+                        </a:rPr>
+                        <a:t>Remarks</a:t>
+                      </a:r>
+                      <a:endParaRPr lang="en-US" sz="1600" dirty="0">
+                        <a:effectLst/>
+                        <a:latin typeface="Times New Roman" panose="02020603050405020304" pitchFamily="18" charset="0"/>
+                        <a:ea typeface="Times New Roman" panose="02020603050405020304" pitchFamily="18" charset="0"/>
+                      </a:endParaRPr>
+                    </a:p>
+                  </a:txBody>
+                  <a:tcPr marL="68580" marR="68580" marT="0" marB="0"/>
+                </a:tc>
+              </a:tr>
+            </a:tbl>
+          </a:graphicData>
+        </a:graphic>
+      </p:graphicFrame>
+      <p:graphicFrame>
+        <p:nvGraphicFramePr>
+          <p:cNvPr id="3" name="Table 2"/>
+          <p:cNvGraphicFramePr>
+            <a:graphicFrameLocks noGrp="1"/>
+          </p:cNvGraphicFramePr>
+          <p:nvPr>
+            <p:extLst>
+              <p:ext uri="{D42A27DB-BD31-4B8C-83A1-F6EECF244321}">
+                <p14:modId xmlns:p14="http://schemas.microsoft.com/office/powerpoint/2010/main" val="4212859194"/>
+              </p:ext>
+            </p:extLst>
+          </p:nvPr>
+        </p:nvGraphicFramePr>
+        <p:xfrm>
+          <a:off x="877823" y="1627632"/>
+          <a:ext cx="10259568" cy="5120640"/>
+        </p:xfrm>
+        <a:graphic>
+          <a:graphicData uri="http://schemas.openxmlformats.org/drawingml/2006/table">
+            <a:tbl>
+              <a:tblPr firstRow="1" firstCol="1" bandRow="1">
+                <a:tableStyleId>{93296810-A885-4BE3-A3E7-6D5BEEA58F35}</a:tableStyleId>
+              </a:tblPr>
+              <a:tblGrid>
+                <a:gridCol w="979190"/>
+                <a:gridCol w="1462694"/>
+                <a:gridCol w="2273815"/>
+                <a:gridCol w="2018055"/>
+                <a:gridCol w="1862167"/>
+                <a:gridCol w="1663647"/>
+              </a:tblGrid>
+              <a:tr h="1282038">
+                <a:tc>
+                  <a:txBody>
+                    <a:bodyPr/>
+                    <a:lstStyle/>
+                    <a:p>
+                      <a:pPr marL="0" marR="0">
+                        <a:spcBef>
+                          <a:spcPts val="0"/>
+                        </a:spcBef>
+                        <a:spcAft>
+                          <a:spcPts val="0"/>
+                        </a:spcAft>
+                      </a:pPr>
+                      <a:r>
+                        <a:rPr lang="en-US" sz="1400" dirty="0">
+                          <a:effectLst/>
+                        </a:rPr>
+                        <a:t>7</a:t>
+                      </a:r>
+                      <a:endParaRPr lang="en-US" sz="1400" dirty="0">
+                        <a:effectLst/>
+                        <a:latin typeface="Times New Roman" panose="02020603050405020304" pitchFamily="18" charset="0"/>
+                        <a:ea typeface="Times New Roman" panose="02020603050405020304" pitchFamily="18" charset="0"/>
+                      </a:endParaRPr>
+                    </a:p>
+                  </a:txBody>
+                  <a:tcPr marL="43706" marR="43706" marT="0" marB="0"/>
+                </a:tc>
+                <a:tc>
+                  <a:txBody>
+                    <a:bodyPr/>
+                    <a:lstStyle/>
+                    <a:p>
+                      <a:pPr marL="0" marR="0">
+                        <a:spcBef>
+                          <a:spcPts val="0"/>
+                        </a:spcBef>
+                        <a:spcAft>
+                          <a:spcPts val="0"/>
+                        </a:spcAft>
+                      </a:pPr>
+                      <a:r>
+                        <a:rPr lang="en-US" sz="1400" dirty="0">
+                          <a:solidFill>
+                            <a:schemeClr val="bg1"/>
+                          </a:solidFill>
+                          <a:effectLst/>
+                        </a:rPr>
+                        <a:t>Update Guest Details</a:t>
+                      </a:r>
+                      <a:endParaRPr lang="en-US" sz="1400" dirty="0">
+                        <a:solidFill>
+                          <a:schemeClr val="bg1"/>
+                        </a:solidFill>
+                        <a:effectLst/>
+                        <a:latin typeface="Times New Roman" panose="02020603050405020304" pitchFamily="18" charset="0"/>
+                        <a:ea typeface="Times New Roman" panose="02020603050405020304" pitchFamily="18" charset="0"/>
+                      </a:endParaRPr>
+                    </a:p>
+                  </a:txBody>
+                  <a:tcPr marL="43706" marR="43706" marT="0" marB="0">
+                    <a:solidFill>
+                      <a:schemeClr val="accent2">
+                        <a:lumMod val="20000"/>
+                        <a:lumOff val="80000"/>
+                      </a:schemeClr>
+                    </a:solidFill>
+                  </a:tcPr>
+                </a:tc>
+                <a:tc>
+                  <a:txBody>
+                    <a:bodyPr/>
+                    <a:lstStyle/>
+                    <a:p>
+                      <a:pPr marL="0" marR="0">
+                        <a:spcBef>
+                          <a:spcPts val="0"/>
+                        </a:spcBef>
+                        <a:spcAft>
+                          <a:spcPts val="0"/>
+                        </a:spcAft>
+                      </a:pPr>
+                      <a:r>
+                        <a:rPr lang="en-US" sz="1400" dirty="0">
+                          <a:solidFill>
+                            <a:schemeClr val="bg1"/>
+                          </a:solidFill>
+                          <a:effectLst/>
+                        </a:rPr>
+                        <a:t>User clicks on button and redirected to groupbox with details in textbox and click update.</a:t>
+                      </a:r>
+                    </a:p>
+                    <a:p>
+                      <a:pPr marL="0" marR="0">
+                        <a:spcBef>
+                          <a:spcPts val="0"/>
+                        </a:spcBef>
+                        <a:spcAft>
+                          <a:spcPts val="0"/>
+                        </a:spcAft>
+                      </a:pPr>
+                      <a:r>
+                        <a:rPr lang="en-US" sz="1400" dirty="0">
+                          <a:solidFill>
+                            <a:schemeClr val="bg1"/>
+                          </a:solidFill>
+                          <a:effectLst/>
+                        </a:rPr>
+                        <a:t> </a:t>
+                      </a:r>
+                      <a:endParaRPr lang="en-US" sz="1400" dirty="0">
+                        <a:solidFill>
+                          <a:schemeClr val="bg1"/>
+                        </a:solidFill>
+                        <a:effectLst/>
+                        <a:latin typeface="Times New Roman" panose="02020603050405020304" pitchFamily="18" charset="0"/>
+                        <a:ea typeface="Times New Roman" panose="02020603050405020304" pitchFamily="18" charset="0"/>
+                      </a:endParaRPr>
+                    </a:p>
+                  </a:txBody>
+                  <a:tcPr marL="43706" marR="43706" marT="0" marB="0">
+                    <a:solidFill>
+                      <a:schemeClr val="accent2">
+                        <a:lumMod val="20000"/>
+                        <a:lumOff val="80000"/>
+                      </a:schemeClr>
+                    </a:solidFill>
+                  </a:tcPr>
+                </a:tc>
+                <a:tc>
+                  <a:txBody>
+                    <a:bodyPr/>
+                    <a:lstStyle/>
+                    <a:p>
+                      <a:pPr marL="0" marR="0">
+                        <a:spcBef>
+                          <a:spcPts val="0"/>
+                        </a:spcBef>
+                        <a:spcAft>
+                          <a:spcPts val="0"/>
+                        </a:spcAft>
+                      </a:pPr>
+                      <a:r>
+                        <a:rPr lang="en-US" sz="1400" dirty="0">
+                          <a:solidFill>
+                            <a:schemeClr val="bg1"/>
+                          </a:solidFill>
+                          <a:effectLst/>
+                        </a:rPr>
+                        <a:t>The information can be changed and the database will update and redirect back to the datagrid with changed information.</a:t>
+                      </a:r>
+                      <a:endParaRPr lang="en-US" sz="1400" dirty="0">
+                        <a:solidFill>
+                          <a:schemeClr val="bg1"/>
+                        </a:solidFill>
+                        <a:effectLst/>
+                        <a:latin typeface="Times New Roman" panose="02020603050405020304" pitchFamily="18" charset="0"/>
+                        <a:ea typeface="Times New Roman" panose="02020603050405020304" pitchFamily="18" charset="0"/>
+                      </a:endParaRPr>
+                    </a:p>
+                  </a:txBody>
+                  <a:tcPr marL="43706" marR="43706" marT="0" marB="0">
+                    <a:solidFill>
+                      <a:schemeClr val="accent2">
+                        <a:lumMod val="20000"/>
+                        <a:lumOff val="80000"/>
+                      </a:schemeClr>
+                    </a:solidFill>
+                  </a:tcPr>
+                </a:tc>
+                <a:tc>
+                  <a:txBody>
+                    <a:bodyPr/>
+                    <a:lstStyle/>
+                    <a:p>
+                      <a:pPr marL="0" marR="0">
+                        <a:spcBef>
+                          <a:spcPts val="0"/>
+                        </a:spcBef>
+                        <a:spcAft>
+                          <a:spcPts val="0"/>
+                        </a:spcAft>
+                      </a:pPr>
+                      <a:r>
+                        <a:rPr lang="en-US" sz="1400" dirty="0">
+                          <a:solidFill>
+                            <a:schemeClr val="bg1"/>
+                          </a:solidFill>
+                          <a:effectLst/>
+                        </a:rPr>
+                        <a:t>The information is changed and the database updates and redirects back to the datagrid with changed information.</a:t>
+                      </a:r>
+                      <a:endParaRPr lang="en-US" sz="1400" dirty="0">
+                        <a:solidFill>
+                          <a:schemeClr val="bg1"/>
+                        </a:solidFill>
+                        <a:effectLst/>
+                        <a:latin typeface="Times New Roman" panose="02020603050405020304" pitchFamily="18" charset="0"/>
+                        <a:ea typeface="Times New Roman" panose="02020603050405020304" pitchFamily="18" charset="0"/>
+                      </a:endParaRPr>
+                    </a:p>
+                  </a:txBody>
+                  <a:tcPr marL="43706" marR="43706" marT="0" marB="0">
+                    <a:solidFill>
+                      <a:schemeClr val="accent2">
+                        <a:lumMod val="20000"/>
+                        <a:lumOff val="80000"/>
+                      </a:schemeClr>
+                    </a:solidFill>
+                  </a:tcPr>
+                </a:tc>
+                <a:tc>
+                  <a:txBody>
+                    <a:bodyPr/>
+                    <a:lstStyle/>
+                    <a:p>
+                      <a:pPr marL="0" marR="0">
+                        <a:spcBef>
+                          <a:spcPts val="0"/>
+                        </a:spcBef>
+                        <a:spcAft>
+                          <a:spcPts val="0"/>
+                        </a:spcAft>
+                      </a:pPr>
+                      <a:r>
+                        <a:rPr lang="en-US" sz="1400" dirty="0">
+                          <a:solidFill>
+                            <a:schemeClr val="bg1"/>
+                          </a:solidFill>
+                          <a:effectLst/>
+                        </a:rPr>
+                        <a:t>Delete can also be done here</a:t>
+                      </a:r>
+                      <a:endParaRPr lang="en-US" sz="1400" dirty="0">
+                        <a:solidFill>
+                          <a:schemeClr val="bg1"/>
+                        </a:solidFill>
+                        <a:effectLst/>
+                        <a:latin typeface="Times New Roman" panose="02020603050405020304" pitchFamily="18" charset="0"/>
+                        <a:ea typeface="Times New Roman" panose="02020603050405020304" pitchFamily="18" charset="0"/>
+                      </a:endParaRPr>
+                    </a:p>
+                  </a:txBody>
+                  <a:tcPr marL="43706" marR="43706" marT="0" marB="0">
+                    <a:solidFill>
+                      <a:schemeClr val="accent2">
+                        <a:lumMod val="20000"/>
+                        <a:lumOff val="80000"/>
+                      </a:schemeClr>
+                    </a:solidFill>
+                  </a:tcPr>
+                </a:tc>
+              </a:tr>
+              <a:tr h="1398587">
+                <a:tc>
+                  <a:txBody>
+                    <a:bodyPr/>
+                    <a:lstStyle/>
+                    <a:p>
+                      <a:pPr marL="0" marR="0">
+                        <a:spcBef>
+                          <a:spcPts val="0"/>
+                        </a:spcBef>
+                        <a:spcAft>
+                          <a:spcPts val="0"/>
+                        </a:spcAft>
+                      </a:pPr>
+                      <a:r>
+                        <a:rPr lang="en-US" sz="1400">
+                          <a:effectLst/>
+                        </a:rPr>
+                        <a:t>8</a:t>
+                      </a:r>
+                      <a:endParaRPr lang="en-US" sz="1400">
+                        <a:effectLst/>
+                        <a:latin typeface="Times New Roman" panose="02020603050405020304" pitchFamily="18" charset="0"/>
+                        <a:ea typeface="Times New Roman" panose="02020603050405020304" pitchFamily="18" charset="0"/>
+                      </a:endParaRPr>
+                    </a:p>
+                  </a:txBody>
+                  <a:tcPr marL="43706" marR="43706" marT="0" marB="0"/>
+                </a:tc>
+                <a:tc>
+                  <a:txBody>
+                    <a:bodyPr/>
+                    <a:lstStyle/>
+                    <a:p>
+                      <a:pPr marL="0" marR="0">
+                        <a:spcBef>
+                          <a:spcPts val="0"/>
+                        </a:spcBef>
+                        <a:spcAft>
+                          <a:spcPts val="0"/>
+                        </a:spcAft>
+                      </a:pPr>
+                      <a:r>
+                        <a:rPr lang="en-US" sz="1400">
+                          <a:effectLst/>
+                        </a:rPr>
+                        <a:t>Delete Guest</a:t>
+                      </a:r>
+                      <a:endParaRPr lang="en-US" sz="1400">
+                        <a:effectLst/>
+                        <a:latin typeface="Times New Roman" panose="02020603050405020304" pitchFamily="18" charset="0"/>
+                        <a:ea typeface="Times New Roman" panose="02020603050405020304" pitchFamily="18" charset="0"/>
+                      </a:endParaRPr>
+                    </a:p>
+                  </a:txBody>
+                  <a:tcPr marL="43706" marR="43706" marT="0" marB="0"/>
+                </a:tc>
+                <a:tc>
+                  <a:txBody>
+                    <a:bodyPr/>
+                    <a:lstStyle/>
+                    <a:p>
+                      <a:pPr marL="0" marR="0">
+                        <a:spcBef>
+                          <a:spcPts val="0"/>
+                        </a:spcBef>
+                        <a:spcAft>
+                          <a:spcPts val="0"/>
+                        </a:spcAft>
+                      </a:pPr>
+                      <a:r>
+                        <a:rPr lang="en-US" sz="1400" dirty="0">
+                          <a:effectLst/>
+                        </a:rPr>
+                        <a:t>User clicks on delete</a:t>
+                      </a:r>
+                      <a:endParaRPr lang="en-US" sz="1400" dirty="0">
+                        <a:effectLst/>
+                        <a:latin typeface="Times New Roman" panose="02020603050405020304" pitchFamily="18" charset="0"/>
+                        <a:ea typeface="Times New Roman" panose="02020603050405020304" pitchFamily="18" charset="0"/>
+                      </a:endParaRPr>
+                    </a:p>
+                  </a:txBody>
+                  <a:tcPr marL="43706" marR="43706" marT="0" marB="0"/>
+                </a:tc>
+                <a:tc>
+                  <a:txBody>
+                    <a:bodyPr/>
+                    <a:lstStyle/>
+                    <a:p>
+                      <a:pPr marL="0" marR="0">
+                        <a:spcBef>
+                          <a:spcPts val="0"/>
+                        </a:spcBef>
+                        <a:spcAft>
+                          <a:spcPts val="0"/>
+                        </a:spcAft>
+                      </a:pPr>
+                      <a:r>
+                        <a:rPr lang="en-US" sz="1400" dirty="0">
+                          <a:effectLst/>
+                        </a:rPr>
+                        <a:t>The information will be displayed in a message box and asks for confirmation of deletion.</a:t>
+                      </a:r>
+                      <a:endParaRPr lang="en-US" sz="1400" dirty="0">
+                        <a:effectLst/>
+                        <a:latin typeface="Times New Roman" panose="02020603050405020304" pitchFamily="18" charset="0"/>
+                        <a:ea typeface="Times New Roman" panose="02020603050405020304" pitchFamily="18" charset="0"/>
+                      </a:endParaRPr>
+                    </a:p>
+                  </a:txBody>
+                  <a:tcPr marL="43706" marR="43706" marT="0" marB="0"/>
+                </a:tc>
+                <a:tc>
+                  <a:txBody>
+                    <a:bodyPr/>
+                    <a:lstStyle/>
+                    <a:p>
+                      <a:pPr marL="0" marR="0">
+                        <a:spcBef>
+                          <a:spcPts val="0"/>
+                        </a:spcBef>
+                        <a:spcAft>
+                          <a:spcPts val="0"/>
+                        </a:spcAft>
+                      </a:pPr>
+                      <a:r>
+                        <a:rPr lang="en-US" sz="1400" dirty="0">
+                          <a:effectLst/>
+                        </a:rPr>
+                        <a:t>The information displayed in a message box and asked for confirmation of deletion and redirected to the updated datagrid.</a:t>
+                      </a:r>
+                      <a:endParaRPr lang="en-US" sz="1400" dirty="0">
+                        <a:effectLst/>
+                        <a:latin typeface="Times New Roman" panose="02020603050405020304" pitchFamily="18" charset="0"/>
+                        <a:ea typeface="Times New Roman" panose="02020603050405020304" pitchFamily="18" charset="0"/>
+                      </a:endParaRPr>
+                    </a:p>
+                  </a:txBody>
+                  <a:tcPr marL="43706" marR="43706" marT="0" marB="0"/>
+                </a:tc>
+                <a:tc>
+                  <a:txBody>
+                    <a:bodyPr/>
+                    <a:lstStyle/>
+                    <a:p>
+                      <a:pPr marL="0" marR="0">
+                        <a:spcBef>
+                          <a:spcPts val="0"/>
+                        </a:spcBef>
+                        <a:spcAft>
+                          <a:spcPts val="0"/>
+                        </a:spcAft>
+                      </a:pPr>
+                      <a:r>
+                        <a:rPr lang="en-US" sz="1400">
+                          <a:effectLst/>
+                        </a:rPr>
+                        <a:t>The cancelling can be canceled.</a:t>
+                      </a:r>
+                      <a:endParaRPr lang="en-US" sz="1400">
+                        <a:effectLst/>
+                        <a:latin typeface="Times New Roman" panose="02020603050405020304" pitchFamily="18" charset="0"/>
+                        <a:ea typeface="Times New Roman" panose="02020603050405020304" pitchFamily="18" charset="0"/>
+                      </a:endParaRPr>
+                    </a:p>
+                  </a:txBody>
+                  <a:tcPr marL="43706" marR="43706" marT="0" marB="0"/>
+                </a:tc>
+              </a:tr>
+              <a:tr h="116549">
+                <a:tc gridSpan="6">
+                  <a:txBody>
+                    <a:bodyPr/>
+                    <a:lstStyle/>
+                    <a:p>
+                      <a:pPr marL="0" marR="0" algn="ctr">
+                        <a:spcBef>
+                          <a:spcPts val="0"/>
+                        </a:spcBef>
+                        <a:spcAft>
+                          <a:spcPts val="0"/>
+                        </a:spcAft>
+                      </a:pPr>
+                      <a:r>
+                        <a:rPr lang="en-US" sz="1400">
+                          <a:effectLst/>
+                        </a:rPr>
+                        <a:t>Exception Flows</a:t>
+                      </a:r>
+                      <a:endParaRPr lang="en-US" sz="1400">
+                        <a:effectLst/>
+                        <a:latin typeface="Times New Roman" panose="02020603050405020304" pitchFamily="18" charset="0"/>
+                        <a:ea typeface="Times New Roman" panose="02020603050405020304" pitchFamily="18" charset="0"/>
+                      </a:endParaRPr>
+                    </a:p>
+                  </a:txBody>
+                  <a:tcPr marL="43706" marR="43706" marT="0" marB="0"/>
+                </a:tc>
+                <a:tc hMerge="1">
+                  <a:txBody>
+                    <a:bodyPr/>
+                    <a:lstStyle/>
+                    <a:p>
+                      <a:endParaRPr lang="en-US"/>
+                    </a:p>
+                  </a:txBody>
+                  <a:tcPr/>
+                </a:tc>
+                <a:tc hMerge="1">
+                  <a:txBody>
+                    <a:bodyPr/>
+                    <a:lstStyle/>
+                    <a:p>
+                      <a:endParaRPr lang="en-US"/>
+                    </a:p>
+                  </a:txBody>
+                  <a:tcPr/>
+                </a:tc>
+                <a:tc hMerge="1">
+                  <a:txBody>
+                    <a:bodyPr/>
+                    <a:lstStyle/>
+                    <a:p>
+                      <a:endParaRPr lang="en-US"/>
+                    </a:p>
+                  </a:txBody>
+                  <a:tcPr/>
+                </a:tc>
+                <a:tc hMerge="1">
+                  <a:txBody>
+                    <a:bodyPr/>
+                    <a:lstStyle/>
+                    <a:p>
+                      <a:endParaRPr lang="en-US"/>
+                    </a:p>
+                  </a:txBody>
+                  <a:tcPr/>
+                </a:tc>
+                <a:tc hMerge="1">
+                  <a:txBody>
+                    <a:bodyPr/>
+                    <a:lstStyle/>
+                    <a:p>
+                      <a:endParaRPr lang="en-US"/>
+                    </a:p>
+                  </a:txBody>
+                  <a:tcPr/>
+                </a:tc>
+              </a:tr>
+              <a:tr h="699294">
+                <a:tc>
+                  <a:txBody>
+                    <a:bodyPr/>
+                    <a:lstStyle/>
+                    <a:p>
+                      <a:pPr marL="0" marR="0">
+                        <a:spcBef>
+                          <a:spcPts val="0"/>
+                        </a:spcBef>
+                        <a:spcAft>
+                          <a:spcPts val="0"/>
+                        </a:spcAft>
+                      </a:pPr>
+                      <a:r>
+                        <a:rPr lang="en-US" sz="1400">
+                          <a:effectLst/>
+                        </a:rPr>
+                        <a:t>9</a:t>
+                      </a:r>
+                      <a:endParaRPr lang="en-US" sz="1400">
+                        <a:effectLst/>
+                        <a:latin typeface="Times New Roman" panose="02020603050405020304" pitchFamily="18" charset="0"/>
+                        <a:ea typeface="Times New Roman" panose="02020603050405020304" pitchFamily="18" charset="0"/>
+                      </a:endParaRPr>
+                    </a:p>
+                  </a:txBody>
+                  <a:tcPr marL="43706" marR="43706" marT="0" marB="0"/>
+                </a:tc>
+                <a:tc>
+                  <a:txBody>
+                    <a:bodyPr/>
+                    <a:lstStyle/>
+                    <a:p>
+                      <a:pPr marL="0" marR="0">
+                        <a:spcBef>
+                          <a:spcPts val="0"/>
+                        </a:spcBef>
+                        <a:spcAft>
+                          <a:spcPts val="0"/>
+                        </a:spcAft>
+                      </a:pPr>
+                      <a:r>
+                        <a:rPr lang="en-US" sz="1400">
+                          <a:effectLst/>
+                        </a:rPr>
+                        <a:t>Step1’s alternate flow, user click on retrieve</a:t>
+                      </a:r>
+                      <a:endParaRPr lang="en-US" sz="1400">
+                        <a:effectLst/>
+                        <a:latin typeface="Times New Roman" panose="02020603050405020304" pitchFamily="18" charset="0"/>
+                        <a:ea typeface="Times New Roman" panose="02020603050405020304" pitchFamily="18" charset="0"/>
+                      </a:endParaRPr>
+                    </a:p>
+                  </a:txBody>
+                  <a:tcPr marL="43706" marR="43706" marT="0" marB="0"/>
+                </a:tc>
+                <a:tc>
+                  <a:txBody>
+                    <a:bodyPr/>
+                    <a:lstStyle/>
+                    <a:p>
+                      <a:pPr marL="0" marR="0">
+                        <a:spcBef>
+                          <a:spcPts val="0"/>
+                        </a:spcBef>
+                        <a:spcAft>
+                          <a:spcPts val="0"/>
+                        </a:spcAft>
+                      </a:pPr>
+                      <a:r>
+                        <a:rPr lang="en-US" sz="1400">
+                          <a:effectLst/>
+                        </a:rPr>
+                        <a:t>when user clicks retrieve without entering any information</a:t>
+                      </a:r>
+                      <a:endParaRPr lang="en-US" sz="1400">
+                        <a:effectLst/>
+                        <a:latin typeface="Times New Roman" panose="02020603050405020304" pitchFamily="18" charset="0"/>
+                        <a:ea typeface="Times New Roman" panose="02020603050405020304" pitchFamily="18" charset="0"/>
+                      </a:endParaRPr>
+                    </a:p>
+                  </a:txBody>
+                  <a:tcPr marL="43706" marR="43706" marT="0" marB="0"/>
+                </a:tc>
+                <a:tc>
+                  <a:txBody>
+                    <a:bodyPr/>
+                    <a:lstStyle/>
+                    <a:p>
+                      <a:pPr marL="0" marR="0">
+                        <a:spcBef>
+                          <a:spcPts val="0"/>
+                        </a:spcBef>
+                        <a:spcAft>
+                          <a:spcPts val="0"/>
+                        </a:spcAft>
+                      </a:pPr>
+                      <a:r>
+                        <a:rPr lang="en-US" sz="1400">
+                          <a:effectLst/>
+                        </a:rPr>
+                        <a:t>A message box will pop up prompting the user to enter information</a:t>
+                      </a:r>
+                      <a:endParaRPr lang="en-US" sz="1400">
+                        <a:effectLst/>
+                        <a:latin typeface="Times New Roman" panose="02020603050405020304" pitchFamily="18" charset="0"/>
+                        <a:ea typeface="Times New Roman" panose="02020603050405020304" pitchFamily="18" charset="0"/>
+                      </a:endParaRPr>
+                    </a:p>
+                  </a:txBody>
+                  <a:tcPr marL="43706" marR="43706" marT="0" marB="0"/>
+                </a:tc>
+                <a:tc>
+                  <a:txBody>
+                    <a:bodyPr/>
+                    <a:lstStyle/>
+                    <a:p>
+                      <a:pPr marL="0" marR="0">
+                        <a:spcBef>
+                          <a:spcPts val="0"/>
+                        </a:spcBef>
+                        <a:spcAft>
+                          <a:spcPts val="0"/>
+                        </a:spcAft>
+                      </a:pPr>
+                      <a:r>
+                        <a:rPr lang="en-US" sz="1400" dirty="0">
+                          <a:effectLst/>
+                        </a:rPr>
+                        <a:t>A message box pops up prompting the user to enter information</a:t>
+                      </a:r>
+                      <a:endParaRPr lang="en-US" sz="1400" dirty="0">
+                        <a:effectLst/>
+                        <a:latin typeface="Times New Roman" panose="02020603050405020304" pitchFamily="18" charset="0"/>
+                        <a:ea typeface="Times New Roman" panose="02020603050405020304" pitchFamily="18" charset="0"/>
+                      </a:endParaRPr>
+                    </a:p>
+                  </a:txBody>
+                  <a:tcPr marL="43706" marR="43706" marT="0" marB="0"/>
+                </a:tc>
+                <a:tc>
+                  <a:txBody>
+                    <a:bodyPr/>
+                    <a:lstStyle/>
+                    <a:p>
+                      <a:pPr marL="0" marR="0">
+                        <a:spcBef>
+                          <a:spcPts val="0"/>
+                        </a:spcBef>
+                        <a:spcAft>
+                          <a:spcPts val="0"/>
+                        </a:spcAft>
+                      </a:pPr>
+                      <a:r>
+                        <a:rPr lang="en-US" sz="1400" dirty="0">
+                          <a:effectLst/>
+                        </a:rPr>
+                        <a:t> </a:t>
+                      </a:r>
+                      <a:endParaRPr lang="en-US" sz="1400" dirty="0">
+                        <a:effectLst/>
+                        <a:latin typeface="Times New Roman" panose="02020603050405020304" pitchFamily="18" charset="0"/>
+                        <a:ea typeface="Times New Roman" panose="02020603050405020304" pitchFamily="18" charset="0"/>
+                      </a:endParaRPr>
+                    </a:p>
+                  </a:txBody>
+                  <a:tcPr marL="43706" marR="43706" marT="0" marB="0"/>
+                </a:tc>
+              </a:tr>
+              <a:tr h="699294">
+                <a:tc>
+                  <a:txBody>
+                    <a:bodyPr/>
+                    <a:lstStyle/>
+                    <a:p>
+                      <a:pPr marL="0" marR="0">
+                        <a:spcBef>
+                          <a:spcPts val="0"/>
+                        </a:spcBef>
+                        <a:spcAft>
+                          <a:spcPts val="0"/>
+                        </a:spcAft>
+                      </a:pPr>
+                      <a:r>
+                        <a:rPr lang="en-US" sz="1400">
+                          <a:effectLst/>
+                        </a:rPr>
+                        <a:t>10</a:t>
+                      </a:r>
+                      <a:endParaRPr lang="en-US" sz="1400">
+                        <a:effectLst/>
+                        <a:latin typeface="Times New Roman" panose="02020603050405020304" pitchFamily="18" charset="0"/>
+                        <a:ea typeface="Times New Roman" panose="02020603050405020304" pitchFamily="18" charset="0"/>
+                      </a:endParaRPr>
+                    </a:p>
+                  </a:txBody>
+                  <a:tcPr marL="43706" marR="43706" marT="0" marB="0"/>
+                </a:tc>
+                <a:tc>
+                  <a:txBody>
+                    <a:bodyPr/>
+                    <a:lstStyle/>
+                    <a:p>
+                      <a:pPr marL="0" marR="0">
+                        <a:spcBef>
+                          <a:spcPts val="0"/>
+                        </a:spcBef>
+                        <a:spcAft>
+                          <a:spcPts val="0"/>
+                        </a:spcAft>
+                      </a:pPr>
+                      <a:r>
+                        <a:rPr lang="en-US" sz="1400">
+                          <a:effectLst/>
+                        </a:rPr>
+                        <a:t>Step 4’s alternate flow,</a:t>
+                      </a:r>
+                    </a:p>
+                    <a:p>
+                      <a:pPr marL="0" marR="0">
+                        <a:spcBef>
+                          <a:spcPts val="0"/>
+                        </a:spcBef>
+                        <a:spcAft>
+                          <a:spcPts val="0"/>
+                        </a:spcAft>
+                      </a:pPr>
+                      <a:r>
+                        <a:rPr lang="en-US" sz="1400">
+                          <a:effectLst/>
+                        </a:rPr>
+                        <a:t>User clicks on search</a:t>
+                      </a:r>
+                      <a:endParaRPr lang="en-US" sz="1400">
+                        <a:effectLst/>
+                        <a:latin typeface="Times New Roman" panose="02020603050405020304" pitchFamily="18" charset="0"/>
+                        <a:ea typeface="Times New Roman" panose="02020603050405020304" pitchFamily="18" charset="0"/>
+                      </a:endParaRPr>
+                    </a:p>
+                  </a:txBody>
+                  <a:tcPr marL="43706" marR="43706" marT="0" marB="0"/>
+                </a:tc>
+                <a:tc>
+                  <a:txBody>
+                    <a:bodyPr/>
+                    <a:lstStyle/>
+                    <a:p>
+                      <a:pPr marL="0" marR="0">
+                        <a:spcBef>
+                          <a:spcPts val="0"/>
+                        </a:spcBef>
+                        <a:spcAft>
+                          <a:spcPts val="0"/>
+                        </a:spcAft>
+                      </a:pPr>
+                      <a:r>
+                        <a:rPr lang="en-US" sz="1400" dirty="0">
+                          <a:effectLst/>
+                        </a:rPr>
+                        <a:t>User clicks on search without entering any information</a:t>
+                      </a:r>
+                      <a:endParaRPr lang="en-US" sz="1400" dirty="0">
+                        <a:effectLst/>
+                        <a:latin typeface="Times New Roman" panose="02020603050405020304" pitchFamily="18" charset="0"/>
+                        <a:ea typeface="Times New Roman" panose="02020603050405020304" pitchFamily="18" charset="0"/>
+                      </a:endParaRPr>
+                    </a:p>
+                  </a:txBody>
+                  <a:tcPr marL="43706" marR="43706" marT="0" marB="0"/>
+                </a:tc>
+                <a:tc>
+                  <a:txBody>
+                    <a:bodyPr/>
+                    <a:lstStyle/>
+                    <a:p>
+                      <a:pPr marL="0" marR="0">
+                        <a:spcBef>
+                          <a:spcPts val="0"/>
+                        </a:spcBef>
+                        <a:spcAft>
+                          <a:spcPts val="0"/>
+                        </a:spcAft>
+                      </a:pPr>
+                      <a:r>
+                        <a:rPr lang="en-US" sz="1400">
+                          <a:effectLst/>
+                        </a:rPr>
+                        <a:t>A message box will pop up prompting the user to enter information</a:t>
+                      </a:r>
+                      <a:endParaRPr lang="en-US" sz="1400">
+                        <a:effectLst/>
+                        <a:latin typeface="Times New Roman" panose="02020603050405020304" pitchFamily="18" charset="0"/>
+                        <a:ea typeface="Times New Roman" panose="02020603050405020304" pitchFamily="18" charset="0"/>
+                      </a:endParaRPr>
+                    </a:p>
+                  </a:txBody>
+                  <a:tcPr marL="43706" marR="43706" marT="0" marB="0"/>
+                </a:tc>
+                <a:tc>
+                  <a:txBody>
+                    <a:bodyPr/>
+                    <a:lstStyle/>
+                    <a:p>
+                      <a:pPr marL="0" marR="0">
+                        <a:spcBef>
+                          <a:spcPts val="0"/>
+                        </a:spcBef>
+                        <a:spcAft>
+                          <a:spcPts val="0"/>
+                        </a:spcAft>
+                      </a:pPr>
+                      <a:r>
+                        <a:rPr lang="en-US" sz="1400">
+                          <a:effectLst/>
+                        </a:rPr>
+                        <a:t>A message box pops up prompting the user to enter information</a:t>
+                      </a:r>
+                      <a:endParaRPr lang="en-US" sz="1400">
+                        <a:effectLst/>
+                        <a:latin typeface="Times New Roman" panose="02020603050405020304" pitchFamily="18" charset="0"/>
+                        <a:ea typeface="Times New Roman" panose="02020603050405020304" pitchFamily="18" charset="0"/>
+                      </a:endParaRPr>
+                    </a:p>
+                  </a:txBody>
+                  <a:tcPr marL="43706" marR="43706" marT="0" marB="0"/>
+                </a:tc>
+                <a:tc>
+                  <a:txBody>
+                    <a:bodyPr/>
+                    <a:lstStyle/>
+                    <a:p>
+                      <a:pPr marL="0" marR="0">
+                        <a:spcBef>
+                          <a:spcPts val="0"/>
+                        </a:spcBef>
+                        <a:spcAft>
+                          <a:spcPts val="0"/>
+                        </a:spcAft>
+                      </a:pPr>
+                      <a:r>
+                        <a:rPr lang="en-US" sz="1400" dirty="0">
+                          <a:effectLst/>
+                        </a:rPr>
+                        <a:t> </a:t>
+                      </a:r>
+                      <a:endParaRPr lang="en-US" sz="1400" dirty="0">
+                        <a:effectLst/>
+                        <a:latin typeface="Times New Roman" panose="02020603050405020304" pitchFamily="18" charset="0"/>
+                        <a:ea typeface="Times New Roman" panose="02020603050405020304" pitchFamily="18" charset="0"/>
+                      </a:endParaRPr>
+                    </a:p>
+                  </a:txBody>
+                  <a:tcPr marL="43706" marR="43706" marT="0" marB="0"/>
+                </a:tc>
+              </a:tr>
+            </a:tbl>
+          </a:graphicData>
+        </a:graphic>
+      </p:graphicFrame>
+    </p:spTree>
+    <p:extLst>
+      <p:ext uri="{BB962C8B-B14F-4D97-AF65-F5344CB8AC3E}">
+        <p14:creationId xmlns:p14="http://schemas.microsoft.com/office/powerpoint/2010/main" val="2107612479"/>
+      </p:ext>
+    </p:extLst>
+  </p:cSld>
+  <p:clrMapOvr>
+    <a:masterClrMapping/>
+  </p:clrMapOvr>
+</p:sld>
+</file>
+
 <file path=ppt/theme/theme1.xml><?xml version="1.0" encoding="utf-8"?>
+<a:theme xmlns:a="http://schemas.openxmlformats.org/drawingml/2006/main" name="Ion">
+  <a:themeElements>
+    <a:clrScheme name="Grayscale">
+      <a:dk1>
+        <a:sysClr val="windowText" lastClr="000000"/>
+      </a:dk1>
+      <a:lt1>
+        <a:sysClr val="window" lastClr="FFFFFF"/>
+      </a:lt1>
+      <a:dk2>
+        <a:srgbClr val="000000"/>
+      </a:dk2>
+      <a:lt2>
+        <a:srgbClr val="F8F8F8"/>
+      </a:lt2>
+      <a:accent1>
+        <a:srgbClr val="DDDDDD"/>
+      </a:accent1>
+      <a:accent2>
+        <a:srgbClr val="B2B2B2"/>
+      </a:accent2>
+      <a:accent3>
+        <a:srgbClr val="969696"/>
+      </a:accent3>
+      <a:accent4>
+        <a:srgbClr val="808080"/>
+      </a:accent4>
+      <a:accent5>
+        <a:srgbClr val="5F5F5F"/>
+      </a:accent5>
+      <a:accent6>
+        <a:srgbClr val="4D4D4D"/>
+      </a:accent6>
+      <a:hlink>
+        <a:srgbClr val="5F5F5F"/>
+      </a:hlink>
+      <a:folHlink>
+        <a:srgbClr val="919191"/>
+      </a:folHlink>
+    </a:clrScheme>
+    <a:fontScheme name="Ion">
+      <a:majorFont>
+        <a:latin typeface="Century Gothic" panose="020B0502020202020204"/>
+        <a:ea typeface=""/>
+        <a:cs typeface=""/>
+        <a:font script="Jpan" typeface="メイリオ"/>
+        <a:font script="Hang" typeface="맑은 고딕"/>
+        <a:font script="Hans" typeface="宋体"/>
+        <a:font script="Hant" typeface="新細明體"/>
+        <a:font script="Arab" typeface="Times New Roman"/>
+        <a:font script="Hebr" typeface="Times New Roman"/>
+        <a:font script="Thai" typeface="Angsana New"/>
+        <a:font script="Ethi" typeface="Nyala"/>
+        <a:font script="Beng" typeface="Vrinda"/>
+        <a:font script="Gujr" typeface="Shruti"/>
+        <a:font script="Khmr" typeface="MoolBoran"/>
+        <a:font script="Knda" typeface="Tunga"/>
+        <a:font script="Guru" typeface="Raavi"/>
+        <a:font script="Cans" typeface="Euphemia"/>
+        <a:font script="Cher" typeface="Plantagenet Cherokee"/>
+        <a:font script="Yiii" typeface="Microsoft Yi Baiti"/>
+        <a:font script="Tibt" typeface="Microsoft Himalaya"/>
+        <a:font script="Thaa" typeface="MV Boli"/>
+        <a:font script="Deva" typeface="Mangal"/>
+        <a:font script="Telu" typeface="Gautami"/>
+        <a:font script="Taml" typeface="Latha"/>
+        <a:font script="Syrc" typeface="Estrangelo Edessa"/>
+        <a:font script="Orya" typeface="Kalinga"/>
+        <a:font script="Mlym" typeface="Kartika"/>
+        <a:font script="Laoo" typeface="DokChampa"/>
+        <a:font script="Sinh" typeface="Iskoola Pota"/>
+        <a:font script="Mong" typeface="Mongolian Baiti"/>
+        <a:font script="Viet" typeface="Times New Roman"/>
+        <a:font script="Uigh" typeface="Microsoft Uighur"/>
+        <a:font script="Geor" typeface="Sylfaen"/>
+      </a:majorFont>
+      <a:minorFont>
+        <a:latin typeface="Century Gothic" panose="020B0502020202020204"/>
+        <a:ea typeface=""/>
+        <a:cs typeface=""/>
+        <a:font script="Jpan" typeface="メイリオ"/>
+        <a:font script="Hang" typeface="맑은 고딕"/>
+        <a:font script="Hans" typeface="宋体"/>
+        <a:font script="Hant" typeface="新細明體"/>
+        <a:font script="Arab" typeface="Arial"/>
+        <a:font script="Hebr" typeface="Arial"/>
+        <a:font script="Thai" typeface="Cordia New"/>
+        <a:font script="Ethi" typeface="Nyala"/>
+        <a:font script="Beng" typeface="Vrinda"/>
+        <a:font script="Gujr" typeface="Shruti"/>
+        <a:font script="Khmr" typeface="DaunPenh"/>
+        <a:font script="Knda" typeface="Tunga"/>
+        <a:font script="Guru" typeface="Raavi"/>
+        <a:font script="Cans" typeface="Euphemia"/>
+        <a:font script="Cher" typeface="Plantagenet Cherokee"/>
+        <a:font script="Yiii" typeface="Microsoft Yi Baiti"/>
+        <a:font script="Tibt" typeface="Microsoft Himalaya"/>
+        <a:font script="Thaa" typeface="MV Boli"/>
+        <a:font script="Deva" typeface="Mangal"/>
+        <a:font script="Telu" typeface="Gautami"/>
+        <a:font script="Taml" typeface="Latha"/>
+        <a:font script="Syrc" typeface="Estrangelo Edessa"/>
+        <a:font script="Orya" typeface="Kalinga"/>
+        <a:font script="Mlym" typeface="Kartika"/>
+        <a:font script="Laoo" typeface="DokChampa"/>
+        <a:font script="Sinh" typeface="Iskoola Pota"/>
+        <a:font script="Mong" typeface="Mongolian Baiti"/>
+        <a:font script="Viet" typeface="Arial"/>
+        <a:font script="Uigh" typeface="Microsoft Uighur"/>
+        <a:font script="Geor" typeface="Sylfaen"/>
+      </a:minorFont>
+    </a:fontScheme>
+    <a:fmtScheme name="Ion">
+      <a:fillStyleLst>
+        <a:solidFill>
+          <a:schemeClr val="phClr"/>
+        </a:solidFill>
+        <a:gradFill rotWithShape="1">
+          <a:gsLst>
+            <a:gs pos="0">
+              <a:schemeClr val="phClr">
+                <a:tint val="64000"/>
+                <a:lumMod val="118000"/>
+              </a:schemeClr>
+            </a:gs>
+            <a:gs pos="100000">
+              <a:schemeClr val="phClr">
+                <a:tint val="92000"/>
+                <a:alpha val="100000"/>
+                <a:lumMod val="110000"/>
+              </a:schemeClr>
+            </a:gs>
+          </a:gsLst>
+          <a:lin ang="5400000" scaled="0"/>
+        </a:gradFill>
+        <a:gradFill rotWithShape="1">
+          <a:gsLst>
+            <a:gs pos="0">
+              <a:schemeClr val="phClr">
+                <a:tint val="98000"/>
+                <a:lumMod val="114000"/>
+              </a:schemeClr>
+            </a:gs>
+            <a:gs pos="100000">
+              <a:schemeClr val="phClr">
+                <a:shade val="90000"/>
+                <a:lumMod val="84000"/>
+              </a:schemeClr>
+            </a:gs>
+          </a:gsLst>
+          <a:lin ang="5400000" scaled="0"/>
+        </a:gradFill>
+      </a:fillStyleLst>
+      <a:lnStyleLst>
+        <a:ln w="9525" cap="rnd" cmpd="sng" algn="ctr">
+          <a:solidFill>
+            <a:schemeClr val="phClr"/>
+          </a:solidFill>
+          <a:prstDash val="solid"/>
+        </a:ln>
+        <a:ln w="19050" cap="rnd" cmpd="sng" algn="ctr">
+          <a:solidFill>
+            <a:schemeClr val="phClr"/>
+          </a:solidFill>
+          <a:prstDash val="solid"/>
+        </a:ln>
+        <a:ln w="28575" cap="rnd" cmpd="sng" algn="ctr">
+          <a:solidFill>
+            <a:schemeClr val="phClr"/>
+          </a:solidFill>
+          <a:prstDash val="solid"/>
+        </a:ln>
+      </a:lnStyleLst>
+      <a:effectStyleLst>
+        <a:effectStyle>
+          <a:effectLst/>
+        </a:effectStyle>
+        <a:effectStyle>
+          <a:effectLst>
+            <a:outerShdw blurRad="38100" dist="25400" dir="5400000" rotWithShape="0">
+              <a:srgbClr val="000000">
+                <a:alpha val="45000"/>
+              </a:srgbClr>
+            </a:outerShdw>
+          </a:effectLst>
+        </a:effectStyle>
+        <a:effectStyle>
+          <a:effectLst>
+            <a:outerShdw blurRad="63500" dist="38100" dir="5400000" rotWithShape="0">
+              <a:srgbClr val="000000">
+                <a:alpha val="60000"/>
+              </a:srgbClr>
+            </a:outerShdw>
+          </a:effectLst>
+          <a:scene3d>
+            <a:camera prst="orthographicFront">
+              <a:rot lat="0" lon="0" rev="0"/>
+            </a:camera>
+            <a:lightRig rig="threePt" dir="tl"/>
+          </a:scene3d>
+          <a:sp3d prstMaterial="plastic">
+            <a:bevelT w="0" h="0"/>
+          </a:sp3d>
+        </a:effectStyle>
+      </a:effectStyleLst>
+      <a:bgFillStyleLst>
+        <a:solidFill>
+          <a:schemeClr val="phClr"/>
+        </a:solidFill>
+        <a:gradFill rotWithShape="1">
+          <a:gsLst>
+            <a:gs pos="0">
+              <a:schemeClr val="phClr">
+                <a:tint val="97000"/>
+                <a:hueMod val="88000"/>
+                <a:satMod val="130000"/>
+                <a:lumMod val="124000"/>
+              </a:schemeClr>
+            </a:gs>
+            <a:gs pos="100000">
+              <a:schemeClr val="phClr">
+                <a:tint val="96000"/>
+                <a:shade val="88000"/>
+                <a:hueMod val="108000"/>
+                <a:satMod val="164000"/>
+                <a:lumMod val="76000"/>
+              </a:schemeClr>
+            </a:gs>
+          </a:gsLst>
+          <a:path path="circle">
+            <a:fillToRect l="45000" t="65000" r="125000" b="100000"/>
+          </a:path>
+        </a:gradFill>
+        <a:blipFill rotWithShape="1">
+          <a:blip xmlns:r="http://schemas.openxmlformats.org/officeDocument/2006/relationships" r:embed="rId1">
+            <a:duotone>
+              <a:schemeClr val="phClr">
+                <a:shade val="69000"/>
+                <a:hueMod val="108000"/>
+                <a:satMod val="164000"/>
+                <a:lumMod val="74000"/>
+              </a:schemeClr>
+              <a:schemeClr val="phClr">
+                <a:tint val="96000"/>
+                <a:hueMod val="88000"/>
+                <a:satMod val="140000"/>
+                <a:lumMod val="132000"/>
+              </a:schemeClr>
+            </a:duotone>
+          </a:blip>
+          <a:stretch/>
+        </a:blipFill>
+      </a:bgFillStyleLst>
+    </a:fmtScheme>
+  </a:themeElements>
+  <a:objectDefaults/>
+  <a:extraClrSchemeLst/>
+  <a:extLst>
+    <a:ext uri="{05A4C25C-085E-4340-85A3-A5531E510DB2}">
+      <thm15:themeFamily xmlns:thm15="http://schemas.microsoft.com/office/thememl/2012/main" name="Ion" id="{B8441ADB-2E43-4AF7-B97A-BD870242C6A8}" vid="{292E63A9-BB86-4E3D-B92A-7223C6510D2E}"/>
+    </a:ext>
+  </a:extLst>
+</a:theme>
+</file>
+
+<file path=ppt/theme/theme2.xml><?xml version="1.0" encoding="utf-8"?>
 <a:theme xmlns:a="http://schemas.openxmlformats.org/drawingml/2006/main" name="Office Theme">
   <a:themeElements>
     <a:clrScheme name="Office">

--- a/SWEN Assignment Report & PPT/Assignment 3/SWEN Assignment 3 PPT.pptx
+++ b/SWEN Assignment Report & PPT/Assignment 3/SWEN Assignment 3 PPT.pptx
@@ -5,13 +5,16 @@
     <p:sldMasterId id="2147483660" r:id="rId1"/>
   </p:sldMasterIdLst>
   <p:notesMasterIdLst>
-    <p:notesMasterId r:id="rId6"/>
+    <p:notesMasterId r:id="rId9"/>
   </p:notesMasterIdLst>
   <p:sldIdLst>
     <p:sldId id="256" r:id="rId2"/>
-    <p:sldId id="257" r:id="rId3"/>
-    <p:sldId id="258" r:id="rId4"/>
-    <p:sldId id="259" r:id="rId5"/>
+    <p:sldId id="260" r:id="rId3"/>
+    <p:sldId id="261" r:id="rId4"/>
+    <p:sldId id="262" r:id="rId5"/>
+    <p:sldId id="257" r:id="rId6"/>
+    <p:sldId id="258" r:id="rId7"/>
+    <p:sldId id="259" r:id="rId8"/>
   </p:sldIdLst>
   <p:sldSz cx="12192000" cy="6858000"/>
   <p:notesSz cx="6858000" cy="9144000"/>
@@ -556,7 +559,7 @@
           <a:p>
             <a:fld id="{FF491BE1-80E0-4DCE-9102-038343DDEE2B}" type="slidenum">
               <a:rPr lang="en-US" smtClean="0"/>
-              <a:t>2</a:t>
+              <a:t>5</a:t>
             </a:fld>
             <a:endParaRPr lang="en-US"/>
           </a:p>
@@ -6642,10 +6645,307 @@
   <p:clrMapOvr>
     <a:masterClrMapping/>
   </p:clrMapOvr>
+  <p:timing>
+    <p:tnLst>
+      <p:par>
+        <p:cTn id="1" dur="indefinite" restart="never" nodeType="tmRoot"/>
+      </p:par>
+    </p:tnLst>
+  </p:timing>
 </p:sld>
 </file>
 
 <file path=ppt/slides/slide2.xml><?xml version="1.0" encoding="utf-8"?>
+<p:sld xmlns:a="http://schemas.openxmlformats.org/drawingml/2006/main" xmlns:r="http://schemas.openxmlformats.org/officeDocument/2006/relationships" xmlns:p="http://schemas.openxmlformats.org/presentationml/2006/main">
+  <p:cSld>
+    <p:spTree>
+      <p:nvGrpSpPr>
+        <p:cNvPr id="1" name=""/>
+        <p:cNvGrpSpPr/>
+        <p:nvPr/>
+      </p:nvGrpSpPr>
+      <p:grpSpPr>
+        <a:xfrm>
+          <a:off x="0" y="0"/>
+          <a:ext cx="0" cy="0"/>
+          <a:chOff x="0" y="0"/>
+          <a:chExt cx="0" cy="0"/>
+        </a:xfrm>
+      </p:grpSpPr>
+      <p:sp>
+        <p:nvSpPr>
+          <p:cNvPr id="2" name="Title 1"/>
+          <p:cNvSpPr>
+            <a:spLocks noGrp="1"/>
+          </p:cNvSpPr>
+          <p:nvPr>
+            <p:ph type="title"/>
+          </p:nvPr>
+        </p:nvSpPr>
+        <p:spPr/>
+        <p:txBody>
+          <a:bodyPr/>
+          <a:lstStyle/>
+          <a:p>
+            <a:pPr lvl="0" algn="ctr"/>
+            <a:r>
+              <a:rPr lang="en-US" b="1" dirty="0"/>
+              <a:t>SYSTEM INTEGATION</a:t>
+            </a:r>
+            <a:r>
+              <a:rPr lang="en-SG" b="1" dirty="0"/>
+              <a:t/>
+            </a:r>
+            <a:br>
+              <a:rPr lang="en-SG" b="1" dirty="0"/>
+            </a:br>
+            <a:endParaRPr lang="en-SG" dirty="0"/>
+          </a:p>
+        </p:txBody>
+      </p:sp>
+      <p:sp>
+        <p:nvSpPr>
+          <p:cNvPr id="3" name="Content Placeholder 2"/>
+          <p:cNvSpPr>
+            <a:spLocks noGrp="1"/>
+          </p:cNvSpPr>
+          <p:nvPr>
+            <p:ph idx="1"/>
+          </p:nvPr>
+        </p:nvSpPr>
+        <p:spPr/>
+        <p:txBody>
+          <a:bodyPr/>
+          <a:lstStyle/>
+          <a:p>
+            <a:r>
+              <a:rPr lang="en-US" sz="3600" dirty="0">
+                <a:latin typeface="Times New Roman" panose="02020603050405020304" pitchFamily="18" charset="0"/>
+                <a:ea typeface="Times New Roman" panose="02020603050405020304" pitchFamily="18" charset="0"/>
+              </a:rPr>
+              <a:t>There are two parts that will be needed to be integrated which are front-end module and back-end module. This two component will form the system. We will be employing an incremental testing strategy to complete the integration.</a:t>
+            </a:r>
+            <a:endParaRPr lang="en-SG" sz="3600" dirty="0">
+              <a:latin typeface="Times New Roman" panose="02020603050405020304" pitchFamily="18" charset="0"/>
+              <a:ea typeface="Times New Roman" panose="02020603050405020304" pitchFamily="18" charset="0"/>
+            </a:endParaRPr>
+          </a:p>
+          <a:p>
+            <a:endParaRPr lang="en-SG" dirty="0"/>
+          </a:p>
+        </p:txBody>
+      </p:sp>
+    </p:spTree>
+    <p:extLst>
+      <p:ext uri="{BB962C8B-B14F-4D97-AF65-F5344CB8AC3E}">
+        <p14:creationId xmlns:p14="http://schemas.microsoft.com/office/powerpoint/2010/main" val="3296096240"/>
+      </p:ext>
+    </p:extLst>
+  </p:cSld>
+  <p:clrMapOvr>
+    <a:masterClrMapping/>
+  </p:clrMapOvr>
+  <p:timing>
+    <p:tnLst>
+      <p:par>
+        <p:cTn id="1" dur="indefinite" restart="never" nodeType="tmRoot"/>
+      </p:par>
+    </p:tnLst>
+  </p:timing>
+</p:sld>
+</file>
+
+<file path=ppt/slides/slide3.xml><?xml version="1.0" encoding="utf-8"?>
+<p:sld xmlns:a="http://schemas.openxmlformats.org/drawingml/2006/main" xmlns:r="http://schemas.openxmlformats.org/officeDocument/2006/relationships" xmlns:p="http://schemas.openxmlformats.org/presentationml/2006/main">
+  <p:cSld>
+    <p:spTree>
+      <p:nvGrpSpPr>
+        <p:cNvPr id="1" name=""/>
+        <p:cNvGrpSpPr/>
+        <p:nvPr/>
+      </p:nvGrpSpPr>
+      <p:grpSpPr>
+        <a:xfrm>
+          <a:off x="0" y="0"/>
+          <a:ext cx="0" cy="0"/>
+          <a:chOff x="0" y="0"/>
+          <a:chExt cx="0" cy="0"/>
+        </a:xfrm>
+      </p:grpSpPr>
+      <p:sp>
+        <p:nvSpPr>
+          <p:cNvPr id="2" name="Title 1"/>
+          <p:cNvSpPr>
+            <a:spLocks noGrp="1"/>
+          </p:cNvSpPr>
+          <p:nvPr>
+            <p:ph type="title"/>
+          </p:nvPr>
+        </p:nvSpPr>
+        <p:spPr/>
+        <p:txBody>
+          <a:bodyPr/>
+          <a:lstStyle/>
+          <a:p>
+            <a:pPr lvl="0" algn="ctr"/>
+            <a:r>
+              <a:rPr lang="en-US" dirty="0">
+                <a:latin typeface="Times New Roman" panose="02020603050405020304" pitchFamily="18" charset="0"/>
+                <a:ea typeface="Times New Roman" panose="02020603050405020304" pitchFamily="18" charset="0"/>
+              </a:rPr>
+              <a:t>Front-end module</a:t>
+            </a:r>
+            <a:r>
+              <a:rPr lang="en-SG" dirty="0">
+                <a:latin typeface="Times New Roman" panose="02020603050405020304" pitchFamily="18" charset="0"/>
+                <a:ea typeface="Times New Roman" panose="02020603050405020304" pitchFamily="18" charset="0"/>
+              </a:rPr>
+              <a:t/>
+            </a:r>
+            <a:br>
+              <a:rPr lang="en-SG" dirty="0">
+                <a:latin typeface="Times New Roman" panose="02020603050405020304" pitchFamily="18" charset="0"/>
+                <a:ea typeface="Times New Roman" panose="02020603050405020304" pitchFamily="18" charset="0"/>
+              </a:rPr>
+            </a:br>
+            <a:endParaRPr lang="en-SG" dirty="0"/>
+          </a:p>
+        </p:txBody>
+      </p:sp>
+      <p:sp>
+        <p:nvSpPr>
+          <p:cNvPr id="3" name="Content Placeholder 2"/>
+          <p:cNvSpPr>
+            <a:spLocks noGrp="1"/>
+          </p:cNvSpPr>
+          <p:nvPr>
+            <p:ph idx="1"/>
+          </p:nvPr>
+        </p:nvSpPr>
+        <p:spPr/>
+        <p:txBody>
+          <a:bodyPr/>
+          <a:lstStyle/>
+          <a:p>
+            <a:r>
+              <a:rPr lang="en-US" sz="3200" dirty="0"/>
+              <a:t>This module give a simple interface where the user is able to perform different functions. This module will check if each interface such as buttons is working properly. The testing will be performed by writing stub for the interface.</a:t>
+            </a:r>
+            <a:endParaRPr lang="en-SG" sz="3200" dirty="0"/>
+          </a:p>
+          <a:p>
+            <a:endParaRPr lang="en-SG" dirty="0"/>
+          </a:p>
+        </p:txBody>
+      </p:sp>
+    </p:spTree>
+    <p:extLst>
+      <p:ext uri="{BB962C8B-B14F-4D97-AF65-F5344CB8AC3E}">
+        <p14:creationId xmlns:p14="http://schemas.microsoft.com/office/powerpoint/2010/main" val="2216133070"/>
+      </p:ext>
+    </p:extLst>
+  </p:cSld>
+  <p:clrMapOvr>
+    <a:masterClrMapping/>
+  </p:clrMapOvr>
+  <p:timing>
+    <p:tnLst>
+      <p:par>
+        <p:cTn id="1" dur="indefinite" restart="never" nodeType="tmRoot"/>
+      </p:par>
+    </p:tnLst>
+  </p:timing>
+</p:sld>
+</file>
+
+<file path=ppt/slides/slide4.xml><?xml version="1.0" encoding="utf-8"?>
+<p:sld xmlns:a="http://schemas.openxmlformats.org/drawingml/2006/main" xmlns:r="http://schemas.openxmlformats.org/officeDocument/2006/relationships" xmlns:p="http://schemas.openxmlformats.org/presentationml/2006/main">
+  <p:cSld>
+    <p:spTree>
+      <p:nvGrpSpPr>
+        <p:cNvPr id="1" name=""/>
+        <p:cNvGrpSpPr/>
+        <p:nvPr/>
+      </p:nvGrpSpPr>
+      <p:grpSpPr>
+        <a:xfrm>
+          <a:off x="0" y="0"/>
+          <a:ext cx="0" cy="0"/>
+          <a:chOff x="0" y="0"/>
+          <a:chExt cx="0" cy="0"/>
+        </a:xfrm>
+      </p:grpSpPr>
+      <p:sp>
+        <p:nvSpPr>
+          <p:cNvPr id="2" name="Title 1"/>
+          <p:cNvSpPr>
+            <a:spLocks noGrp="1"/>
+          </p:cNvSpPr>
+          <p:nvPr>
+            <p:ph type="title"/>
+          </p:nvPr>
+        </p:nvSpPr>
+        <p:spPr/>
+        <p:txBody>
+          <a:bodyPr/>
+          <a:lstStyle/>
+          <a:p>
+            <a:pPr lvl="0" algn="ctr"/>
+            <a:r>
+              <a:rPr lang="en-US" dirty="0"/>
+              <a:t>Back-end module</a:t>
+            </a:r>
+            <a:endParaRPr lang="en-SG" dirty="0"/>
+          </a:p>
+        </p:txBody>
+      </p:sp>
+      <p:sp>
+        <p:nvSpPr>
+          <p:cNvPr id="3" name="Content Placeholder 2"/>
+          <p:cNvSpPr>
+            <a:spLocks noGrp="1"/>
+          </p:cNvSpPr>
+          <p:nvPr>
+            <p:ph idx="1"/>
+          </p:nvPr>
+        </p:nvSpPr>
+        <p:spPr/>
+        <p:txBody>
+          <a:bodyPr/>
+          <a:lstStyle/>
+          <a:p>
+            <a:r>
+              <a:rPr lang="en-US" sz="3200" dirty="0"/>
+              <a:t>The back-end module will provide storage for the data and implement related function in the system. This module will run the program and print out the results to the output.</a:t>
+            </a:r>
+            <a:endParaRPr lang="en-SG" sz="3200" dirty="0"/>
+          </a:p>
+          <a:p>
+            <a:endParaRPr lang="en-SG" dirty="0"/>
+          </a:p>
+        </p:txBody>
+      </p:sp>
+    </p:spTree>
+    <p:extLst>
+      <p:ext uri="{BB962C8B-B14F-4D97-AF65-F5344CB8AC3E}">
+        <p14:creationId xmlns:p14="http://schemas.microsoft.com/office/powerpoint/2010/main" val="4074167204"/>
+      </p:ext>
+    </p:extLst>
+  </p:cSld>
+  <p:clrMapOvr>
+    <a:masterClrMapping/>
+  </p:clrMapOvr>
+  <p:timing>
+    <p:tnLst>
+      <p:par>
+        <p:cTn id="1" dur="indefinite" restart="never" nodeType="tmRoot"/>
+      </p:par>
+    </p:tnLst>
+  </p:timing>
+</p:sld>
+</file>
+
+<file path=ppt/slides/slide5.xml><?xml version="1.0" encoding="utf-8"?>
 <p:sld xmlns:a="http://schemas.openxmlformats.org/drawingml/2006/main" xmlns:r="http://schemas.openxmlformats.org/officeDocument/2006/relationships" xmlns:p="http://schemas.openxmlformats.org/presentationml/2006/main">
   <p:cSld>
     <p:spTree>
@@ -7484,10 +7784,17 @@
   <p:clrMapOvr>
     <a:masterClrMapping/>
   </p:clrMapOvr>
+  <p:timing>
+    <p:tnLst>
+      <p:par>
+        <p:cTn id="1" dur="indefinite" restart="never" nodeType="tmRoot"/>
+      </p:par>
+    </p:tnLst>
+  </p:timing>
 </p:sld>
 </file>
 
-<file path=ppt/slides/slide3.xml><?xml version="1.0" encoding="utf-8"?>
+<file path=ppt/slides/slide6.xml><?xml version="1.0" encoding="utf-8"?>
 <p:sld xmlns:a="http://schemas.openxmlformats.org/drawingml/2006/main" xmlns:r="http://schemas.openxmlformats.org/officeDocument/2006/relationships" xmlns:p="http://schemas.openxmlformats.org/presentationml/2006/main">
   <p:cSld>
     <p:spTree>
@@ -8476,7 +8783,7 @@
 </p:sld>
 </file>
 
-<file path=ppt/slides/slide4.xml><?xml version="1.0" encoding="utf-8"?>
+<file path=ppt/slides/slide7.xml><?xml version="1.0" encoding="utf-8"?>
 <p:sld xmlns:a="http://schemas.openxmlformats.org/drawingml/2006/main" xmlns:r="http://schemas.openxmlformats.org/officeDocument/2006/relationships" xmlns:p="http://schemas.openxmlformats.org/presentationml/2006/main">
   <p:cSld>
     <p:spTree>

--- a/SWEN Assignment Report & PPT/Assignment 3/SWEN Assignment 3 PPT.pptx
+++ b/SWEN Assignment Report & PPT/Assignment 3/SWEN Assignment 3 PPT.pptx
@@ -5,16 +5,20 @@
     <p:sldMasterId id="2147483660" r:id="rId1"/>
   </p:sldMasterIdLst>
   <p:notesMasterIdLst>
-    <p:notesMasterId r:id="rId9"/>
+    <p:notesMasterId r:id="rId13"/>
   </p:notesMasterIdLst>
   <p:sldIdLst>
     <p:sldId id="256" r:id="rId2"/>
-    <p:sldId id="260" r:id="rId3"/>
-    <p:sldId id="261" r:id="rId4"/>
-    <p:sldId id="262" r:id="rId5"/>
-    <p:sldId id="257" r:id="rId6"/>
-    <p:sldId id="258" r:id="rId7"/>
-    <p:sldId id="259" r:id="rId8"/>
+    <p:sldId id="264" r:id="rId3"/>
+    <p:sldId id="266" r:id="rId4"/>
+    <p:sldId id="265" r:id="rId5"/>
+    <p:sldId id="260" r:id="rId6"/>
+    <p:sldId id="261" r:id="rId7"/>
+    <p:sldId id="262" r:id="rId8"/>
+    <p:sldId id="257" r:id="rId9"/>
+    <p:sldId id="258" r:id="rId10"/>
+    <p:sldId id="259" r:id="rId11"/>
+    <p:sldId id="263" r:id="rId12"/>
   </p:sldIdLst>
   <p:sldSz cx="12192000" cy="6858000"/>
   <p:notesSz cx="6858000" cy="9144000"/>
@@ -203,7 +207,7 @@
           <a:p>
             <a:fld id="{6FD99921-98CE-445F-ABCF-15EDC9273881}" type="datetimeFigureOut">
               <a:rPr lang="en-US" smtClean="0"/>
-              <a:t>6/3/2015</a:t>
+              <a:t>6/4/2015</a:t>
             </a:fld>
             <a:endParaRPr lang="en-US"/>
           </a:p>
@@ -525,6 +529,1621 @@
                 <a:ea typeface="+mn-ea"/>
                 <a:cs typeface="+mn-cs"/>
               </a:rPr>
+              <a:t>There is simplicity implemented into the software to ensure quality and efficiency through Tab Controls. </a:t>
+            </a:r>
+          </a:p>
+          <a:p>
+            <a:r>
+              <a:rPr lang="en-US" sz="1200" kern="1200" dirty="0" smtClean="0">
+                <a:solidFill>
+                  <a:schemeClr val="tx1"/>
+                </a:solidFill>
+                <a:effectLst/>
+                <a:latin typeface="+mn-lt"/>
+                <a:ea typeface="+mn-ea"/>
+                <a:cs typeface="+mn-cs"/>
+              </a:rPr>
+              <a:t>The</a:t>
+            </a:r>
+            <a:r>
+              <a:rPr lang="en-US" sz="1200" kern="1200" baseline="0" dirty="0" smtClean="0">
+                <a:solidFill>
+                  <a:schemeClr val="tx1"/>
+                </a:solidFill>
+                <a:effectLst/>
+                <a:latin typeface="+mn-lt"/>
+                <a:ea typeface="+mn-ea"/>
+                <a:cs typeface="+mn-cs"/>
+              </a:rPr>
+              <a:t> module starts at the </a:t>
+            </a:r>
+            <a:r>
+              <a:rPr lang="en-US" sz="1200" kern="1200" dirty="0" smtClean="0">
+                <a:solidFill>
+                  <a:schemeClr val="tx1"/>
+                </a:solidFill>
+                <a:effectLst/>
+                <a:latin typeface="+mn-lt"/>
+                <a:ea typeface="+mn-ea"/>
+                <a:cs typeface="+mn-cs"/>
+              </a:rPr>
+              <a:t>Home Tab: where the user will enter the check in and check out dates and select the preferred room type of the guest.</a:t>
+            </a:r>
+            <a:r>
+              <a:rPr lang="en-US" sz="1200" kern="1200" baseline="0" dirty="0" smtClean="0">
+                <a:solidFill>
+                  <a:schemeClr val="tx1"/>
+                </a:solidFill>
+                <a:effectLst/>
+                <a:latin typeface="+mn-lt"/>
+                <a:ea typeface="+mn-ea"/>
+                <a:cs typeface="+mn-cs"/>
+              </a:rPr>
+              <a:t> Then they will be redirected to the</a:t>
+            </a:r>
+            <a:endParaRPr lang="en-SG" sz="1200" kern="1200" dirty="0" smtClean="0">
+              <a:solidFill>
+                <a:schemeClr val="tx1"/>
+              </a:solidFill>
+              <a:effectLst/>
+              <a:latin typeface="+mn-lt"/>
+              <a:ea typeface="+mn-ea"/>
+              <a:cs typeface="+mn-cs"/>
+            </a:endParaRPr>
+          </a:p>
+          <a:p>
+            <a:pPr lvl="0"/>
+            <a:r>
+              <a:rPr lang="en-US" sz="1200" kern="1200" dirty="0" smtClean="0">
+                <a:solidFill>
+                  <a:schemeClr val="tx1"/>
+                </a:solidFill>
+                <a:effectLst/>
+                <a:latin typeface="+mn-lt"/>
+                <a:ea typeface="+mn-ea"/>
+                <a:cs typeface="+mn-cs"/>
+              </a:rPr>
+              <a:t>Reservation Tab: where the user will enter the details of the guests.</a:t>
+            </a:r>
+          </a:p>
+          <a:p>
+            <a:pPr lvl="0"/>
+            <a:r>
+              <a:rPr lang="en-US" sz="1200" kern="1200" dirty="0" smtClean="0">
+                <a:solidFill>
+                  <a:schemeClr val="tx1"/>
+                </a:solidFill>
+                <a:effectLst/>
+                <a:latin typeface="+mn-lt"/>
+                <a:ea typeface="+mn-ea"/>
+                <a:cs typeface="+mn-cs"/>
+              </a:rPr>
+              <a:t>After</a:t>
+            </a:r>
+            <a:r>
+              <a:rPr lang="en-US" sz="1200" kern="1200" baseline="0" dirty="0" smtClean="0">
+                <a:solidFill>
+                  <a:schemeClr val="tx1"/>
+                </a:solidFill>
+                <a:effectLst/>
+                <a:latin typeface="+mn-lt"/>
+                <a:ea typeface="+mn-ea"/>
+                <a:cs typeface="+mn-cs"/>
+              </a:rPr>
+              <a:t> the reservation tab, they will be redirected to the</a:t>
+            </a:r>
+            <a:endParaRPr lang="en-SG" sz="1200" kern="1200" dirty="0" smtClean="0">
+              <a:solidFill>
+                <a:schemeClr val="tx1"/>
+              </a:solidFill>
+              <a:effectLst/>
+              <a:latin typeface="+mn-lt"/>
+              <a:ea typeface="+mn-ea"/>
+              <a:cs typeface="+mn-cs"/>
+            </a:endParaRPr>
+          </a:p>
+          <a:p>
+            <a:pPr lvl="0"/>
+            <a:r>
+              <a:rPr lang="en-US" sz="1200" kern="1200" dirty="0" smtClean="0">
+                <a:solidFill>
+                  <a:schemeClr val="tx1"/>
+                </a:solidFill>
+                <a:effectLst/>
+                <a:latin typeface="+mn-lt"/>
+                <a:ea typeface="+mn-ea"/>
+                <a:cs typeface="+mn-cs"/>
+              </a:rPr>
+              <a:t>Check In Tab: which allows the user to search for any guest details that they require in order to check in or to update and delete</a:t>
+            </a:r>
+          </a:p>
+          <a:p>
+            <a:pPr lvl="0"/>
+            <a:r>
+              <a:rPr lang="en-US" sz="1200" kern="1200" dirty="0" smtClean="0">
+                <a:solidFill>
+                  <a:schemeClr val="tx1"/>
+                </a:solidFill>
+                <a:effectLst/>
+                <a:latin typeface="+mn-lt"/>
+                <a:ea typeface="+mn-ea"/>
+                <a:cs typeface="+mn-cs"/>
+              </a:rPr>
+              <a:t>Parameterized Unit Testing,</a:t>
+            </a:r>
+            <a:r>
+              <a:rPr lang="en-US" sz="1200" kern="1200" baseline="0" dirty="0" smtClean="0">
+                <a:solidFill>
+                  <a:schemeClr val="tx1"/>
+                </a:solidFill>
+                <a:effectLst/>
+                <a:latin typeface="+mn-lt"/>
+                <a:ea typeface="+mn-ea"/>
+                <a:cs typeface="+mn-cs"/>
+              </a:rPr>
+              <a:t> </a:t>
+            </a:r>
+            <a:r>
+              <a:rPr lang="en-US" sz="1200" kern="1200" dirty="0" smtClean="0">
+                <a:solidFill>
+                  <a:schemeClr val="tx1"/>
+                </a:solidFill>
+                <a:effectLst/>
+                <a:latin typeface="+mn-lt"/>
+                <a:ea typeface="+mn-ea"/>
+                <a:cs typeface="+mn-cs"/>
+              </a:rPr>
+              <a:t>Unit Testing limitations &amp; black box are being used to test this module. </a:t>
+            </a:r>
+          </a:p>
+          <a:p>
+            <a:pPr lvl="0"/>
+            <a:r>
+              <a:rPr lang="en-US" sz="1200" kern="1200" dirty="0" smtClean="0">
+                <a:solidFill>
+                  <a:schemeClr val="tx1"/>
+                </a:solidFill>
+                <a:effectLst/>
+                <a:latin typeface="+mn-lt"/>
+                <a:ea typeface="+mn-ea"/>
+                <a:cs typeface="+mn-cs"/>
+              </a:rPr>
+              <a:t>The PUT are tests that take the parameters into account because these parameters could be manually entered but are also sometimes created by the framework. </a:t>
+            </a:r>
+          </a:p>
+          <a:p>
+            <a:pPr lvl="0"/>
+            <a:r>
+              <a:rPr lang="en-US" sz="1200" kern="1200" dirty="0" smtClean="0">
+                <a:solidFill>
+                  <a:schemeClr val="tx1"/>
+                </a:solidFill>
+                <a:effectLst/>
+                <a:latin typeface="+mn-lt"/>
+                <a:ea typeface="+mn-ea"/>
+                <a:cs typeface="+mn-cs"/>
+              </a:rPr>
+              <a:t>While for the Unit Testing limitation, testing does not always trace every error in the program, writing the unit test proved to be difficult but useful. </a:t>
+            </a:r>
+          </a:p>
+          <a:p>
+            <a:pPr lvl="0"/>
+            <a:r>
+              <a:rPr lang="en-US" sz="1200" kern="1200" dirty="0" smtClean="0">
+                <a:solidFill>
+                  <a:schemeClr val="tx1"/>
+                </a:solidFill>
+                <a:effectLst/>
+                <a:latin typeface="+mn-lt"/>
+                <a:ea typeface="+mn-ea"/>
+                <a:cs typeface="+mn-cs"/>
+              </a:rPr>
+              <a:t>Black Box testing is used to see if the values created or updated are followed through to the database.</a:t>
+            </a:r>
+            <a:endParaRPr lang="en-SG" sz="1200" kern="1200" dirty="0" smtClean="0">
+              <a:solidFill>
+                <a:schemeClr val="tx1"/>
+              </a:solidFill>
+              <a:effectLst/>
+              <a:latin typeface="+mn-lt"/>
+              <a:ea typeface="+mn-ea"/>
+              <a:cs typeface="+mn-cs"/>
+            </a:endParaRPr>
+          </a:p>
+          <a:p>
+            <a:endParaRPr lang="en-SG" dirty="0"/>
+          </a:p>
+        </p:txBody>
+      </p:sp>
+      <p:sp>
+        <p:nvSpPr>
+          <p:cNvPr id="4" name="Slide Number Placeholder 3"/>
+          <p:cNvSpPr>
+            <a:spLocks noGrp="1"/>
+          </p:cNvSpPr>
+          <p:nvPr>
+            <p:ph type="sldNum" sz="quarter" idx="10"/>
+          </p:nvPr>
+        </p:nvSpPr>
+        <p:spPr/>
+        <p:txBody>
+          <a:bodyPr/>
+          <a:lstStyle/>
+          <a:p>
+            <a:fld id="{FF491BE1-80E0-4DCE-9102-038343DDEE2B}" type="slidenum">
+              <a:rPr lang="en-US" smtClean="0"/>
+              <a:t>2</a:t>
+            </a:fld>
+            <a:endParaRPr lang="en-US"/>
+          </a:p>
+        </p:txBody>
+      </p:sp>
+    </p:spTree>
+    <p:extLst>
+      <p:ext uri="{BB962C8B-B14F-4D97-AF65-F5344CB8AC3E}">
+        <p14:creationId xmlns:p14="http://schemas.microsoft.com/office/powerpoint/2010/main" val="171335575"/>
+      </p:ext>
+    </p:extLst>
+  </p:cSld>
+  <p:clrMapOvr>
+    <a:masterClrMapping/>
+  </p:clrMapOvr>
+</p:notes>
+</file>
+
+<file path=ppt/notesSlides/notesSlide2.xml><?xml version="1.0" encoding="utf-8"?>
+<p:notes xmlns:a="http://schemas.openxmlformats.org/drawingml/2006/main" xmlns:r="http://schemas.openxmlformats.org/officeDocument/2006/relationships" xmlns:p="http://schemas.openxmlformats.org/presentationml/2006/main">
+  <p:cSld>
+    <p:spTree>
+      <p:nvGrpSpPr>
+        <p:cNvPr id="1" name=""/>
+        <p:cNvGrpSpPr/>
+        <p:nvPr/>
+      </p:nvGrpSpPr>
+      <p:grpSpPr>
+        <a:xfrm>
+          <a:off x="0" y="0"/>
+          <a:ext cx="0" cy="0"/>
+          <a:chOff x="0" y="0"/>
+          <a:chExt cx="0" cy="0"/>
+        </a:xfrm>
+      </p:grpSpPr>
+      <p:sp>
+        <p:nvSpPr>
+          <p:cNvPr id="2" name="Slide Image Placeholder 1"/>
+          <p:cNvSpPr>
+            <a:spLocks noGrp="1" noRot="1" noChangeAspect="1"/>
+          </p:cNvSpPr>
+          <p:nvPr>
+            <p:ph type="sldImg"/>
+          </p:nvPr>
+        </p:nvSpPr>
+        <p:spPr/>
+      </p:sp>
+      <p:sp>
+        <p:nvSpPr>
+          <p:cNvPr id="3" name="Notes Placeholder 2"/>
+          <p:cNvSpPr>
+            <a:spLocks noGrp="1"/>
+          </p:cNvSpPr>
+          <p:nvPr>
+            <p:ph type="body" idx="1"/>
+          </p:nvPr>
+        </p:nvSpPr>
+        <p:spPr/>
+        <p:txBody>
+          <a:bodyPr/>
+          <a:lstStyle/>
+          <a:p>
+            <a:r>
+              <a:rPr lang="en-US" sz="1200" kern="1200" dirty="0" smtClean="0">
+                <a:solidFill>
+                  <a:schemeClr val="tx1"/>
+                </a:solidFill>
+                <a:effectLst/>
+                <a:latin typeface="+mn-lt"/>
+                <a:ea typeface="+mn-ea"/>
+                <a:cs typeface="+mn-cs"/>
+              </a:rPr>
+              <a:t>Unified Process (UP) model is used as it divides the whole software development cycle into smaller, more easily manageable iterations.</a:t>
+            </a:r>
+            <a:endParaRPr lang="en-SG" sz="1200" kern="1200" dirty="0" smtClean="0">
+              <a:solidFill>
+                <a:schemeClr val="tx1"/>
+              </a:solidFill>
+              <a:effectLst/>
+              <a:latin typeface="+mn-lt"/>
+              <a:ea typeface="+mn-ea"/>
+              <a:cs typeface="+mn-cs"/>
+            </a:endParaRPr>
+          </a:p>
+          <a:p>
+            <a:r>
+              <a:rPr lang="en-US" sz="1200" kern="1200" dirty="0" smtClean="0">
+                <a:solidFill>
+                  <a:schemeClr val="tx1"/>
+                </a:solidFill>
+                <a:effectLst/>
+                <a:latin typeface="+mn-lt"/>
+                <a:ea typeface="+mn-ea"/>
+                <a:cs typeface="+mn-cs"/>
+              </a:rPr>
+              <a:t>and </a:t>
+            </a:r>
+            <a:endParaRPr lang="en-SG" sz="1200" kern="1200" dirty="0" smtClean="0">
+              <a:solidFill>
+                <a:schemeClr val="tx1"/>
+              </a:solidFill>
+              <a:effectLst/>
+              <a:latin typeface="+mn-lt"/>
+              <a:ea typeface="+mn-ea"/>
+              <a:cs typeface="+mn-cs"/>
+            </a:endParaRPr>
+          </a:p>
+          <a:p>
+            <a:r>
+              <a:rPr lang="en-US" sz="1200" kern="1200" dirty="0" smtClean="0">
+                <a:solidFill>
+                  <a:schemeClr val="tx1"/>
+                </a:solidFill>
+                <a:effectLst/>
+                <a:latin typeface="+mn-lt"/>
+                <a:ea typeface="+mn-ea"/>
+                <a:cs typeface="+mn-cs"/>
+              </a:rPr>
+              <a:t>This allow a working version of the software to be produced during the first iteration, so that a working system is available early on during the life cycle. </a:t>
+            </a:r>
+          </a:p>
+          <a:p>
+            <a:r>
+              <a:rPr lang="en-US" sz="1200" kern="1200" dirty="0" smtClean="0">
+                <a:solidFill>
+                  <a:schemeClr val="tx1"/>
+                </a:solidFill>
+                <a:effectLst/>
+                <a:latin typeface="+mn-lt"/>
+                <a:ea typeface="+mn-ea"/>
+                <a:cs typeface="+mn-cs"/>
+              </a:rPr>
+              <a:t>Subsequent iterations will</a:t>
+            </a:r>
+            <a:r>
+              <a:rPr lang="en-US" sz="1200" kern="1200" baseline="0" dirty="0" smtClean="0">
+                <a:solidFill>
+                  <a:schemeClr val="tx1"/>
+                </a:solidFill>
+                <a:effectLst/>
+                <a:latin typeface="+mn-lt"/>
+                <a:ea typeface="+mn-ea"/>
+                <a:cs typeface="+mn-cs"/>
+              </a:rPr>
+              <a:t> continue to </a:t>
+            </a:r>
+            <a:r>
+              <a:rPr lang="en-US" sz="1200" kern="1200" dirty="0" smtClean="0">
+                <a:solidFill>
+                  <a:schemeClr val="tx1"/>
+                </a:solidFill>
+                <a:effectLst/>
+                <a:latin typeface="+mn-lt"/>
+                <a:ea typeface="+mn-ea"/>
+                <a:cs typeface="+mn-cs"/>
+              </a:rPr>
+              <a:t>build on the initial software produced</a:t>
+            </a:r>
+            <a:endParaRPr lang="en-SG" sz="1200" kern="1200" dirty="0" smtClean="0">
+              <a:solidFill>
+                <a:schemeClr val="tx1"/>
+              </a:solidFill>
+              <a:effectLst/>
+              <a:latin typeface="+mn-lt"/>
+              <a:ea typeface="+mn-ea"/>
+              <a:cs typeface="+mn-cs"/>
+            </a:endParaRPr>
+          </a:p>
+          <a:p>
+            <a:r>
+              <a:rPr lang="en-US" sz="1200" kern="1200" dirty="0" smtClean="0">
+                <a:solidFill>
+                  <a:schemeClr val="tx1"/>
+                </a:solidFill>
+                <a:effectLst/>
+                <a:latin typeface="+mn-lt"/>
+                <a:ea typeface="+mn-ea"/>
+                <a:cs typeface="+mn-cs"/>
+              </a:rPr>
+              <a:t> </a:t>
+            </a:r>
+            <a:endParaRPr lang="en-SG" sz="1200" kern="1200" dirty="0" smtClean="0">
+              <a:solidFill>
+                <a:schemeClr val="tx1"/>
+              </a:solidFill>
+              <a:effectLst/>
+              <a:latin typeface="+mn-lt"/>
+              <a:ea typeface="+mn-ea"/>
+              <a:cs typeface="+mn-cs"/>
+            </a:endParaRPr>
+          </a:p>
+          <a:p>
+            <a:r>
+              <a:rPr lang="en-US" sz="1200" kern="1200" dirty="0" smtClean="0">
+                <a:solidFill>
+                  <a:schemeClr val="tx1"/>
+                </a:solidFill>
+                <a:effectLst/>
+                <a:latin typeface="+mn-lt"/>
+                <a:ea typeface="+mn-ea"/>
+                <a:cs typeface="+mn-cs"/>
+              </a:rPr>
+              <a:t>And during each iteration the software will be upgraded to meet the requirements stated</a:t>
+            </a:r>
+          </a:p>
+          <a:p>
+            <a:r>
+              <a:rPr lang="en-US" sz="1200" kern="1200" dirty="0" smtClean="0">
+                <a:solidFill>
+                  <a:schemeClr val="tx1"/>
+                </a:solidFill>
+                <a:effectLst/>
+                <a:latin typeface="+mn-lt"/>
+                <a:ea typeface="+mn-ea"/>
+                <a:cs typeface="+mn-cs"/>
+              </a:rPr>
+              <a:t> </a:t>
+            </a:r>
+            <a:endParaRPr lang="en-SG" sz="1200" kern="1200" dirty="0" smtClean="0">
+              <a:solidFill>
+                <a:schemeClr val="tx1"/>
+              </a:solidFill>
+              <a:effectLst/>
+              <a:latin typeface="+mn-lt"/>
+              <a:ea typeface="+mn-ea"/>
+              <a:cs typeface="+mn-cs"/>
+            </a:endParaRPr>
+          </a:p>
+          <a:p>
+            <a:r>
+              <a:rPr lang="en-US" sz="1200" kern="1200" dirty="0" smtClean="0">
+                <a:solidFill>
+                  <a:schemeClr val="tx1"/>
+                </a:solidFill>
+                <a:effectLst/>
+                <a:latin typeface="+mn-lt"/>
+                <a:ea typeface="+mn-ea"/>
+                <a:cs typeface="+mn-cs"/>
+              </a:rPr>
+              <a:t>In this</a:t>
+            </a:r>
+            <a:r>
+              <a:rPr lang="en-US" sz="1200" kern="1200" baseline="0" dirty="0" smtClean="0">
+                <a:solidFill>
+                  <a:schemeClr val="tx1"/>
+                </a:solidFill>
+                <a:effectLst/>
+                <a:latin typeface="+mn-lt"/>
+                <a:ea typeface="+mn-ea"/>
+                <a:cs typeface="+mn-cs"/>
+              </a:rPr>
+              <a:t> module </a:t>
+            </a:r>
+            <a:r>
+              <a:rPr lang="en-US" sz="1200" kern="1200" dirty="0" smtClean="0">
+                <a:solidFill>
+                  <a:schemeClr val="tx1"/>
+                </a:solidFill>
+                <a:effectLst/>
+                <a:latin typeface="+mn-lt"/>
+                <a:ea typeface="+mn-ea"/>
+                <a:cs typeface="+mn-cs"/>
+              </a:rPr>
+              <a:t>black box is used</a:t>
+            </a:r>
+            <a:r>
+              <a:rPr lang="en-US" sz="1200" kern="1200" baseline="0" dirty="0" smtClean="0">
+                <a:solidFill>
+                  <a:schemeClr val="tx1"/>
+                </a:solidFill>
+                <a:effectLst/>
+                <a:latin typeface="+mn-lt"/>
+                <a:ea typeface="+mn-ea"/>
+                <a:cs typeface="+mn-cs"/>
+              </a:rPr>
+              <a:t> for testing </a:t>
+            </a:r>
+            <a:r>
+              <a:rPr lang="en-US" sz="1200" kern="1200" dirty="0" smtClean="0">
+                <a:solidFill>
+                  <a:schemeClr val="tx1"/>
+                </a:solidFill>
+                <a:effectLst/>
+                <a:latin typeface="+mn-lt"/>
+                <a:ea typeface="+mn-ea"/>
+                <a:cs typeface="+mn-cs"/>
+              </a:rPr>
+              <a:t>whereby</a:t>
+            </a:r>
+            <a:r>
+              <a:rPr lang="en-US" sz="1200" kern="1200" baseline="0" dirty="0" smtClean="0">
+                <a:solidFill>
+                  <a:schemeClr val="tx1"/>
+                </a:solidFill>
+                <a:effectLst/>
+                <a:latin typeface="+mn-lt"/>
+                <a:ea typeface="+mn-ea"/>
+                <a:cs typeface="+mn-cs"/>
+              </a:rPr>
+              <a:t> </a:t>
+            </a:r>
+            <a:r>
+              <a:rPr lang="en-US" sz="1200" kern="1200" dirty="0" smtClean="0">
+                <a:solidFill>
+                  <a:schemeClr val="tx1"/>
+                </a:solidFill>
+                <a:effectLst/>
+                <a:latin typeface="+mn-lt"/>
+                <a:ea typeface="+mn-ea"/>
+                <a:cs typeface="+mn-cs"/>
+              </a:rPr>
+              <a:t>all the basic functions were tested with data given and all functions were working properly</a:t>
+            </a:r>
+            <a:endParaRPr lang="en-SG" sz="1200" kern="1200" dirty="0" smtClean="0">
+              <a:solidFill>
+                <a:schemeClr val="tx1"/>
+              </a:solidFill>
+              <a:effectLst/>
+              <a:latin typeface="+mn-lt"/>
+              <a:ea typeface="+mn-ea"/>
+              <a:cs typeface="+mn-cs"/>
+            </a:endParaRPr>
+          </a:p>
+        </p:txBody>
+      </p:sp>
+      <p:sp>
+        <p:nvSpPr>
+          <p:cNvPr id="4" name="Slide Number Placeholder 3"/>
+          <p:cNvSpPr>
+            <a:spLocks noGrp="1"/>
+          </p:cNvSpPr>
+          <p:nvPr>
+            <p:ph type="sldNum" sz="quarter" idx="10"/>
+          </p:nvPr>
+        </p:nvSpPr>
+        <p:spPr/>
+        <p:txBody>
+          <a:bodyPr/>
+          <a:lstStyle/>
+          <a:p>
+            <a:fld id="{FF491BE1-80E0-4DCE-9102-038343DDEE2B}" type="slidenum">
+              <a:rPr lang="en-US" smtClean="0"/>
+              <a:t>3</a:t>
+            </a:fld>
+            <a:endParaRPr lang="en-US"/>
+          </a:p>
+        </p:txBody>
+      </p:sp>
+    </p:spTree>
+    <p:extLst>
+      <p:ext uri="{BB962C8B-B14F-4D97-AF65-F5344CB8AC3E}">
+        <p14:creationId xmlns:p14="http://schemas.microsoft.com/office/powerpoint/2010/main" val="2830136223"/>
+      </p:ext>
+    </p:extLst>
+  </p:cSld>
+  <p:clrMapOvr>
+    <a:masterClrMapping/>
+  </p:clrMapOvr>
+</p:notes>
+</file>
+
+<file path=ppt/notesSlides/notesSlide3.xml><?xml version="1.0" encoding="utf-8"?>
+<p:notes xmlns:a="http://schemas.openxmlformats.org/drawingml/2006/main" xmlns:r="http://schemas.openxmlformats.org/officeDocument/2006/relationships" xmlns:p="http://schemas.openxmlformats.org/presentationml/2006/main">
+  <p:cSld>
+    <p:spTree>
+      <p:nvGrpSpPr>
+        <p:cNvPr id="1" name=""/>
+        <p:cNvGrpSpPr/>
+        <p:nvPr/>
+      </p:nvGrpSpPr>
+      <p:grpSpPr>
+        <a:xfrm>
+          <a:off x="0" y="0"/>
+          <a:ext cx="0" cy="0"/>
+          <a:chOff x="0" y="0"/>
+          <a:chExt cx="0" cy="0"/>
+        </a:xfrm>
+      </p:grpSpPr>
+      <p:sp>
+        <p:nvSpPr>
+          <p:cNvPr id="2" name="Slide Image Placeholder 1"/>
+          <p:cNvSpPr>
+            <a:spLocks noGrp="1" noRot="1" noChangeAspect="1"/>
+          </p:cNvSpPr>
+          <p:nvPr>
+            <p:ph type="sldImg"/>
+          </p:nvPr>
+        </p:nvSpPr>
+        <p:spPr/>
+      </p:sp>
+      <p:sp>
+        <p:nvSpPr>
+          <p:cNvPr id="3" name="Notes Placeholder 2"/>
+          <p:cNvSpPr>
+            <a:spLocks noGrp="1"/>
+          </p:cNvSpPr>
+          <p:nvPr>
+            <p:ph type="body" idx="1"/>
+          </p:nvPr>
+        </p:nvSpPr>
+        <p:spPr/>
+        <p:txBody>
+          <a:bodyPr/>
+          <a:lstStyle/>
+          <a:p>
+            <a:r>
+              <a:rPr lang="en-US" sz="1200" kern="1200" dirty="0" smtClean="0">
+                <a:solidFill>
+                  <a:schemeClr val="tx1"/>
+                </a:solidFill>
+                <a:effectLst/>
+                <a:latin typeface="+mn-lt"/>
+                <a:ea typeface="+mn-ea"/>
+                <a:cs typeface="+mn-cs"/>
+              </a:rPr>
+              <a:t>This module is developed for both the management and the administrator</a:t>
+            </a:r>
+            <a:r>
+              <a:rPr lang="en-SG" sz="1200" kern="1200" dirty="0" smtClean="0">
+                <a:solidFill>
+                  <a:schemeClr val="tx1"/>
+                </a:solidFill>
+                <a:effectLst/>
+                <a:latin typeface="+mn-lt"/>
+                <a:ea typeface="+mn-ea"/>
+                <a:cs typeface="+mn-cs"/>
+              </a:rPr>
+              <a:t>r and it allows them to be </a:t>
+            </a:r>
+            <a:r>
+              <a:rPr lang="en-US" sz="1200" kern="1200" dirty="0" smtClean="0">
+                <a:solidFill>
+                  <a:schemeClr val="tx1"/>
+                </a:solidFill>
+                <a:effectLst/>
+                <a:latin typeface="+mn-lt"/>
+                <a:ea typeface="+mn-ea"/>
+                <a:cs typeface="+mn-cs"/>
+              </a:rPr>
+              <a:t>able to create, retrieve, update and delete a certain duty</a:t>
+            </a:r>
+          </a:p>
+          <a:p>
+            <a:r>
+              <a:rPr lang="en-US" sz="1200" kern="1200" dirty="0" smtClean="0">
+                <a:solidFill>
+                  <a:schemeClr val="tx1"/>
+                </a:solidFill>
+                <a:effectLst/>
+                <a:latin typeface="+mn-lt"/>
+                <a:ea typeface="+mn-ea"/>
+                <a:cs typeface="+mn-cs"/>
+              </a:rPr>
+              <a:t>‘Waterfall’ methodology</a:t>
+            </a:r>
+            <a:r>
+              <a:rPr lang="en-US" sz="1200" kern="1200" baseline="0" dirty="0" smtClean="0">
+                <a:solidFill>
+                  <a:schemeClr val="tx1"/>
+                </a:solidFill>
+                <a:effectLst/>
+                <a:latin typeface="+mn-lt"/>
+                <a:ea typeface="+mn-ea"/>
+                <a:cs typeface="+mn-cs"/>
+              </a:rPr>
+              <a:t> is used for the development of this module and it</a:t>
+            </a:r>
+            <a:r>
+              <a:rPr lang="en-US" sz="1200" kern="1200" dirty="0" smtClean="0">
+                <a:solidFill>
+                  <a:schemeClr val="tx1"/>
+                </a:solidFill>
+                <a:effectLst/>
+                <a:latin typeface="+mn-lt"/>
+                <a:ea typeface="+mn-ea"/>
+                <a:cs typeface="+mn-cs"/>
+              </a:rPr>
+              <a:t> consists various process such as</a:t>
+            </a:r>
+            <a:endParaRPr lang="en-SG" sz="1200" kern="1200" dirty="0" smtClean="0">
+              <a:solidFill>
+                <a:schemeClr val="tx1"/>
+              </a:solidFill>
+              <a:effectLst/>
+              <a:latin typeface="+mn-lt"/>
+              <a:ea typeface="+mn-ea"/>
+              <a:cs typeface="+mn-cs"/>
+            </a:endParaRPr>
+          </a:p>
+          <a:p>
+            <a:pPr lvl="0"/>
+            <a:r>
+              <a:rPr lang="en-US" sz="1200" kern="1200" dirty="0" smtClean="0">
+                <a:solidFill>
+                  <a:schemeClr val="tx1"/>
+                </a:solidFill>
+                <a:effectLst/>
+                <a:latin typeface="+mn-lt"/>
+                <a:ea typeface="+mn-ea"/>
+                <a:cs typeface="+mn-cs"/>
+              </a:rPr>
+              <a:t>Requirements</a:t>
+            </a:r>
+            <a:endParaRPr lang="en-SG" sz="1200" kern="1200" dirty="0" smtClean="0">
+              <a:solidFill>
+                <a:schemeClr val="tx1"/>
+              </a:solidFill>
+              <a:effectLst/>
+              <a:latin typeface="+mn-lt"/>
+              <a:ea typeface="+mn-ea"/>
+              <a:cs typeface="+mn-cs"/>
+            </a:endParaRPr>
+          </a:p>
+          <a:p>
+            <a:pPr lvl="0"/>
+            <a:r>
+              <a:rPr lang="en-US" sz="1200" kern="1200" dirty="0" smtClean="0">
+                <a:solidFill>
+                  <a:schemeClr val="tx1"/>
+                </a:solidFill>
+                <a:effectLst/>
+                <a:latin typeface="+mn-lt"/>
+                <a:ea typeface="+mn-ea"/>
+                <a:cs typeface="+mn-cs"/>
+              </a:rPr>
+              <a:t>Analysis/Design</a:t>
+            </a:r>
+            <a:endParaRPr lang="en-SG" sz="1200" kern="1200" dirty="0" smtClean="0">
+              <a:solidFill>
+                <a:schemeClr val="tx1"/>
+              </a:solidFill>
+              <a:effectLst/>
+              <a:latin typeface="+mn-lt"/>
+              <a:ea typeface="+mn-ea"/>
+              <a:cs typeface="+mn-cs"/>
+            </a:endParaRPr>
+          </a:p>
+          <a:p>
+            <a:pPr lvl="0"/>
+            <a:r>
+              <a:rPr lang="en-US" sz="1200" kern="1200" dirty="0" smtClean="0">
+                <a:solidFill>
+                  <a:schemeClr val="tx1"/>
+                </a:solidFill>
+                <a:effectLst/>
+                <a:latin typeface="+mn-lt"/>
+                <a:ea typeface="+mn-ea"/>
+                <a:cs typeface="+mn-cs"/>
+              </a:rPr>
+              <a:t>Coding</a:t>
+            </a:r>
+            <a:endParaRPr lang="en-SG" sz="1200" kern="1200" dirty="0" smtClean="0">
+              <a:solidFill>
+                <a:schemeClr val="tx1"/>
+              </a:solidFill>
+              <a:effectLst/>
+              <a:latin typeface="+mn-lt"/>
+              <a:ea typeface="+mn-ea"/>
+              <a:cs typeface="+mn-cs"/>
+            </a:endParaRPr>
+          </a:p>
+          <a:p>
+            <a:pPr lvl="0"/>
+            <a:r>
+              <a:rPr lang="en-US" sz="1200" kern="1200" dirty="0" smtClean="0">
+                <a:solidFill>
+                  <a:schemeClr val="tx1"/>
+                </a:solidFill>
+                <a:effectLst/>
+                <a:latin typeface="+mn-lt"/>
+                <a:ea typeface="+mn-ea"/>
+                <a:cs typeface="+mn-cs"/>
+              </a:rPr>
+              <a:t>Testing</a:t>
+            </a:r>
+            <a:endParaRPr lang="en-SG" sz="1200" kern="1200" dirty="0" smtClean="0">
+              <a:solidFill>
+                <a:schemeClr val="tx1"/>
+              </a:solidFill>
+              <a:effectLst/>
+              <a:latin typeface="+mn-lt"/>
+              <a:ea typeface="+mn-ea"/>
+              <a:cs typeface="+mn-cs"/>
+            </a:endParaRPr>
+          </a:p>
+          <a:p>
+            <a:pPr lvl="0"/>
+            <a:r>
+              <a:rPr lang="en-US" sz="1200" kern="1200" dirty="0" smtClean="0">
+                <a:solidFill>
+                  <a:schemeClr val="tx1"/>
+                </a:solidFill>
+                <a:effectLst/>
+                <a:latin typeface="+mn-lt"/>
+                <a:ea typeface="+mn-ea"/>
+                <a:cs typeface="+mn-cs"/>
+              </a:rPr>
+              <a:t>Deployment</a:t>
+            </a:r>
+          </a:p>
+          <a:p>
+            <a:pPr lvl="0"/>
+            <a:r>
+              <a:rPr lang="en-US" sz="1200" kern="1200" dirty="0" smtClean="0">
+                <a:solidFill>
+                  <a:schemeClr val="tx1"/>
+                </a:solidFill>
+                <a:effectLst/>
+                <a:latin typeface="+mn-lt"/>
+                <a:ea typeface="+mn-ea"/>
+                <a:cs typeface="+mn-cs"/>
+              </a:rPr>
+              <a:t> </a:t>
+            </a:r>
+            <a:endParaRPr lang="en-SG" sz="1200" kern="1200" dirty="0" smtClean="0">
+              <a:solidFill>
+                <a:schemeClr val="tx1"/>
+              </a:solidFill>
+              <a:effectLst/>
+              <a:latin typeface="+mn-lt"/>
+              <a:ea typeface="+mn-ea"/>
+              <a:cs typeface="+mn-cs"/>
+            </a:endParaRPr>
+          </a:p>
+          <a:p>
+            <a:r>
+              <a:rPr lang="en-US" sz="1200" u="sng" kern="1200" dirty="0" smtClean="0">
+                <a:solidFill>
+                  <a:schemeClr val="tx1"/>
+                </a:solidFill>
+                <a:effectLst/>
+                <a:latin typeface="+mn-lt"/>
+                <a:ea typeface="+mn-ea"/>
+                <a:cs typeface="+mn-cs"/>
+              </a:rPr>
+              <a:t>Requirements</a:t>
+            </a:r>
+            <a:endParaRPr lang="en-SG" sz="1200" kern="1200" dirty="0" smtClean="0">
+              <a:solidFill>
+                <a:schemeClr val="tx1"/>
+              </a:solidFill>
+              <a:effectLst/>
+              <a:latin typeface="+mn-lt"/>
+              <a:ea typeface="+mn-ea"/>
+              <a:cs typeface="+mn-cs"/>
+            </a:endParaRPr>
+          </a:p>
+          <a:p>
+            <a:r>
+              <a:rPr lang="en-US" sz="1200" u="none" strike="noStrike" kern="1200" dirty="0" smtClean="0">
+                <a:solidFill>
+                  <a:schemeClr val="tx1"/>
+                </a:solidFill>
+                <a:effectLst/>
+                <a:latin typeface="+mn-lt"/>
+                <a:ea typeface="+mn-ea"/>
+                <a:cs typeface="+mn-cs"/>
+              </a:rPr>
+              <a:t> During the requirements process,</a:t>
+            </a:r>
+            <a:r>
+              <a:rPr lang="en-US" sz="1200" u="none" strike="noStrike" kern="1200" baseline="0" dirty="0" smtClean="0">
+                <a:solidFill>
+                  <a:schemeClr val="tx1"/>
+                </a:solidFill>
+                <a:effectLst/>
+                <a:latin typeface="+mn-lt"/>
+                <a:ea typeface="+mn-ea"/>
+                <a:cs typeface="+mn-cs"/>
+              </a:rPr>
+              <a:t> the functions needed will be stated and the outcome of this project will have to meet the requirements stated in this </a:t>
+            </a:r>
+            <a:r>
+              <a:rPr lang="en-US" sz="1200" u="none" strike="noStrike" kern="1200" baseline="0" smtClean="0">
+                <a:solidFill>
+                  <a:schemeClr val="tx1"/>
+                </a:solidFill>
+                <a:effectLst/>
+                <a:latin typeface="+mn-lt"/>
+                <a:ea typeface="+mn-ea"/>
+                <a:cs typeface="+mn-cs"/>
+              </a:rPr>
+              <a:t>process.</a:t>
+            </a:r>
+          </a:p>
+          <a:p>
+            <a:endParaRPr lang="en-SG" sz="1200" kern="1200" dirty="0" smtClean="0">
+              <a:solidFill>
+                <a:schemeClr val="tx1"/>
+              </a:solidFill>
+              <a:effectLst/>
+              <a:latin typeface="+mn-lt"/>
+              <a:ea typeface="+mn-ea"/>
+              <a:cs typeface="+mn-cs"/>
+            </a:endParaRPr>
+          </a:p>
+          <a:p>
+            <a:pPr lvl="0"/>
+            <a:r>
+              <a:rPr lang="en-US" sz="1200" kern="1200" dirty="0" smtClean="0">
+                <a:solidFill>
+                  <a:schemeClr val="tx1"/>
+                </a:solidFill>
+                <a:effectLst/>
+                <a:latin typeface="+mn-lt"/>
+                <a:ea typeface="+mn-ea"/>
+                <a:cs typeface="+mn-cs"/>
+              </a:rPr>
+              <a:t>All five functions (Create, Retrieve, Update &amp; Delete) are required</a:t>
+            </a:r>
+            <a:endParaRPr lang="en-SG" sz="1200" kern="1200" dirty="0" smtClean="0">
+              <a:solidFill>
+                <a:schemeClr val="tx1"/>
+              </a:solidFill>
+              <a:effectLst/>
+              <a:latin typeface="+mn-lt"/>
+              <a:ea typeface="+mn-ea"/>
+              <a:cs typeface="+mn-cs"/>
+            </a:endParaRPr>
+          </a:p>
+          <a:p>
+            <a:pPr lvl="0"/>
+            <a:r>
+              <a:rPr lang="en-US" sz="1200" kern="1200" dirty="0" smtClean="0">
+                <a:solidFill>
+                  <a:schemeClr val="tx1"/>
+                </a:solidFill>
+                <a:effectLst/>
+                <a:latin typeface="+mn-lt"/>
+                <a:ea typeface="+mn-ea"/>
+                <a:cs typeface="+mn-cs"/>
+              </a:rPr>
+              <a:t>Both Management users and Administrator are able to retrieve all housekeeping duties from the database</a:t>
+            </a:r>
+            <a:endParaRPr lang="en-SG" sz="1200" kern="1200" dirty="0" smtClean="0">
+              <a:solidFill>
+                <a:schemeClr val="tx1"/>
+              </a:solidFill>
+              <a:effectLst/>
+              <a:latin typeface="+mn-lt"/>
+              <a:ea typeface="+mn-ea"/>
+              <a:cs typeface="+mn-cs"/>
+            </a:endParaRPr>
+          </a:p>
+          <a:p>
+            <a:pPr lvl="0"/>
+            <a:r>
+              <a:rPr lang="en-US" sz="1200" kern="1200" dirty="0" smtClean="0">
+                <a:solidFill>
+                  <a:schemeClr val="tx1"/>
+                </a:solidFill>
+                <a:effectLst/>
+                <a:latin typeface="+mn-lt"/>
+                <a:ea typeface="+mn-ea"/>
+                <a:cs typeface="+mn-cs"/>
+              </a:rPr>
+              <a:t>Both Management users and Administrator are able to create new housekeeping duties</a:t>
+            </a:r>
+            <a:endParaRPr lang="en-SG" sz="1200" kern="1200" dirty="0" smtClean="0">
+              <a:solidFill>
+                <a:schemeClr val="tx1"/>
+              </a:solidFill>
+              <a:effectLst/>
+              <a:latin typeface="+mn-lt"/>
+              <a:ea typeface="+mn-ea"/>
+              <a:cs typeface="+mn-cs"/>
+            </a:endParaRPr>
+          </a:p>
+          <a:p>
+            <a:pPr lvl="0"/>
+            <a:r>
+              <a:rPr lang="en-US" sz="1200" kern="1200" dirty="0" smtClean="0">
+                <a:solidFill>
+                  <a:schemeClr val="tx1"/>
+                </a:solidFill>
+                <a:effectLst/>
+                <a:latin typeface="+mn-lt"/>
+                <a:ea typeface="+mn-ea"/>
+                <a:cs typeface="+mn-cs"/>
+              </a:rPr>
+              <a:t>Both Management users and Administrator are able to update current duties that are in the database</a:t>
+            </a:r>
+            <a:endParaRPr lang="en-SG" sz="1200" kern="1200" dirty="0" smtClean="0">
+              <a:solidFill>
+                <a:schemeClr val="tx1"/>
+              </a:solidFill>
+              <a:effectLst/>
+              <a:latin typeface="+mn-lt"/>
+              <a:ea typeface="+mn-ea"/>
+              <a:cs typeface="+mn-cs"/>
+            </a:endParaRPr>
+          </a:p>
+          <a:p>
+            <a:r>
+              <a:rPr lang="en-US" sz="1200" kern="1200" dirty="0" smtClean="0">
+                <a:solidFill>
+                  <a:schemeClr val="tx1"/>
+                </a:solidFill>
+                <a:effectLst/>
+                <a:latin typeface="+mn-lt"/>
+                <a:ea typeface="+mn-ea"/>
+                <a:cs typeface="+mn-cs"/>
+              </a:rPr>
+              <a:t> Both Management users and Administrator are able to delete duties from the database</a:t>
+            </a:r>
+            <a:endParaRPr lang="en-SG" sz="1200" kern="1200" dirty="0" smtClean="0">
+              <a:solidFill>
+                <a:schemeClr val="tx1"/>
+              </a:solidFill>
+              <a:effectLst/>
+              <a:latin typeface="+mn-lt"/>
+              <a:ea typeface="+mn-ea"/>
+              <a:cs typeface="+mn-cs"/>
+            </a:endParaRPr>
+          </a:p>
+          <a:p>
+            <a:r>
+              <a:rPr lang="en-US" sz="1200" kern="1200" dirty="0" smtClean="0">
+                <a:solidFill>
+                  <a:schemeClr val="tx1"/>
+                </a:solidFill>
+                <a:effectLst/>
+                <a:latin typeface="+mn-lt"/>
+                <a:ea typeface="+mn-ea"/>
+                <a:cs typeface="+mn-cs"/>
+              </a:rPr>
+              <a:t> </a:t>
+            </a:r>
+            <a:endParaRPr lang="en-SG" sz="1200" kern="1200" dirty="0" smtClean="0">
+              <a:solidFill>
+                <a:schemeClr val="tx1"/>
+              </a:solidFill>
+              <a:effectLst/>
+              <a:latin typeface="+mn-lt"/>
+              <a:ea typeface="+mn-ea"/>
+              <a:cs typeface="+mn-cs"/>
+            </a:endParaRPr>
+          </a:p>
+          <a:p>
+            <a:r>
+              <a:rPr lang="en-US" sz="1200" kern="1200" dirty="0" smtClean="0">
+                <a:solidFill>
+                  <a:schemeClr val="tx1"/>
+                </a:solidFill>
+                <a:effectLst/>
+                <a:latin typeface="+mn-lt"/>
+                <a:ea typeface="+mn-ea"/>
+                <a:cs typeface="+mn-cs"/>
+              </a:rPr>
+              <a:t> </a:t>
+            </a:r>
+            <a:endParaRPr lang="en-SG" sz="1200" kern="1200" dirty="0" smtClean="0">
+              <a:solidFill>
+                <a:schemeClr val="tx1"/>
+              </a:solidFill>
+              <a:effectLst/>
+              <a:latin typeface="+mn-lt"/>
+              <a:ea typeface="+mn-ea"/>
+              <a:cs typeface="+mn-cs"/>
+            </a:endParaRPr>
+          </a:p>
+          <a:p>
+            <a:r>
+              <a:rPr lang="en-US" sz="1200" u="sng" kern="1200" dirty="0" smtClean="0">
+                <a:solidFill>
+                  <a:schemeClr val="tx1"/>
+                </a:solidFill>
+                <a:effectLst/>
+                <a:latin typeface="+mn-lt"/>
+                <a:ea typeface="+mn-ea"/>
+                <a:cs typeface="+mn-cs"/>
+              </a:rPr>
+              <a:t>Analysis/Design</a:t>
+            </a:r>
+            <a:endParaRPr lang="en-SG" sz="1200" kern="1200" dirty="0" smtClean="0">
+              <a:solidFill>
+                <a:schemeClr val="tx1"/>
+              </a:solidFill>
+              <a:effectLst/>
+              <a:latin typeface="+mn-lt"/>
+              <a:ea typeface="+mn-ea"/>
+              <a:cs typeface="+mn-cs"/>
+            </a:endParaRPr>
+          </a:p>
+          <a:p>
+            <a:r>
+              <a:rPr lang="en-US" sz="1200" kern="1200" dirty="0" smtClean="0">
+                <a:solidFill>
+                  <a:schemeClr val="tx1"/>
+                </a:solidFill>
+                <a:effectLst/>
+                <a:latin typeface="+mn-lt"/>
+                <a:ea typeface="+mn-ea"/>
+                <a:cs typeface="+mn-cs"/>
+              </a:rPr>
+              <a:t/>
+            </a:r>
+            <a:br>
+              <a:rPr lang="en-US" sz="1200" kern="1200" dirty="0" smtClean="0">
+                <a:solidFill>
+                  <a:schemeClr val="tx1"/>
+                </a:solidFill>
+                <a:effectLst/>
+                <a:latin typeface="+mn-lt"/>
+                <a:ea typeface="+mn-ea"/>
+                <a:cs typeface="+mn-cs"/>
+              </a:rPr>
+            </a:br>
+            <a:r>
+              <a:rPr lang="en-US" sz="1200" kern="1200" dirty="0" smtClean="0">
+                <a:solidFill>
+                  <a:schemeClr val="tx1"/>
+                </a:solidFill>
+                <a:effectLst/>
+                <a:latin typeface="+mn-lt"/>
+                <a:ea typeface="+mn-ea"/>
+                <a:cs typeface="+mn-cs"/>
+              </a:rPr>
+              <a:t>For the function design, the ‘easy flow’ of usage of the application was taken into consideration. It was first hand drawn on a piece of paper which would then have additional things if necessary.</a:t>
+            </a:r>
+            <a:endParaRPr lang="en-SG" sz="1200" kern="1200" dirty="0" smtClean="0">
+              <a:solidFill>
+                <a:schemeClr val="tx1"/>
+              </a:solidFill>
+              <a:effectLst/>
+              <a:latin typeface="+mn-lt"/>
+              <a:ea typeface="+mn-ea"/>
+              <a:cs typeface="+mn-cs"/>
+            </a:endParaRPr>
+          </a:p>
+          <a:p>
+            <a:r>
+              <a:rPr lang="en-US" sz="1200" kern="1200" dirty="0" smtClean="0">
+                <a:solidFill>
+                  <a:schemeClr val="tx1"/>
+                </a:solidFill>
+                <a:effectLst/>
+                <a:latin typeface="+mn-lt"/>
+                <a:ea typeface="+mn-ea"/>
+                <a:cs typeface="+mn-cs"/>
+              </a:rPr>
+              <a:t> </a:t>
+            </a:r>
+            <a:endParaRPr lang="en-SG" sz="1200" kern="1200" dirty="0" smtClean="0">
+              <a:solidFill>
+                <a:schemeClr val="tx1"/>
+              </a:solidFill>
+              <a:effectLst/>
+              <a:latin typeface="+mn-lt"/>
+              <a:ea typeface="+mn-ea"/>
+              <a:cs typeface="+mn-cs"/>
+            </a:endParaRPr>
+          </a:p>
+          <a:p>
+            <a:r>
+              <a:rPr lang="en-US" sz="1200" u="sng" kern="1200" dirty="0" smtClean="0">
+                <a:solidFill>
+                  <a:schemeClr val="tx1"/>
+                </a:solidFill>
+                <a:effectLst/>
+                <a:latin typeface="+mn-lt"/>
+                <a:ea typeface="+mn-ea"/>
+                <a:cs typeface="+mn-cs"/>
+              </a:rPr>
+              <a:t>Coding</a:t>
+            </a:r>
+            <a:endParaRPr lang="en-SG" sz="1200" kern="1200" dirty="0" smtClean="0">
+              <a:solidFill>
+                <a:schemeClr val="tx1"/>
+              </a:solidFill>
+              <a:effectLst/>
+              <a:latin typeface="+mn-lt"/>
+              <a:ea typeface="+mn-ea"/>
+              <a:cs typeface="+mn-cs"/>
+            </a:endParaRPr>
+          </a:p>
+          <a:p>
+            <a:r>
+              <a:rPr lang="en-US" sz="1200" kern="1200" dirty="0" smtClean="0">
+                <a:solidFill>
+                  <a:schemeClr val="tx1"/>
+                </a:solidFill>
+                <a:effectLst/>
+                <a:latin typeface="+mn-lt"/>
+                <a:ea typeface="+mn-ea"/>
+                <a:cs typeface="+mn-cs"/>
+              </a:rPr>
+              <a:t> </a:t>
+            </a:r>
+            <a:endParaRPr lang="en-SG" sz="1200" kern="1200" dirty="0" smtClean="0">
+              <a:solidFill>
+                <a:schemeClr val="tx1"/>
+              </a:solidFill>
+              <a:effectLst/>
+              <a:latin typeface="+mn-lt"/>
+              <a:ea typeface="+mn-ea"/>
+              <a:cs typeface="+mn-cs"/>
+            </a:endParaRPr>
+          </a:p>
+          <a:p>
+            <a:r>
+              <a:rPr lang="en-US" sz="1200" kern="1200" dirty="0" smtClean="0">
+                <a:solidFill>
+                  <a:schemeClr val="tx1"/>
+                </a:solidFill>
+                <a:effectLst/>
+                <a:latin typeface="+mn-lt"/>
+                <a:ea typeface="+mn-ea"/>
+                <a:cs typeface="+mn-cs"/>
+              </a:rPr>
+              <a:t>Individual function’s codes will be first researched on. Once the research is done, coding will be programmed separately and will then be put together in the sub-section tabs in the system.</a:t>
+            </a:r>
+            <a:endParaRPr lang="en-SG" sz="1200" kern="1200" dirty="0" smtClean="0">
+              <a:solidFill>
+                <a:schemeClr val="tx1"/>
+              </a:solidFill>
+              <a:effectLst/>
+              <a:latin typeface="+mn-lt"/>
+              <a:ea typeface="+mn-ea"/>
+              <a:cs typeface="+mn-cs"/>
+            </a:endParaRPr>
+          </a:p>
+          <a:p>
+            <a:r>
+              <a:rPr lang="en-US" sz="1200" kern="1200" dirty="0" smtClean="0">
+                <a:solidFill>
+                  <a:schemeClr val="tx1"/>
+                </a:solidFill>
+                <a:effectLst/>
+                <a:latin typeface="+mn-lt"/>
+                <a:ea typeface="+mn-ea"/>
+                <a:cs typeface="+mn-cs"/>
+              </a:rPr>
+              <a:t>Codes must be taken into consideration as to which user have access to what functions.</a:t>
+            </a:r>
+            <a:endParaRPr lang="en-SG" sz="1200" kern="1200" dirty="0" smtClean="0">
+              <a:solidFill>
+                <a:schemeClr val="tx1"/>
+              </a:solidFill>
+              <a:effectLst/>
+              <a:latin typeface="+mn-lt"/>
+              <a:ea typeface="+mn-ea"/>
+              <a:cs typeface="+mn-cs"/>
+            </a:endParaRPr>
+          </a:p>
+          <a:p>
+            <a:r>
+              <a:rPr lang="en-US" sz="1200" kern="1200" dirty="0" smtClean="0">
+                <a:solidFill>
+                  <a:schemeClr val="tx1"/>
+                </a:solidFill>
+                <a:effectLst/>
+                <a:latin typeface="+mn-lt"/>
+                <a:ea typeface="+mn-ea"/>
+                <a:cs typeface="+mn-cs"/>
+              </a:rPr>
+              <a:t>The codes will be done in Microsoft Visual Studio 2013 which would then link up to Microsoft </a:t>
+            </a:r>
+            <a:r>
+              <a:rPr lang="en-US" sz="1200" kern="1200" dirty="0" err="1" smtClean="0">
+                <a:solidFill>
+                  <a:schemeClr val="tx1"/>
+                </a:solidFill>
+                <a:effectLst/>
+                <a:latin typeface="+mn-lt"/>
+                <a:ea typeface="+mn-ea"/>
+                <a:cs typeface="+mn-cs"/>
+              </a:rPr>
+              <a:t>Sql</a:t>
+            </a:r>
+            <a:r>
+              <a:rPr lang="en-US" sz="1200" kern="1200" dirty="0" smtClean="0">
+                <a:solidFill>
+                  <a:schemeClr val="tx1"/>
+                </a:solidFill>
+                <a:effectLst/>
+                <a:latin typeface="+mn-lt"/>
+                <a:ea typeface="+mn-ea"/>
+                <a:cs typeface="+mn-cs"/>
+              </a:rPr>
+              <a:t> Server 2012.</a:t>
+            </a:r>
+            <a:endParaRPr lang="en-SG" sz="1200" kern="1200" dirty="0" smtClean="0">
+              <a:solidFill>
+                <a:schemeClr val="tx1"/>
+              </a:solidFill>
+              <a:effectLst/>
+              <a:latin typeface="+mn-lt"/>
+              <a:ea typeface="+mn-ea"/>
+              <a:cs typeface="+mn-cs"/>
+            </a:endParaRPr>
+          </a:p>
+          <a:p>
+            <a:r>
+              <a:rPr lang="en-US" sz="1200" kern="1200" dirty="0" smtClean="0">
+                <a:solidFill>
+                  <a:schemeClr val="tx1"/>
+                </a:solidFill>
+                <a:effectLst/>
+                <a:latin typeface="+mn-lt"/>
+                <a:ea typeface="+mn-ea"/>
+                <a:cs typeface="+mn-cs"/>
+              </a:rPr>
+              <a:t> </a:t>
+            </a:r>
+            <a:endParaRPr lang="en-SG" sz="1200" kern="1200" dirty="0" smtClean="0">
+              <a:solidFill>
+                <a:schemeClr val="tx1"/>
+              </a:solidFill>
+              <a:effectLst/>
+              <a:latin typeface="+mn-lt"/>
+              <a:ea typeface="+mn-ea"/>
+              <a:cs typeface="+mn-cs"/>
+            </a:endParaRPr>
+          </a:p>
+          <a:p>
+            <a:r>
+              <a:rPr lang="en-US" sz="1200" u="sng" kern="1200" dirty="0" smtClean="0">
+                <a:solidFill>
+                  <a:schemeClr val="tx1"/>
+                </a:solidFill>
+                <a:effectLst/>
+                <a:latin typeface="+mn-lt"/>
+                <a:ea typeface="+mn-ea"/>
+                <a:cs typeface="+mn-cs"/>
+              </a:rPr>
+              <a:t>Testing</a:t>
+            </a:r>
+            <a:endParaRPr lang="en-SG" sz="1200" kern="1200" dirty="0" smtClean="0">
+              <a:solidFill>
+                <a:schemeClr val="tx1"/>
+              </a:solidFill>
+              <a:effectLst/>
+              <a:latin typeface="+mn-lt"/>
+              <a:ea typeface="+mn-ea"/>
+              <a:cs typeface="+mn-cs"/>
+            </a:endParaRPr>
+          </a:p>
+          <a:p>
+            <a:r>
+              <a:rPr lang="en-US" sz="1200" u="none" strike="noStrike" kern="1200" dirty="0" smtClean="0">
+                <a:solidFill>
+                  <a:schemeClr val="tx1"/>
+                </a:solidFill>
+                <a:effectLst/>
+                <a:latin typeface="+mn-lt"/>
+                <a:ea typeface="+mn-ea"/>
+                <a:cs typeface="+mn-cs"/>
+              </a:rPr>
+              <a:t> </a:t>
+            </a:r>
+            <a:endParaRPr lang="en-SG" sz="1200" kern="1200" dirty="0" smtClean="0">
+              <a:solidFill>
+                <a:schemeClr val="tx1"/>
+              </a:solidFill>
+              <a:effectLst/>
+              <a:latin typeface="+mn-lt"/>
+              <a:ea typeface="+mn-ea"/>
+              <a:cs typeface="+mn-cs"/>
+            </a:endParaRPr>
+          </a:p>
+          <a:p>
+            <a:r>
+              <a:rPr lang="en-US" sz="1200" kern="1200" dirty="0" smtClean="0">
+                <a:solidFill>
+                  <a:schemeClr val="tx1"/>
+                </a:solidFill>
+                <a:effectLst/>
+                <a:latin typeface="+mn-lt"/>
+                <a:ea typeface="+mn-ea"/>
+                <a:cs typeface="+mn-cs"/>
+              </a:rPr>
+              <a:t>Once the codes are done, testing phase will occur. The testing will be done with reference to the Test Logs.</a:t>
+            </a:r>
+            <a:endParaRPr lang="en-SG" sz="1200" kern="1200" dirty="0" smtClean="0">
+              <a:solidFill>
+                <a:schemeClr val="tx1"/>
+              </a:solidFill>
+              <a:effectLst/>
+              <a:latin typeface="+mn-lt"/>
+              <a:ea typeface="+mn-ea"/>
+              <a:cs typeface="+mn-cs"/>
+            </a:endParaRPr>
+          </a:p>
+          <a:p>
+            <a:r>
+              <a:rPr lang="en-US" sz="1200" kern="1200" dirty="0" smtClean="0">
+                <a:solidFill>
+                  <a:schemeClr val="tx1"/>
+                </a:solidFill>
+                <a:effectLst/>
+                <a:latin typeface="+mn-lt"/>
+                <a:ea typeface="+mn-ea"/>
+                <a:cs typeface="+mn-cs"/>
+              </a:rPr>
+              <a:t> </a:t>
+            </a:r>
+            <a:endParaRPr lang="en-SG" sz="1200" kern="1200" dirty="0" smtClean="0">
+              <a:solidFill>
+                <a:schemeClr val="tx1"/>
+              </a:solidFill>
+              <a:effectLst/>
+              <a:latin typeface="+mn-lt"/>
+              <a:ea typeface="+mn-ea"/>
+              <a:cs typeface="+mn-cs"/>
+            </a:endParaRPr>
+          </a:p>
+          <a:p>
+            <a:r>
+              <a:rPr lang="en-US" sz="1200" u="sng" kern="1200" dirty="0" smtClean="0">
+                <a:solidFill>
+                  <a:schemeClr val="tx1"/>
+                </a:solidFill>
+                <a:effectLst/>
+                <a:latin typeface="+mn-lt"/>
+                <a:ea typeface="+mn-ea"/>
+                <a:cs typeface="+mn-cs"/>
+              </a:rPr>
+              <a:t>Deployment</a:t>
+            </a:r>
+            <a:endParaRPr lang="en-SG" sz="1200" kern="1200" dirty="0" smtClean="0">
+              <a:solidFill>
+                <a:schemeClr val="tx1"/>
+              </a:solidFill>
+              <a:effectLst/>
+              <a:latin typeface="+mn-lt"/>
+              <a:ea typeface="+mn-ea"/>
+              <a:cs typeface="+mn-cs"/>
+            </a:endParaRPr>
+          </a:p>
+          <a:p>
+            <a:r>
+              <a:rPr lang="en-US" sz="1200" u="none" strike="noStrike" kern="1200" dirty="0" smtClean="0">
+                <a:solidFill>
+                  <a:schemeClr val="tx1"/>
+                </a:solidFill>
+                <a:effectLst/>
+                <a:latin typeface="+mn-lt"/>
+                <a:ea typeface="+mn-ea"/>
+                <a:cs typeface="+mn-cs"/>
+              </a:rPr>
+              <a:t> </a:t>
+            </a:r>
+            <a:endParaRPr lang="en-SG" sz="1200" kern="1200" dirty="0" smtClean="0">
+              <a:solidFill>
+                <a:schemeClr val="tx1"/>
+              </a:solidFill>
+              <a:effectLst/>
+              <a:latin typeface="+mn-lt"/>
+              <a:ea typeface="+mn-ea"/>
+              <a:cs typeface="+mn-cs"/>
+            </a:endParaRPr>
+          </a:p>
+          <a:p>
+            <a:r>
+              <a:rPr lang="en-US" sz="1200" kern="1200" dirty="0" smtClean="0">
+                <a:solidFill>
+                  <a:schemeClr val="tx1"/>
+                </a:solidFill>
+                <a:effectLst/>
+                <a:latin typeface="+mn-lt"/>
+                <a:ea typeface="+mn-ea"/>
+                <a:cs typeface="+mn-cs"/>
+              </a:rPr>
+              <a:t>Once it is tested, it will be then sent for deployment for users to try in order to gather feedbacks.</a:t>
+            </a:r>
+            <a:endParaRPr lang="en-SG" sz="1200" kern="1200" dirty="0" smtClean="0">
+              <a:solidFill>
+                <a:schemeClr val="tx1"/>
+              </a:solidFill>
+              <a:effectLst/>
+              <a:latin typeface="+mn-lt"/>
+              <a:ea typeface="+mn-ea"/>
+              <a:cs typeface="+mn-cs"/>
+            </a:endParaRPr>
+          </a:p>
+          <a:p>
+            <a:endParaRPr lang="en-SG" dirty="0"/>
+          </a:p>
+        </p:txBody>
+      </p:sp>
+      <p:sp>
+        <p:nvSpPr>
+          <p:cNvPr id="4" name="Slide Number Placeholder 3"/>
+          <p:cNvSpPr>
+            <a:spLocks noGrp="1"/>
+          </p:cNvSpPr>
+          <p:nvPr>
+            <p:ph type="sldNum" sz="quarter" idx="10"/>
+          </p:nvPr>
+        </p:nvSpPr>
+        <p:spPr/>
+        <p:txBody>
+          <a:bodyPr/>
+          <a:lstStyle/>
+          <a:p>
+            <a:fld id="{FF491BE1-80E0-4DCE-9102-038343DDEE2B}" type="slidenum">
+              <a:rPr lang="en-US" smtClean="0"/>
+              <a:t>4</a:t>
+            </a:fld>
+            <a:endParaRPr lang="en-US"/>
+          </a:p>
+        </p:txBody>
+      </p:sp>
+    </p:spTree>
+    <p:extLst>
+      <p:ext uri="{BB962C8B-B14F-4D97-AF65-F5344CB8AC3E}">
+        <p14:creationId xmlns:p14="http://schemas.microsoft.com/office/powerpoint/2010/main" val="361988375"/>
+      </p:ext>
+    </p:extLst>
+  </p:cSld>
+  <p:clrMapOvr>
+    <a:masterClrMapping/>
+  </p:clrMapOvr>
+</p:notes>
+</file>
+
+<file path=ppt/notesSlides/notesSlide4.xml><?xml version="1.0" encoding="utf-8"?>
+<p:notes xmlns:a="http://schemas.openxmlformats.org/drawingml/2006/main" xmlns:r="http://schemas.openxmlformats.org/officeDocument/2006/relationships" xmlns:p="http://schemas.openxmlformats.org/presentationml/2006/main">
+  <p:cSld>
+    <p:spTree>
+      <p:nvGrpSpPr>
+        <p:cNvPr id="1" name=""/>
+        <p:cNvGrpSpPr/>
+        <p:nvPr/>
+      </p:nvGrpSpPr>
+      <p:grpSpPr>
+        <a:xfrm>
+          <a:off x="0" y="0"/>
+          <a:ext cx="0" cy="0"/>
+          <a:chOff x="0" y="0"/>
+          <a:chExt cx="0" cy="0"/>
+        </a:xfrm>
+      </p:grpSpPr>
+      <p:sp>
+        <p:nvSpPr>
+          <p:cNvPr id="2" name="Slide Image Placeholder 1"/>
+          <p:cNvSpPr>
+            <a:spLocks noGrp="1" noRot="1" noChangeAspect="1"/>
+          </p:cNvSpPr>
+          <p:nvPr>
+            <p:ph type="sldImg"/>
+          </p:nvPr>
+        </p:nvSpPr>
+        <p:spPr/>
+      </p:sp>
+      <p:sp>
+        <p:nvSpPr>
+          <p:cNvPr id="3" name="Notes Placeholder 2"/>
+          <p:cNvSpPr>
+            <a:spLocks noGrp="1"/>
+          </p:cNvSpPr>
+          <p:nvPr>
+            <p:ph type="body" idx="1"/>
+          </p:nvPr>
+        </p:nvSpPr>
+        <p:spPr/>
+        <p:txBody>
+          <a:bodyPr/>
+          <a:lstStyle/>
+          <a:p>
+            <a:r>
+              <a:rPr lang="en-US" sz="1200" kern="1200" dirty="0" smtClean="0">
+                <a:solidFill>
+                  <a:schemeClr val="tx1"/>
+                </a:solidFill>
+                <a:effectLst/>
+                <a:latin typeface="+mn-lt"/>
+                <a:ea typeface="+mn-ea"/>
+                <a:cs typeface="+mn-cs"/>
+              </a:rPr>
               <a:t>User ranges from receptionist, management and administrator</a:t>
             </a:r>
             <a:br>
@@ -559,7 +2178,7 @@
           <a:p>
             <a:fld id="{FF491BE1-80E0-4DCE-9102-038343DDEE2B}" type="slidenum">
               <a:rPr lang="en-US" smtClean="0"/>
-              <a:t>5</a:t>
+              <a:t>8</a:t>
             </a:fld>
             <a:endParaRPr lang="en-US"/>
           </a:p>
@@ -764,7 +2383,7 @@
           <a:p>
             <a:fld id="{9A1B6128-0A2F-42B8-B22C-1CB21B575655}" type="datetimeFigureOut">
               <a:rPr lang="en-SG" smtClean="0"/>
-              <a:t>3/6/2015</a:t>
+              <a:t>4/6/2015</a:t>
             </a:fld>
             <a:endParaRPr lang="en-SG"/>
           </a:p>
@@ -1039,7 +2658,7 @@
           <a:p>
             <a:fld id="{9A1B6128-0A2F-42B8-B22C-1CB21B575655}" type="datetimeFigureOut">
               <a:rPr lang="en-SG" smtClean="0"/>
-              <a:t>3/6/2015</a:t>
+              <a:t>4/6/2015</a:t>
             </a:fld>
             <a:endParaRPr lang="en-SG"/>
           </a:p>
@@ -1233,7 +2852,7 @@
           <a:p>
             <a:fld id="{9A1B6128-0A2F-42B8-B22C-1CB21B575655}" type="datetimeFigureOut">
               <a:rPr lang="en-SG" smtClean="0"/>
-              <a:t>3/6/2015</a:t>
+              <a:t>4/6/2015</a:t>
             </a:fld>
             <a:endParaRPr lang="en-SG"/>
           </a:p>
@@ -1506,7 +3125,7 @@
           <a:p>
             <a:fld id="{9A1B6128-0A2F-42B8-B22C-1CB21B575655}" type="datetimeFigureOut">
               <a:rPr lang="en-SG" smtClean="0"/>
-              <a:t>3/6/2015</a:t>
+              <a:t>4/6/2015</a:t>
             </a:fld>
             <a:endParaRPr lang="en-SG"/>
           </a:p>
@@ -1847,7 +3466,7 @@
           <a:p>
             <a:fld id="{9A1B6128-0A2F-42B8-B22C-1CB21B575655}" type="datetimeFigureOut">
               <a:rPr lang="en-SG" smtClean="0"/>
-              <a:t>3/6/2015</a:t>
+              <a:t>4/6/2015</a:t>
             </a:fld>
             <a:endParaRPr lang="en-SG"/>
           </a:p>
@@ -2470,7 +4089,7 @@
           <a:p>
             <a:fld id="{9A1B6128-0A2F-42B8-B22C-1CB21B575655}" type="datetimeFigureOut">
               <a:rPr lang="en-SG" smtClean="0"/>
-              <a:t>3/6/2015</a:t>
+              <a:t>4/6/2015</a:t>
             </a:fld>
             <a:endParaRPr lang="en-SG"/>
           </a:p>
@@ -3330,7 +4949,7 @@
           <a:p>
             <a:fld id="{9A1B6128-0A2F-42B8-B22C-1CB21B575655}" type="datetimeFigureOut">
               <a:rPr lang="en-SG" smtClean="0"/>
-              <a:t>3/6/2015</a:t>
+              <a:t>4/6/2015</a:t>
             </a:fld>
             <a:endParaRPr lang="en-SG"/>
           </a:p>
@@ -3500,7 +5119,7 @@
           <a:p>
             <a:fld id="{9A1B6128-0A2F-42B8-B22C-1CB21B575655}" type="datetimeFigureOut">
               <a:rPr lang="en-SG" smtClean="0"/>
-              <a:t>3/6/2015</a:t>
+              <a:t>4/6/2015</a:t>
             </a:fld>
             <a:endParaRPr lang="en-SG"/>
           </a:p>
@@ -3680,7 +5299,7 @@
           <a:p>
             <a:fld id="{9A1B6128-0A2F-42B8-B22C-1CB21B575655}" type="datetimeFigureOut">
               <a:rPr lang="en-SG" smtClean="0"/>
-              <a:t>3/6/2015</a:t>
+              <a:t>4/6/2015</a:t>
             </a:fld>
             <a:endParaRPr lang="en-SG"/>
           </a:p>
@@ -3850,7 +5469,7 @@
           <a:p>
             <a:fld id="{9A1B6128-0A2F-42B8-B22C-1CB21B575655}" type="datetimeFigureOut">
               <a:rPr lang="en-SG" smtClean="0"/>
-              <a:t>3/6/2015</a:t>
+              <a:t>4/6/2015</a:t>
             </a:fld>
             <a:endParaRPr lang="en-SG"/>
           </a:p>
@@ -4097,7 +5716,7 @@
           <a:p>
             <a:fld id="{9A1B6128-0A2F-42B8-B22C-1CB21B575655}" type="datetimeFigureOut">
               <a:rPr lang="en-SG" smtClean="0"/>
-              <a:t>3/6/2015</a:t>
+              <a:t>4/6/2015</a:t>
             </a:fld>
             <a:endParaRPr lang="en-SG"/>
           </a:p>
@@ -4389,7 +6008,7 @@
           <a:p>
             <a:fld id="{9A1B6128-0A2F-42B8-B22C-1CB21B575655}" type="datetimeFigureOut">
               <a:rPr lang="en-SG" smtClean="0"/>
-              <a:t>3/6/2015</a:t>
+              <a:t>4/6/2015</a:t>
             </a:fld>
             <a:endParaRPr lang="en-SG"/>
           </a:p>
@@ -4833,7 +6452,7 @@
           <a:p>
             <a:fld id="{9A1B6128-0A2F-42B8-B22C-1CB21B575655}" type="datetimeFigureOut">
               <a:rPr lang="en-SG" smtClean="0"/>
-              <a:t>3/6/2015</a:t>
+              <a:t>4/6/2015</a:t>
             </a:fld>
             <a:endParaRPr lang="en-SG"/>
           </a:p>
@@ -4951,7 +6570,7 @@
           <a:p>
             <a:fld id="{9A1B6128-0A2F-42B8-B22C-1CB21B575655}" type="datetimeFigureOut">
               <a:rPr lang="en-SG" smtClean="0"/>
-              <a:t>3/6/2015</a:t>
+              <a:t>4/6/2015</a:t>
             </a:fld>
             <a:endParaRPr lang="en-SG"/>
           </a:p>
@@ -5046,7 +6665,7 @@
           <a:p>
             <a:fld id="{9A1B6128-0A2F-42B8-B22C-1CB21B575655}" type="datetimeFigureOut">
               <a:rPr lang="en-SG" smtClean="0"/>
-              <a:t>3/6/2015</a:t>
+              <a:t>4/6/2015</a:t>
             </a:fld>
             <a:endParaRPr lang="en-SG"/>
           </a:p>
@@ -5325,7 +6944,7 @@
           <a:p>
             <a:fld id="{9A1B6128-0A2F-42B8-B22C-1CB21B575655}" type="datetimeFigureOut">
               <a:rPr lang="en-SG" smtClean="0"/>
-              <a:t>3/6/2015</a:t>
+              <a:t>4/6/2015</a:t>
             </a:fld>
             <a:endParaRPr lang="en-SG"/>
           </a:p>
@@ -5600,7 +7219,7 @@
           <a:p>
             <a:fld id="{9A1B6128-0A2F-42B8-B22C-1CB21B575655}" type="datetimeFigureOut">
               <a:rPr lang="en-SG" smtClean="0"/>
-              <a:t>3/6/2015</a:t>
+              <a:t>4/6/2015</a:t>
             </a:fld>
             <a:endParaRPr lang="en-SG"/>
           </a:p>
@@ -6029,7 +7648,7 @@
           <a:p>
             <a:fld id="{9A1B6128-0A2F-42B8-B22C-1CB21B575655}" type="datetimeFigureOut">
               <a:rPr lang="en-SG" smtClean="0"/>
-              <a:t>3/6/2015</a:t>
+              <a:t>4/6/2015</a:t>
             </a:fld>
             <a:endParaRPr lang="en-SG"/>
           </a:p>
@@ -6573,10 +8192,10 @@
           <a:lstStyle/>
           <a:p>
             <a:r>
-              <a:rPr lang="en-SG" dirty="0" smtClean="0"/>
+              <a:rPr lang="en-SG" sz="6600" b="1" dirty="0" smtClean="0"/>
               <a:t>Software Engineering (CGE2C09) </a:t>
             </a:r>
-            <a:endParaRPr lang="en-SG" dirty="0"/>
+            <a:endParaRPr lang="en-SG" sz="6600" b="1" dirty="0"/>
           </a:p>
         </p:txBody>
       </p:sp>
@@ -6628,10 +8247,9 @@
               <a:t>Reyner</a:t>
             </a:r>
             <a:r>
-              <a:rPr lang="en-SG" smtClean="0"/>
+              <a:rPr lang="en-SG" dirty="0" smtClean="0"/>
               <a:t> Leong</a:t>
             </a:r>
-            <a:endParaRPr lang="en-SG" dirty="0" smtClean="0"/>
           </a:p>
         </p:txBody>
       </p:sp>
@@ -6655,2135 +8273,7 @@
 </p:sld>
 </file>
 
-<file path=ppt/slides/slide2.xml><?xml version="1.0" encoding="utf-8"?>
-<p:sld xmlns:a="http://schemas.openxmlformats.org/drawingml/2006/main" xmlns:r="http://schemas.openxmlformats.org/officeDocument/2006/relationships" xmlns:p="http://schemas.openxmlformats.org/presentationml/2006/main">
-  <p:cSld>
-    <p:spTree>
-      <p:nvGrpSpPr>
-        <p:cNvPr id="1" name=""/>
-        <p:cNvGrpSpPr/>
-        <p:nvPr/>
-      </p:nvGrpSpPr>
-      <p:grpSpPr>
-        <a:xfrm>
-          <a:off x="0" y="0"/>
-          <a:ext cx="0" cy="0"/>
-          <a:chOff x="0" y="0"/>
-          <a:chExt cx="0" cy="0"/>
-        </a:xfrm>
-      </p:grpSpPr>
-      <p:sp>
-        <p:nvSpPr>
-          <p:cNvPr id="2" name="Title 1"/>
-          <p:cNvSpPr>
-            <a:spLocks noGrp="1"/>
-          </p:cNvSpPr>
-          <p:nvPr>
-            <p:ph type="title"/>
-          </p:nvPr>
-        </p:nvSpPr>
-        <p:spPr/>
-        <p:txBody>
-          <a:bodyPr/>
-          <a:lstStyle/>
-          <a:p>
-            <a:pPr lvl="0" algn="ctr"/>
-            <a:r>
-              <a:rPr lang="en-US" b="1" dirty="0"/>
-              <a:t>SYSTEM INTEGATION</a:t>
-            </a:r>
-            <a:r>
-              <a:rPr lang="en-SG" b="1" dirty="0"/>
-              <a:t/>
-            </a:r>
-            <a:br>
-              <a:rPr lang="en-SG" b="1" dirty="0"/>
-            </a:br>
-            <a:endParaRPr lang="en-SG" dirty="0"/>
-          </a:p>
-        </p:txBody>
-      </p:sp>
-      <p:sp>
-        <p:nvSpPr>
-          <p:cNvPr id="3" name="Content Placeholder 2"/>
-          <p:cNvSpPr>
-            <a:spLocks noGrp="1"/>
-          </p:cNvSpPr>
-          <p:nvPr>
-            <p:ph idx="1"/>
-          </p:nvPr>
-        </p:nvSpPr>
-        <p:spPr/>
-        <p:txBody>
-          <a:bodyPr/>
-          <a:lstStyle/>
-          <a:p>
-            <a:r>
-              <a:rPr lang="en-US" sz="3600" dirty="0">
-                <a:latin typeface="Times New Roman" panose="02020603050405020304" pitchFamily="18" charset="0"/>
-                <a:ea typeface="Times New Roman" panose="02020603050405020304" pitchFamily="18" charset="0"/>
-              </a:rPr>
-              <a:t>There are two parts that will be needed to be integrated which are front-end module and back-end module. This two component will form the system. We will be employing an incremental testing strategy to complete the integration.</a:t>
-            </a:r>
-            <a:endParaRPr lang="en-SG" sz="3600" dirty="0">
-              <a:latin typeface="Times New Roman" panose="02020603050405020304" pitchFamily="18" charset="0"/>
-              <a:ea typeface="Times New Roman" panose="02020603050405020304" pitchFamily="18" charset="0"/>
-            </a:endParaRPr>
-          </a:p>
-          <a:p>
-            <a:endParaRPr lang="en-SG" dirty="0"/>
-          </a:p>
-        </p:txBody>
-      </p:sp>
-    </p:spTree>
-    <p:extLst>
-      <p:ext uri="{BB962C8B-B14F-4D97-AF65-F5344CB8AC3E}">
-        <p14:creationId xmlns:p14="http://schemas.microsoft.com/office/powerpoint/2010/main" val="3296096240"/>
-      </p:ext>
-    </p:extLst>
-  </p:cSld>
-  <p:clrMapOvr>
-    <a:masterClrMapping/>
-  </p:clrMapOvr>
-  <p:timing>
-    <p:tnLst>
-      <p:par>
-        <p:cTn id="1" dur="indefinite" restart="never" nodeType="tmRoot"/>
-      </p:par>
-    </p:tnLst>
-  </p:timing>
-</p:sld>
-</file>
-
-<file path=ppt/slides/slide3.xml><?xml version="1.0" encoding="utf-8"?>
-<p:sld xmlns:a="http://schemas.openxmlformats.org/drawingml/2006/main" xmlns:r="http://schemas.openxmlformats.org/officeDocument/2006/relationships" xmlns:p="http://schemas.openxmlformats.org/presentationml/2006/main">
-  <p:cSld>
-    <p:spTree>
-      <p:nvGrpSpPr>
-        <p:cNvPr id="1" name=""/>
-        <p:cNvGrpSpPr/>
-        <p:nvPr/>
-      </p:nvGrpSpPr>
-      <p:grpSpPr>
-        <a:xfrm>
-          <a:off x="0" y="0"/>
-          <a:ext cx="0" cy="0"/>
-          <a:chOff x="0" y="0"/>
-          <a:chExt cx="0" cy="0"/>
-        </a:xfrm>
-      </p:grpSpPr>
-      <p:sp>
-        <p:nvSpPr>
-          <p:cNvPr id="2" name="Title 1"/>
-          <p:cNvSpPr>
-            <a:spLocks noGrp="1"/>
-          </p:cNvSpPr>
-          <p:nvPr>
-            <p:ph type="title"/>
-          </p:nvPr>
-        </p:nvSpPr>
-        <p:spPr/>
-        <p:txBody>
-          <a:bodyPr/>
-          <a:lstStyle/>
-          <a:p>
-            <a:pPr lvl="0" algn="ctr"/>
-            <a:r>
-              <a:rPr lang="en-US" dirty="0">
-                <a:latin typeface="Times New Roman" panose="02020603050405020304" pitchFamily="18" charset="0"/>
-                <a:ea typeface="Times New Roman" panose="02020603050405020304" pitchFamily="18" charset="0"/>
-              </a:rPr>
-              <a:t>Front-end module</a:t>
-            </a:r>
-            <a:r>
-              <a:rPr lang="en-SG" dirty="0">
-                <a:latin typeface="Times New Roman" panose="02020603050405020304" pitchFamily="18" charset="0"/>
-                <a:ea typeface="Times New Roman" panose="02020603050405020304" pitchFamily="18" charset="0"/>
-              </a:rPr>
-              <a:t/>
-            </a:r>
-            <a:br>
-              <a:rPr lang="en-SG" dirty="0">
-                <a:latin typeface="Times New Roman" panose="02020603050405020304" pitchFamily="18" charset="0"/>
-                <a:ea typeface="Times New Roman" panose="02020603050405020304" pitchFamily="18" charset="0"/>
-              </a:rPr>
-            </a:br>
-            <a:endParaRPr lang="en-SG" dirty="0"/>
-          </a:p>
-        </p:txBody>
-      </p:sp>
-      <p:sp>
-        <p:nvSpPr>
-          <p:cNvPr id="3" name="Content Placeholder 2"/>
-          <p:cNvSpPr>
-            <a:spLocks noGrp="1"/>
-          </p:cNvSpPr>
-          <p:nvPr>
-            <p:ph idx="1"/>
-          </p:nvPr>
-        </p:nvSpPr>
-        <p:spPr/>
-        <p:txBody>
-          <a:bodyPr/>
-          <a:lstStyle/>
-          <a:p>
-            <a:r>
-              <a:rPr lang="en-US" sz="3200" dirty="0"/>
-              <a:t>This module give a simple interface where the user is able to perform different functions. This module will check if each interface such as buttons is working properly. The testing will be performed by writing stub for the interface.</a:t>
-            </a:r>
-            <a:endParaRPr lang="en-SG" sz="3200" dirty="0"/>
-          </a:p>
-          <a:p>
-            <a:endParaRPr lang="en-SG" dirty="0"/>
-          </a:p>
-        </p:txBody>
-      </p:sp>
-    </p:spTree>
-    <p:extLst>
-      <p:ext uri="{BB962C8B-B14F-4D97-AF65-F5344CB8AC3E}">
-        <p14:creationId xmlns:p14="http://schemas.microsoft.com/office/powerpoint/2010/main" val="2216133070"/>
-      </p:ext>
-    </p:extLst>
-  </p:cSld>
-  <p:clrMapOvr>
-    <a:masterClrMapping/>
-  </p:clrMapOvr>
-  <p:timing>
-    <p:tnLst>
-      <p:par>
-        <p:cTn id="1" dur="indefinite" restart="never" nodeType="tmRoot"/>
-      </p:par>
-    </p:tnLst>
-  </p:timing>
-</p:sld>
-</file>
-
-<file path=ppt/slides/slide4.xml><?xml version="1.0" encoding="utf-8"?>
-<p:sld xmlns:a="http://schemas.openxmlformats.org/drawingml/2006/main" xmlns:r="http://schemas.openxmlformats.org/officeDocument/2006/relationships" xmlns:p="http://schemas.openxmlformats.org/presentationml/2006/main">
-  <p:cSld>
-    <p:spTree>
-      <p:nvGrpSpPr>
-        <p:cNvPr id="1" name=""/>
-        <p:cNvGrpSpPr/>
-        <p:nvPr/>
-      </p:nvGrpSpPr>
-      <p:grpSpPr>
-        <a:xfrm>
-          <a:off x="0" y="0"/>
-          <a:ext cx="0" cy="0"/>
-          <a:chOff x="0" y="0"/>
-          <a:chExt cx="0" cy="0"/>
-        </a:xfrm>
-      </p:grpSpPr>
-      <p:sp>
-        <p:nvSpPr>
-          <p:cNvPr id="2" name="Title 1"/>
-          <p:cNvSpPr>
-            <a:spLocks noGrp="1"/>
-          </p:cNvSpPr>
-          <p:nvPr>
-            <p:ph type="title"/>
-          </p:nvPr>
-        </p:nvSpPr>
-        <p:spPr/>
-        <p:txBody>
-          <a:bodyPr/>
-          <a:lstStyle/>
-          <a:p>
-            <a:pPr lvl="0" algn="ctr"/>
-            <a:r>
-              <a:rPr lang="en-US" dirty="0"/>
-              <a:t>Back-end module</a:t>
-            </a:r>
-            <a:endParaRPr lang="en-SG" dirty="0"/>
-          </a:p>
-        </p:txBody>
-      </p:sp>
-      <p:sp>
-        <p:nvSpPr>
-          <p:cNvPr id="3" name="Content Placeholder 2"/>
-          <p:cNvSpPr>
-            <a:spLocks noGrp="1"/>
-          </p:cNvSpPr>
-          <p:nvPr>
-            <p:ph idx="1"/>
-          </p:nvPr>
-        </p:nvSpPr>
-        <p:spPr/>
-        <p:txBody>
-          <a:bodyPr/>
-          <a:lstStyle/>
-          <a:p>
-            <a:r>
-              <a:rPr lang="en-US" sz="3200" dirty="0"/>
-              <a:t>The back-end module will provide storage for the data and implement related function in the system. This module will run the program and print out the results to the output.</a:t>
-            </a:r>
-            <a:endParaRPr lang="en-SG" sz="3200" dirty="0"/>
-          </a:p>
-          <a:p>
-            <a:endParaRPr lang="en-SG" dirty="0"/>
-          </a:p>
-        </p:txBody>
-      </p:sp>
-    </p:spTree>
-    <p:extLst>
-      <p:ext uri="{BB962C8B-B14F-4D97-AF65-F5344CB8AC3E}">
-        <p14:creationId xmlns:p14="http://schemas.microsoft.com/office/powerpoint/2010/main" val="4074167204"/>
-      </p:ext>
-    </p:extLst>
-  </p:cSld>
-  <p:clrMapOvr>
-    <a:masterClrMapping/>
-  </p:clrMapOvr>
-  <p:timing>
-    <p:tnLst>
-      <p:par>
-        <p:cTn id="1" dur="indefinite" restart="never" nodeType="tmRoot"/>
-      </p:par>
-    </p:tnLst>
-  </p:timing>
-</p:sld>
-</file>
-
-<file path=ppt/slides/slide5.xml><?xml version="1.0" encoding="utf-8"?>
-<p:sld xmlns:a="http://schemas.openxmlformats.org/drawingml/2006/main" xmlns:r="http://schemas.openxmlformats.org/officeDocument/2006/relationships" xmlns:p="http://schemas.openxmlformats.org/presentationml/2006/main">
-  <p:cSld>
-    <p:spTree>
-      <p:nvGrpSpPr>
-        <p:cNvPr id="1" name=""/>
-        <p:cNvGrpSpPr/>
-        <p:nvPr/>
-      </p:nvGrpSpPr>
-      <p:grpSpPr>
-        <a:xfrm>
-          <a:off x="0" y="0"/>
-          <a:ext cx="0" cy="0"/>
-          <a:chOff x="0" y="0"/>
-          <a:chExt cx="0" cy="0"/>
-        </a:xfrm>
-      </p:grpSpPr>
-      <p:sp>
-        <p:nvSpPr>
-          <p:cNvPr id="2" name="Title 1"/>
-          <p:cNvSpPr>
-            <a:spLocks noGrp="1"/>
-          </p:cNvSpPr>
-          <p:nvPr>
-            <p:ph type="title"/>
-          </p:nvPr>
-        </p:nvSpPr>
-        <p:spPr/>
-        <p:txBody>
-          <a:bodyPr/>
-          <a:lstStyle/>
-          <a:p>
-            <a:r>
-              <a:rPr lang="en-US" dirty="0" smtClean="0"/>
-              <a:t>Test Log (</a:t>
-            </a:r>
-            <a:r>
-              <a:rPr lang="en-US" dirty="0"/>
-              <a:t>Room Availability and Booking</a:t>
-            </a:r>
-            <a:r>
-              <a:rPr lang="en-US" dirty="0" smtClean="0"/>
-              <a:t>)</a:t>
-            </a:r>
-            <a:endParaRPr lang="en-US" dirty="0"/>
-          </a:p>
-        </p:txBody>
-      </p:sp>
-      <p:graphicFrame>
-        <p:nvGraphicFramePr>
-          <p:cNvPr id="6" name="Content Placeholder 5"/>
-          <p:cNvGraphicFramePr>
-            <a:graphicFrameLocks noGrp="1"/>
-          </p:cNvGraphicFramePr>
-          <p:nvPr>
-            <p:ph idx="1"/>
-            <p:extLst>
-              <p:ext uri="{D42A27DB-BD31-4B8C-83A1-F6EECF244321}">
-                <p14:modId xmlns:p14="http://schemas.microsoft.com/office/powerpoint/2010/main" val="1858744618"/>
-              </p:ext>
-            </p:extLst>
-          </p:nvPr>
-        </p:nvGraphicFramePr>
-        <p:xfrm>
-          <a:off x="809437" y="1853248"/>
-          <a:ext cx="10712004" cy="4769194"/>
-        </p:xfrm>
-        <a:graphic>
-          <a:graphicData uri="http://schemas.openxmlformats.org/drawingml/2006/table">
-            <a:tbl>
-              <a:tblPr firstRow="1" firstCol="1" bandRow="1">
-                <a:tableStyleId>{93296810-A885-4BE3-A3E7-6D5BEEA58F35}</a:tableStyleId>
-              </a:tblPr>
-              <a:tblGrid>
-                <a:gridCol w="1022371"/>
-                <a:gridCol w="1527198"/>
-                <a:gridCol w="2374086"/>
-                <a:gridCol w="2107051"/>
-                <a:gridCol w="1944284"/>
-                <a:gridCol w="1737014"/>
-              </a:tblGrid>
-              <a:tr h="276110">
-                <a:tc>
-                  <a:txBody>
-                    <a:bodyPr/>
-                    <a:lstStyle/>
-                    <a:p>
-                      <a:pPr marL="0" marR="0">
-                        <a:spcBef>
-                          <a:spcPts val="0"/>
-                        </a:spcBef>
-                        <a:spcAft>
-                          <a:spcPts val="0"/>
-                        </a:spcAft>
-                      </a:pPr>
-                      <a:r>
-                        <a:rPr lang="en-US" sz="1400">
-                          <a:effectLst/>
-                        </a:rPr>
-                        <a:t>S/No</a:t>
-                      </a:r>
-                      <a:endParaRPr lang="en-US" sz="1400">
-                        <a:effectLst/>
-                        <a:latin typeface="Times New Roman" panose="02020603050405020304" pitchFamily="18" charset="0"/>
-                        <a:ea typeface="Times New Roman" panose="02020603050405020304" pitchFamily="18" charset="0"/>
-                      </a:endParaRPr>
-                    </a:p>
-                  </a:txBody>
-                  <a:tcPr marL="46277" marR="46277" marT="0" marB="0"/>
-                </a:tc>
-                <a:tc>
-                  <a:txBody>
-                    <a:bodyPr/>
-                    <a:lstStyle/>
-                    <a:p>
-                      <a:pPr marL="0" marR="0">
-                        <a:spcBef>
-                          <a:spcPts val="0"/>
-                        </a:spcBef>
-                        <a:spcAft>
-                          <a:spcPts val="0"/>
-                        </a:spcAft>
-                      </a:pPr>
-                      <a:r>
-                        <a:rPr lang="en-US" sz="1400">
-                          <a:effectLst/>
-                        </a:rPr>
-                        <a:t>Steps</a:t>
-                      </a:r>
-                      <a:endParaRPr lang="en-US" sz="1400">
-                        <a:effectLst/>
-                        <a:latin typeface="Times New Roman" panose="02020603050405020304" pitchFamily="18" charset="0"/>
-                        <a:ea typeface="Times New Roman" panose="02020603050405020304" pitchFamily="18" charset="0"/>
-                      </a:endParaRPr>
-                    </a:p>
-                  </a:txBody>
-                  <a:tcPr marL="46277" marR="46277" marT="0" marB="0"/>
-                </a:tc>
-                <a:tc>
-                  <a:txBody>
-                    <a:bodyPr/>
-                    <a:lstStyle/>
-                    <a:p>
-                      <a:pPr marL="0" marR="0">
-                        <a:spcBef>
-                          <a:spcPts val="0"/>
-                        </a:spcBef>
-                        <a:spcAft>
-                          <a:spcPts val="0"/>
-                        </a:spcAft>
-                      </a:pPr>
-                      <a:r>
-                        <a:rPr lang="en-US" sz="1400">
-                          <a:effectLst/>
-                        </a:rPr>
-                        <a:t>Test Data</a:t>
-                      </a:r>
-                      <a:endParaRPr lang="en-US" sz="1400">
-                        <a:effectLst/>
-                        <a:latin typeface="Times New Roman" panose="02020603050405020304" pitchFamily="18" charset="0"/>
-                        <a:ea typeface="Times New Roman" panose="02020603050405020304" pitchFamily="18" charset="0"/>
-                      </a:endParaRPr>
-                    </a:p>
-                  </a:txBody>
-                  <a:tcPr marL="46277" marR="46277" marT="0" marB="0"/>
-                </a:tc>
-                <a:tc>
-                  <a:txBody>
-                    <a:bodyPr/>
-                    <a:lstStyle/>
-                    <a:p>
-                      <a:pPr marL="0" marR="0">
-                        <a:spcBef>
-                          <a:spcPts val="0"/>
-                        </a:spcBef>
-                        <a:spcAft>
-                          <a:spcPts val="0"/>
-                        </a:spcAft>
-                      </a:pPr>
-                      <a:r>
-                        <a:rPr lang="en-US" sz="1400">
-                          <a:effectLst/>
-                        </a:rPr>
-                        <a:t>Expected Results</a:t>
-                      </a:r>
-                      <a:endParaRPr lang="en-US" sz="1400">
-                        <a:effectLst/>
-                        <a:latin typeface="Times New Roman" panose="02020603050405020304" pitchFamily="18" charset="0"/>
-                        <a:ea typeface="Times New Roman" panose="02020603050405020304" pitchFamily="18" charset="0"/>
-                      </a:endParaRPr>
-                    </a:p>
-                  </a:txBody>
-                  <a:tcPr marL="46277" marR="46277" marT="0" marB="0"/>
-                </a:tc>
-                <a:tc>
-                  <a:txBody>
-                    <a:bodyPr/>
-                    <a:lstStyle/>
-                    <a:p>
-                      <a:pPr marL="0" marR="0">
-                        <a:spcBef>
-                          <a:spcPts val="0"/>
-                        </a:spcBef>
-                        <a:spcAft>
-                          <a:spcPts val="0"/>
-                        </a:spcAft>
-                      </a:pPr>
-                      <a:r>
-                        <a:rPr lang="en-US" sz="1400">
-                          <a:effectLst/>
-                        </a:rPr>
-                        <a:t>Actual Results</a:t>
-                      </a:r>
-                      <a:endParaRPr lang="en-US" sz="1400">
-                        <a:effectLst/>
-                        <a:latin typeface="Times New Roman" panose="02020603050405020304" pitchFamily="18" charset="0"/>
-                        <a:ea typeface="Times New Roman" panose="02020603050405020304" pitchFamily="18" charset="0"/>
-                      </a:endParaRPr>
-                    </a:p>
-                  </a:txBody>
-                  <a:tcPr marL="46277" marR="46277" marT="0" marB="0"/>
-                </a:tc>
-                <a:tc>
-                  <a:txBody>
-                    <a:bodyPr/>
-                    <a:lstStyle/>
-                    <a:p>
-                      <a:pPr marL="0" marR="0">
-                        <a:spcBef>
-                          <a:spcPts val="0"/>
-                        </a:spcBef>
-                        <a:spcAft>
-                          <a:spcPts val="0"/>
-                        </a:spcAft>
-                      </a:pPr>
-                      <a:r>
-                        <a:rPr lang="en-US" sz="1400">
-                          <a:effectLst/>
-                        </a:rPr>
-                        <a:t>Remarks</a:t>
-                      </a:r>
-                      <a:endParaRPr lang="en-US" sz="1400">
-                        <a:effectLst/>
-                        <a:latin typeface="Times New Roman" panose="02020603050405020304" pitchFamily="18" charset="0"/>
-                        <a:ea typeface="Times New Roman" panose="02020603050405020304" pitchFamily="18" charset="0"/>
-                      </a:endParaRPr>
-                    </a:p>
-                  </a:txBody>
-                  <a:tcPr marL="46277" marR="46277" marT="0" marB="0"/>
-                </a:tc>
-              </a:tr>
-              <a:tr h="1242491">
-                <a:tc>
-                  <a:txBody>
-                    <a:bodyPr/>
-                    <a:lstStyle/>
-                    <a:p>
-                      <a:pPr marL="0" marR="0">
-                        <a:spcBef>
-                          <a:spcPts val="0"/>
-                        </a:spcBef>
-                        <a:spcAft>
-                          <a:spcPts val="0"/>
-                        </a:spcAft>
-                      </a:pPr>
-                      <a:r>
-                        <a:rPr lang="en-US" sz="1400">
-                          <a:effectLst/>
-                        </a:rPr>
-                        <a:t>1</a:t>
-                      </a:r>
-                      <a:endParaRPr lang="en-US" sz="1400">
-                        <a:effectLst/>
-                        <a:latin typeface="Times New Roman" panose="02020603050405020304" pitchFamily="18" charset="0"/>
-                        <a:ea typeface="Times New Roman" panose="02020603050405020304" pitchFamily="18" charset="0"/>
-                      </a:endParaRPr>
-                    </a:p>
-                  </a:txBody>
-                  <a:tcPr marL="46277" marR="46277" marT="0" marB="0"/>
-                </a:tc>
-                <a:tc>
-                  <a:txBody>
-                    <a:bodyPr/>
-                    <a:lstStyle/>
-                    <a:p>
-                      <a:pPr marL="0" marR="0">
-                        <a:spcBef>
-                          <a:spcPts val="0"/>
-                        </a:spcBef>
-                        <a:spcAft>
-                          <a:spcPts val="0"/>
-                        </a:spcAft>
-                      </a:pPr>
-                      <a:r>
-                        <a:rPr lang="en-US" sz="1400">
-                          <a:effectLst/>
-                        </a:rPr>
-                        <a:t>Select booking details</a:t>
-                      </a:r>
-                      <a:endParaRPr lang="en-US" sz="1400">
-                        <a:effectLst/>
-                        <a:latin typeface="Times New Roman" panose="02020603050405020304" pitchFamily="18" charset="0"/>
-                        <a:ea typeface="Times New Roman" panose="02020603050405020304" pitchFamily="18" charset="0"/>
-                      </a:endParaRPr>
-                    </a:p>
-                  </a:txBody>
-                  <a:tcPr marL="46277" marR="46277" marT="0" marB="0"/>
-                </a:tc>
-                <a:tc>
-                  <a:txBody>
-                    <a:bodyPr/>
-                    <a:lstStyle/>
-                    <a:p>
-                      <a:pPr marL="0" marR="0">
-                        <a:spcBef>
-                          <a:spcPts val="0"/>
-                        </a:spcBef>
-                        <a:spcAft>
-                          <a:spcPts val="0"/>
-                        </a:spcAft>
-                      </a:pPr>
-                      <a:r>
-                        <a:rPr lang="en-US" sz="1400">
-                          <a:effectLst/>
-                        </a:rPr>
-                        <a:t>User inputs check in, check out dates and room Type and clicks Retrieve.</a:t>
-                      </a:r>
-                    </a:p>
-                    <a:p>
-                      <a:pPr marL="0" marR="0">
-                        <a:spcBef>
-                          <a:spcPts val="0"/>
-                        </a:spcBef>
-                        <a:spcAft>
-                          <a:spcPts val="0"/>
-                        </a:spcAft>
-                      </a:pPr>
-                      <a:r>
-                        <a:rPr lang="en-US" sz="1400">
-                          <a:effectLst/>
-                        </a:rPr>
-                        <a:t>Normal data</a:t>
-                      </a:r>
-                      <a:endParaRPr lang="en-US" sz="1400">
-                        <a:effectLst/>
-                        <a:latin typeface="Times New Roman" panose="02020603050405020304" pitchFamily="18" charset="0"/>
-                        <a:ea typeface="Times New Roman" panose="02020603050405020304" pitchFamily="18" charset="0"/>
-                      </a:endParaRPr>
-                    </a:p>
-                  </a:txBody>
-                  <a:tcPr marL="46277" marR="46277" marT="0" marB="0"/>
-                </a:tc>
-                <a:tc>
-                  <a:txBody>
-                    <a:bodyPr/>
-                    <a:lstStyle/>
-                    <a:p>
-                      <a:pPr marL="0" marR="0">
-                        <a:spcBef>
-                          <a:spcPts val="0"/>
-                        </a:spcBef>
-                        <a:spcAft>
-                          <a:spcPts val="0"/>
-                        </a:spcAft>
-                      </a:pPr>
-                      <a:r>
-                        <a:rPr lang="en-US" sz="1400">
-                          <a:effectLst/>
-                        </a:rPr>
-                        <a:t>Information will be displayed according to date range availability and room type</a:t>
-                      </a:r>
-                      <a:endParaRPr lang="en-US" sz="1400">
-                        <a:effectLst/>
-                        <a:latin typeface="Times New Roman" panose="02020603050405020304" pitchFamily="18" charset="0"/>
-                        <a:ea typeface="Times New Roman" panose="02020603050405020304" pitchFamily="18" charset="0"/>
-                      </a:endParaRPr>
-                    </a:p>
-                  </a:txBody>
-                  <a:tcPr marL="46277" marR="46277" marT="0" marB="0"/>
-                </a:tc>
-                <a:tc>
-                  <a:txBody>
-                    <a:bodyPr/>
-                    <a:lstStyle/>
-                    <a:p>
-                      <a:pPr marL="0" marR="0">
-                        <a:spcBef>
-                          <a:spcPts val="0"/>
-                        </a:spcBef>
-                        <a:spcAft>
-                          <a:spcPts val="0"/>
-                        </a:spcAft>
-                      </a:pPr>
-                      <a:r>
-                        <a:rPr lang="en-US" sz="1400">
-                          <a:effectLst/>
-                        </a:rPr>
-                        <a:t>Information is displayed according to date range availability and room type</a:t>
-                      </a:r>
-                      <a:endParaRPr lang="en-US" sz="1400">
-                        <a:effectLst/>
-                        <a:latin typeface="Times New Roman" panose="02020603050405020304" pitchFamily="18" charset="0"/>
-                        <a:ea typeface="Times New Roman" panose="02020603050405020304" pitchFamily="18" charset="0"/>
-                      </a:endParaRPr>
-                    </a:p>
-                  </a:txBody>
-                  <a:tcPr marL="46277" marR="46277" marT="0" marB="0"/>
-                </a:tc>
-                <a:tc>
-                  <a:txBody>
-                    <a:bodyPr/>
-                    <a:lstStyle/>
-                    <a:p>
-                      <a:pPr marL="0" marR="0">
-                        <a:spcBef>
-                          <a:spcPts val="0"/>
-                        </a:spcBef>
-                        <a:spcAft>
-                          <a:spcPts val="0"/>
-                        </a:spcAft>
-                      </a:pPr>
-                      <a:r>
-                        <a:rPr lang="en-US" sz="1400">
-                          <a:effectLst/>
-                        </a:rPr>
-                        <a:t>Guest may or may not have a specified room type, so every room is available accordingly</a:t>
-                      </a:r>
-                      <a:endParaRPr lang="en-US" sz="1400">
-                        <a:effectLst/>
-                        <a:latin typeface="Times New Roman" panose="02020603050405020304" pitchFamily="18" charset="0"/>
-                        <a:ea typeface="Times New Roman" panose="02020603050405020304" pitchFamily="18" charset="0"/>
-                      </a:endParaRPr>
-                    </a:p>
-                  </a:txBody>
-                  <a:tcPr marL="46277" marR="46277" marT="0" marB="0"/>
-                </a:tc>
-              </a:tr>
-              <a:tr h="1242491">
-                <a:tc>
-                  <a:txBody>
-                    <a:bodyPr/>
-                    <a:lstStyle/>
-                    <a:p>
-                      <a:pPr marL="0" marR="0">
-                        <a:spcBef>
-                          <a:spcPts val="0"/>
-                        </a:spcBef>
-                        <a:spcAft>
-                          <a:spcPts val="0"/>
-                        </a:spcAft>
-                      </a:pPr>
-                      <a:r>
-                        <a:rPr lang="en-US" sz="1400">
-                          <a:effectLst/>
-                        </a:rPr>
-                        <a:t>2</a:t>
-                      </a:r>
-                      <a:endParaRPr lang="en-US" sz="1400">
-                        <a:effectLst/>
-                        <a:latin typeface="Times New Roman" panose="02020603050405020304" pitchFamily="18" charset="0"/>
-                        <a:ea typeface="Times New Roman" panose="02020603050405020304" pitchFamily="18" charset="0"/>
-                      </a:endParaRPr>
-                    </a:p>
-                  </a:txBody>
-                  <a:tcPr marL="46277" marR="46277" marT="0" marB="0"/>
-                </a:tc>
-                <a:tc>
-                  <a:txBody>
-                    <a:bodyPr/>
-                    <a:lstStyle/>
-                    <a:p>
-                      <a:pPr marL="0" marR="0">
-                        <a:spcBef>
-                          <a:spcPts val="0"/>
-                        </a:spcBef>
-                        <a:spcAft>
-                          <a:spcPts val="0"/>
-                        </a:spcAft>
-                      </a:pPr>
-                      <a:r>
-                        <a:rPr lang="en-US" sz="1400">
-                          <a:effectLst/>
-                        </a:rPr>
-                        <a:t>Book according to booking details</a:t>
-                      </a:r>
-                      <a:endParaRPr lang="en-US" sz="1400">
-                        <a:effectLst/>
-                        <a:latin typeface="Times New Roman" panose="02020603050405020304" pitchFamily="18" charset="0"/>
-                        <a:ea typeface="Times New Roman" panose="02020603050405020304" pitchFamily="18" charset="0"/>
-                      </a:endParaRPr>
-                    </a:p>
-                  </a:txBody>
-                  <a:tcPr marL="46277" marR="46277" marT="0" marB="0"/>
-                </a:tc>
-                <a:tc>
-                  <a:txBody>
-                    <a:bodyPr/>
-                    <a:lstStyle/>
-                    <a:p>
-                      <a:pPr marL="0" marR="0">
-                        <a:spcBef>
-                          <a:spcPts val="0"/>
-                        </a:spcBef>
-                        <a:spcAft>
-                          <a:spcPts val="0"/>
-                        </a:spcAft>
-                      </a:pPr>
-                      <a:r>
-                        <a:rPr lang="en-US" sz="1400">
-                          <a:effectLst/>
-                        </a:rPr>
-                        <a:t>User selects a checkbox corresponding to a certain room.</a:t>
-                      </a:r>
-                    </a:p>
-                    <a:p>
-                      <a:pPr marL="0" marR="0">
-                        <a:spcBef>
-                          <a:spcPts val="0"/>
-                        </a:spcBef>
-                        <a:spcAft>
-                          <a:spcPts val="0"/>
-                        </a:spcAft>
-                      </a:pPr>
-                      <a:r>
-                        <a:rPr lang="en-US" sz="1400">
-                          <a:effectLst/>
-                        </a:rPr>
-                        <a:t>Normal Data</a:t>
-                      </a:r>
-                      <a:endParaRPr lang="en-US" sz="1400">
-                        <a:effectLst/>
-                        <a:latin typeface="Times New Roman" panose="02020603050405020304" pitchFamily="18" charset="0"/>
-                        <a:ea typeface="Times New Roman" panose="02020603050405020304" pitchFamily="18" charset="0"/>
-                      </a:endParaRPr>
-                    </a:p>
-                  </a:txBody>
-                  <a:tcPr marL="46277" marR="46277" marT="0" marB="0"/>
-                </a:tc>
-                <a:tc>
-                  <a:txBody>
-                    <a:bodyPr/>
-                    <a:lstStyle/>
-                    <a:p>
-                      <a:pPr marL="0" marR="0">
-                        <a:spcBef>
-                          <a:spcPts val="0"/>
-                        </a:spcBef>
-                        <a:spcAft>
-                          <a:spcPts val="0"/>
-                        </a:spcAft>
-                      </a:pPr>
-                      <a:r>
-                        <a:rPr lang="en-US" sz="1400">
-                          <a:effectLst/>
-                        </a:rPr>
-                        <a:t>Information will be transferred and user will be redirected to Reservation page with room number label filled.</a:t>
-                      </a:r>
-                      <a:endParaRPr lang="en-US" sz="1400">
-                        <a:effectLst/>
-                        <a:latin typeface="Times New Roman" panose="02020603050405020304" pitchFamily="18" charset="0"/>
-                        <a:ea typeface="Times New Roman" panose="02020603050405020304" pitchFamily="18" charset="0"/>
-                      </a:endParaRPr>
-                    </a:p>
-                  </a:txBody>
-                  <a:tcPr marL="46277" marR="46277" marT="0" marB="0"/>
-                </a:tc>
-                <a:tc>
-                  <a:txBody>
-                    <a:bodyPr/>
-                    <a:lstStyle/>
-                    <a:p>
-                      <a:pPr marL="0" marR="0">
-                        <a:spcBef>
-                          <a:spcPts val="0"/>
-                        </a:spcBef>
-                        <a:spcAft>
-                          <a:spcPts val="0"/>
-                        </a:spcAft>
-                      </a:pPr>
-                      <a:r>
-                        <a:rPr lang="en-US" sz="1400">
-                          <a:effectLst/>
-                        </a:rPr>
-                        <a:t>Information is transferred and user is redirected to Reservation page with room number label filled.</a:t>
-                      </a:r>
-                      <a:endParaRPr lang="en-US" sz="1400">
-                        <a:effectLst/>
-                        <a:latin typeface="Times New Roman" panose="02020603050405020304" pitchFamily="18" charset="0"/>
-                        <a:ea typeface="Times New Roman" panose="02020603050405020304" pitchFamily="18" charset="0"/>
-                      </a:endParaRPr>
-                    </a:p>
-                  </a:txBody>
-                  <a:tcPr marL="46277" marR="46277" marT="0" marB="0"/>
-                </a:tc>
-                <a:tc>
-                  <a:txBody>
-                    <a:bodyPr/>
-                    <a:lstStyle/>
-                    <a:p>
-                      <a:pPr marL="0" marR="0">
-                        <a:spcBef>
-                          <a:spcPts val="0"/>
-                        </a:spcBef>
-                        <a:spcAft>
-                          <a:spcPts val="0"/>
-                        </a:spcAft>
-                      </a:pPr>
-                      <a:r>
-                        <a:rPr lang="en-US" sz="1400">
-                          <a:effectLst/>
-                        </a:rPr>
-                        <a:t> </a:t>
-                      </a:r>
-                      <a:endParaRPr lang="en-US" sz="1400">
-                        <a:effectLst/>
-                        <a:latin typeface="Times New Roman" panose="02020603050405020304" pitchFamily="18" charset="0"/>
-                        <a:ea typeface="Times New Roman" panose="02020603050405020304" pitchFamily="18" charset="0"/>
-                      </a:endParaRPr>
-                    </a:p>
-                  </a:txBody>
-                  <a:tcPr marL="46277" marR="46277" marT="0" marB="0"/>
-                </a:tc>
-              </a:tr>
-              <a:tr h="1932764">
-                <a:tc>
-                  <a:txBody>
-                    <a:bodyPr/>
-                    <a:lstStyle/>
-                    <a:p>
-                      <a:pPr marL="0" marR="0">
-                        <a:spcBef>
-                          <a:spcPts val="0"/>
-                        </a:spcBef>
-                        <a:spcAft>
-                          <a:spcPts val="0"/>
-                        </a:spcAft>
-                      </a:pPr>
-                      <a:r>
-                        <a:rPr lang="en-US" sz="1400">
-                          <a:effectLst/>
-                        </a:rPr>
-                        <a:t>3</a:t>
-                      </a:r>
-                      <a:endParaRPr lang="en-US" sz="1400">
-                        <a:effectLst/>
-                        <a:latin typeface="Times New Roman" panose="02020603050405020304" pitchFamily="18" charset="0"/>
-                        <a:ea typeface="Times New Roman" panose="02020603050405020304" pitchFamily="18" charset="0"/>
-                      </a:endParaRPr>
-                    </a:p>
-                  </a:txBody>
-                  <a:tcPr marL="46277" marR="46277" marT="0" marB="0"/>
-                </a:tc>
-                <a:tc>
-                  <a:txBody>
-                    <a:bodyPr/>
-                    <a:lstStyle/>
-                    <a:p>
-                      <a:pPr marL="0" marR="0">
-                        <a:spcBef>
-                          <a:spcPts val="0"/>
-                        </a:spcBef>
-                        <a:spcAft>
-                          <a:spcPts val="0"/>
-                        </a:spcAft>
-                      </a:pPr>
-                      <a:r>
-                        <a:rPr lang="en-US" sz="1400">
-                          <a:effectLst/>
-                        </a:rPr>
-                        <a:t>Guest Details</a:t>
-                      </a:r>
-                      <a:endParaRPr lang="en-US" sz="1400">
-                        <a:effectLst/>
-                        <a:latin typeface="Times New Roman" panose="02020603050405020304" pitchFamily="18" charset="0"/>
-                        <a:ea typeface="Times New Roman" panose="02020603050405020304" pitchFamily="18" charset="0"/>
-                      </a:endParaRPr>
-                    </a:p>
-                  </a:txBody>
-                  <a:tcPr marL="46277" marR="46277" marT="0" marB="0"/>
-                </a:tc>
-                <a:tc>
-                  <a:txBody>
-                    <a:bodyPr/>
-                    <a:lstStyle/>
-                    <a:p>
-                      <a:pPr marL="0" marR="0">
-                        <a:spcBef>
-                          <a:spcPts val="0"/>
-                        </a:spcBef>
-                        <a:spcAft>
-                          <a:spcPts val="0"/>
-                        </a:spcAft>
-                      </a:pPr>
-                      <a:r>
-                        <a:rPr lang="en-US" sz="1400">
-                          <a:effectLst/>
-                        </a:rPr>
-                        <a:t>User inputs guest details for creation.</a:t>
-                      </a:r>
-                    </a:p>
-                    <a:p>
-                      <a:pPr marL="0" marR="0">
-                        <a:spcBef>
-                          <a:spcPts val="0"/>
-                        </a:spcBef>
-                        <a:spcAft>
-                          <a:spcPts val="0"/>
-                        </a:spcAft>
-                      </a:pPr>
-                      <a:r>
-                        <a:rPr lang="en-US" sz="1400">
-                          <a:effectLst/>
-                        </a:rPr>
-                        <a:t>Normal Data</a:t>
-                      </a:r>
-                    </a:p>
-                    <a:p>
-                      <a:pPr marL="0" marR="0">
-                        <a:spcBef>
-                          <a:spcPts val="0"/>
-                        </a:spcBef>
-                        <a:spcAft>
-                          <a:spcPts val="0"/>
-                        </a:spcAft>
-                      </a:pPr>
-                      <a:r>
-                        <a:rPr lang="en-US" sz="1400">
-                          <a:effectLst/>
-                        </a:rPr>
-                        <a:t> </a:t>
-                      </a:r>
-                      <a:endParaRPr lang="en-US" sz="1400">
-                        <a:effectLst/>
-                        <a:latin typeface="Times New Roman" panose="02020603050405020304" pitchFamily="18" charset="0"/>
-                        <a:ea typeface="Times New Roman" panose="02020603050405020304" pitchFamily="18" charset="0"/>
-                      </a:endParaRPr>
-                    </a:p>
-                  </a:txBody>
-                  <a:tcPr marL="46277" marR="46277" marT="0" marB="0"/>
-                </a:tc>
-                <a:tc>
-                  <a:txBody>
-                    <a:bodyPr/>
-                    <a:lstStyle/>
-                    <a:p>
-                      <a:pPr marL="0" marR="0">
-                        <a:spcBef>
-                          <a:spcPts val="0"/>
-                        </a:spcBef>
-                        <a:spcAft>
-                          <a:spcPts val="0"/>
-                        </a:spcAft>
-                      </a:pPr>
-                      <a:r>
-                        <a:rPr lang="en-US" sz="1400">
-                          <a:effectLst/>
-                        </a:rPr>
-                        <a:t>When submit button is clicked, guest information will be created and an entry will be created under booking with the dates and additional requirements.</a:t>
-                      </a:r>
-                      <a:endParaRPr lang="en-US" sz="1400">
-                        <a:effectLst/>
-                        <a:latin typeface="Times New Roman" panose="02020603050405020304" pitchFamily="18" charset="0"/>
-                        <a:ea typeface="Times New Roman" panose="02020603050405020304" pitchFamily="18" charset="0"/>
-                      </a:endParaRPr>
-                    </a:p>
-                  </a:txBody>
-                  <a:tcPr marL="46277" marR="46277" marT="0" marB="0"/>
-                </a:tc>
-                <a:tc>
-                  <a:txBody>
-                    <a:bodyPr/>
-                    <a:lstStyle/>
-                    <a:p>
-                      <a:pPr marL="0" marR="0">
-                        <a:spcBef>
-                          <a:spcPts val="0"/>
-                        </a:spcBef>
-                        <a:spcAft>
-                          <a:spcPts val="0"/>
-                        </a:spcAft>
-                      </a:pPr>
-                      <a:r>
-                        <a:rPr lang="en-US" sz="1400">
-                          <a:effectLst/>
-                        </a:rPr>
-                        <a:t>When submit button is clicked, guest information is created and an entry is created under booking with the dates and additional requirements.</a:t>
-                      </a:r>
-                      <a:endParaRPr lang="en-US" sz="1400">
-                        <a:effectLst/>
-                        <a:latin typeface="Times New Roman" panose="02020603050405020304" pitchFamily="18" charset="0"/>
-                        <a:ea typeface="Times New Roman" panose="02020603050405020304" pitchFamily="18" charset="0"/>
-                      </a:endParaRPr>
-                    </a:p>
-                  </a:txBody>
-                  <a:tcPr marL="46277" marR="46277" marT="0" marB="0"/>
-                </a:tc>
-                <a:tc>
-                  <a:txBody>
-                    <a:bodyPr/>
-                    <a:lstStyle/>
-                    <a:p>
-                      <a:pPr marL="0" marR="0">
-                        <a:spcBef>
-                          <a:spcPts val="0"/>
-                        </a:spcBef>
-                        <a:spcAft>
-                          <a:spcPts val="0"/>
-                        </a:spcAft>
-                      </a:pPr>
-                      <a:r>
-                        <a:rPr lang="en-US" sz="1400" dirty="0">
-                          <a:effectLst/>
-                        </a:rPr>
-                        <a:t> </a:t>
-                      </a:r>
-                      <a:endParaRPr lang="en-US" sz="1400" dirty="0">
-                        <a:effectLst/>
-                        <a:latin typeface="Times New Roman" panose="02020603050405020304" pitchFamily="18" charset="0"/>
-                        <a:ea typeface="Times New Roman" panose="02020603050405020304" pitchFamily="18" charset="0"/>
-                      </a:endParaRPr>
-                    </a:p>
-                  </a:txBody>
-                  <a:tcPr marL="46277" marR="46277" marT="0" marB="0"/>
-                </a:tc>
-              </a:tr>
-            </a:tbl>
-          </a:graphicData>
-        </a:graphic>
-      </p:graphicFrame>
-    </p:spTree>
-    <p:extLst>
-      <p:ext uri="{BB962C8B-B14F-4D97-AF65-F5344CB8AC3E}">
-        <p14:creationId xmlns:p14="http://schemas.microsoft.com/office/powerpoint/2010/main" val="3409104655"/>
-      </p:ext>
-    </p:extLst>
-  </p:cSld>
-  <p:clrMapOvr>
-    <a:masterClrMapping/>
-  </p:clrMapOvr>
-  <p:timing>
-    <p:tnLst>
-      <p:par>
-        <p:cTn id="1" dur="indefinite" restart="never" nodeType="tmRoot"/>
-      </p:par>
-    </p:tnLst>
-  </p:timing>
-</p:sld>
-</file>
-
-<file path=ppt/slides/slide6.xml><?xml version="1.0" encoding="utf-8"?>
-<p:sld xmlns:a="http://schemas.openxmlformats.org/drawingml/2006/main" xmlns:r="http://schemas.openxmlformats.org/officeDocument/2006/relationships" xmlns:p="http://schemas.openxmlformats.org/presentationml/2006/main">
-  <p:cSld>
-    <p:spTree>
-      <p:nvGrpSpPr>
-        <p:cNvPr id="1" name=""/>
-        <p:cNvGrpSpPr/>
-        <p:nvPr/>
-      </p:nvGrpSpPr>
-      <p:grpSpPr>
-        <a:xfrm>
-          <a:off x="0" y="0"/>
-          <a:ext cx="0" cy="0"/>
-          <a:chOff x="0" y="0"/>
-          <a:chExt cx="0" cy="0"/>
-        </a:xfrm>
-      </p:grpSpPr>
-      <p:sp>
-        <p:nvSpPr>
-          <p:cNvPr id="2" name="Title 1"/>
-          <p:cNvSpPr>
-            <a:spLocks noGrp="1"/>
-          </p:cNvSpPr>
-          <p:nvPr>
-            <p:ph type="title"/>
-          </p:nvPr>
-        </p:nvSpPr>
-        <p:spPr/>
-        <p:txBody>
-          <a:bodyPr/>
-          <a:lstStyle/>
-          <a:p>
-            <a:endParaRPr lang="en-US" dirty="0"/>
-          </a:p>
-        </p:txBody>
-      </p:sp>
-      <p:graphicFrame>
-        <p:nvGraphicFramePr>
-          <p:cNvPr id="4" name="Content Placeholder 3"/>
-          <p:cNvGraphicFramePr>
-            <a:graphicFrameLocks noGrp="1"/>
-          </p:cNvGraphicFramePr>
-          <p:nvPr>
-            <p:ph idx="1"/>
-            <p:extLst>
-              <p:ext uri="{D42A27DB-BD31-4B8C-83A1-F6EECF244321}">
-                <p14:modId xmlns:p14="http://schemas.microsoft.com/office/powerpoint/2010/main" val="1243866632"/>
-              </p:ext>
-            </p:extLst>
-          </p:nvPr>
-        </p:nvGraphicFramePr>
-        <p:xfrm>
-          <a:off x="908876" y="1242726"/>
-          <a:ext cx="10246803" cy="476345"/>
-        </p:xfrm>
-        <a:graphic>
-          <a:graphicData uri="http://schemas.openxmlformats.org/drawingml/2006/table">
-            <a:tbl>
-              <a:tblPr firstRow="1" firstCol="1" bandRow="1">
-                <a:tableStyleId>{93296810-A885-4BE3-A3E7-6D5BEEA58F35}</a:tableStyleId>
-              </a:tblPr>
-              <a:tblGrid>
-                <a:gridCol w="977971"/>
-                <a:gridCol w="1460875"/>
-                <a:gridCol w="2270986"/>
-                <a:gridCol w="2015545"/>
-                <a:gridCol w="1859848"/>
-                <a:gridCol w="1661578"/>
-              </a:tblGrid>
-              <a:tr h="476345">
-                <a:tc>
-                  <a:txBody>
-                    <a:bodyPr/>
-                    <a:lstStyle/>
-                    <a:p>
-                      <a:pPr marL="0" marR="0">
-                        <a:spcBef>
-                          <a:spcPts val="0"/>
-                        </a:spcBef>
-                        <a:spcAft>
-                          <a:spcPts val="0"/>
-                        </a:spcAft>
-                      </a:pPr>
-                      <a:r>
-                        <a:rPr lang="en-US" sz="1600" dirty="0">
-                          <a:effectLst/>
-                        </a:rPr>
-                        <a:t>S/No</a:t>
-                      </a:r>
-                      <a:endParaRPr lang="en-US" sz="1600" dirty="0">
-                        <a:effectLst/>
-                        <a:latin typeface="Times New Roman" panose="02020603050405020304" pitchFamily="18" charset="0"/>
-                        <a:ea typeface="Times New Roman" panose="02020603050405020304" pitchFamily="18" charset="0"/>
-                      </a:endParaRPr>
-                    </a:p>
-                  </a:txBody>
-                  <a:tcPr marL="68580" marR="68580" marT="0" marB="0"/>
-                </a:tc>
-                <a:tc>
-                  <a:txBody>
-                    <a:bodyPr/>
-                    <a:lstStyle/>
-                    <a:p>
-                      <a:pPr marL="0" marR="0">
-                        <a:spcBef>
-                          <a:spcPts val="0"/>
-                        </a:spcBef>
-                        <a:spcAft>
-                          <a:spcPts val="0"/>
-                        </a:spcAft>
-                      </a:pPr>
-                      <a:r>
-                        <a:rPr lang="en-US" sz="1600" dirty="0">
-                          <a:effectLst/>
-                        </a:rPr>
-                        <a:t>Steps</a:t>
-                      </a:r>
-                      <a:endParaRPr lang="en-US" sz="1600" dirty="0">
-                        <a:effectLst/>
-                        <a:latin typeface="Times New Roman" panose="02020603050405020304" pitchFamily="18" charset="0"/>
-                        <a:ea typeface="Times New Roman" panose="02020603050405020304" pitchFamily="18" charset="0"/>
-                      </a:endParaRPr>
-                    </a:p>
-                  </a:txBody>
-                  <a:tcPr marL="68580" marR="68580" marT="0" marB="0"/>
-                </a:tc>
-                <a:tc>
-                  <a:txBody>
-                    <a:bodyPr/>
-                    <a:lstStyle/>
-                    <a:p>
-                      <a:pPr marL="0" marR="0">
-                        <a:spcBef>
-                          <a:spcPts val="0"/>
-                        </a:spcBef>
-                        <a:spcAft>
-                          <a:spcPts val="0"/>
-                        </a:spcAft>
-                      </a:pPr>
-                      <a:r>
-                        <a:rPr lang="en-US" sz="1600" dirty="0">
-                          <a:effectLst/>
-                        </a:rPr>
-                        <a:t>Test Data</a:t>
-                      </a:r>
-                      <a:endParaRPr lang="en-US" sz="1600" dirty="0">
-                        <a:effectLst/>
-                        <a:latin typeface="Times New Roman" panose="02020603050405020304" pitchFamily="18" charset="0"/>
-                        <a:ea typeface="Times New Roman" panose="02020603050405020304" pitchFamily="18" charset="0"/>
-                      </a:endParaRPr>
-                    </a:p>
-                  </a:txBody>
-                  <a:tcPr marL="68580" marR="68580" marT="0" marB="0"/>
-                </a:tc>
-                <a:tc>
-                  <a:txBody>
-                    <a:bodyPr/>
-                    <a:lstStyle/>
-                    <a:p>
-                      <a:pPr marL="0" marR="0">
-                        <a:spcBef>
-                          <a:spcPts val="0"/>
-                        </a:spcBef>
-                        <a:spcAft>
-                          <a:spcPts val="0"/>
-                        </a:spcAft>
-                      </a:pPr>
-                      <a:r>
-                        <a:rPr lang="en-US" sz="1600">
-                          <a:effectLst/>
-                        </a:rPr>
-                        <a:t>Expected Results</a:t>
-                      </a:r>
-                      <a:endParaRPr lang="en-US" sz="1600">
-                        <a:effectLst/>
-                        <a:latin typeface="Times New Roman" panose="02020603050405020304" pitchFamily="18" charset="0"/>
-                        <a:ea typeface="Times New Roman" panose="02020603050405020304" pitchFamily="18" charset="0"/>
-                      </a:endParaRPr>
-                    </a:p>
-                  </a:txBody>
-                  <a:tcPr marL="68580" marR="68580" marT="0" marB="0"/>
-                </a:tc>
-                <a:tc>
-                  <a:txBody>
-                    <a:bodyPr/>
-                    <a:lstStyle/>
-                    <a:p>
-                      <a:pPr marL="0" marR="0">
-                        <a:spcBef>
-                          <a:spcPts val="0"/>
-                        </a:spcBef>
-                        <a:spcAft>
-                          <a:spcPts val="0"/>
-                        </a:spcAft>
-                      </a:pPr>
-                      <a:r>
-                        <a:rPr lang="en-US" sz="1600">
-                          <a:effectLst/>
-                        </a:rPr>
-                        <a:t>Actual Results</a:t>
-                      </a:r>
-                      <a:endParaRPr lang="en-US" sz="1600">
-                        <a:effectLst/>
-                        <a:latin typeface="Times New Roman" panose="02020603050405020304" pitchFamily="18" charset="0"/>
-                        <a:ea typeface="Times New Roman" panose="02020603050405020304" pitchFamily="18" charset="0"/>
-                      </a:endParaRPr>
-                    </a:p>
-                  </a:txBody>
-                  <a:tcPr marL="68580" marR="68580" marT="0" marB="0"/>
-                </a:tc>
-                <a:tc>
-                  <a:txBody>
-                    <a:bodyPr/>
-                    <a:lstStyle/>
-                    <a:p>
-                      <a:pPr marL="0" marR="0">
-                        <a:spcBef>
-                          <a:spcPts val="0"/>
-                        </a:spcBef>
-                        <a:spcAft>
-                          <a:spcPts val="0"/>
-                        </a:spcAft>
-                      </a:pPr>
-                      <a:r>
-                        <a:rPr lang="en-US" sz="1600" dirty="0">
-                          <a:effectLst/>
-                        </a:rPr>
-                        <a:t>Remarks</a:t>
-                      </a:r>
-                      <a:endParaRPr lang="en-US" sz="1600" dirty="0">
-                        <a:effectLst/>
-                        <a:latin typeface="Times New Roman" panose="02020603050405020304" pitchFamily="18" charset="0"/>
-                        <a:ea typeface="Times New Roman" panose="02020603050405020304" pitchFamily="18" charset="0"/>
-                      </a:endParaRPr>
-                    </a:p>
-                  </a:txBody>
-                  <a:tcPr marL="68580" marR="68580" marT="0" marB="0"/>
-                </a:tc>
-              </a:tr>
-            </a:tbl>
-          </a:graphicData>
-        </a:graphic>
-      </p:graphicFrame>
-      <p:graphicFrame>
-        <p:nvGraphicFramePr>
-          <p:cNvPr id="5" name="Table 4"/>
-          <p:cNvGraphicFramePr>
-            <a:graphicFrameLocks noGrp="1"/>
-          </p:cNvGraphicFramePr>
-          <p:nvPr>
-            <p:extLst>
-              <p:ext uri="{D42A27DB-BD31-4B8C-83A1-F6EECF244321}">
-                <p14:modId xmlns:p14="http://schemas.microsoft.com/office/powerpoint/2010/main" val="3452649339"/>
-              </p:ext>
-            </p:extLst>
-          </p:nvPr>
-        </p:nvGraphicFramePr>
-        <p:xfrm>
-          <a:off x="908876" y="1736502"/>
-          <a:ext cx="10265093" cy="3732620"/>
-        </p:xfrm>
-        <a:graphic>
-          <a:graphicData uri="http://schemas.openxmlformats.org/drawingml/2006/table">
-            <a:tbl>
-              <a:tblPr firstRow="1" firstCol="1" bandRow="1">
-                <a:tableStyleId>{93296810-A885-4BE3-A3E7-6D5BEEA58F35}</a:tableStyleId>
-              </a:tblPr>
-              <a:tblGrid>
-                <a:gridCol w="979717"/>
-                <a:gridCol w="1463482"/>
-                <a:gridCol w="2275039"/>
-                <a:gridCol w="2019143"/>
-                <a:gridCol w="1863168"/>
-                <a:gridCol w="1664544"/>
-              </a:tblGrid>
-              <a:tr h="1035646">
-                <a:tc>
-                  <a:txBody>
-                    <a:bodyPr/>
-                    <a:lstStyle/>
-                    <a:p>
-                      <a:pPr marL="0" marR="0">
-                        <a:spcBef>
-                          <a:spcPts val="0"/>
-                        </a:spcBef>
-                        <a:spcAft>
-                          <a:spcPts val="0"/>
-                        </a:spcAft>
-                      </a:pPr>
-                      <a:r>
-                        <a:rPr lang="en-US" sz="1400" dirty="0">
-                          <a:effectLst/>
-                        </a:rPr>
-                        <a:t>4</a:t>
-                      </a:r>
-                      <a:endParaRPr lang="en-US" sz="1400" dirty="0">
-                        <a:effectLst/>
-                        <a:latin typeface="Times New Roman" panose="02020603050405020304" pitchFamily="18" charset="0"/>
-                        <a:ea typeface="Times New Roman" panose="02020603050405020304" pitchFamily="18" charset="0"/>
-                      </a:endParaRPr>
-                    </a:p>
-                  </a:txBody>
-                  <a:tcPr marL="68580" marR="68580" marT="0" marB="0"/>
-                </a:tc>
-                <a:tc>
-                  <a:txBody>
-                    <a:bodyPr/>
-                    <a:lstStyle/>
-                    <a:p>
-                      <a:pPr marL="0" marR="0">
-                        <a:spcBef>
-                          <a:spcPts val="0"/>
-                        </a:spcBef>
-                        <a:spcAft>
-                          <a:spcPts val="0"/>
-                        </a:spcAft>
-                      </a:pPr>
-                      <a:r>
-                        <a:rPr lang="en-US" sz="1400" dirty="0">
-                          <a:ln>
-                            <a:noFill/>
-                          </a:ln>
-                          <a:solidFill>
-                            <a:schemeClr val="bg1"/>
-                          </a:solidFill>
-                          <a:effectLst/>
-                        </a:rPr>
-                        <a:t>Search for Guest</a:t>
-                      </a:r>
-                      <a:endParaRPr lang="en-US" sz="1400" dirty="0">
-                        <a:ln>
-                          <a:noFill/>
-                        </a:ln>
-                        <a:solidFill>
-                          <a:schemeClr val="bg1"/>
-                        </a:solidFill>
-                        <a:effectLst/>
-                        <a:latin typeface="Times New Roman" panose="02020603050405020304" pitchFamily="18" charset="0"/>
-                        <a:ea typeface="Times New Roman" panose="02020603050405020304" pitchFamily="18" charset="0"/>
-                      </a:endParaRPr>
-                    </a:p>
-                  </a:txBody>
-                  <a:tcPr marL="68580" marR="68580" marT="0" marB="0">
-                    <a:solidFill>
-                      <a:schemeClr val="accent2">
-                        <a:lumMod val="20000"/>
-                        <a:lumOff val="80000"/>
-                      </a:schemeClr>
-                    </a:solidFill>
-                  </a:tcPr>
-                </a:tc>
-                <a:tc>
-                  <a:txBody>
-                    <a:bodyPr/>
-                    <a:lstStyle/>
-                    <a:p>
-                      <a:pPr marL="0" marR="0">
-                        <a:spcBef>
-                          <a:spcPts val="0"/>
-                        </a:spcBef>
-                        <a:spcAft>
-                          <a:spcPts val="0"/>
-                        </a:spcAft>
-                      </a:pPr>
-                      <a:r>
-                        <a:rPr lang="en-US" sz="1400" dirty="0">
-                          <a:ln>
-                            <a:noFill/>
-                          </a:ln>
-                          <a:solidFill>
-                            <a:schemeClr val="bg1"/>
-                          </a:solidFill>
-                          <a:effectLst/>
-                        </a:rPr>
-                        <a:t>User inputs any of the four details and clicks Search.</a:t>
-                      </a:r>
-                    </a:p>
-                    <a:p>
-                      <a:pPr marL="0" marR="0">
-                        <a:spcBef>
-                          <a:spcPts val="0"/>
-                        </a:spcBef>
-                        <a:spcAft>
-                          <a:spcPts val="0"/>
-                        </a:spcAft>
-                      </a:pPr>
-                      <a:r>
-                        <a:rPr lang="en-US" sz="1400" dirty="0">
-                          <a:ln>
-                            <a:noFill/>
-                          </a:ln>
-                          <a:solidFill>
-                            <a:schemeClr val="bg1"/>
-                          </a:solidFill>
-                          <a:effectLst/>
-                        </a:rPr>
-                        <a:t>Normal Data</a:t>
-                      </a:r>
-                    </a:p>
-                    <a:p>
-                      <a:pPr marL="0" marR="0">
-                        <a:spcBef>
-                          <a:spcPts val="0"/>
-                        </a:spcBef>
-                        <a:spcAft>
-                          <a:spcPts val="0"/>
-                        </a:spcAft>
-                      </a:pPr>
-                      <a:r>
-                        <a:rPr lang="en-US" sz="1400" dirty="0">
-                          <a:ln>
-                            <a:noFill/>
-                          </a:ln>
-                          <a:solidFill>
-                            <a:schemeClr val="bg1"/>
-                          </a:solidFill>
-                          <a:effectLst/>
-                        </a:rPr>
-                        <a:t> </a:t>
-                      </a:r>
-                      <a:endParaRPr lang="en-US" sz="1400" dirty="0">
-                        <a:ln>
-                          <a:noFill/>
-                        </a:ln>
-                        <a:solidFill>
-                          <a:schemeClr val="bg1"/>
-                        </a:solidFill>
-                        <a:effectLst/>
-                        <a:latin typeface="Times New Roman" panose="02020603050405020304" pitchFamily="18" charset="0"/>
-                        <a:ea typeface="Times New Roman" panose="02020603050405020304" pitchFamily="18" charset="0"/>
-                      </a:endParaRPr>
-                    </a:p>
-                  </a:txBody>
-                  <a:tcPr marL="68580" marR="68580" marT="0" marB="0">
-                    <a:solidFill>
-                      <a:schemeClr val="accent2">
-                        <a:lumMod val="20000"/>
-                        <a:lumOff val="80000"/>
-                      </a:schemeClr>
-                    </a:solidFill>
-                  </a:tcPr>
-                </a:tc>
-                <a:tc>
-                  <a:txBody>
-                    <a:bodyPr/>
-                    <a:lstStyle/>
-                    <a:p>
-                      <a:pPr marL="0" marR="0">
-                        <a:spcBef>
-                          <a:spcPts val="0"/>
-                        </a:spcBef>
-                        <a:spcAft>
-                          <a:spcPts val="0"/>
-                        </a:spcAft>
-                      </a:pPr>
-                      <a:r>
-                        <a:rPr lang="en-US" sz="1400" dirty="0">
-                          <a:ln>
-                            <a:noFill/>
-                          </a:ln>
-                          <a:solidFill>
-                            <a:schemeClr val="bg1"/>
-                          </a:solidFill>
-                          <a:effectLst/>
-                        </a:rPr>
-                        <a:t>If there is more than one data it will display in the datagrid, else it will display in a groupbox.</a:t>
-                      </a:r>
-                      <a:endParaRPr lang="en-US" sz="1400" dirty="0">
-                        <a:ln>
-                          <a:noFill/>
-                        </a:ln>
-                        <a:solidFill>
-                          <a:schemeClr val="bg1"/>
-                        </a:solidFill>
-                        <a:effectLst/>
-                        <a:latin typeface="Times New Roman" panose="02020603050405020304" pitchFamily="18" charset="0"/>
-                        <a:ea typeface="Times New Roman" panose="02020603050405020304" pitchFamily="18" charset="0"/>
-                      </a:endParaRPr>
-                    </a:p>
-                  </a:txBody>
-                  <a:tcPr marL="68580" marR="68580" marT="0" marB="0">
-                    <a:solidFill>
-                      <a:schemeClr val="accent2">
-                        <a:lumMod val="20000"/>
-                        <a:lumOff val="80000"/>
-                      </a:schemeClr>
-                    </a:solidFill>
-                  </a:tcPr>
-                </a:tc>
-                <a:tc>
-                  <a:txBody>
-                    <a:bodyPr/>
-                    <a:lstStyle/>
-                    <a:p>
-                      <a:pPr marL="0" marR="0">
-                        <a:spcBef>
-                          <a:spcPts val="0"/>
-                        </a:spcBef>
-                        <a:spcAft>
-                          <a:spcPts val="0"/>
-                        </a:spcAft>
-                      </a:pPr>
-                      <a:r>
-                        <a:rPr lang="en-US" sz="1400" dirty="0">
-                          <a:ln>
-                            <a:noFill/>
-                          </a:ln>
-                          <a:solidFill>
-                            <a:schemeClr val="bg1"/>
-                          </a:solidFill>
-                          <a:effectLst/>
-                        </a:rPr>
-                        <a:t>If there is more than one data it displays in the datagrid, else it displays in a groupbox.</a:t>
-                      </a:r>
-                      <a:endParaRPr lang="en-US" sz="1400" dirty="0">
-                        <a:ln>
-                          <a:noFill/>
-                        </a:ln>
-                        <a:solidFill>
-                          <a:schemeClr val="bg1"/>
-                        </a:solidFill>
-                        <a:effectLst/>
-                        <a:latin typeface="Times New Roman" panose="02020603050405020304" pitchFamily="18" charset="0"/>
-                        <a:ea typeface="Times New Roman" panose="02020603050405020304" pitchFamily="18" charset="0"/>
-                      </a:endParaRPr>
-                    </a:p>
-                  </a:txBody>
-                  <a:tcPr marL="68580" marR="68580" marT="0" marB="0">
-                    <a:solidFill>
-                      <a:schemeClr val="accent2">
-                        <a:lumMod val="20000"/>
-                        <a:lumOff val="80000"/>
-                      </a:schemeClr>
-                    </a:solidFill>
-                  </a:tcPr>
-                </a:tc>
-                <a:tc>
-                  <a:txBody>
-                    <a:bodyPr/>
-                    <a:lstStyle/>
-                    <a:p>
-                      <a:pPr marL="0" marR="0">
-                        <a:spcBef>
-                          <a:spcPts val="0"/>
-                        </a:spcBef>
-                        <a:spcAft>
-                          <a:spcPts val="0"/>
-                        </a:spcAft>
-                      </a:pPr>
-                      <a:r>
-                        <a:rPr lang="en-US" sz="1400" dirty="0">
-                          <a:ln>
-                            <a:noFill/>
-                          </a:ln>
-                          <a:solidFill>
-                            <a:schemeClr val="bg1"/>
-                          </a:solidFill>
-                          <a:effectLst/>
-                        </a:rPr>
-                        <a:t> </a:t>
-                      </a:r>
-                      <a:endParaRPr lang="en-US" sz="1400" dirty="0">
-                        <a:ln>
-                          <a:noFill/>
-                        </a:ln>
-                        <a:solidFill>
-                          <a:schemeClr val="bg1"/>
-                        </a:solidFill>
-                        <a:effectLst/>
-                        <a:latin typeface="Times New Roman" panose="02020603050405020304" pitchFamily="18" charset="0"/>
-                        <a:ea typeface="Times New Roman" panose="02020603050405020304" pitchFamily="18" charset="0"/>
-                      </a:endParaRPr>
-                    </a:p>
-                  </a:txBody>
-                  <a:tcPr marL="68580" marR="68580" marT="0" marB="0">
-                    <a:solidFill>
-                      <a:schemeClr val="accent2">
-                        <a:lumMod val="20000"/>
-                        <a:lumOff val="80000"/>
-                      </a:schemeClr>
-                    </a:solidFill>
-                  </a:tcPr>
-                </a:tc>
-              </a:tr>
-              <a:tr h="517823">
-                <a:tc>
-                  <a:txBody>
-                    <a:bodyPr/>
-                    <a:lstStyle/>
-                    <a:p>
-                      <a:pPr marL="0" marR="0">
-                        <a:spcBef>
-                          <a:spcPts val="0"/>
-                        </a:spcBef>
-                        <a:spcAft>
-                          <a:spcPts val="0"/>
-                        </a:spcAft>
-                      </a:pPr>
-                      <a:r>
-                        <a:rPr lang="en-US" sz="1400">
-                          <a:effectLst/>
-                        </a:rPr>
-                        <a:t>5</a:t>
-                      </a:r>
-                      <a:endParaRPr lang="en-US" sz="1400">
-                        <a:effectLst/>
-                        <a:latin typeface="Times New Roman" panose="02020603050405020304" pitchFamily="18" charset="0"/>
-                        <a:ea typeface="Times New Roman" panose="02020603050405020304" pitchFamily="18" charset="0"/>
-                      </a:endParaRPr>
-                    </a:p>
-                  </a:txBody>
-                  <a:tcPr marL="68580" marR="68580" marT="0" marB="0"/>
-                </a:tc>
-                <a:tc>
-                  <a:txBody>
-                    <a:bodyPr/>
-                    <a:lstStyle/>
-                    <a:p>
-                      <a:pPr marL="0" marR="0">
-                        <a:spcBef>
-                          <a:spcPts val="0"/>
-                        </a:spcBef>
-                        <a:spcAft>
-                          <a:spcPts val="0"/>
-                        </a:spcAft>
-                      </a:pPr>
-                      <a:r>
-                        <a:rPr lang="en-US" sz="1400">
-                          <a:effectLst/>
-                        </a:rPr>
-                        <a:t>Search All Guests</a:t>
-                      </a:r>
-                      <a:endParaRPr lang="en-US" sz="1400">
-                        <a:effectLst/>
-                        <a:latin typeface="Times New Roman" panose="02020603050405020304" pitchFamily="18" charset="0"/>
-                        <a:ea typeface="Times New Roman" panose="02020603050405020304" pitchFamily="18" charset="0"/>
-                      </a:endParaRPr>
-                    </a:p>
-                  </a:txBody>
-                  <a:tcPr marL="68580" marR="68580" marT="0" marB="0"/>
-                </a:tc>
-                <a:tc>
-                  <a:txBody>
-                    <a:bodyPr/>
-                    <a:lstStyle/>
-                    <a:p>
-                      <a:pPr marL="0" marR="0">
-                        <a:spcBef>
-                          <a:spcPts val="0"/>
-                        </a:spcBef>
-                        <a:spcAft>
-                          <a:spcPts val="0"/>
-                        </a:spcAft>
-                      </a:pPr>
-                      <a:r>
-                        <a:rPr lang="en-US" sz="1400" dirty="0">
-                          <a:effectLst/>
-                        </a:rPr>
-                        <a:t>User clicks on find all button </a:t>
-                      </a:r>
-                    </a:p>
-                    <a:p>
-                      <a:pPr marL="0" marR="0">
-                        <a:spcBef>
-                          <a:spcPts val="0"/>
-                        </a:spcBef>
-                        <a:spcAft>
-                          <a:spcPts val="0"/>
-                        </a:spcAft>
-                      </a:pPr>
-                      <a:r>
-                        <a:rPr lang="en-US" sz="1400" dirty="0">
-                          <a:effectLst/>
-                        </a:rPr>
-                        <a:t> </a:t>
-                      </a:r>
-                      <a:endParaRPr lang="en-US" sz="1400" dirty="0">
-                        <a:effectLst/>
-                        <a:latin typeface="Times New Roman" panose="02020603050405020304" pitchFamily="18" charset="0"/>
-                        <a:ea typeface="Times New Roman" panose="02020603050405020304" pitchFamily="18" charset="0"/>
-                      </a:endParaRPr>
-                    </a:p>
-                  </a:txBody>
-                  <a:tcPr marL="68580" marR="68580" marT="0" marB="0"/>
-                </a:tc>
-                <a:tc>
-                  <a:txBody>
-                    <a:bodyPr/>
-                    <a:lstStyle/>
-                    <a:p>
-                      <a:pPr marL="0" marR="0">
-                        <a:spcBef>
-                          <a:spcPts val="0"/>
-                        </a:spcBef>
-                        <a:spcAft>
-                          <a:spcPts val="0"/>
-                        </a:spcAft>
-                      </a:pPr>
-                      <a:r>
-                        <a:rPr lang="en-US" sz="1400" dirty="0">
-                          <a:effectLst/>
-                        </a:rPr>
-                        <a:t>It will display in a datagrid</a:t>
-                      </a:r>
-                      <a:endParaRPr lang="en-US" sz="1400" dirty="0">
-                        <a:effectLst/>
-                        <a:latin typeface="Times New Roman" panose="02020603050405020304" pitchFamily="18" charset="0"/>
-                        <a:ea typeface="Times New Roman" panose="02020603050405020304" pitchFamily="18" charset="0"/>
-                      </a:endParaRPr>
-                    </a:p>
-                  </a:txBody>
-                  <a:tcPr marL="68580" marR="68580" marT="0" marB="0"/>
-                </a:tc>
-                <a:tc>
-                  <a:txBody>
-                    <a:bodyPr/>
-                    <a:lstStyle/>
-                    <a:p>
-                      <a:pPr marL="0" marR="0">
-                        <a:spcBef>
-                          <a:spcPts val="0"/>
-                        </a:spcBef>
-                        <a:spcAft>
-                          <a:spcPts val="0"/>
-                        </a:spcAft>
-                      </a:pPr>
-                      <a:r>
-                        <a:rPr lang="en-US" sz="1400">
-                          <a:effectLst/>
-                        </a:rPr>
-                        <a:t>It displays in a datagrid</a:t>
-                      </a:r>
-                      <a:endParaRPr lang="en-US" sz="1400">
-                        <a:effectLst/>
-                        <a:latin typeface="Times New Roman" panose="02020603050405020304" pitchFamily="18" charset="0"/>
-                        <a:ea typeface="Times New Roman" panose="02020603050405020304" pitchFamily="18" charset="0"/>
-                      </a:endParaRPr>
-                    </a:p>
-                  </a:txBody>
-                  <a:tcPr marL="68580" marR="68580" marT="0" marB="0"/>
-                </a:tc>
-                <a:tc>
-                  <a:txBody>
-                    <a:bodyPr/>
-                    <a:lstStyle/>
-                    <a:p>
-                      <a:pPr marL="0" marR="0">
-                        <a:spcBef>
-                          <a:spcPts val="0"/>
-                        </a:spcBef>
-                        <a:spcAft>
-                          <a:spcPts val="0"/>
-                        </a:spcAft>
-                      </a:pPr>
-                      <a:r>
-                        <a:rPr lang="en-US" sz="1400">
-                          <a:effectLst/>
-                        </a:rPr>
-                        <a:t> </a:t>
-                      </a:r>
-                      <a:endParaRPr lang="en-US" sz="1400">
-                        <a:effectLst/>
-                        <a:latin typeface="Times New Roman" panose="02020603050405020304" pitchFamily="18" charset="0"/>
-                        <a:ea typeface="Times New Roman" panose="02020603050405020304" pitchFamily="18" charset="0"/>
-                      </a:endParaRPr>
-                    </a:p>
-                  </a:txBody>
-                  <a:tcPr marL="68580" marR="68580" marT="0" marB="0"/>
-                </a:tc>
-              </a:tr>
-              <a:tr h="1812380">
-                <a:tc>
-                  <a:txBody>
-                    <a:bodyPr/>
-                    <a:lstStyle/>
-                    <a:p>
-                      <a:pPr marL="0" marR="0">
-                        <a:spcBef>
-                          <a:spcPts val="0"/>
-                        </a:spcBef>
-                        <a:spcAft>
-                          <a:spcPts val="0"/>
-                        </a:spcAft>
-                      </a:pPr>
-                      <a:r>
-                        <a:rPr lang="en-US" sz="1400">
-                          <a:effectLst/>
-                        </a:rPr>
-                        <a:t>6</a:t>
-                      </a:r>
-                      <a:endParaRPr lang="en-US" sz="1400">
-                        <a:effectLst/>
-                        <a:latin typeface="Times New Roman" panose="02020603050405020304" pitchFamily="18" charset="0"/>
-                        <a:ea typeface="Times New Roman" panose="02020603050405020304" pitchFamily="18" charset="0"/>
-                      </a:endParaRPr>
-                    </a:p>
-                  </a:txBody>
-                  <a:tcPr marL="68580" marR="68580" marT="0" marB="0"/>
-                </a:tc>
-                <a:tc>
-                  <a:txBody>
-                    <a:bodyPr/>
-                    <a:lstStyle/>
-                    <a:p>
-                      <a:pPr marL="0" marR="0">
-                        <a:spcBef>
-                          <a:spcPts val="0"/>
-                        </a:spcBef>
-                        <a:spcAft>
-                          <a:spcPts val="0"/>
-                        </a:spcAft>
-                      </a:pPr>
-                      <a:r>
-                        <a:rPr lang="en-US" sz="1400" dirty="0">
-                          <a:effectLst/>
-                        </a:rPr>
-                        <a:t>Check In Guest</a:t>
-                      </a:r>
-                      <a:endParaRPr lang="en-US" sz="1400" dirty="0">
-                        <a:effectLst/>
-                        <a:latin typeface="Times New Roman" panose="02020603050405020304" pitchFamily="18" charset="0"/>
-                        <a:ea typeface="Times New Roman" panose="02020603050405020304" pitchFamily="18" charset="0"/>
-                      </a:endParaRPr>
-                    </a:p>
-                  </a:txBody>
-                  <a:tcPr marL="68580" marR="68580" marT="0" marB="0"/>
-                </a:tc>
-                <a:tc>
-                  <a:txBody>
-                    <a:bodyPr/>
-                    <a:lstStyle/>
-                    <a:p>
-                      <a:pPr marL="0" marR="0">
-                        <a:spcBef>
-                          <a:spcPts val="0"/>
-                        </a:spcBef>
-                        <a:spcAft>
-                          <a:spcPts val="0"/>
-                        </a:spcAft>
-                      </a:pPr>
-                      <a:r>
-                        <a:rPr lang="en-US" sz="1400">
-                          <a:effectLst/>
-                        </a:rPr>
-                        <a:t>User can enter add requirements or change their check out date.</a:t>
-                      </a:r>
-                    </a:p>
-                    <a:p>
-                      <a:pPr marL="0" marR="0">
-                        <a:spcBef>
-                          <a:spcPts val="0"/>
-                        </a:spcBef>
-                        <a:spcAft>
-                          <a:spcPts val="0"/>
-                        </a:spcAft>
-                      </a:pPr>
-                      <a:r>
-                        <a:rPr lang="en-US" sz="1400">
-                          <a:effectLst/>
-                        </a:rPr>
-                        <a:t>Normal Data</a:t>
-                      </a:r>
-                    </a:p>
-                    <a:p>
-                      <a:pPr marL="0" marR="0">
-                        <a:spcBef>
-                          <a:spcPts val="0"/>
-                        </a:spcBef>
-                        <a:spcAft>
-                          <a:spcPts val="0"/>
-                        </a:spcAft>
-                      </a:pPr>
-                      <a:r>
-                        <a:rPr lang="en-US" sz="1400">
-                          <a:effectLst/>
-                        </a:rPr>
-                        <a:t> </a:t>
-                      </a:r>
-                      <a:endParaRPr lang="en-US" sz="1400">
-                        <a:effectLst/>
-                        <a:latin typeface="Times New Roman" panose="02020603050405020304" pitchFamily="18" charset="0"/>
-                        <a:ea typeface="Times New Roman" panose="02020603050405020304" pitchFamily="18" charset="0"/>
-                      </a:endParaRPr>
-                    </a:p>
-                  </a:txBody>
-                  <a:tcPr marL="68580" marR="68580" marT="0" marB="0"/>
-                </a:tc>
-                <a:tc>
-                  <a:txBody>
-                    <a:bodyPr/>
-                    <a:lstStyle/>
-                    <a:p>
-                      <a:pPr marL="0" marR="0">
-                        <a:spcBef>
-                          <a:spcPts val="0"/>
-                        </a:spcBef>
-                        <a:spcAft>
-                          <a:spcPts val="0"/>
-                        </a:spcAft>
-                      </a:pPr>
-                      <a:r>
-                        <a:rPr lang="en-US" sz="1400" dirty="0">
-                          <a:effectLst/>
-                        </a:rPr>
-                        <a:t>User clicks on Check In and the room status changes to ‘Occupied’ and update database if changes are made</a:t>
-                      </a:r>
-                      <a:endParaRPr lang="en-US" sz="1400" dirty="0">
-                        <a:effectLst/>
-                        <a:latin typeface="Times New Roman" panose="02020603050405020304" pitchFamily="18" charset="0"/>
-                        <a:ea typeface="Times New Roman" panose="02020603050405020304" pitchFamily="18" charset="0"/>
-                      </a:endParaRPr>
-                    </a:p>
-                  </a:txBody>
-                  <a:tcPr marL="68580" marR="68580" marT="0" marB="0"/>
-                </a:tc>
-                <a:tc>
-                  <a:txBody>
-                    <a:bodyPr/>
-                    <a:lstStyle/>
-                    <a:p>
-                      <a:pPr marL="0" marR="0">
-                        <a:spcBef>
-                          <a:spcPts val="0"/>
-                        </a:spcBef>
-                        <a:spcAft>
-                          <a:spcPts val="0"/>
-                        </a:spcAft>
-                      </a:pPr>
-                      <a:r>
-                        <a:rPr lang="en-US" sz="1400" dirty="0">
-                          <a:effectLst/>
-                        </a:rPr>
-                        <a:t>User clicks on Check In and the room status changed to ‘Occupied’ and update database because changes were made</a:t>
-                      </a:r>
-                      <a:endParaRPr lang="en-US" sz="1400" dirty="0">
-                        <a:effectLst/>
-                        <a:latin typeface="Times New Roman" panose="02020603050405020304" pitchFamily="18" charset="0"/>
-                        <a:ea typeface="Times New Roman" panose="02020603050405020304" pitchFamily="18" charset="0"/>
-                      </a:endParaRPr>
-                    </a:p>
-                  </a:txBody>
-                  <a:tcPr marL="68580" marR="68580" marT="0" marB="0"/>
-                </a:tc>
-                <a:tc>
-                  <a:txBody>
-                    <a:bodyPr/>
-                    <a:lstStyle/>
-                    <a:p>
-                      <a:pPr marL="0" marR="0">
-                        <a:spcBef>
-                          <a:spcPts val="0"/>
-                        </a:spcBef>
-                        <a:spcAft>
-                          <a:spcPts val="0"/>
-                        </a:spcAft>
-                      </a:pPr>
-                      <a:r>
-                        <a:rPr lang="en-US" sz="1400" dirty="0">
-                          <a:effectLst/>
-                        </a:rPr>
-                        <a:t> </a:t>
-                      </a:r>
-                      <a:endParaRPr lang="en-US" sz="1400" dirty="0">
-                        <a:effectLst/>
-                        <a:latin typeface="Times New Roman" panose="02020603050405020304" pitchFamily="18" charset="0"/>
-                        <a:ea typeface="Times New Roman" panose="02020603050405020304" pitchFamily="18" charset="0"/>
-                      </a:endParaRPr>
-                    </a:p>
-                  </a:txBody>
-                  <a:tcPr marL="68580" marR="68580" marT="0" marB="0"/>
-                </a:tc>
-              </a:tr>
-            </a:tbl>
-          </a:graphicData>
-        </a:graphic>
-      </p:graphicFrame>
-    </p:spTree>
-    <p:extLst>
-      <p:ext uri="{BB962C8B-B14F-4D97-AF65-F5344CB8AC3E}">
-        <p14:creationId xmlns:p14="http://schemas.microsoft.com/office/powerpoint/2010/main" val="1541242929"/>
-      </p:ext>
-    </p:extLst>
-  </p:cSld>
-  <p:clrMapOvr>
-    <a:masterClrMapping/>
-  </p:clrMapOvr>
-</p:sld>
-</file>
-
-<file path=ppt/slides/slide7.xml><?xml version="1.0" encoding="utf-8"?>
+<file path=ppt/slides/slide10.xml><?xml version="1.0" encoding="utf-8"?>
 <p:sld xmlns:a="http://schemas.openxmlformats.org/drawingml/2006/main" xmlns:r="http://schemas.openxmlformats.org/officeDocument/2006/relationships" xmlns:p="http://schemas.openxmlformats.org/presentationml/2006/main">
   <p:cSld>
     <p:spTree>
@@ -9913,6 +9403,2728 @@
   <p:clrMapOvr>
     <a:masterClrMapping/>
   </p:clrMapOvr>
+  <p:timing>
+    <p:tnLst>
+      <p:par>
+        <p:cTn id="1" dur="indefinite" restart="never" nodeType="tmRoot"/>
+      </p:par>
+    </p:tnLst>
+  </p:timing>
+</p:sld>
+</file>
+
+<file path=ppt/slides/slide11.xml><?xml version="1.0" encoding="utf-8"?>
+<p:sld xmlns:a="http://schemas.openxmlformats.org/drawingml/2006/main" xmlns:r="http://schemas.openxmlformats.org/officeDocument/2006/relationships" xmlns:p="http://schemas.openxmlformats.org/presentationml/2006/main">
+  <p:cSld>
+    <p:spTree>
+      <p:nvGrpSpPr>
+        <p:cNvPr id="1" name=""/>
+        <p:cNvGrpSpPr/>
+        <p:nvPr/>
+      </p:nvGrpSpPr>
+      <p:grpSpPr>
+        <a:xfrm>
+          <a:off x="0" y="0"/>
+          <a:ext cx="0" cy="0"/>
+          <a:chOff x="0" y="0"/>
+          <a:chExt cx="0" cy="0"/>
+        </a:xfrm>
+      </p:grpSpPr>
+      <p:sp>
+        <p:nvSpPr>
+          <p:cNvPr id="4" name="Title 3"/>
+          <p:cNvSpPr>
+            <a:spLocks noGrp="1"/>
+          </p:cNvSpPr>
+          <p:nvPr>
+            <p:ph type="title"/>
+          </p:nvPr>
+        </p:nvSpPr>
+        <p:spPr>
+          <a:xfrm>
+            <a:off x="1831612" y="1801029"/>
+            <a:ext cx="8825657" cy="1915647"/>
+          </a:xfrm>
+        </p:spPr>
+        <p:txBody>
+          <a:bodyPr/>
+          <a:lstStyle/>
+          <a:p>
+            <a:pPr algn="ctr"/>
+            <a:r>
+              <a:rPr lang="en-SG" sz="4800" b="1" dirty="0" smtClean="0"/>
+              <a:t>END OF PRESENTATION</a:t>
+            </a:r>
+            <a:endParaRPr lang="en-SG" sz="4800" b="1" dirty="0"/>
+          </a:p>
+        </p:txBody>
+      </p:sp>
+      <p:sp>
+        <p:nvSpPr>
+          <p:cNvPr id="5" name="Text Placeholder 4"/>
+          <p:cNvSpPr>
+            <a:spLocks noGrp="1"/>
+          </p:cNvSpPr>
+          <p:nvPr>
+            <p:ph type="body" idx="1"/>
+          </p:nvPr>
+        </p:nvSpPr>
+        <p:spPr>
+          <a:xfrm>
+            <a:off x="1831611" y="3716677"/>
+            <a:ext cx="8825658" cy="860400"/>
+          </a:xfrm>
+        </p:spPr>
+        <p:txBody>
+          <a:bodyPr>
+            <a:normAutofit/>
+          </a:bodyPr>
+          <a:lstStyle/>
+          <a:p>
+            <a:pPr algn="ctr"/>
+            <a:r>
+              <a:rPr lang="en-SG" sz="2400" b="1" dirty="0" smtClean="0"/>
+              <a:t>Thank you for your attention!</a:t>
+            </a:r>
+            <a:endParaRPr lang="en-SG" sz="2400" b="1" dirty="0"/>
+          </a:p>
+        </p:txBody>
+      </p:sp>
+    </p:spTree>
+    <p:extLst>
+      <p:ext uri="{BB962C8B-B14F-4D97-AF65-F5344CB8AC3E}">
+        <p14:creationId xmlns:p14="http://schemas.microsoft.com/office/powerpoint/2010/main" val="852677689"/>
+      </p:ext>
+    </p:extLst>
+  </p:cSld>
+  <p:clrMapOvr>
+    <a:masterClrMapping/>
+  </p:clrMapOvr>
+  <p:timing>
+    <p:tnLst>
+      <p:par>
+        <p:cTn id="1" dur="indefinite" restart="never" nodeType="tmRoot"/>
+      </p:par>
+    </p:tnLst>
+  </p:timing>
+</p:sld>
+</file>
+
+<file path=ppt/slides/slide2.xml><?xml version="1.0" encoding="utf-8"?>
+<p:sld xmlns:a="http://schemas.openxmlformats.org/drawingml/2006/main" xmlns:r="http://schemas.openxmlformats.org/officeDocument/2006/relationships" xmlns:p="http://schemas.openxmlformats.org/presentationml/2006/main">
+  <p:cSld>
+    <p:spTree>
+      <p:nvGrpSpPr>
+        <p:cNvPr id="1" name=""/>
+        <p:cNvGrpSpPr/>
+        <p:nvPr/>
+      </p:nvGrpSpPr>
+      <p:grpSpPr>
+        <a:xfrm>
+          <a:off x="0" y="0"/>
+          <a:ext cx="0" cy="0"/>
+          <a:chOff x="0" y="0"/>
+          <a:chExt cx="0" cy="0"/>
+        </a:xfrm>
+      </p:grpSpPr>
+      <p:sp>
+        <p:nvSpPr>
+          <p:cNvPr id="2" name="Title 1"/>
+          <p:cNvSpPr>
+            <a:spLocks noGrp="1"/>
+          </p:cNvSpPr>
+          <p:nvPr>
+            <p:ph type="title"/>
+          </p:nvPr>
+        </p:nvSpPr>
+        <p:spPr/>
+        <p:txBody>
+          <a:bodyPr/>
+          <a:lstStyle/>
+          <a:p>
+            <a:pPr lvl="0"/>
+            <a:r>
+              <a:rPr lang="en-US" b="1" dirty="0"/>
+              <a:t>MODULE DEVELOPMENT AND UNIT TESTING</a:t>
+            </a:r>
+            <a:r>
+              <a:rPr lang="en-SG" b="1" dirty="0"/>
+              <a:t/>
+            </a:r>
+            <a:br>
+              <a:rPr lang="en-SG" b="1" dirty="0"/>
+            </a:br>
+            <a:endParaRPr lang="en-SG" dirty="0"/>
+          </a:p>
+        </p:txBody>
+      </p:sp>
+      <p:sp>
+        <p:nvSpPr>
+          <p:cNvPr id="3" name="Content Placeholder 2"/>
+          <p:cNvSpPr>
+            <a:spLocks noGrp="1"/>
+          </p:cNvSpPr>
+          <p:nvPr>
+            <p:ph idx="1"/>
+          </p:nvPr>
+        </p:nvSpPr>
+        <p:spPr/>
+        <p:txBody>
+          <a:bodyPr>
+            <a:normAutofit/>
+          </a:bodyPr>
+          <a:lstStyle/>
+          <a:p>
+            <a:pPr marL="457200" indent="-457200">
+              <a:buAutoNum type="arabicPeriod"/>
+            </a:pPr>
+            <a:r>
+              <a:rPr lang="en-US" sz="2400" dirty="0" smtClean="0"/>
+              <a:t>Room </a:t>
+            </a:r>
+            <a:r>
+              <a:rPr lang="en-US" sz="2400" dirty="0"/>
+              <a:t>Availability and Booking </a:t>
+            </a:r>
+            <a:r>
+              <a:rPr lang="en-US" sz="2400" dirty="0" smtClean="0"/>
+              <a:t>Module</a:t>
+            </a:r>
+          </a:p>
+          <a:p>
+            <a:pPr marL="857250" lvl="1" indent="-457200"/>
+            <a:r>
+              <a:rPr lang="en-US" sz="2400" dirty="0" smtClean="0"/>
+              <a:t>Tab Controls: ensure </a:t>
+            </a:r>
+            <a:r>
+              <a:rPr lang="en-US" sz="2400" dirty="0"/>
+              <a:t>quality and </a:t>
+            </a:r>
+            <a:r>
+              <a:rPr lang="en-US" sz="2400" dirty="0" smtClean="0"/>
+              <a:t>efficiency</a:t>
+            </a:r>
+          </a:p>
+          <a:p>
+            <a:pPr marL="857250" lvl="1" indent="-457200"/>
+            <a:r>
+              <a:rPr lang="en-US" sz="2400" dirty="0"/>
+              <a:t>P</a:t>
+            </a:r>
+            <a:r>
+              <a:rPr lang="en-US" sz="2400" dirty="0" smtClean="0"/>
+              <a:t>rocess </a:t>
+            </a:r>
+            <a:r>
+              <a:rPr lang="en-US" sz="2400" dirty="0"/>
+              <a:t>of the room </a:t>
+            </a:r>
+            <a:r>
+              <a:rPr lang="en-US" sz="2400" dirty="0" smtClean="0"/>
+              <a:t>booking: Home Tab </a:t>
+            </a:r>
+            <a:r>
+              <a:rPr lang="en-US" sz="2400" dirty="0" smtClean="0">
+                <a:sym typeface="Wingdings" panose="05000000000000000000" pitchFamily="2" charset="2"/>
+              </a:rPr>
+              <a:t> Reservation Tab  Check In Tab</a:t>
+            </a:r>
+          </a:p>
+          <a:p>
+            <a:pPr marL="857250" lvl="1" indent="-457200"/>
+            <a:r>
+              <a:rPr lang="en-US" sz="2400" dirty="0" smtClean="0">
+                <a:sym typeface="Wingdings" panose="05000000000000000000" pitchFamily="2" charset="2"/>
+              </a:rPr>
+              <a:t>Testing Methods Used: Parameterized Unit Testing (PUT), Unit Testing limitations &amp; Black Box</a:t>
+            </a:r>
+            <a:endParaRPr lang="en-US" sz="2400" dirty="0" smtClean="0"/>
+          </a:p>
+        </p:txBody>
+      </p:sp>
+    </p:spTree>
+    <p:extLst>
+      <p:ext uri="{BB962C8B-B14F-4D97-AF65-F5344CB8AC3E}">
+        <p14:creationId xmlns:p14="http://schemas.microsoft.com/office/powerpoint/2010/main" val="2208859903"/>
+      </p:ext>
+    </p:extLst>
+  </p:cSld>
+  <p:clrMapOvr>
+    <a:masterClrMapping/>
+  </p:clrMapOvr>
+  <p:timing>
+    <p:tnLst>
+      <p:par>
+        <p:cTn id="1" dur="indefinite" restart="never" nodeType="tmRoot"/>
+      </p:par>
+    </p:tnLst>
+  </p:timing>
+</p:sld>
+</file>
+
+<file path=ppt/slides/slide3.xml><?xml version="1.0" encoding="utf-8"?>
+<p:sld xmlns:a="http://schemas.openxmlformats.org/drawingml/2006/main" xmlns:r="http://schemas.openxmlformats.org/officeDocument/2006/relationships" xmlns:p="http://schemas.openxmlformats.org/presentationml/2006/main">
+  <p:cSld>
+    <p:spTree>
+      <p:nvGrpSpPr>
+        <p:cNvPr id="1" name=""/>
+        <p:cNvGrpSpPr/>
+        <p:nvPr/>
+      </p:nvGrpSpPr>
+      <p:grpSpPr>
+        <a:xfrm>
+          <a:off x="0" y="0"/>
+          <a:ext cx="0" cy="0"/>
+          <a:chOff x="0" y="0"/>
+          <a:chExt cx="0" cy="0"/>
+        </a:xfrm>
+      </p:grpSpPr>
+      <p:sp>
+        <p:nvSpPr>
+          <p:cNvPr id="2" name="Title 1"/>
+          <p:cNvSpPr>
+            <a:spLocks noGrp="1"/>
+          </p:cNvSpPr>
+          <p:nvPr>
+            <p:ph type="title"/>
+          </p:nvPr>
+        </p:nvSpPr>
+        <p:spPr/>
+        <p:txBody>
+          <a:bodyPr/>
+          <a:lstStyle/>
+          <a:p>
+            <a:r>
+              <a:rPr lang="en-US" b="1" dirty="0"/>
+              <a:t>MODULE DEVELOPMENT AND UNIT TESTING</a:t>
+            </a:r>
+            <a:endParaRPr lang="en-SG" dirty="0"/>
+          </a:p>
+        </p:txBody>
+      </p:sp>
+      <p:sp>
+        <p:nvSpPr>
+          <p:cNvPr id="3" name="Content Placeholder 2"/>
+          <p:cNvSpPr>
+            <a:spLocks noGrp="1"/>
+          </p:cNvSpPr>
+          <p:nvPr>
+            <p:ph idx="1"/>
+          </p:nvPr>
+        </p:nvSpPr>
+        <p:spPr/>
+        <p:txBody>
+          <a:bodyPr/>
+          <a:lstStyle/>
+          <a:p>
+            <a:pPr marL="457200" indent="-457200">
+              <a:buFont typeface="+mj-lt"/>
+              <a:buAutoNum type="arabicPeriod" startAt="2"/>
+            </a:pPr>
+            <a:r>
+              <a:rPr lang="en-US" sz="2400" dirty="0"/>
+              <a:t>Reporting Module and </a:t>
+            </a:r>
+            <a:r>
+              <a:rPr lang="en-US" sz="2400" dirty="0" err="1" smtClean="0"/>
+              <a:t>CheckOut</a:t>
+            </a:r>
+            <a:endParaRPr lang="en-US" sz="2400" dirty="0"/>
+          </a:p>
+          <a:p>
+            <a:pPr marL="857250" lvl="1" indent="-457200"/>
+            <a:r>
+              <a:rPr lang="en-US" sz="2400" dirty="0" smtClean="0"/>
+              <a:t>Developed using Unified Process(UP) aka iterative model</a:t>
+            </a:r>
+          </a:p>
+          <a:p>
+            <a:pPr marL="857250" lvl="1" indent="-457200"/>
+            <a:r>
+              <a:rPr lang="en-US" sz="2400" dirty="0" smtClean="0"/>
+              <a:t>Produced a working version at the early stage of the software lifecycle</a:t>
+            </a:r>
+          </a:p>
+          <a:p>
+            <a:pPr marL="857250" lvl="1" indent="-457200"/>
+            <a:r>
+              <a:rPr lang="en-US" sz="2400" dirty="0" smtClean="0"/>
+              <a:t>Subsequent iterations will continue to build on the initial software produced and it is ensured that the software meets the requirements</a:t>
+            </a:r>
+          </a:p>
+          <a:p>
+            <a:pPr marL="857250" lvl="1" indent="-457200"/>
+            <a:r>
+              <a:rPr lang="en-US" sz="2400" dirty="0" smtClean="0"/>
+              <a:t>Testing Methods Used: Black Box</a:t>
+            </a:r>
+          </a:p>
+          <a:p>
+            <a:pPr marL="857250" lvl="1" indent="-457200"/>
+            <a:endParaRPr lang="en-US" dirty="0"/>
+          </a:p>
+          <a:p>
+            <a:endParaRPr lang="en-SG" dirty="0"/>
+          </a:p>
+        </p:txBody>
+      </p:sp>
+    </p:spTree>
+    <p:extLst>
+      <p:ext uri="{BB962C8B-B14F-4D97-AF65-F5344CB8AC3E}">
+        <p14:creationId xmlns:p14="http://schemas.microsoft.com/office/powerpoint/2010/main" val="3519932012"/>
+      </p:ext>
+    </p:extLst>
+  </p:cSld>
+  <p:clrMapOvr>
+    <a:masterClrMapping/>
+  </p:clrMapOvr>
+  <p:timing>
+    <p:tnLst>
+      <p:par>
+        <p:cTn id="1" dur="indefinite" restart="never" nodeType="tmRoot"/>
+      </p:par>
+    </p:tnLst>
+  </p:timing>
+</p:sld>
+</file>
+
+<file path=ppt/slides/slide4.xml><?xml version="1.0" encoding="utf-8"?>
+<p:sld xmlns:a="http://schemas.openxmlformats.org/drawingml/2006/main" xmlns:r="http://schemas.openxmlformats.org/officeDocument/2006/relationships" xmlns:p="http://schemas.openxmlformats.org/presentationml/2006/main">
+  <p:cSld>
+    <p:spTree>
+      <p:nvGrpSpPr>
+        <p:cNvPr id="1" name=""/>
+        <p:cNvGrpSpPr/>
+        <p:nvPr/>
+      </p:nvGrpSpPr>
+      <p:grpSpPr>
+        <a:xfrm>
+          <a:off x="0" y="0"/>
+          <a:ext cx="0" cy="0"/>
+          <a:chOff x="0" y="0"/>
+          <a:chExt cx="0" cy="0"/>
+        </a:xfrm>
+      </p:grpSpPr>
+      <p:sp>
+        <p:nvSpPr>
+          <p:cNvPr id="2" name="Title 1"/>
+          <p:cNvSpPr>
+            <a:spLocks noGrp="1"/>
+          </p:cNvSpPr>
+          <p:nvPr>
+            <p:ph type="title"/>
+          </p:nvPr>
+        </p:nvSpPr>
+        <p:spPr/>
+        <p:txBody>
+          <a:bodyPr/>
+          <a:lstStyle/>
+          <a:p>
+            <a:r>
+              <a:rPr lang="en-US" b="1" dirty="0"/>
+              <a:t>MODULE DEVELOPMENT AND UNIT TESTING</a:t>
+            </a:r>
+            <a:endParaRPr lang="en-SG" dirty="0"/>
+          </a:p>
+        </p:txBody>
+      </p:sp>
+      <p:sp>
+        <p:nvSpPr>
+          <p:cNvPr id="3" name="Content Placeholder 2"/>
+          <p:cNvSpPr>
+            <a:spLocks noGrp="1"/>
+          </p:cNvSpPr>
+          <p:nvPr>
+            <p:ph idx="1"/>
+          </p:nvPr>
+        </p:nvSpPr>
+        <p:spPr/>
+        <p:txBody>
+          <a:bodyPr>
+            <a:normAutofit fontScale="92500"/>
+          </a:bodyPr>
+          <a:lstStyle/>
+          <a:p>
+            <a:pPr marL="457200" indent="-457200">
+              <a:buFont typeface="+mj-lt"/>
+              <a:buAutoNum type="arabicPeriod" startAt="3"/>
+            </a:pPr>
+            <a:r>
+              <a:rPr lang="en-US" sz="2400" dirty="0" err="1"/>
+              <a:t>HouseKeeping</a:t>
+            </a:r>
+            <a:r>
+              <a:rPr lang="en-US" sz="2400" dirty="0"/>
+              <a:t> </a:t>
+            </a:r>
+            <a:r>
+              <a:rPr lang="en-US" sz="2400" dirty="0" smtClean="0"/>
+              <a:t>Module</a:t>
+            </a:r>
+          </a:p>
+          <a:p>
+            <a:pPr marL="857250" lvl="1" indent="-457200"/>
+            <a:r>
+              <a:rPr lang="en-US" sz="2400" dirty="0"/>
+              <a:t>D</a:t>
+            </a:r>
+            <a:r>
+              <a:rPr lang="en-US" sz="2400" dirty="0" smtClean="0"/>
+              <a:t>eveloped </a:t>
+            </a:r>
+            <a:r>
+              <a:rPr lang="en-US" sz="2400" dirty="0"/>
+              <a:t>for </a:t>
+            </a:r>
+            <a:r>
+              <a:rPr lang="en-US" sz="2400" dirty="0" smtClean="0"/>
+              <a:t>management </a:t>
+            </a:r>
+            <a:r>
+              <a:rPr lang="en-US" sz="2400" dirty="0"/>
+              <a:t>and </a:t>
+            </a:r>
+            <a:r>
+              <a:rPr lang="en-US" sz="2400" dirty="0" smtClean="0"/>
+              <a:t>administrator</a:t>
+            </a:r>
+          </a:p>
+          <a:p>
+            <a:pPr marL="857250" lvl="1" indent="-457200"/>
+            <a:r>
+              <a:rPr lang="en-US" sz="2400" dirty="0" smtClean="0"/>
+              <a:t>Create</a:t>
+            </a:r>
+            <a:r>
+              <a:rPr lang="en-US" sz="2400" dirty="0"/>
+              <a:t>, retrieve, update and delete a certain </a:t>
+            </a:r>
+            <a:r>
+              <a:rPr lang="en-US" sz="2400" dirty="0" smtClean="0"/>
+              <a:t>duty</a:t>
+            </a:r>
+          </a:p>
+          <a:p>
+            <a:pPr marL="857250" lvl="1" indent="-457200"/>
+            <a:r>
+              <a:rPr lang="en-US" sz="2400" dirty="0"/>
+              <a:t>Developed using Waterfall methodology which consists </a:t>
+            </a:r>
+            <a:r>
+              <a:rPr lang="en-US" sz="2400" dirty="0" smtClean="0"/>
+              <a:t>of</a:t>
+            </a:r>
+          </a:p>
+          <a:p>
+            <a:pPr marL="1257300" lvl="2" indent="-457200">
+              <a:buFont typeface="Arial" panose="020B0604020202020204" pitchFamily="34" charset="0"/>
+              <a:buChar char="•"/>
+            </a:pPr>
+            <a:r>
+              <a:rPr lang="en-US" sz="2400" dirty="0" smtClean="0"/>
+              <a:t>Requirements</a:t>
+            </a:r>
+          </a:p>
+          <a:p>
+            <a:pPr marL="1257300" lvl="2" indent="-457200">
+              <a:buFont typeface="Arial" panose="020B0604020202020204" pitchFamily="34" charset="0"/>
+              <a:buChar char="•"/>
+            </a:pPr>
+            <a:r>
+              <a:rPr lang="en-US" sz="2400" dirty="0" smtClean="0"/>
+              <a:t>Analysis/Design</a:t>
+            </a:r>
+          </a:p>
+          <a:p>
+            <a:pPr marL="1257300" lvl="2" indent="-457200">
+              <a:buFont typeface="Arial" panose="020B0604020202020204" pitchFamily="34" charset="0"/>
+              <a:buChar char="•"/>
+            </a:pPr>
+            <a:r>
+              <a:rPr lang="en-US" sz="2400" dirty="0" smtClean="0"/>
+              <a:t>Coding</a:t>
+            </a:r>
+          </a:p>
+          <a:p>
+            <a:pPr marL="1257300" lvl="2" indent="-457200">
+              <a:buFont typeface="Arial" panose="020B0604020202020204" pitchFamily="34" charset="0"/>
+              <a:buChar char="•"/>
+            </a:pPr>
+            <a:r>
+              <a:rPr lang="en-US" sz="2400" dirty="0" smtClean="0"/>
+              <a:t>Testing</a:t>
+            </a:r>
+          </a:p>
+          <a:p>
+            <a:pPr marL="1257300" lvl="2" indent="-457200">
+              <a:buFont typeface="Arial" panose="020B0604020202020204" pitchFamily="34" charset="0"/>
+              <a:buChar char="•"/>
+            </a:pPr>
+            <a:r>
+              <a:rPr lang="en-US" sz="2400" dirty="0" smtClean="0"/>
+              <a:t>Deployment</a:t>
+            </a:r>
+            <a:endParaRPr lang="en-US" sz="2400" dirty="0"/>
+          </a:p>
+          <a:p>
+            <a:pPr marL="857250" lvl="1" indent="-457200"/>
+            <a:endParaRPr lang="en-SG" dirty="0"/>
+          </a:p>
+        </p:txBody>
+      </p:sp>
+    </p:spTree>
+    <p:extLst>
+      <p:ext uri="{BB962C8B-B14F-4D97-AF65-F5344CB8AC3E}">
+        <p14:creationId xmlns:p14="http://schemas.microsoft.com/office/powerpoint/2010/main" val="2703726397"/>
+      </p:ext>
+    </p:extLst>
+  </p:cSld>
+  <p:clrMapOvr>
+    <a:masterClrMapping/>
+  </p:clrMapOvr>
+  <p:timing>
+    <p:tnLst>
+      <p:par>
+        <p:cTn id="1" dur="indefinite" restart="never" nodeType="tmRoot"/>
+      </p:par>
+    </p:tnLst>
+  </p:timing>
+</p:sld>
+</file>
+
+<file path=ppt/slides/slide5.xml><?xml version="1.0" encoding="utf-8"?>
+<p:sld xmlns:a="http://schemas.openxmlformats.org/drawingml/2006/main" xmlns:r="http://schemas.openxmlformats.org/officeDocument/2006/relationships" xmlns:p="http://schemas.openxmlformats.org/presentationml/2006/main">
+  <p:cSld>
+    <p:spTree>
+      <p:nvGrpSpPr>
+        <p:cNvPr id="1" name=""/>
+        <p:cNvGrpSpPr/>
+        <p:nvPr/>
+      </p:nvGrpSpPr>
+      <p:grpSpPr>
+        <a:xfrm>
+          <a:off x="0" y="0"/>
+          <a:ext cx="0" cy="0"/>
+          <a:chOff x="0" y="0"/>
+          <a:chExt cx="0" cy="0"/>
+        </a:xfrm>
+      </p:grpSpPr>
+      <p:sp>
+        <p:nvSpPr>
+          <p:cNvPr id="2" name="Title 1"/>
+          <p:cNvSpPr>
+            <a:spLocks noGrp="1"/>
+          </p:cNvSpPr>
+          <p:nvPr>
+            <p:ph type="title"/>
+          </p:nvPr>
+        </p:nvSpPr>
+        <p:spPr/>
+        <p:txBody>
+          <a:bodyPr/>
+          <a:lstStyle/>
+          <a:p>
+            <a:pPr lvl="0" algn="ctr"/>
+            <a:r>
+              <a:rPr lang="en-US" b="1" dirty="0"/>
+              <a:t>SYSTEM INTEGATION</a:t>
+            </a:r>
+            <a:r>
+              <a:rPr lang="en-SG" b="1" dirty="0"/>
+              <a:t/>
+            </a:r>
+            <a:br>
+              <a:rPr lang="en-SG" b="1" dirty="0"/>
+            </a:br>
+            <a:endParaRPr lang="en-SG" dirty="0"/>
+          </a:p>
+        </p:txBody>
+      </p:sp>
+      <p:sp>
+        <p:nvSpPr>
+          <p:cNvPr id="3" name="Content Placeholder 2"/>
+          <p:cNvSpPr>
+            <a:spLocks noGrp="1"/>
+          </p:cNvSpPr>
+          <p:nvPr>
+            <p:ph idx="1"/>
+          </p:nvPr>
+        </p:nvSpPr>
+        <p:spPr/>
+        <p:txBody>
+          <a:bodyPr/>
+          <a:lstStyle/>
+          <a:p>
+            <a:r>
+              <a:rPr lang="en-US" sz="3600" dirty="0">
+                <a:latin typeface="Times New Roman" panose="02020603050405020304" pitchFamily="18" charset="0"/>
+                <a:ea typeface="Times New Roman" panose="02020603050405020304" pitchFamily="18" charset="0"/>
+              </a:rPr>
+              <a:t>There are two parts that will be needed to be integrated which are front-end module and back-end module. This two component will form the system. We will be employing an incremental testing strategy to complete the integration.</a:t>
+            </a:r>
+            <a:endParaRPr lang="en-SG" sz="3600" dirty="0">
+              <a:latin typeface="Times New Roman" panose="02020603050405020304" pitchFamily="18" charset="0"/>
+              <a:ea typeface="Times New Roman" panose="02020603050405020304" pitchFamily="18" charset="0"/>
+            </a:endParaRPr>
+          </a:p>
+          <a:p>
+            <a:endParaRPr lang="en-SG" dirty="0"/>
+          </a:p>
+        </p:txBody>
+      </p:sp>
+    </p:spTree>
+    <p:extLst>
+      <p:ext uri="{BB962C8B-B14F-4D97-AF65-F5344CB8AC3E}">
+        <p14:creationId xmlns:p14="http://schemas.microsoft.com/office/powerpoint/2010/main" val="3296096240"/>
+      </p:ext>
+    </p:extLst>
+  </p:cSld>
+  <p:clrMapOvr>
+    <a:masterClrMapping/>
+  </p:clrMapOvr>
+  <p:timing>
+    <p:tnLst>
+      <p:par>
+        <p:cTn id="1" dur="indefinite" restart="never" nodeType="tmRoot"/>
+      </p:par>
+    </p:tnLst>
+  </p:timing>
+</p:sld>
+</file>
+
+<file path=ppt/slides/slide6.xml><?xml version="1.0" encoding="utf-8"?>
+<p:sld xmlns:a="http://schemas.openxmlformats.org/drawingml/2006/main" xmlns:r="http://schemas.openxmlformats.org/officeDocument/2006/relationships" xmlns:p="http://schemas.openxmlformats.org/presentationml/2006/main">
+  <p:cSld>
+    <p:spTree>
+      <p:nvGrpSpPr>
+        <p:cNvPr id="1" name=""/>
+        <p:cNvGrpSpPr/>
+        <p:nvPr/>
+      </p:nvGrpSpPr>
+      <p:grpSpPr>
+        <a:xfrm>
+          <a:off x="0" y="0"/>
+          <a:ext cx="0" cy="0"/>
+          <a:chOff x="0" y="0"/>
+          <a:chExt cx="0" cy="0"/>
+        </a:xfrm>
+      </p:grpSpPr>
+      <p:sp>
+        <p:nvSpPr>
+          <p:cNvPr id="2" name="Title 1"/>
+          <p:cNvSpPr>
+            <a:spLocks noGrp="1"/>
+          </p:cNvSpPr>
+          <p:nvPr>
+            <p:ph type="title"/>
+          </p:nvPr>
+        </p:nvSpPr>
+        <p:spPr/>
+        <p:txBody>
+          <a:bodyPr/>
+          <a:lstStyle/>
+          <a:p>
+            <a:pPr lvl="0" algn="ctr"/>
+            <a:r>
+              <a:rPr lang="en-US" dirty="0">
+                <a:latin typeface="Times New Roman" panose="02020603050405020304" pitchFamily="18" charset="0"/>
+                <a:ea typeface="Times New Roman" panose="02020603050405020304" pitchFamily="18" charset="0"/>
+              </a:rPr>
+              <a:t>Front-end module</a:t>
+            </a:r>
+            <a:r>
+              <a:rPr lang="en-SG" dirty="0">
+                <a:latin typeface="Times New Roman" panose="02020603050405020304" pitchFamily="18" charset="0"/>
+                <a:ea typeface="Times New Roman" panose="02020603050405020304" pitchFamily="18" charset="0"/>
+              </a:rPr>
+              <a:t/>
+            </a:r>
+            <a:br>
+              <a:rPr lang="en-SG" dirty="0">
+                <a:latin typeface="Times New Roman" panose="02020603050405020304" pitchFamily="18" charset="0"/>
+                <a:ea typeface="Times New Roman" panose="02020603050405020304" pitchFamily="18" charset="0"/>
+              </a:rPr>
+            </a:br>
+            <a:endParaRPr lang="en-SG" dirty="0"/>
+          </a:p>
+        </p:txBody>
+      </p:sp>
+      <p:sp>
+        <p:nvSpPr>
+          <p:cNvPr id="3" name="Content Placeholder 2"/>
+          <p:cNvSpPr>
+            <a:spLocks noGrp="1"/>
+          </p:cNvSpPr>
+          <p:nvPr>
+            <p:ph idx="1"/>
+          </p:nvPr>
+        </p:nvSpPr>
+        <p:spPr/>
+        <p:txBody>
+          <a:bodyPr/>
+          <a:lstStyle/>
+          <a:p>
+            <a:r>
+              <a:rPr lang="en-US" sz="3200" dirty="0"/>
+              <a:t>This module give a simple interface where the user is able to perform different functions. This module will check if each interface such as buttons is working properly. The testing will be performed by writing stub for the interface.</a:t>
+            </a:r>
+            <a:endParaRPr lang="en-SG" sz="3200" dirty="0"/>
+          </a:p>
+          <a:p>
+            <a:endParaRPr lang="en-SG" dirty="0"/>
+          </a:p>
+        </p:txBody>
+      </p:sp>
+    </p:spTree>
+    <p:extLst>
+      <p:ext uri="{BB962C8B-B14F-4D97-AF65-F5344CB8AC3E}">
+        <p14:creationId xmlns:p14="http://schemas.microsoft.com/office/powerpoint/2010/main" val="2216133070"/>
+      </p:ext>
+    </p:extLst>
+  </p:cSld>
+  <p:clrMapOvr>
+    <a:masterClrMapping/>
+  </p:clrMapOvr>
+  <p:timing>
+    <p:tnLst>
+      <p:par>
+        <p:cTn id="1" dur="indefinite" restart="never" nodeType="tmRoot"/>
+      </p:par>
+    </p:tnLst>
+  </p:timing>
+</p:sld>
+</file>
+
+<file path=ppt/slides/slide7.xml><?xml version="1.0" encoding="utf-8"?>
+<p:sld xmlns:a="http://schemas.openxmlformats.org/drawingml/2006/main" xmlns:r="http://schemas.openxmlformats.org/officeDocument/2006/relationships" xmlns:p="http://schemas.openxmlformats.org/presentationml/2006/main">
+  <p:cSld>
+    <p:spTree>
+      <p:nvGrpSpPr>
+        <p:cNvPr id="1" name=""/>
+        <p:cNvGrpSpPr/>
+        <p:nvPr/>
+      </p:nvGrpSpPr>
+      <p:grpSpPr>
+        <a:xfrm>
+          <a:off x="0" y="0"/>
+          <a:ext cx="0" cy="0"/>
+          <a:chOff x="0" y="0"/>
+          <a:chExt cx="0" cy="0"/>
+        </a:xfrm>
+      </p:grpSpPr>
+      <p:sp>
+        <p:nvSpPr>
+          <p:cNvPr id="2" name="Title 1"/>
+          <p:cNvSpPr>
+            <a:spLocks noGrp="1"/>
+          </p:cNvSpPr>
+          <p:nvPr>
+            <p:ph type="title"/>
+          </p:nvPr>
+        </p:nvSpPr>
+        <p:spPr/>
+        <p:txBody>
+          <a:bodyPr/>
+          <a:lstStyle/>
+          <a:p>
+            <a:pPr lvl="0" algn="ctr"/>
+            <a:r>
+              <a:rPr lang="en-US" dirty="0"/>
+              <a:t>Back-end module</a:t>
+            </a:r>
+            <a:endParaRPr lang="en-SG" dirty="0"/>
+          </a:p>
+        </p:txBody>
+      </p:sp>
+      <p:sp>
+        <p:nvSpPr>
+          <p:cNvPr id="3" name="Content Placeholder 2"/>
+          <p:cNvSpPr>
+            <a:spLocks noGrp="1"/>
+          </p:cNvSpPr>
+          <p:nvPr>
+            <p:ph idx="1"/>
+          </p:nvPr>
+        </p:nvSpPr>
+        <p:spPr/>
+        <p:txBody>
+          <a:bodyPr/>
+          <a:lstStyle/>
+          <a:p>
+            <a:r>
+              <a:rPr lang="en-US" sz="3200" dirty="0"/>
+              <a:t>The back-end module will provide storage for the data and implement related function in the system. This module will run the program and print out the results to the output.</a:t>
+            </a:r>
+            <a:endParaRPr lang="en-SG" sz="3200" dirty="0"/>
+          </a:p>
+          <a:p>
+            <a:endParaRPr lang="en-SG" dirty="0"/>
+          </a:p>
+        </p:txBody>
+      </p:sp>
+    </p:spTree>
+    <p:extLst>
+      <p:ext uri="{BB962C8B-B14F-4D97-AF65-F5344CB8AC3E}">
+        <p14:creationId xmlns:p14="http://schemas.microsoft.com/office/powerpoint/2010/main" val="4074167204"/>
+      </p:ext>
+    </p:extLst>
+  </p:cSld>
+  <p:clrMapOvr>
+    <a:masterClrMapping/>
+  </p:clrMapOvr>
+  <p:timing>
+    <p:tnLst>
+      <p:par>
+        <p:cTn id="1" dur="indefinite" restart="never" nodeType="tmRoot"/>
+      </p:par>
+    </p:tnLst>
+  </p:timing>
+</p:sld>
+</file>
+
+<file path=ppt/slides/slide8.xml><?xml version="1.0" encoding="utf-8"?>
+<p:sld xmlns:a="http://schemas.openxmlformats.org/drawingml/2006/main" xmlns:r="http://schemas.openxmlformats.org/officeDocument/2006/relationships" xmlns:p="http://schemas.openxmlformats.org/presentationml/2006/main">
+  <p:cSld>
+    <p:spTree>
+      <p:nvGrpSpPr>
+        <p:cNvPr id="1" name=""/>
+        <p:cNvGrpSpPr/>
+        <p:nvPr/>
+      </p:nvGrpSpPr>
+      <p:grpSpPr>
+        <a:xfrm>
+          <a:off x="0" y="0"/>
+          <a:ext cx="0" cy="0"/>
+          <a:chOff x="0" y="0"/>
+          <a:chExt cx="0" cy="0"/>
+        </a:xfrm>
+      </p:grpSpPr>
+      <p:sp>
+        <p:nvSpPr>
+          <p:cNvPr id="2" name="Title 1"/>
+          <p:cNvSpPr>
+            <a:spLocks noGrp="1"/>
+          </p:cNvSpPr>
+          <p:nvPr>
+            <p:ph type="title"/>
+          </p:nvPr>
+        </p:nvSpPr>
+        <p:spPr/>
+        <p:txBody>
+          <a:bodyPr/>
+          <a:lstStyle/>
+          <a:p>
+            <a:r>
+              <a:rPr lang="en-US" dirty="0" smtClean="0"/>
+              <a:t>Test Log (</a:t>
+            </a:r>
+            <a:r>
+              <a:rPr lang="en-US" dirty="0"/>
+              <a:t>Room Availability and Booking</a:t>
+            </a:r>
+            <a:r>
+              <a:rPr lang="en-US" dirty="0" smtClean="0"/>
+              <a:t>)</a:t>
+            </a:r>
+            <a:endParaRPr lang="en-US" dirty="0"/>
+          </a:p>
+        </p:txBody>
+      </p:sp>
+      <p:graphicFrame>
+        <p:nvGraphicFramePr>
+          <p:cNvPr id="6" name="Content Placeholder 5"/>
+          <p:cNvGraphicFramePr>
+            <a:graphicFrameLocks noGrp="1"/>
+          </p:cNvGraphicFramePr>
+          <p:nvPr>
+            <p:ph idx="1"/>
+            <p:extLst>
+              <p:ext uri="{D42A27DB-BD31-4B8C-83A1-F6EECF244321}">
+                <p14:modId xmlns:p14="http://schemas.microsoft.com/office/powerpoint/2010/main" val="1858744618"/>
+              </p:ext>
+            </p:extLst>
+          </p:nvPr>
+        </p:nvGraphicFramePr>
+        <p:xfrm>
+          <a:off x="809437" y="1853248"/>
+          <a:ext cx="10712004" cy="4769194"/>
+        </p:xfrm>
+        <a:graphic>
+          <a:graphicData uri="http://schemas.openxmlformats.org/drawingml/2006/table">
+            <a:tbl>
+              <a:tblPr firstRow="1" firstCol="1" bandRow="1">
+                <a:tableStyleId>{93296810-A885-4BE3-A3E7-6D5BEEA58F35}</a:tableStyleId>
+              </a:tblPr>
+              <a:tblGrid>
+                <a:gridCol w="1022371"/>
+                <a:gridCol w="1527198"/>
+                <a:gridCol w="2374086"/>
+                <a:gridCol w="2107051"/>
+                <a:gridCol w="1944284"/>
+                <a:gridCol w="1737014"/>
+              </a:tblGrid>
+              <a:tr h="276110">
+                <a:tc>
+                  <a:txBody>
+                    <a:bodyPr/>
+                    <a:lstStyle/>
+                    <a:p>
+                      <a:pPr marL="0" marR="0">
+                        <a:spcBef>
+                          <a:spcPts val="0"/>
+                        </a:spcBef>
+                        <a:spcAft>
+                          <a:spcPts val="0"/>
+                        </a:spcAft>
+                      </a:pPr>
+                      <a:r>
+                        <a:rPr lang="en-US" sz="1400">
+                          <a:effectLst/>
+                        </a:rPr>
+                        <a:t>S/No</a:t>
+                      </a:r>
+                      <a:endParaRPr lang="en-US" sz="1400">
+                        <a:effectLst/>
+                        <a:latin typeface="Times New Roman" panose="02020603050405020304" pitchFamily="18" charset="0"/>
+                        <a:ea typeface="Times New Roman" panose="02020603050405020304" pitchFamily="18" charset="0"/>
+                      </a:endParaRPr>
+                    </a:p>
+                  </a:txBody>
+                  <a:tcPr marL="46277" marR="46277" marT="0" marB="0"/>
+                </a:tc>
+                <a:tc>
+                  <a:txBody>
+                    <a:bodyPr/>
+                    <a:lstStyle/>
+                    <a:p>
+                      <a:pPr marL="0" marR="0">
+                        <a:spcBef>
+                          <a:spcPts val="0"/>
+                        </a:spcBef>
+                        <a:spcAft>
+                          <a:spcPts val="0"/>
+                        </a:spcAft>
+                      </a:pPr>
+                      <a:r>
+                        <a:rPr lang="en-US" sz="1400">
+                          <a:effectLst/>
+                        </a:rPr>
+                        <a:t>Steps</a:t>
+                      </a:r>
+                      <a:endParaRPr lang="en-US" sz="1400">
+                        <a:effectLst/>
+                        <a:latin typeface="Times New Roman" panose="02020603050405020304" pitchFamily="18" charset="0"/>
+                        <a:ea typeface="Times New Roman" panose="02020603050405020304" pitchFamily="18" charset="0"/>
+                      </a:endParaRPr>
+                    </a:p>
+                  </a:txBody>
+                  <a:tcPr marL="46277" marR="46277" marT="0" marB="0"/>
+                </a:tc>
+                <a:tc>
+                  <a:txBody>
+                    <a:bodyPr/>
+                    <a:lstStyle/>
+                    <a:p>
+                      <a:pPr marL="0" marR="0">
+                        <a:spcBef>
+                          <a:spcPts val="0"/>
+                        </a:spcBef>
+                        <a:spcAft>
+                          <a:spcPts val="0"/>
+                        </a:spcAft>
+                      </a:pPr>
+                      <a:r>
+                        <a:rPr lang="en-US" sz="1400">
+                          <a:effectLst/>
+                        </a:rPr>
+                        <a:t>Test Data</a:t>
+                      </a:r>
+                      <a:endParaRPr lang="en-US" sz="1400">
+                        <a:effectLst/>
+                        <a:latin typeface="Times New Roman" panose="02020603050405020304" pitchFamily="18" charset="0"/>
+                        <a:ea typeface="Times New Roman" panose="02020603050405020304" pitchFamily="18" charset="0"/>
+                      </a:endParaRPr>
+                    </a:p>
+                  </a:txBody>
+                  <a:tcPr marL="46277" marR="46277" marT="0" marB="0"/>
+                </a:tc>
+                <a:tc>
+                  <a:txBody>
+                    <a:bodyPr/>
+                    <a:lstStyle/>
+                    <a:p>
+                      <a:pPr marL="0" marR="0">
+                        <a:spcBef>
+                          <a:spcPts val="0"/>
+                        </a:spcBef>
+                        <a:spcAft>
+                          <a:spcPts val="0"/>
+                        </a:spcAft>
+                      </a:pPr>
+                      <a:r>
+                        <a:rPr lang="en-US" sz="1400">
+                          <a:effectLst/>
+                        </a:rPr>
+                        <a:t>Expected Results</a:t>
+                      </a:r>
+                      <a:endParaRPr lang="en-US" sz="1400">
+                        <a:effectLst/>
+                        <a:latin typeface="Times New Roman" panose="02020603050405020304" pitchFamily="18" charset="0"/>
+                        <a:ea typeface="Times New Roman" panose="02020603050405020304" pitchFamily="18" charset="0"/>
+                      </a:endParaRPr>
+                    </a:p>
+                  </a:txBody>
+                  <a:tcPr marL="46277" marR="46277" marT="0" marB="0"/>
+                </a:tc>
+                <a:tc>
+                  <a:txBody>
+                    <a:bodyPr/>
+                    <a:lstStyle/>
+                    <a:p>
+                      <a:pPr marL="0" marR="0">
+                        <a:spcBef>
+                          <a:spcPts val="0"/>
+                        </a:spcBef>
+                        <a:spcAft>
+                          <a:spcPts val="0"/>
+                        </a:spcAft>
+                      </a:pPr>
+                      <a:r>
+                        <a:rPr lang="en-US" sz="1400">
+                          <a:effectLst/>
+                        </a:rPr>
+                        <a:t>Actual Results</a:t>
+                      </a:r>
+                      <a:endParaRPr lang="en-US" sz="1400">
+                        <a:effectLst/>
+                        <a:latin typeface="Times New Roman" panose="02020603050405020304" pitchFamily="18" charset="0"/>
+                        <a:ea typeface="Times New Roman" panose="02020603050405020304" pitchFamily="18" charset="0"/>
+                      </a:endParaRPr>
+                    </a:p>
+                  </a:txBody>
+                  <a:tcPr marL="46277" marR="46277" marT="0" marB="0"/>
+                </a:tc>
+                <a:tc>
+                  <a:txBody>
+                    <a:bodyPr/>
+                    <a:lstStyle/>
+                    <a:p>
+                      <a:pPr marL="0" marR="0">
+                        <a:spcBef>
+                          <a:spcPts val="0"/>
+                        </a:spcBef>
+                        <a:spcAft>
+                          <a:spcPts val="0"/>
+                        </a:spcAft>
+                      </a:pPr>
+                      <a:r>
+                        <a:rPr lang="en-US" sz="1400">
+                          <a:effectLst/>
+                        </a:rPr>
+                        <a:t>Remarks</a:t>
+                      </a:r>
+                      <a:endParaRPr lang="en-US" sz="1400">
+                        <a:effectLst/>
+                        <a:latin typeface="Times New Roman" panose="02020603050405020304" pitchFamily="18" charset="0"/>
+                        <a:ea typeface="Times New Roman" panose="02020603050405020304" pitchFamily="18" charset="0"/>
+                      </a:endParaRPr>
+                    </a:p>
+                  </a:txBody>
+                  <a:tcPr marL="46277" marR="46277" marT="0" marB="0"/>
+                </a:tc>
+              </a:tr>
+              <a:tr h="1242491">
+                <a:tc>
+                  <a:txBody>
+                    <a:bodyPr/>
+                    <a:lstStyle/>
+                    <a:p>
+                      <a:pPr marL="0" marR="0">
+                        <a:spcBef>
+                          <a:spcPts val="0"/>
+                        </a:spcBef>
+                        <a:spcAft>
+                          <a:spcPts val="0"/>
+                        </a:spcAft>
+                      </a:pPr>
+                      <a:r>
+                        <a:rPr lang="en-US" sz="1400">
+                          <a:effectLst/>
+                        </a:rPr>
+                        <a:t>1</a:t>
+                      </a:r>
+                      <a:endParaRPr lang="en-US" sz="1400">
+                        <a:effectLst/>
+                        <a:latin typeface="Times New Roman" panose="02020603050405020304" pitchFamily="18" charset="0"/>
+                        <a:ea typeface="Times New Roman" panose="02020603050405020304" pitchFamily="18" charset="0"/>
+                      </a:endParaRPr>
+                    </a:p>
+                  </a:txBody>
+                  <a:tcPr marL="46277" marR="46277" marT="0" marB="0"/>
+                </a:tc>
+                <a:tc>
+                  <a:txBody>
+                    <a:bodyPr/>
+                    <a:lstStyle/>
+                    <a:p>
+                      <a:pPr marL="0" marR="0">
+                        <a:spcBef>
+                          <a:spcPts val="0"/>
+                        </a:spcBef>
+                        <a:spcAft>
+                          <a:spcPts val="0"/>
+                        </a:spcAft>
+                      </a:pPr>
+                      <a:r>
+                        <a:rPr lang="en-US" sz="1400">
+                          <a:effectLst/>
+                        </a:rPr>
+                        <a:t>Select booking details</a:t>
+                      </a:r>
+                      <a:endParaRPr lang="en-US" sz="1400">
+                        <a:effectLst/>
+                        <a:latin typeface="Times New Roman" panose="02020603050405020304" pitchFamily="18" charset="0"/>
+                        <a:ea typeface="Times New Roman" panose="02020603050405020304" pitchFamily="18" charset="0"/>
+                      </a:endParaRPr>
+                    </a:p>
+                  </a:txBody>
+                  <a:tcPr marL="46277" marR="46277" marT="0" marB="0"/>
+                </a:tc>
+                <a:tc>
+                  <a:txBody>
+                    <a:bodyPr/>
+                    <a:lstStyle/>
+                    <a:p>
+                      <a:pPr marL="0" marR="0">
+                        <a:spcBef>
+                          <a:spcPts val="0"/>
+                        </a:spcBef>
+                        <a:spcAft>
+                          <a:spcPts val="0"/>
+                        </a:spcAft>
+                      </a:pPr>
+                      <a:r>
+                        <a:rPr lang="en-US" sz="1400">
+                          <a:effectLst/>
+                        </a:rPr>
+                        <a:t>User inputs check in, check out dates and room Type and clicks Retrieve.</a:t>
+                      </a:r>
+                    </a:p>
+                    <a:p>
+                      <a:pPr marL="0" marR="0">
+                        <a:spcBef>
+                          <a:spcPts val="0"/>
+                        </a:spcBef>
+                        <a:spcAft>
+                          <a:spcPts val="0"/>
+                        </a:spcAft>
+                      </a:pPr>
+                      <a:r>
+                        <a:rPr lang="en-US" sz="1400">
+                          <a:effectLst/>
+                        </a:rPr>
+                        <a:t>Normal data</a:t>
+                      </a:r>
+                      <a:endParaRPr lang="en-US" sz="1400">
+                        <a:effectLst/>
+                        <a:latin typeface="Times New Roman" panose="02020603050405020304" pitchFamily="18" charset="0"/>
+                        <a:ea typeface="Times New Roman" panose="02020603050405020304" pitchFamily="18" charset="0"/>
+                      </a:endParaRPr>
+                    </a:p>
+                  </a:txBody>
+                  <a:tcPr marL="46277" marR="46277" marT="0" marB="0"/>
+                </a:tc>
+                <a:tc>
+                  <a:txBody>
+                    <a:bodyPr/>
+                    <a:lstStyle/>
+                    <a:p>
+                      <a:pPr marL="0" marR="0">
+                        <a:spcBef>
+                          <a:spcPts val="0"/>
+                        </a:spcBef>
+                        <a:spcAft>
+                          <a:spcPts val="0"/>
+                        </a:spcAft>
+                      </a:pPr>
+                      <a:r>
+                        <a:rPr lang="en-US" sz="1400">
+                          <a:effectLst/>
+                        </a:rPr>
+                        <a:t>Information will be displayed according to date range availability and room type</a:t>
+                      </a:r>
+                      <a:endParaRPr lang="en-US" sz="1400">
+                        <a:effectLst/>
+                        <a:latin typeface="Times New Roman" panose="02020603050405020304" pitchFamily="18" charset="0"/>
+                        <a:ea typeface="Times New Roman" panose="02020603050405020304" pitchFamily="18" charset="0"/>
+                      </a:endParaRPr>
+                    </a:p>
+                  </a:txBody>
+                  <a:tcPr marL="46277" marR="46277" marT="0" marB="0"/>
+                </a:tc>
+                <a:tc>
+                  <a:txBody>
+                    <a:bodyPr/>
+                    <a:lstStyle/>
+                    <a:p>
+                      <a:pPr marL="0" marR="0">
+                        <a:spcBef>
+                          <a:spcPts val="0"/>
+                        </a:spcBef>
+                        <a:spcAft>
+                          <a:spcPts val="0"/>
+                        </a:spcAft>
+                      </a:pPr>
+                      <a:r>
+                        <a:rPr lang="en-US" sz="1400">
+                          <a:effectLst/>
+                        </a:rPr>
+                        <a:t>Information is displayed according to date range availability and room type</a:t>
+                      </a:r>
+                      <a:endParaRPr lang="en-US" sz="1400">
+                        <a:effectLst/>
+                        <a:latin typeface="Times New Roman" panose="02020603050405020304" pitchFamily="18" charset="0"/>
+                        <a:ea typeface="Times New Roman" panose="02020603050405020304" pitchFamily="18" charset="0"/>
+                      </a:endParaRPr>
+                    </a:p>
+                  </a:txBody>
+                  <a:tcPr marL="46277" marR="46277" marT="0" marB="0"/>
+                </a:tc>
+                <a:tc>
+                  <a:txBody>
+                    <a:bodyPr/>
+                    <a:lstStyle/>
+                    <a:p>
+                      <a:pPr marL="0" marR="0">
+                        <a:spcBef>
+                          <a:spcPts val="0"/>
+                        </a:spcBef>
+                        <a:spcAft>
+                          <a:spcPts val="0"/>
+                        </a:spcAft>
+                      </a:pPr>
+                      <a:r>
+                        <a:rPr lang="en-US" sz="1400">
+                          <a:effectLst/>
+                        </a:rPr>
+                        <a:t>Guest may or may not have a specified room type, so every room is available accordingly</a:t>
+                      </a:r>
+                      <a:endParaRPr lang="en-US" sz="1400">
+                        <a:effectLst/>
+                        <a:latin typeface="Times New Roman" panose="02020603050405020304" pitchFamily="18" charset="0"/>
+                        <a:ea typeface="Times New Roman" panose="02020603050405020304" pitchFamily="18" charset="0"/>
+                      </a:endParaRPr>
+                    </a:p>
+                  </a:txBody>
+                  <a:tcPr marL="46277" marR="46277" marT="0" marB="0"/>
+                </a:tc>
+              </a:tr>
+              <a:tr h="1242491">
+                <a:tc>
+                  <a:txBody>
+                    <a:bodyPr/>
+                    <a:lstStyle/>
+                    <a:p>
+                      <a:pPr marL="0" marR="0">
+                        <a:spcBef>
+                          <a:spcPts val="0"/>
+                        </a:spcBef>
+                        <a:spcAft>
+                          <a:spcPts val="0"/>
+                        </a:spcAft>
+                      </a:pPr>
+                      <a:r>
+                        <a:rPr lang="en-US" sz="1400">
+                          <a:effectLst/>
+                        </a:rPr>
+                        <a:t>2</a:t>
+                      </a:r>
+                      <a:endParaRPr lang="en-US" sz="1400">
+                        <a:effectLst/>
+                        <a:latin typeface="Times New Roman" panose="02020603050405020304" pitchFamily="18" charset="0"/>
+                        <a:ea typeface="Times New Roman" panose="02020603050405020304" pitchFamily="18" charset="0"/>
+                      </a:endParaRPr>
+                    </a:p>
+                  </a:txBody>
+                  <a:tcPr marL="46277" marR="46277" marT="0" marB="0"/>
+                </a:tc>
+                <a:tc>
+                  <a:txBody>
+                    <a:bodyPr/>
+                    <a:lstStyle/>
+                    <a:p>
+                      <a:pPr marL="0" marR="0">
+                        <a:spcBef>
+                          <a:spcPts val="0"/>
+                        </a:spcBef>
+                        <a:spcAft>
+                          <a:spcPts val="0"/>
+                        </a:spcAft>
+                      </a:pPr>
+                      <a:r>
+                        <a:rPr lang="en-US" sz="1400">
+                          <a:effectLst/>
+                        </a:rPr>
+                        <a:t>Book according to booking details</a:t>
+                      </a:r>
+                      <a:endParaRPr lang="en-US" sz="1400">
+                        <a:effectLst/>
+                        <a:latin typeface="Times New Roman" panose="02020603050405020304" pitchFamily="18" charset="0"/>
+                        <a:ea typeface="Times New Roman" panose="02020603050405020304" pitchFamily="18" charset="0"/>
+                      </a:endParaRPr>
+                    </a:p>
+                  </a:txBody>
+                  <a:tcPr marL="46277" marR="46277" marT="0" marB="0"/>
+                </a:tc>
+                <a:tc>
+                  <a:txBody>
+                    <a:bodyPr/>
+                    <a:lstStyle/>
+                    <a:p>
+                      <a:pPr marL="0" marR="0">
+                        <a:spcBef>
+                          <a:spcPts val="0"/>
+                        </a:spcBef>
+                        <a:spcAft>
+                          <a:spcPts val="0"/>
+                        </a:spcAft>
+                      </a:pPr>
+                      <a:r>
+                        <a:rPr lang="en-US" sz="1400">
+                          <a:effectLst/>
+                        </a:rPr>
+                        <a:t>User selects a checkbox corresponding to a certain room.</a:t>
+                      </a:r>
+                    </a:p>
+                    <a:p>
+                      <a:pPr marL="0" marR="0">
+                        <a:spcBef>
+                          <a:spcPts val="0"/>
+                        </a:spcBef>
+                        <a:spcAft>
+                          <a:spcPts val="0"/>
+                        </a:spcAft>
+                      </a:pPr>
+                      <a:r>
+                        <a:rPr lang="en-US" sz="1400">
+                          <a:effectLst/>
+                        </a:rPr>
+                        <a:t>Normal Data</a:t>
+                      </a:r>
+                      <a:endParaRPr lang="en-US" sz="1400">
+                        <a:effectLst/>
+                        <a:latin typeface="Times New Roman" panose="02020603050405020304" pitchFamily="18" charset="0"/>
+                        <a:ea typeface="Times New Roman" panose="02020603050405020304" pitchFamily="18" charset="0"/>
+                      </a:endParaRPr>
+                    </a:p>
+                  </a:txBody>
+                  <a:tcPr marL="46277" marR="46277" marT="0" marB="0"/>
+                </a:tc>
+                <a:tc>
+                  <a:txBody>
+                    <a:bodyPr/>
+                    <a:lstStyle/>
+                    <a:p>
+                      <a:pPr marL="0" marR="0">
+                        <a:spcBef>
+                          <a:spcPts val="0"/>
+                        </a:spcBef>
+                        <a:spcAft>
+                          <a:spcPts val="0"/>
+                        </a:spcAft>
+                      </a:pPr>
+                      <a:r>
+                        <a:rPr lang="en-US" sz="1400">
+                          <a:effectLst/>
+                        </a:rPr>
+                        <a:t>Information will be transferred and user will be redirected to Reservation page with room number label filled.</a:t>
+                      </a:r>
+                      <a:endParaRPr lang="en-US" sz="1400">
+                        <a:effectLst/>
+                        <a:latin typeface="Times New Roman" panose="02020603050405020304" pitchFamily="18" charset="0"/>
+                        <a:ea typeface="Times New Roman" panose="02020603050405020304" pitchFamily="18" charset="0"/>
+                      </a:endParaRPr>
+                    </a:p>
+                  </a:txBody>
+                  <a:tcPr marL="46277" marR="46277" marT="0" marB="0"/>
+                </a:tc>
+                <a:tc>
+                  <a:txBody>
+                    <a:bodyPr/>
+                    <a:lstStyle/>
+                    <a:p>
+                      <a:pPr marL="0" marR="0">
+                        <a:spcBef>
+                          <a:spcPts val="0"/>
+                        </a:spcBef>
+                        <a:spcAft>
+                          <a:spcPts val="0"/>
+                        </a:spcAft>
+                      </a:pPr>
+                      <a:r>
+                        <a:rPr lang="en-US" sz="1400">
+                          <a:effectLst/>
+                        </a:rPr>
+                        <a:t>Information is transferred and user is redirected to Reservation page with room number label filled.</a:t>
+                      </a:r>
+                      <a:endParaRPr lang="en-US" sz="1400">
+                        <a:effectLst/>
+                        <a:latin typeface="Times New Roman" panose="02020603050405020304" pitchFamily="18" charset="0"/>
+                        <a:ea typeface="Times New Roman" panose="02020603050405020304" pitchFamily="18" charset="0"/>
+                      </a:endParaRPr>
+                    </a:p>
+                  </a:txBody>
+                  <a:tcPr marL="46277" marR="46277" marT="0" marB="0"/>
+                </a:tc>
+                <a:tc>
+                  <a:txBody>
+                    <a:bodyPr/>
+                    <a:lstStyle/>
+                    <a:p>
+                      <a:pPr marL="0" marR="0">
+                        <a:spcBef>
+                          <a:spcPts val="0"/>
+                        </a:spcBef>
+                        <a:spcAft>
+                          <a:spcPts val="0"/>
+                        </a:spcAft>
+                      </a:pPr>
+                      <a:r>
+                        <a:rPr lang="en-US" sz="1400">
+                          <a:effectLst/>
+                        </a:rPr>
+                        <a:t> </a:t>
+                      </a:r>
+                      <a:endParaRPr lang="en-US" sz="1400">
+                        <a:effectLst/>
+                        <a:latin typeface="Times New Roman" panose="02020603050405020304" pitchFamily="18" charset="0"/>
+                        <a:ea typeface="Times New Roman" panose="02020603050405020304" pitchFamily="18" charset="0"/>
+                      </a:endParaRPr>
+                    </a:p>
+                  </a:txBody>
+                  <a:tcPr marL="46277" marR="46277" marT="0" marB="0"/>
+                </a:tc>
+              </a:tr>
+              <a:tr h="1932764">
+                <a:tc>
+                  <a:txBody>
+                    <a:bodyPr/>
+                    <a:lstStyle/>
+                    <a:p>
+                      <a:pPr marL="0" marR="0">
+                        <a:spcBef>
+                          <a:spcPts val="0"/>
+                        </a:spcBef>
+                        <a:spcAft>
+                          <a:spcPts val="0"/>
+                        </a:spcAft>
+                      </a:pPr>
+                      <a:r>
+                        <a:rPr lang="en-US" sz="1400">
+                          <a:effectLst/>
+                        </a:rPr>
+                        <a:t>3</a:t>
+                      </a:r>
+                      <a:endParaRPr lang="en-US" sz="1400">
+                        <a:effectLst/>
+                        <a:latin typeface="Times New Roman" panose="02020603050405020304" pitchFamily="18" charset="0"/>
+                        <a:ea typeface="Times New Roman" panose="02020603050405020304" pitchFamily="18" charset="0"/>
+                      </a:endParaRPr>
+                    </a:p>
+                  </a:txBody>
+                  <a:tcPr marL="46277" marR="46277" marT="0" marB="0"/>
+                </a:tc>
+                <a:tc>
+                  <a:txBody>
+                    <a:bodyPr/>
+                    <a:lstStyle/>
+                    <a:p>
+                      <a:pPr marL="0" marR="0">
+                        <a:spcBef>
+                          <a:spcPts val="0"/>
+                        </a:spcBef>
+                        <a:spcAft>
+                          <a:spcPts val="0"/>
+                        </a:spcAft>
+                      </a:pPr>
+                      <a:r>
+                        <a:rPr lang="en-US" sz="1400">
+                          <a:effectLst/>
+                        </a:rPr>
+                        <a:t>Guest Details</a:t>
+                      </a:r>
+                      <a:endParaRPr lang="en-US" sz="1400">
+                        <a:effectLst/>
+                        <a:latin typeface="Times New Roman" panose="02020603050405020304" pitchFamily="18" charset="0"/>
+                        <a:ea typeface="Times New Roman" panose="02020603050405020304" pitchFamily="18" charset="0"/>
+                      </a:endParaRPr>
+                    </a:p>
+                  </a:txBody>
+                  <a:tcPr marL="46277" marR="46277" marT="0" marB="0"/>
+                </a:tc>
+                <a:tc>
+                  <a:txBody>
+                    <a:bodyPr/>
+                    <a:lstStyle/>
+                    <a:p>
+                      <a:pPr marL="0" marR="0">
+                        <a:spcBef>
+                          <a:spcPts val="0"/>
+                        </a:spcBef>
+                        <a:spcAft>
+                          <a:spcPts val="0"/>
+                        </a:spcAft>
+                      </a:pPr>
+                      <a:r>
+                        <a:rPr lang="en-US" sz="1400">
+                          <a:effectLst/>
+                        </a:rPr>
+                        <a:t>User inputs guest details for creation.</a:t>
+                      </a:r>
+                    </a:p>
+                    <a:p>
+                      <a:pPr marL="0" marR="0">
+                        <a:spcBef>
+                          <a:spcPts val="0"/>
+                        </a:spcBef>
+                        <a:spcAft>
+                          <a:spcPts val="0"/>
+                        </a:spcAft>
+                      </a:pPr>
+                      <a:r>
+                        <a:rPr lang="en-US" sz="1400">
+                          <a:effectLst/>
+                        </a:rPr>
+                        <a:t>Normal Data</a:t>
+                      </a:r>
+                    </a:p>
+                    <a:p>
+                      <a:pPr marL="0" marR="0">
+                        <a:spcBef>
+                          <a:spcPts val="0"/>
+                        </a:spcBef>
+                        <a:spcAft>
+                          <a:spcPts val="0"/>
+                        </a:spcAft>
+                      </a:pPr>
+                      <a:r>
+                        <a:rPr lang="en-US" sz="1400">
+                          <a:effectLst/>
+                        </a:rPr>
+                        <a:t> </a:t>
+                      </a:r>
+                      <a:endParaRPr lang="en-US" sz="1400">
+                        <a:effectLst/>
+                        <a:latin typeface="Times New Roman" panose="02020603050405020304" pitchFamily="18" charset="0"/>
+                        <a:ea typeface="Times New Roman" panose="02020603050405020304" pitchFamily="18" charset="0"/>
+                      </a:endParaRPr>
+                    </a:p>
+                  </a:txBody>
+                  <a:tcPr marL="46277" marR="46277" marT="0" marB="0"/>
+                </a:tc>
+                <a:tc>
+                  <a:txBody>
+                    <a:bodyPr/>
+                    <a:lstStyle/>
+                    <a:p>
+                      <a:pPr marL="0" marR="0">
+                        <a:spcBef>
+                          <a:spcPts val="0"/>
+                        </a:spcBef>
+                        <a:spcAft>
+                          <a:spcPts val="0"/>
+                        </a:spcAft>
+                      </a:pPr>
+                      <a:r>
+                        <a:rPr lang="en-US" sz="1400">
+                          <a:effectLst/>
+                        </a:rPr>
+                        <a:t>When submit button is clicked, guest information will be created and an entry will be created under booking with the dates and additional requirements.</a:t>
+                      </a:r>
+                      <a:endParaRPr lang="en-US" sz="1400">
+                        <a:effectLst/>
+                        <a:latin typeface="Times New Roman" panose="02020603050405020304" pitchFamily="18" charset="0"/>
+                        <a:ea typeface="Times New Roman" panose="02020603050405020304" pitchFamily="18" charset="0"/>
+                      </a:endParaRPr>
+                    </a:p>
+                  </a:txBody>
+                  <a:tcPr marL="46277" marR="46277" marT="0" marB="0"/>
+                </a:tc>
+                <a:tc>
+                  <a:txBody>
+                    <a:bodyPr/>
+                    <a:lstStyle/>
+                    <a:p>
+                      <a:pPr marL="0" marR="0">
+                        <a:spcBef>
+                          <a:spcPts val="0"/>
+                        </a:spcBef>
+                        <a:spcAft>
+                          <a:spcPts val="0"/>
+                        </a:spcAft>
+                      </a:pPr>
+                      <a:r>
+                        <a:rPr lang="en-US" sz="1400">
+                          <a:effectLst/>
+                        </a:rPr>
+                        <a:t>When submit button is clicked, guest information is created and an entry is created under booking with the dates and additional requirements.</a:t>
+                      </a:r>
+                      <a:endParaRPr lang="en-US" sz="1400">
+                        <a:effectLst/>
+                        <a:latin typeface="Times New Roman" panose="02020603050405020304" pitchFamily="18" charset="0"/>
+                        <a:ea typeface="Times New Roman" panose="02020603050405020304" pitchFamily="18" charset="0"/>
+                      </a:endParaRPr>
+                    </a:p>
+                  </a:txBody>
+                  <a:tcPr marL="46277" marR="46277" marT="0" marB="0"/>
+                </a:tc>
+                <a:tc>
+                  <a:txBody>
+                    <a:bodyPr/>
+                    <a:lstStyle/>
+                    <a:p>
+                      <a:pPr marL="0" marR="0">
+                        <a:spcBef>
+                          <a:spcPts val="0"/>
+                        </a:spcBef>
+                        <a:spcAft>
+                          <a:spcPts val="0"/>
+                        </a:spcAft>
+                      </a:pPr>
+                      <a:r>
+                        <a:rPr lang="en-US" sz="1400" dirty="0">
+                          <a:effectLst/>
+                        </a:rPr>
+                        <a:t> </a:t>
+                      </a:r>
+                      <a:endParaRPr lang="en-US" sz="1400" dirty="0">
+                        <a:effectLst/>
+                        <a:latin typeface="Times New Roman" panose="02020603050405020304" pitchFamily="18" charset="0"/>
+                        <a:ea typeface="Times New Roman" panose="02020603050405020304" pitchFamily="18" charset="0"/>
+                      </a:endParaRPr>
+                    </a:p>
+                  </a:txBody>
+                  <a:tcPr marL="46277" marR="46277" marT="0" marB="0"/>
+                </a:tc>
+              </a:tr>
+            </a:tbl>
+          </a:graphicData>
+        </a:graphic>
+      </p:graphicFrame>
+    </p:spTree>
+    <p:extLst>
+      <p:ext uri="{BB962C8B-B14F-4D97-AF65-F5344CB8AC3E}">
+        <p14:creationId xmlns:p14="http://schemas.microsoft.com/office/powerpoint/2010/main" val="3409104655"/>
+      </p:ext>
+    </p:extLst>
+  </p:cSld>
+  <p:clrMapOvr>
+    <a:masterClrMapping/>
+  </p:clrMapOvr>
+  <p:timing>
+    <p:tnLst>
+      <p:par>
+        <p:cTn id="1" dur="indefinite" restart="never" nodeType="tmRoot"/>
+      </p:par>
+    </p:tnLst>
+  </p:timing>
+</p:sld>
+</file>
+
+<file path=ppt/slides/slide9.xml><?xml version="1.0" encoding="utf-8"?>
+<p:sld xmlns:a="http://schemas.openxmlformats.org/drawingml/2006/main" xmlns:r="http://schemas.openxmlformats.org/officeDocument/2006/relationships" xmlns:p="http://schemas.openxmlformats.org/presentationml/2006/main">
+  <p:cSld>
+    <p:spTree>
+      <p:nvGrpSpPr>
+        <p:cNvPr id="1" name=""/>
+        <p:cNvGrpSpPr/>
+        <p:nvPr/>
+      </p:nvGrpSpPr>
+      <p:grpSpPr>
+        <a:xfrm>
+          <a:off x="0" y="0"/>
+          <a:ext cx="0" cy="0"/>
+          <a:chOff x="0" y="0"/>
+          <a:chExt cx="0" cy="0"/>
+        </a:xfrm>
+      </p:grpSpPr>
+      <p:sp>
+        <p:nvSpPr>
+          <p:cNvPr id="2" name="Title 1"/>
+          <p:cNvSpPr>
+            <a:spLocks noGrp="1"/>
+          </p:cNvSpPr>
+          <p:nvPr>
+            <p:ph type="title"/>
+          </p:nvPr>
+        </p:nvSpPr>
+        <p:spPr/>
+        <p:txBody>
+          <a:bodyPr/>
+          <a:lstStyle/>
+          <a:p>
+            <a:endParaRPr lang="en-US" dirty="0"/>
+          </a:p>
+        </p:txBody>
+      </p:sp>
+      <p:graphicFrame>
+        <p:nvGraphicFramePr>
+          <p:cNvPr id="4" name="Content Placeholder 3"/>
+          <p:cNvGraphicFramePr>
+            <a:graphicFrameLocks noGrp="1"/>
+          </p:cNvGraphicFramePr>
+          <p:nvPr>
+            <p:ph idx="1"/>
+            <p:extLst>
+              <p:ext uri="{D42A27DB-BD31-4B8C-83A1-F6EECF244321}">
+                <p14:modId xmlns:p14="http://schemas.microsoft.com/office/powerpoint/2010/main" val="1243866632"/>
+              </p:ext>
+            </p:extLst>
+          </p:nvPr>
+        </p:nvGraphicFramePr>
+        <p:xfrm>
+          <a:off x="908876" y="1242726"/>
+          <a:ext cx="10246803" cy="476345"/>
+        </p:xfrm>
+        <a:graphic>
+          <a:graphicData uri="http://schemas.openxmlformats.org/drawingml/2006/table">
+            <a:tbl>
+              <a:tblPr firstRow="1" firstCol="1" bandRow="1">
+                <a:tableStyleId>{93296810-A885-4BE3-A3E7-6D5BEEA58F35}</a:tableStyleId>
+              </a:tblPr>
+              <a:tblGrid>
+                <a:gridCol w="977971"/>
+                <a:gridCol w="1460875"/>
+                <a:gridCol w="2270986"/>
+                <a:gridCol w="2015545"/>
+                <a:gridCol w="1859848"/>
+                <a:gridCol w="1661578"/>
+              </a:tblGrid>
+              <a:tr h="476345">
+                <a:tc>
+                  <a:txBody>
+                    <a:bodyPr/>
+                    <a:lstStyle/>
+                    <a:p>
+                      <a:pPr marL="0" marR="0">
+                        <a:spcBef>
+                          <a:spcPts val="0"/>
+                        </a:spcBef>
+                        <a:spcAft>
+                          <a:spcPts val="0"/>
+                        </a:spcAft>
+                      </a:pPr>
+                      <a:r>
+                        <a:rPr lang="en-US" sz="1600" dirty="0">
+                          <a:effectLst/>
+                        </a:rPr>
+                        <a:t>S/No</a:t>
+                      </a:r>
+                      <a:endParaRPr lang="en-US" sz="1600" dirty="0">
+                        <a:effectLst/>
+                        <a:latin typeface="Times New Roman" panose="02020603050405020304" pitchFamily="18" charset="0"/>
+                        <a:ea typeface="Times New Roman" panose="02020603050405020304" pitchFamily="18" charset="0"/>
+                      </a:endParaRPr>
+                    </a:p>
+                  </a:txBody>
+                  <a:tcPr marL="68580" marR="68580" marT="0" marB="0"/>
+                </a:tc>
+                <a:tc>
+                  <a:txBody>
+                    <a:bodyPr/>
+                    <a:lstStyle/>
+                    <a:p>
+                      <a:pPr marL="0" marR="0">
+                        <a:spcBef>
+                          <a:spcPts val="0"/>
+                        </a:spcBef>
+                        <a:spcAft>
+                          <a:spcPts val="0"/>
+                        </a:spcAft>
+                      </a:pPr>
+                      <a:r>
+                        <a:rPr lang="en-US" sz="1600" dirty="0">
+                          <a:effectLst/>
+                        </a:rPr>
+                        <a:t>Steps</a:t>
+                      </a:r>
+                      <a:endParaRPr lang="en-US" sz="1600" dirty="0">
+                        <a:effectLst/>
+                        <a:latin typeface="Times New Roman" panose="02020603050405020304" pitchFamily="18" charset="0"/>
+                        <a:ea typeface="Times New Roman" panose="02020603050405020304" pitchFamily="18" charset="0"/>
+                      </a:endParaRPr>
+                    </a:p>
+                  </a:txBody>
+                  <a:tcPr marL="68580" marR="68580" marT="0" marB="0"/>
+                </a:tc>
+                <a:tc>
+                  <a:txBody>
+                    <a:bodyPr/>
+                    <a:lstStyle/>
+                    <a:p>
+                      <a:pPr marL="0" marR="0">
+                        <a:spcBef>
+                          <a:spcPts val="0"/>
+                        </a:spcBef>
+                        <a:spcAft>
+                          <a:spcPts val="0"/>
+                        </a:spcAft>
+                      </a:pPr>
+                      <a:r>
+                        <a:rPr lang="en-US" sz="1600" dirty="0">
+                          <a:effectLst/>
+                        </a:rPr>
+                        <a:t>Test Data</a:t>
+                      </a:r>
+                      <a:endParaRPr lang="en-US" sz="1600" dirty="0">
+                        <a:effectLst/>
+                        <a:latin typeface="Times New Roman" panose="02020603050405020304" pitchFamily="18" charset="0"/>
+                        <a:ea typeface="Times New Roman" panose="02020603050405020304" pitchFamily="18" charset="0"/>
+                      </a:endParaRPr>
+                    </a:p>
+                  </a:txBody>
+                  <a:tcPr marL="68580" marR="68580" marT="0" marB="0"/>
+                </a:tc>
+                <a:tc>
+                  <a:txBody>
+                    <a:bodyPr/>
+                    <a:lstStyle/>
+                    <a:p>
+                      <a:pPr marL="0" marR="0">
+                        <a:spcBef>
+                          <a:spcPts val="0"/>
+                        </a:spcBef>
+                        <a:spcAft>
+                          <a:spcPts val="0"/>
+                        </a:spcAft>
+                      </a:pPr>
+                      <a:r>
+                        <a:rPr lang="en-US" sz="1600">
+                          <a:effectLst/>
+                        </a:rPr>
+                        <a:t>Expected Results</a:t>
+                      </a:r>
+                      <a:endParaRPr lang="en-US" sz="1600">
+                        <a:effectLst/>
+                        <a:latin typeface="Times New Roman" panose="02020603050405020304" pitchFamily="18" charset="0"/>
+                        <a:ea typeface="Times New Roman" panose="02020603050405020304" pitchFamily="18" charset="0"/>
+                      </a:endParaRPr>
+                    </a:p>
+                  </a:txBody>
+                  <a:tcPr marL="68580" marR="68580" marT="0" marB="0"/>
+                </a:tc>
+                <a:tc>
+                  <a:txBody>
+                    <a:bodyPr/>
+                    <a:lstStyle/>
+                    <a:p>
+                      <a:pPr marL="0" marR="0">
+                        <a:spcBef>
+                          <a:spcPts val="0"/>
+                        </a:spcBef>
+                        <a:spcAft>
+                          <a:spcPts val="0"/>
+                        </a:spcAft>
+                      </a:pPr>
+                      <a:r>
+                        <a:rPr lang="en-US" sz="1600">
+                          <a:effectLst/>
+                        </a:rPr>
+                        <a:t>Actual Results</a:t>
+                      </a:r>
+                      <a:endParaRPr lang="en-US" sz="1600">
+                        <a:effectLst/>
+                        <a:latin typeface="Times New Roman" panose="02020603050405020304" pitchFamily="18" charset="0"/>
+                        <a:ea typeface="Times New Roman" panose="02020603050405020304" pitchFamily="18" charset="0"/>
+                      </a:endParaRPr>
+                    </a:p>
+                  </a:txBody>
+                  <a:tcPr marL="68580" marR="68580" marT="0" marB="0"/>
+                </a:tc>
+                <a:tc>
+                  <a:txBody>
+                    <a:bodyPr/>
+                    <a:lstStyle/>
+                    <a:p>
+                      <a:pPr marL="0" marR="0">
+                        <a:spcBef>
+                          <a:spcPts val="0"/>
+                        </a:spcBef>
+                        <a:spcAft>
+                          <a:spcPts val="0"/>
+                        </a:spcAft>
+                      </a:pPr>
+                      <a:r>
+                        <a:rPr lang="en-US" sz="1600" dirty="0">
+                          <a:effectLst/>
+                        </a:rPr>
+                        <a:t>Remarks</a:t>
+                      </a:r>
+                      <a:endParaRPr lang="en-US" sz="1600" dirty="0">
+                        <a:effectLst/>
+                        <a:latin typeface="Times New Roman" panose="02020603050405020304" pitchFamily="18" charset="0"/>
+                        <a:ea typeface="Times New Roman" panose="02020603050405020304" pitchFamily="18" charset="0"/>
+                      </a:endParaRPr>
+                    </a:p>
+                  </a:txBody>
+                  <a:tcPr marL="68580" marR="68580" marT="0" marB="0"/>
+                </a:tc>
+              </a:tr>
+            </a:tbl>
+          </a:graphicData>
+        </a:graphic>
+      </p:graphicFrame>
+      <p:graphicFrame>
+        <p:nvGraphicFramePr>
+          <p:cNvPr id="5" name="Table 4"/>
+          <p:cNvGraphicFramePr>
+            <a:graphicFrameLocks noGrp="1"/>
+          </p:cNvGraphicFramePr>
+          <p:nvPr>
+            <p:extLst>
+              <p:ext uri="{D42A27DB-BD31-4B8C-83A1-F6EECF244321}">
+                <p14:modId xmlns:p14="http://schemas.microsoft.com/office/powerpoint/2010/main" val="3452649339"/>
+              </p:ext>
+            </p:extLst>
+          </p:nvPr>
+        </p:nvGraphicFramePr>
+        <p:xfrm>
+          <a:off x="908876" y="1736502"/>
+          <a:ext cx="10265093" cy="3732620"/>
+        </p:xfrm>
+        <a:graphic>
+          <a:graphicData uri="http://schemas.openxmlformats.org/drawingml/2006/table">
+            <a:tbl>
+              <a:tblPr firstRow="1" firstCol="1" bandRow="1">
+                <a:tableStyleId>{93296810-A885-4BE3-A3E7-6D5BEEA58F35}</a:tableStyleId>
+              </a:tblPr>
+              <a:tblGrid>
+                <a:gridCol w="979717"/>
+                <a:gridCol w="1463482"/>
+                <a:gridCol w="2275039"/>
+                <a:gridCol w="2019143"/>
+                <a:gridCol w="1863168"/>
+                <a:gridCol w="1664544"/>
+              </a:tblGrid>
+              <a:tr h="1035646">
+                <a:tc>
+                  <a:txBody>
+                    <a:bodyPr/>
+                    <a:lstStyle/>
+                    <a:p>
+                      <a:pPr marL="0" marR="0">
+                        <a:spcBef>
+                          <a:spcPts val="0"/>
+                        </a:spcBef>
+                        <a:spcAft>
+                          <a:spcPts val="0"/>
+                        </a:spcAft>
+                      </a:pPr>
+                      <a:r>
+                        <a:rPr lang="en-US" sz="1400" dirty="0">
+                          <a:effectLst/>
+                        </a:rPr>
+                        <a:t>4</a:t>
+                      </a:r>
+                      <a:endParaRPr lang="en-US" sz="1400" dirty="0">
+                        <a:effectLst/>
+                        <a:latin typeface="Times New Roman" panose="02020603050405020304" pitchFamily="18" charset="0"/>
+                        <a:ea typeface="Times New Roman" panose="02020603050405020304" pitchFamily="18" charset="0"/>
+                      </a:endParaRPr>
+                    </a:p>
+                  </a:txBody>
+                  <a:tcPr marL="68580" marR="68580" marT="0" marB="0"/>
+                </a:tc>
+                <a:tc>
+                  <a:txBody>
+                    <a:bodyPr/>
+                    <a:lstStyle/>
+                    <a:p>
+                      <a:pPr marL="0" marR="0">
+                        <a:spcBef>
+                          <a:spcPts val="0"/>
+                        </a:spcBef>
+                        <a:spcAft>
+                          <a:spcPts val="0"/>
+                        </a:spcAft>
+                      </a:pPr>
+                      <a:r>
+                        <a:rPr lang="en-US" sz="1400" dirty="0">
+                          <a:ln>
+                            <a:noFill/>
+                          </a:ln>
+                          <a:solidFill>
+                            <a:schemeClr val="bg1"/>
+                          </a:solidFill>
+                          <a:effectLst/>
+                        </a:rPr>
+                        <a:t>Search for Guest</a:t>
+                      </a:r>
+                      <a:endParaRPr lang="en-US" sz="1400" dirty="0">
+                        <a:ln>
+                          <a:noFill/>
+                        </a:ln>
+                        <a:solidFill>
+                          <a:schemeClr val="bg1"/>
+                        </a:solidFill>
+                        <a:effectLst/>
+                        <a:latin typeface="Times New Roman" panose="02020603050405020304" pitchFamily="18" charset="0"/>
+                        <a:ea typeface="Times New Roman" panose="02020603050405020304" pitchFamily="18" charset="0"/>
+                      </a:endParaRPr>
+                    </a:p>
+                  </a:txBody>
+                  <a:tcPr marL="68580" marR="68580" marT="0" marB="0">
+                    <a:solidFill>
+                      <a:schemeClr val="accent2">
+                        <a:lumMod val="20000"/>
+                        <a:lumOff val="80000"/>
+                      </a:schemeClr>
+                    </a:solidFill>
+                  </a:tcPr>
+                </a:tc>
+                <a:tc>
+                  <a:txBody>
+                    <a:bodyPr/>
+                    <a:lstStyle/>
+                    <a:p>
+                      <a:pPr marL="0" marR="0">
+                        <a:spcBef>
+                          <a:spcPts val="0"/>
+                        </a:spcBef>
+                        <a:spcAft>
+                          <a:spcPts val="0"/>
+                        </a:spcAft>
+                      </a:pPr>
+                      <a:r>
+                        <a:rPr lang="en-US" sz="1400" dirty="0">
+                          <a:ln>
+                            <a:noFill/>
+                          </a:ln>
+                          <a:solidFill>
+                            <a:schemeClr val="bg1"/>
+                          </a:solidFill>
+                          <a:effectLst/>
+                        </a:rPr>
+                        <a:t>User inputs any of the four details and clicks Search.</a:t>
+                      </a:r>
+                    </a:p>
+                    <a:p>
+                      <a:pPr marL="0" marR="0">
+                        <a:spcBef>
+                          <a:spcPts val="0"/>
+                        </a:spcBef>
+                        <a:spcAft>
+                          <a:spcPts val="0"/>
+                        </a:spcAft>
+                      </a:pPr>
+                      <a:r>
+                        <a:rPr lang="en-US" sz="1400" dirty="0">
+                          <a:ln>
+                            <a:noFill/>
+                          </a:ln>
+                          <a:solidFill>
+                            <a:schemeClr val="bg1"/>
+                          </a:solidFill>
+                          <a:effectLst/>
+                        </a:rPr>
+                        <a:t>Normal Data</a:t>
+                      </a:r>
+                    </a:p>
+                    <a:p>
+                      <a:pPr marL="0" marR="0">
+                        <a:spcBef>
+                          <a:spcPts val="0"/>
+                        </a:spcBef>
+                        <a:spcAft>
+                          <a:spcPts val="0"/>
+                        </a:spcAft>
+                      </a:pPr>
+                      <a:r>
+                        <a:rPr lang="en-US" sz="1400" dirty="0">
+                          <a:ln>
+                            <a:noFill/>
+                          </a:ln>
+                          <a:solidFill>
+                            <a:schemeClr val="bg1"/>
+                          </a:solidFill>
+                          <a:effectLst/>
+                        </a:rPr>
+                        <a:t> </a:t>
+                      </a:r>
+                      <a:endParaRPr lang="en-US" sz="1400" dirty="0">
+                        <a:ln>
+                          <a:noFill/>
+                        </a:ln>
+                        <a:solidFill>
+                          <a:schemeClr val="bg1"/>
+                        </a:solidFill>
+                        <a:effectLst/>
+                        <a:latin typeface="Times New Roman" panose="02020603050405020304" pitchFamily="18" charset="0"/>
+                        <a:ea typeface="Times New Roman" panose="02020603050405020304" pitchFamily="18" charset="0"/>
+                      </a:endParaRPr>
+                    </a:p>
+                  </a:txBody>
+                  <a:tcPr marL="68580" marR="68580" marT="0" marB="0">
+                    <a:solidFill>
+                      <a:schemeClr val="accent2">
+                        <a:lumMod val="20000"/>
+                        <a:lumOff val="80000"/>
+                      </a:schemeClr>
+                    </a:solidFill>
+                  </a:tcPr>
+                </a:tc>
+                <a:tc>
+                  <a:txBody>
+                    <a:bodyPr/>
+                    <a:lstStyle/>
+                    <a:p>
+                      <a:pPr marL="0" marR="0">
+                        <a:spcBef>
+                          <a:spcPts val="0"/>
+                        </a:spcBef>
+                        <a:spcAft>
+                          <a:spcPts val="0"/>
+                        </a:spcAft>
+                      </a:pPr>
+                      <a:r>
+                        <a:rPr lang="en-US" sz="1400" dirty="0">
+                          <a:ln>
+                            <a:noFill/>
+                          </a:ln>
+                          <a:solidFill>
+                            <a:schemeClr val="bg1"/>
+                          </a:solidFill>
+                          <a:effectLst/>
+                        </a:rPr>
+                        <a:t>If there is more than one data it will display in the datagrid, else it will display in a groupbox.</a:t>
+                      </a:r>
+                      <a:endParaRPr lang="en-US" sz="1400" dirty="0">
+                        <a:ln>
+                          <a:noFill/>
+                        </a:ln>
+                        <a:solidFill>
+                          <a:schemeClr val="bg1"/>
+                        </a:solidFill>
+                        <a:effectLst/>
+                        <a:latin typeface="Times New Roman" panose="02020603050405020304" pitchFamily="18" charset="0"/>
+                        <a:ea typeface="Times New Roman" panose="02020603050405020304" pitchFamily="18" charset="0"/>
+                      </a:endParaRPr>
+                    </a:p>
+                  </a:txBody>
+                  <a:tcPr marL="68580" marR="68580" marT="0" marB="0">
+                    <a:solidFill>
+                      <a:schemeClr val="accent2">
+                        <a:lumMod val="20000"/>
+                        <a:lumOff val="80000"/>
+                      </a:schemeClr>
+                    </a:solidFill>
+                  </a:tcPr>
+                </a:tc>
+                <a:tc>
+                  <a:txBody>
+                    <a:bodyPr/>
+                    <a:lstStyle/>
+                    <a:p>
+                      <a:pPr marL="0" marR="0">
+                        <a:spcBef>
+                          <a:spcPts val="0"/>
+                        </a:spcBef>
+                        <a:spcAft>
+                          <a:spcPts val="0"/>
+                        </a:spcAft>
+                      </a:pPr>
+                      <a:r>
+                        <a:rPr lang="en-US" sz="1400" dirty="0">
+                          <a:ln>
+                            <a:noFill/>
+                          </a:ln>
+                          <a:solidFill>
+                            <a:schemeClr val="bg1"/>
+                          </a:solidFill>
+                          <a:effectLst/>
+                        </a:rPr>
+                        <a:t>If there is more than one data it displays in the datagrid, else it displays in a groupbox.</a:t>
+                      </a:r>
+                      <a:endParaRPr lang="en-US" sz="1400" dirty="0">
+                        <a:ln>
+                          <a:noFill/>
+                        </a:ln>
+                        <a:solidFill>
+                          <a:schemeClr val="bg1"/>
+                        </a:solidFill>
+                        <a:effectLst/>
+                        <a:latin typeface="Times New Roman" panose="02020603050405020304" pitchFamily="18" charset="0"/>
+                        <a:ea typeface="Times New Roman" panose="02020603050405020304" pitchFamily="18" charset="0"/>
+                      </a:endParaRPr>
+                    </a:p>
+                  </a:txBody>
+                  <a:tcPr marL="68580" marR="68580" marT="0" marB="0">
+                    <a:solidFill>
+                      <a:schemeClr val="accent2">
+                        <a:lumMod val="20000"/>
+                        <a:lumOff val="80000"/>
+                      </a:schemeClr>
+                    </a:solidFill>
+                  </a:tcPr>
+                </a:tc>
+                <a:tc>
+                  <a:txBody>
+                    <a:bodyPr/>
+                    <a:lstStyle/>
+                    <a:p>
+                      <a:pPr marL="0" marR="0">
+                        <a:spcBef>
+                          <a:spcPts val="0"/>
+                        </a:spcBef>
+                        <a:spcAft>
+                          <a:spcPts val="0"/>
+                        </a:spcAft>
+                      </a:pPr>
+                      <a:r>
+                        <a:rPr lang="en-US" sz="1400" dirty="0">
+                          <a:ln>
+                            <a:noFill/>
+                          </a:ln>
+                          <a:solidFill>
+                            <a:schemeClr val="bg1"/>
+                          </a:solidFill>
+                          <a:effectLst/>
+                        </a:rPr>
+                        <a:t> </a:t>
+                      </a:r>
+                      <a:endParaRPr lang="en-US" sz="1400" dirty="0">
+                        <a:ln>
+                          <a:noFill/>
+                        </a:ln>
+                        <a:solidFill>
+                          <a:schemeClr val="bg1"/>
+                        </a:solidFill>
+                        <a:effectLst/>
+                        <a:latin typeface="Times New Roman" panose="02020603050405020304" pitchFamily="18" charset="0"/>
+                        <a:ea typeface="Times New Roman" panose="02020603050405020304" pitchFamily="18" charset="0"/>
+                      </a:endParaRPr>
+                    </a:p>
+                  </a:txBody>
+                  <a:tcPr marL="68580" marR="68580" marT="0" marB="0">
+                    <a:solidFill>
+                      <a:schemeClr val="accent2">
+                        <a:lumMod val="20000"/>
+                        <a:lumOff val="80000"/>
+                      </a:schemeClr>
+                    </a:solidFill>
+                  </a:tcPr>
+                </a:tc>
+              </a:tr>
+              <a:tr h="517823">
+                <a:tc>
+                  <a:txBody>
+                    <a:bodyPr/>
+                    <a:lstStyle/>
+                    <a:p>
+                      <a:pPr marL="0" marR="0">
+                        <a:spcBef>
+                          <a:spcPts val="0"/>
+                        </a:spcBef>
+                        <a:spcAft>
+                          <a:spcPts val="0"/>
+                        </a:spcAft>
+                      </a:pPr>
+                      <a:r>
+                        <a:rPr lang="en-US" sz="1400">
+                          <a:effectLst/>
+                        </a:rPr>
+                        <a:t>5</a:t>
+                      </a:r>
+                      <a:endParaRPr lang="en-US" sz="1400">
+                        <a:effectLst/>
+                        <a:latin typeface="Times New Roman" panose="02020603050405020304" pitchFamily="18" charset="0"/>
+                        <a:ea typeface="Times New Roman" panose="02020603050405020304" pitchFamily="18" charset="0"/>
+                      </a:endParaRPr>
+                    </a:p>
+                  </a:txBody>
+                  <a:tcPr marL="68580" marR="68580" marT="0" marB="0"/>
+                </a:tc>
+                <a:tc>
+                  <a:txBody>
+                    <a:bodyPr/>
+                    <a:lstStyle/>
+                    <a:p>
+                      <a:pPr marL="0" marR="0">
+                        <a:spcBef>
+                          <a:spcPts val="0"/>
+                        </a:spcBef>
+                        <a:spcAft>
+                          <a:spcPts val="0"/>
+                        </a:spcAft>
+                      </a:pPr>
+                      <a:r>
+                        <a:rPr lang="en-US" sz="1400">
+                          <a:effectLst/>
+                        </a:rPr>
+                        <a:t>Search All Guests</a:t>
+                      </a:r>
+                      <a:endParaRPr lang="en-US" sz="1400">
+                        <a:effectLst/>
+                        <a:latin typeface="Times New Roman" panose="02020603050405020304" pitchFamily="18" charset="0"/>
+                        <a:ea typeface="Times New Roman" panose="02020603050405020304" pitchFamily="18" charset="0"/>
+                      </a:endParaRPr>
+                    </a:p>
+                  </a:txBody>
+                  <a:tcPr marL="68580" marR="68580" marT="0" marB="0"/>
+                </a:tc>
+                <a:tc>
+                  <a:txBody>
+                    <a:bodyPr/>
+                    <a:lstStyle/>
+                    <a:p>
+                      <a:pPr marL="0" marR="0">
+                        <a:spcBef>
+                          <a:spcPts val="0"/>
+                        </a:spcBef>
+                        <a:spcAft>
+                          <a:spcPts val="0"/>
+                        </a:spcAft>
+                      </a:pPr>
+                      <a:r>
+                        <a:rPr lang="en-US" sz="1400" dirty="0">
+                          <a:effectLst/>
+                        </a:rPr>
+                        <a:t>User clicks on find all button </a:t>
+                      </a:r>
+                    </a:p>
+                    <a:p>
+                      <a:pPr marL="0" marR="0">
+                        <a:spcBef>
+                          <a:spcPts val="0"/>
+                        </a:spcBef>
+                        <a:spcAft>
+                          <a:spcPts val="0"/>
+                        </a:spcAft>
+                      </a:pPr>
+                      <a:r>
+                        <a:rPr lang="en-US" sz="1400" dirty="0">
+                          <a:effectLst/>
+                        </a:rPr>
+                        <a:t> </a:t>
+                      </a:r>
+                      <a:endParaRPr lang="en-US" sz="1400" dirty="0">
+                        <a:effectLst/>
+                        <a:latin typeface="Times New Roman" panose="02020603050405020304" pitchFamily="18" charset="0"/>
+                        <a:ea typeface="Times New Roman" panose="02020603050405020304" pitchFamily="18" charset="0"/>
+                      </a:endParaRPr>
+                    </a:p>
+                  </a:txBody>
+                  <a:tcPr marL="68580" marR="68580" marT="0" marB="0"/>
+                </a:tc>
+                <a:tc>
+                  <a:txBody>
+                    <a:bodyPr/>
+                    <a:lstStyle/>
+                    <a:p>
+                      <a:pPr marL="0" marR="0">
+                        <a:spcBef>
+                          <a:spcPts val="0"/>
+                        </a:spcBef>
+                        <a:spcAft>
+                          <a:spcPts val="0"/>
+                        </a:spcAft>
+                      </a:pPr>
+                      <a:r>
+                        <a:rPr lang="en-US" sz="1400" dirty="0">
+                          <a:effectLst/>
+                        </a:rPr>
+                        <a:t>It will display in a datagrid</a:t>
+                      </a:r>
+                      <a:endParaRPr lang="en-US" sz="1400" dirty="0">
+                        <a:effectLst/>
+                        <a:latin typeface="Times New Roman" panose="02020603050405020304" pitchFamily="18" charset="0"/>
+                        <a:ea typeface="Times New Roman" panose="02020603050405020304" pitchFamily="18" charset="0"/>
+                      </a:endParaRPr>
+                    </a:p>
+                  </a:txBody>
+                  <a:tcPr marL="68580" marR="68580" marT="0" marB="0"/>
+                </a:tc>
+                <a:tc>
+                  <a:txBody>
+                    <a:bodyPr/>
+                    <a:lstStyle/>
+                    <a:p>
+                      <a:pPr marL="0" marR="0">
+                        <a:spcBef>
+                          <a:spcPts val="0"/>
+                        </a:spcBef>
+                        <a:spcAft>
+                          <a:spcPts val="0"/>
+                        </a:spcAft>
+                      </a:pPr>
+                      <a:r>
+                        <a:rPr lang="en-US" sz="1400">
+                          <a:effectLst/>
+                        </a:rPr>
+                        <a:t>It displays in a datagrid</a:t>
+                      </a:r>
+                      <a:endParaRPr lang="en-US" sz="1400">
+                        <a:effectLst/>
+                        <a:latin typeface="Times New Roman" panose="02020603050405020304" pitchFamily="18" charset="0"/>
+                        <a:ea typeface="Times New Roman" panose="02020603050405020304" pitchFamily="18" charset="0"/>
+                      </a:endParaRPr>
+                    </a:p>
+                  </a:txBody>
+                  <a:tcPr marL="68580" marR="68580" marT="0" marB="0"/>
+                </a:tc>
+                <a:tc>
+                  <a:txBody>
+                    <a:bodyPr/>
+                    <a:lstStyle/>
+                    <a:p>
+                      <a:pPr marL="0" marR="0">
+                        <a:spcBef>
+                          <a:spcPts val="0"/>
+                        </a:spcBef>
+                        <a:spcAft>
+                          <a:spcPts val="0"/>
+                        </a:spcAft>
+                      </a:pPr>
+                      <a:r>
+                        <a:rPr lang="en-US" sz="1400">
+                          <a:effectLst/>
+                        </a:rPr>
+                        <a:t> </a:t>
+                      </a:r>
+                      <a:endParaRPr lang="en-US" sz="1400">
+                        <a:effectLst/>
+                        <a:latin typeface="Times New Roman" panose="02020603050405020304" pitchFamily="18" charset="0"/>
+                        <a:ea typeface="Times New Roman" panose="02020603050405020304" pitchFamily="18" charset="0"/>
+                      </a:endParaRPr>
+                    </a:p>
+                  </a:txBody>
+                  <a:tcPr marL="68580" marR="68580" marT="0" marB="0"/>
+                </a:tc>
+              </a:tr>
+              <a:tr h="1812380">
+                <a:tc>
+                  <a:txBody>
+                    <a:bodyPr/>
+                    <a:lstStyle/>
+                    <a:p>
+                      <a:pPr marL="0" marR="0">
+                        <a:spcBef>
+                          <a:spcPts val="0"/>
+                        </a:spcBef>
+                        <a:spcAft>
+                          <a:spcPts val="0"/>
+                        </a:spcAft>
+                      </a:pPr>
+                      <a:r>
+                        <a:rPr lang="en-US" sz="1400">
+                          <a:effectLst/>
+                        </a:rPr>
+                        <a:t>6</a:t>
+                      </a:r>
+                      <a:endParaRPr lang="en-US" sz="1400">
+                        <a:effectLst/>
+                        <a:latin typeface="Times New Roman" panose="02020603050405020304" pitchFamily="18" charset="0"/>
+                        <a:ea typeface="Times New Roman" panose="02020603050405020304" pitchFamily="18" charset="0"/>
+                      </a:endParaRPr>
+                    </a:p>
+                  </a:txBody>
+                  <a:tcPr marL="68580" marR="68580" marT="0" marB="0"/>
+                </a:tc>
+                <a:tc>
+                  <a:txBody>
+                    <a:bodyPr/>
+                    <a:lstStyle/>
+                    <a:p>
+                      <a:pPr marL="0" marR="0">
+                        <a:spcBef>
+                          <a:spcPts val="0"/>
+                        </a:spcBef>
+                        <a:spcAft>
+                          <a:spcPts val="0"/>
+                        </a:spcAft>
+                      </a:pPr>
+                      <a:r>
+                        <a:rPr lang="en-US" sz="1400" dirty="0">
+                          <a:effectLst/>
+                        </a:rPr>
+                        <a:t>Check In Guest</a:t>
+                      </a:r>
+                      <a:endParaRPr lang="en-US" sz="1400" dirty="0">
+                        <a:effectLst/>
+                        <a:latin typeface="Times New Roman" panose="02020603050405020304" pitchFamily="18" charset="0"/>
+                        <a:ea typeface="Times New Roman" panose="02020603050405020304" pitchFamily="18" charset="0"/>
+                      </a:endParaRPr>
+                    </a:p>
+                  </a:txBody>
+                  <a:tcPr marL="68580" marR="68580" marT="0" marB="0"/>
+                </a:tc>
+                <a:tc>
+                  <a:txBody>
+                    <a:bodyPr/>
+                    <a:lstStyle/>
+                    <a:p>
+                      <a:pPr marL="0" marR="0">
+                        <a:spcBef>
+                          <a:spcPts val="0"/>
+                        </a:spcBef>
+                        <a:spcAft>
+                          <a:spcPts val="0"/>
+                        </a:spcAft>
+                      </a:pPr>
+                      <a:r>
+                        <a:rPr lang="en-US" sz="1400">
+                          <a:effectLst/>
+                        </a:rPr>
+                        <a:t>User can enter add requirements or change their check out date.</a:t>
+                      </a:r>
+                    </a:p>
+                    <a:p>
+                      <a:pPr marL="0" marR="0">
+                        <a:spcBef>
+                          <a:spcPts val="0"/>
+                        </a:spcBef>
+                        <a:spcAft>
+                          <a:spcPts val="0"/>
+                        </a:spcAft>
+                      </a:pPr>
+                      <a:r>
+                        <a:rPr lang="en-US" sz="1400">
+                          <a:effectLst/>
+                        </a:rPr>
+                        <a:t>Normal Data</a:t>
+                      </a:r>
+                    </a:p>
+                    <a:p>
+                      <a:pPr marL="0" marR="0">
+                        <a:spcBef>
+                          <a:spcPts val="0"/>
+                        </a:spcBef>
+                        <a:spcAft>
+                          <a:spcPts val="0"/>
+                        </a:spcAft>
+                      </a:pPr>
+                      <a:r>
+                        <a:rPr lang="en-US" sz="1400">
+                          <a:effectLst/>
+                        </a:rPr>
+                        <a:t> </a:t>
+                      </a:r>
+                      <a:endParaRPr lang="en-US" sz="1400">
+                        <a:effectLst/>
+                        <a:latin typeface="Times New Roman" panose="02020603050405020304" pitchFamily="18" charset="0"/>
+                        <a:ea typeface="Times New Roman" panose="02020603050405020304" pitchFamily="18" charset="0"/>
+                      </a:endParaRPr>
+                    </a:p>
+                  </a:txBody>
+                  <a:tcPr marL="68580" marR="68580" marT="0" marB="0"/>
+                </a:tc>
+                <a:tc>
+                  <a:txBody>
+                    <a:bodyPr/>
+                    <a:lstStyle/>
+                    <a:p>
+                      <a:pPr marL="0" marR="0">
+                        <a:spcBef>
+                          <a:spcPts val="0"/>
+                        </a:spcBef>
+                        <a:spcAft>
+                          <a:spcPts val="0"/>
+                        </a:spcAft>
+                      </a:pPr>
+                      <a:r>
+                        <a:rPr lang="en-US" sz="1400" dirty="0">
+                          <a:effectLst/>
+                        </a:rPr>
+                        <a:t>User clicks on Check In and the room status changes to ‘Occupied’ and update database if changes are made</a:t>
+                      </a:r>
+                      <a:endParaRPr lang="en-US" sz="1400" dirty="0">
+                        <a:effectLst/>
+                        <a:latin typeface="Times New Roman" panose="02020603050405020304" pitchFamily="18" charset="0"/>
+                        <a:ea typeface="Times New Roman" panose="02020603050405020304" pitchFamily="18" charset="0"/>
+                      </a:endParaRPr>
+                    </a:p>
+                  </a:txBody>
+                  <a:tcPr marL="68580" marR="68580" marT="0" marB="0"/>
+                </a:tc>
+                <a:tc>
+                  <a:txBody>
+                    <a:bodyPr/>
+                    <a:lstStyle/>
+                    <a:p>
+                      <a:pPr marL="0" marR="0">
+                        <a:spcBef>
+                          <a:spcPts val="0"/>
+                        </a:spcBef>
+                        <a:spcAft>
+                          <a:spcPts val="0"/>
+                        </a:spcAft>
+                      </a:pPr>
+                      <a:r>
+                        <a:rPr lang="en-US" sz="1400" dirty="0">
+                          <a:effectLst/>
+                        </a:rPr>
+                        <a:t>User clicks on Check In and the room status changed to ‘Occupied’ and update database because changes were made</a:t>
+                      </a:r>
+                      <a:endParaRPr lang="en-US" sz="1400" dirty="0">
+                        <a:effectLst/>
+                        <a:latin typeface="Times New Roman" panose="02020603050405020304" pitchFamily="18" charset="0"/>
+                        <a:ea typeface="Times New Roman" panose="02020603050405020304" pitchFamily="18" charset="0"/>
+                      </a:endParaRPr>
+                    </a:p>
+                  </a:txBody>
+                  <a:tcPr marL="68580" marR="68580" marT="0" marB="0"/>
+                </a:tc>
+                <a:tc>
+                  <a:txBody>
+                    <a:bodyPr/>
+                    <a:lstStyle/>
+                    <a:p>
+                      <a:pPr marL="0" marR="0">
+                        <a:spcBef>
+                          <a:spcPts val="0"/>
+                        </a:spcBef>
+                        <a:spcAft>
+                          <a:spcPts val="0"/>
+                        </a:spcAft>
+                      </a:pPr>
+                      <a:r>
+                        <a:rPr lang="en-US" sz="1400" dirty="0">
+                          <a:effectLst/>
+                        </a:rPr>
+                        <a:t> </a:t>
+                      </a:r>
+                      <a:endParaRPr lang="en-US" sz="1400" dirty="0">
+                        <a:effectLst/>
+                        <a:latin typeface="Times New Roman" panose="02020603050405020304" pitchFamily="18" charset="0"/>
+                        <a:ea typeface="Times New Roman" panose="02020603050405020304" pitchFamily="18" charset="0"/>
+                      </a:endParaRPr>
+                    </a:p>
+                  </a:txBody>
+                  <a:tcPr marL="68580" marR="68580" marT="0" marB="0"/>
+                </a:tc>
+              </a:tr>
+            </a:tbl>
+          </a:graphicData>
+        </a:graphic>
+      </p:graphicFrame>
+    </p:spTree>
+    <p:extLst>
+      <p:ext uri="{BB962C8B-B14F-4D97-AF65-F5344CB8AC3E}">
+        <p14:creationId xmlns:p14="http://schemas.microsoft.com/office/powerpoint/2010/main" val="1541242929"/>
+      </p:ext>
+    </p:extLst>
+  </p:cSld>
+  <p:clrMapOvr>
+    <a:masterClrMapping/>
+  </p:clrMapOvr>
+  <p:timing>
+    <p:tnLst>
+      <p:par>
+        <p:cTn id="1" dur="indefinite" restart="never" nodeType="tmRoot"/>
+      </p:par>
+    </p:tnLst>
+  </p:timing>
 </p:sld>
 </file>
 

--- a/SWEN Assignment Report & PPT/Assignment 3/SWEN Assignment 3 PPT.pptx
+++ b/SWEN Assignment Report & PPT/Assignment 3/SWEN Assignment 3 PPT.pptx
@@ -5,7 +5,7 @@
     <p:sldMasterId id="2147483660" r:id="rId1"/>
   </p:sldMasterIdLst>
   <p:notesMasterIdLst>
-    <p:notesMasterId r:id="rId13"/>
+    <p:notesMasterId r:id="rId14"/>
   </p:notesMasterIdLst>
   <p:sldIdLst>
     <p:sldId id="256" r:id="rId2"/>
@@ -18,7 +18,8 @@
     <p:sldId id="257" r:id="rId9"/>
     <p:sldId id="258" r:id="rId10"/>
     <p:sldId id="259" r:id="rId11"/>
-    <p:sldId id="263" r:id="rId12"/>
+    <p:sldId id="267" r:id="rId12"/>
+    <p:sldId id="263" r:id="rId13"/>
   </p:sldIdLst>
   <p:sldSz cx="12192000" cy="6858000"/>
   <p:notesSz cx="6858000" cy="9144000"/>
@@ -9414,6 +9415,91 @@
 </file>
 
 <file path=ppt/slides/slide11.xml><?xml version="1.0" encoding="utf-8"?>
+<p:sld xmlns:a="http://schemas.openxmlformats.org/drawingml/2006/main" xmlns:r="http://schemas.openxmlformats.org/officeDocument/2006/relationships" xmlns:p="http://schemas.openxmlformats.org/presentationml/2006/main">
+  <p:cSld>
+    <p:spTree>
+      <p:nvGrpSpPr>
+        <p:cNvPr id="1" name=""/>
+        <p:cNvGrpSpPr/>
+        <p:nvPr/>
+      </p:nvGrpSpPr>
+      <p:grpSpPr>
+        <a:xfrm>
+          <a:off x="0" y="0"/>
+          <a:ext cx="0" cy="0"/>
+          <a:chOff x="0" y="0"/>
+          <a:chExt cx="0" cy="0"/>
+        </a:xfrm>
+      </p:grpSpPr>
+      <p:sp>
+        <p:nvSpPr>
+          <p:cNvPr id="4" name="Title 3"/>
+          <p:cNvSpPr>
+            <a:spLocks noGrp="1"/>
+          </p:cNvSpPr>
+          <p:nvPr>
+            <p:ph type="title"/>
+          </p:nvPr>
+        </p:nvSpPr>
+        <p:spPr>
+          <a:xfrm>
+            <a:off x="1497856" y="1985433"/>
+            <a:ext cx="8825657" cy="1915647"/>
+          </a:xfrm>
+        </p:spPr>
+        <p:txBody>
+          <a:bodyPr/>
+          <a:lstStyle/>
+          <a:p>
+            <a:pPr algn="ctr"/>
+            <a:r>
+              <a:rPr lang="en-SG" sz="6000" b="1" dirty="0" smtClean="0"/>
+              <a:t>SYSTEM DEMO</a:t>
+            </a:r>
+            <a:endParaRPr lang="en-SG" sz="6000" b="1" dirty="0"/>
+          </a:p>
+        </p:txBody>
+      </p:sp>
+      <p:sp>
+        <p:nvSpPr>
+          <p:cNvPr id="5" name="Text Placeholder 4"/>
+          <p:cNvSpPr>
+            <a:spLocks noGrp="1"/>
+          </p:cNvSpPr>
+          <p:nvPr>
+            <p:ph type="body" idx="1"/>
+          </p:nvPr>
+        </p:nvSpPr>
+        <p:spPr/>
+        <p:txBody>
+          <a:bodyPr/>
+          <a:lstStyle/>
+          <a:p>
+            <a:endParaRPr lang="en-SG"/>
+          </a:p>
+        </p:txBody>
+      </p:sp>
+    </p:spTree>
+    <p:extLst>
+      <p:ext uri="{BB962C8B-B14F-4D97-AF65-F5344CB8AC3E}">
+        <p14:creationId xmlns:p14="http://schemas.microsoft.com/office/powerpoint/2010/main" val="3790967948"/>
+      </p:ext>
+    </p:extLst>
+  </p:cSld>
+  <p:clrMapOvr>
+    <a:masterClrMapping/>
+  </p:clrMapOvr>
+  <p:timing>
+    <p:tnLst>
+      <p:par>
+        <p:cTn id="1" dur="indefinite" restart="never" nodeType="tmRoot"/>
+      </p:par>
+    </p:tnLst>
+  </p:timing>
+</p:sld>
+</file>
+
+<file path=ppt/slides/slide12.xml><?xml version="1.0" encoding="utf-8"?>
 <p:sld xmlns:a="http://schemas.openxmlformats.org/drawingml/2006/main" xmlns:r="http://schemas.openxmlformats.org/officeDocument/2006/relationships" xmlns:p="http://schemas.openxmlformats.org/presentationml/2006/main">
   <p:cSld>
     <p:spTree>
